--- a/Scrum.pptx
+++ b/Scrum.pptx
@@ -5,25 +5,33 @@
     <p:sldMasterId id="2147483648" r:id="rId1"/>
   </p:sldMasterIdLst>
   <p:notesMasterIdLst>
-    <p:notesMasterId r:id="rId18"/>
+    <p:notesMasterId r:id="rId26"/>
   </p:notesMasterIdLst>
   <p:sldIdLst>
     <p:sldId id="256" r:id="rId2"/>
-    <p:sldId id="257" r:id="rId3"/>
-    <p:sldId id="268" r:id="rId4"/>
-    <p:sldId id="261" r:id="rId5"/>
-    <p:sldId id="262" r:id="rId6"/>
-    <p:sldId id="263" r:id="rId7"/>
-    <p:sldId id="264" r:id="rId8"/>
-    <p:sldId id="265" r:id="rId9"/>
-    <p:sldId id="266" r:id="rId10"/>
-    <p:sldId id="267" r:id="rId11"/>
-    <p:sldId id="258" r:id="rId12"/>
-    <p:sldId id="259" r:id="rId13"/>
-    <p:sldId id="260" r:id="rId14"/>
-    <p:sldId id="269" r:id="rId15"/>
-    <p:sldId id="270" r:id="rId16"/>
-    <p:sldId id="271" r:id="rId17"/>
+    <p:sldId id="272" r:id="rId3"/>
+    <p:sldId id="274" r:id="rId4"/>
+    <p:sldId id="275" r:id="rId5"/>
+    <p:sldId id="257" r:id="rId6"/>
+    <p:sldId id="268" r:id="rId7"/>
+    <p:sldId id="261" r:id="rId8"/>
+    <p:sldId id="262" r:id="rId9"/>
+    <p:sldId id="263" r:id="rId10"/>
+    <p:sldId id="264" r:id="rId11"/>
+    <p:sldId id="265" r:id="rId12"/>
+    <p:sldId id="266" r:id="rId13"/>
+    <p:sldId id="267" r:id="rId14"/>
+    <p:sldId id="273" r:id="rId15"/>
+    <p:sldId id="258" r:id="rId16"/>
+    <p:sldId id="276" r:id="rId17"/>
+    <p:sldId id="277" r:id="rId18"/>
+    <p:sldId id="278" r:id="rId19"/>
+    <p:sldId id="279" r:id="rId20"/>
+    <p:sldId id="259" r:id="rId21"/>
+    <p:sldId id="260" r:id="rId22"/>
+    <p:sldId id="269" r:id="rId23"/>
+    <p:sldId id="270" r:id="rId24"/>
+    <p:sldId id="271" r:id="rId25"/>
   </p:sldIdLst>
   <p:sldSz cx="9144000" cy="6858000" type="screen4x3"/>
   <p:notesSz cx="6858000" cy="9144000"/>
@@ -122,6 +130,22 @@
       </a:defRPr>
     </a:lvl9pPr>
   </p:defaultTextStyle>
+  <p:extLst>
+    <p:ext uri="{EFAFB233-063F-42B5-8137-9DF3F51BA10A}">
+      <p15:sldGuideLst xmlns:p15="http://schemas.microsoft.com/office/powerpoint/2012/main">
+        <p15:guide id="1" orient="horz" pos="2160">
+          <p15:clr>
+            <a:srgbClr val="A4A3A4"/>
+          </p15:clr>
+        </p15:guide>
+        <p15:guide id="2" pos="2880">
+          <p15:clr>
+            <a:srgbClr val="A4A3A4"/>
+          </p15:clr>
+        </p15:guide>
+      </p15:sldGuideLst>
+    </p:ext>
+  </p:extLst>
 </p:presentation>
 </file>
 
@@ -207,7 +231,7 @@
           <a:p>
             <a:fld id="{EA62013E-07D5-1447-AF6D-911D3D6E1712}" type="datetimeFigureOut">
               <a:rPr lang="en-US" smtClean="0"/>
-              <a:t>27/06/16</a:t>
+              <a:t>12/6/2020</a:t>
             </a:fld>
             <a:endParaRPr lang="en-US"/>
           </a:p>
@@ -366,7 +390,7 @@
           <a:p>
             <a:fld id="{80902561-DDF2-C641-88B2-E6604D56DEA9}" type="slidenum">
               <a:rPr lang="en-US" smtClean="0"/>
-              <a:t>‹#›</a:t>
+              <a:t>‹Nr.›</a:t>
             </a:fld>
             <a:endParaRPr lang="en-US"/>
           </a:p>
@@ -557,7 +581,7 @@
           <a:p>
             <a:fld id="{80902561-DDF2-C641-88B2-E6604D56DEA9}" type="slidenum">
               <a:rPr lang="en-US" smtClean="0"/>
-              <a:t>2</a:t>
+              <a:t>5</a:t>
             </a:fld>
             <a:endParaRPr lang="en-US"/>
           </a:p>
@@ -658,7 +682,7 @@
           <a:p>
             <a:fld id="{80902561-DDF2-C641-88B2-E6604D56DEA9}" type="slidenum">
               <a:rPr lang="en-US" smtClean="0"/>
-              <a:t>3</a:t>
+              <a:t>6</a:t>
             </a:fld>
             <a:endParaRPr lang="en-US"/>
           </a:p>
@@ -759,7 +783,7 @@
           <a:p>
             <a:fld id="{80902561-DDF2-C641-88B2-E6604D56DEA9}" type="slidenum">
               <a:rPr lang="en-US" smtClean="0"/>
-              <a:t>4</a:t>
+              <a:t>7</a:t>
             </a:fld>
             <a:endParaRPr lang="en-US"/>
           </a:p>
@@ -843,7 +867,7 @@
           <a:p>
             <a:fld id="{80902561-DDF2-C641-88B2-E6604D56DEA9}" type="slidenum">
               <a:rPr lang="en-US" smtClean="0"/>
-              <a:t>16</a:t>
+              <a:t>24</a:t>
             </a:fld>
             <a:endParaRPr lang="en-US"/>
           </a:p>
@@ -1054,7 +1078,7 @@
           <a:p>
             <a:fld id="{216C5678-EE20-4FA5-88E2-6E0BD67A2E26}" type="datetime1">
               <a:rPr lang="en-US" smtClean="0"/>
-              <a:t>27/06/16</a:t>
+              <a:t>12/6/2020</a:t>
             </a:fld>
             <a:endParaRPr lang="en-US" dirty="0"/>
           </a:p>
@@ -1078,7 +1102,7 @@
             <a:fld id="{BA9B540C-44DA-4F69-89C9-7C84606640D3}" type="slidenum">
               <a:rPr lang="en-US" smtClean="0"/>
               <a:pPr/>
-              <a:t>‹#›</a:t>
+              <a:t>‹Nr.›</a:t>
             </a:fld>
             <a:endParaRPr lang="en-US" dirty="0"/>
           </a:p>
@@ -1224,7 +1248,7 @@
           <a:p>
             <a:fld id="{EA051B39-B140-43FE-96DB-472A2B59CE7C}" type="datetime1">
               <a:rPr lang="en-US" smtClean="0"/>
-              <a:t>27/06/16</a:t>
+              <a:t>12/6/2020</a:t>
             </a:fld>
             <a:endParaRPr lang="en-US"/>
           </a:p>
@@ -1271,7 +1295,7 @@
             <a:fld id="{BA9B540C-44DA-4F69-89C9-7C84606640D3}" type="slidenum">
               <a:rPr lang="en-US" smtClean="0"/>
               <a:pPr/>
-              <a:t>‹#›</a:t>
+              <a:t>‹Nr.›</a:t>
             </a:fld>
             <a:endParaRPr lang="en-US"/>
           </a:p>
@@ -1404,7 +1428,7 @@
           <a:p>
             <a:fld id="{DA600BB2-27C5-458B-ABCE-839C88CF47CE}" type="datetime1">
               <a:rPr lang="en-US" smtClean="0"/>
-              <a:t>27/06/16</a:t>
+              <a:t>12/6/2020</a:t>
             </a:fld>
             <a:endParaRPr lang="en-US"/>
           </a:p>
@@ -1451,7 +1475,7 @@
             <a:fld id="{BA9B540C-44DA-4F69-89C9-7C84606640D3}" type="slidenum">
               <a:rPr lang="en-US" smtClean="0"/>
               <a:pPr/>
-              <a:t>‹#›</a:t>
+              <a:t>‹Nr.›</a:t>
             </a:fld>
             <a:endParaRPr lang="en-US"/>
           </a:p>
@@ -1592,7 +1616,7 @@
           <a:p>
             <a:fld id="{B11D738E-8962-435F-8C43-147B8DD7E819}" type="datetime1">
               <a:rPr lang="en-US" smtClean="0"/>
-              <a:t>27/06/16</a:t>
+              <a:t>12/6/2020</a:t>
             </a:fld>
             <a:endParaRPr lang="en-US"/>
           </a:p>
@@ -1639,7 +1663,7 @@
             <a:fld id="{BA9B540C-44DA-4F69-89C9-7C84606640D3}" type="slidenum">
               <a:rPr lang="en-US" smtClean="0"/>
               <a:pPr/>
-              <a:t>‹#›</a:t>
+              <a:t>‹Nr.›</a:t>
             </a:fld>
             <a:endParaRPr lang="en-US"/>
           </a:p>
@@ -1859,7 +1883,7 @@
           <a:p>
             <a:fld id="{09CAEA93-55E7-4DA9-90C2-089A26EEFEC4}" type="datetime1">
               <a:rPr lang="en-US" smtClean="0"/>
-              <a:t>27/06/16</a:t>
+              <a:t>12/6/2020</a:t>
             </a:fld>
             <a:endParaRPr lang="en-US"/>
           </a:p>
@@ -1906,7 +1930,7 @@
             <a:fld id="{BA9B540C-44DA-4F69-89C9-7C84606640D3}" type="slidenum">
               <a:rPr lang="en-US" smtClean="0"/>
               <a:pPr/>
-              <a:t>‹#›</a:t>
+              <a:t>‹Nr.›</a:t>
             </a:fld>
             <a:endParaRPr lang="en-US"/>
           </a:p>
@@ -2212,7 +2236,7 @@
           <a:p>
             <a:fld id="{E34CF3C7-6809-4F39-BD67-A75817BDDE0A}" type="datetime1">
               <a:rPr lang="en-US" smtClean="0"/>
-              <a:t>27/06/16</a:t>
+              <a:t>12/6/2020</a:t>
             </a:fld>
             <a:endParaRPr lang="en-US"/>
           </a:p>
@@ -2259,7 +2283,7 @@
             <a:fld id="{BA9B540C-44DA-4F69-89C9-7C84606640D3}" type="slidenum">
               <a:rPr lang="en-US" smtClean="0"/>
               <a:pPr/>
-              <a:t>‹#›</a:t>
+              <a:t>‹Nr.›</a:t>
             </a:fld>
             <a:endParaRPr lang="en-US"/>
           </a:p>
@@ -2525,7 +2549,7 @@
           <a:p>
             <a:fld id="{F7EAEB24-CE78-465C-A726-91D0868FA48F}" type="datetime1">
               <a:rPr lang="en-US" smtClean="0"/>
-              <a:t>27/06/16</a:t>
+              <a:t>12/6/2020</a:t>
             </a:fld>
             <a:endParaRPr lang="en-US"/>
           </a:p>
@@ -2572,7 +2596,7 @@
             <a:fld id="{BA9B540C-44DA-4F69-89C9-7C84606640D3}" type="slidenum">
               <a:rPr lang="en-US" smtClean="0"/>
               <a:pPr/>
-              <a:t>‹#›</a:t>
+              <a:t>‹Nr.›</a:t>
             </a:fld>
             <a:endParaRPr lang="en-US"/>
           </a:p>
@@ -2757,7 +2781,7 @@
           <a:p>
             <a:fld id="{40BAADF0-1749-4E8B-9691-B44A5F8C0895}" type="datetime1">
               <a:rPr lang="en-US" smtClean="0"/>
-              <a:t>27/06/16</a:t>
+              <a:t>12/6/2020</a:t>
             </a:fld>
             <a:endParaRPr lang="en-US"/>
           </a:p>
@@ -2804,7 +2828,7 @@
             <a:fld id="{BA9B540C-44DA-4F69-89C9-7C84606640D3}" type="slidenum">
               <a:rPr lang="en-US" smtClean="0"/>
               <a:pPr/>
-              <a:t>‹#›</a:t>
+              <a:t>‹Nr.›</a:t>
             </a:fld>
             <a:endParaRPr lang="en-US"/>
           </a:p>
@@ -2852,7 +2876,7 @@
           <a:p>
             <a:fld id="{A8AF628A-A867-4937-BBE5-207DB6F9C51A}" type="datetime1">
               <a:rPr lang="en-US" smtClean="0"/>
-              <a:t>27/06/16</a:t>
+              <a:t>12/6/2020</a:t>
             </a:fld>
             <a:endParaRPr lang="en-US"/>
           </a:p>
@@ -2899,7 +2923,7 @@
             <a:fld id="{BA9B540C-44DA-4F69-89C9-7C84606640D3}" type="slidenum">
               <a:rPr lang="en-US" smtClean="0"/>
               <a:pPr/>
-              <a:t>‹#›</a:t>
+              <a:t>‹Nr.›</a:t>
             </a:fld>
             <a:endParaRPr lang="en-US"/>
           </a:p>
@@ -3145,7 +3169,7 @@
           <a:p>
             <a:fld id="{118BBB94-68E6-4675-A946-F1C5994EDBD7}" type="datetime1">
               <a:rPr lang="en-US" smtClean="0"/>
-              <a:t>27/06/16</a:t>
+              <a:t>12/6/2020</a:t>
             </a:fld>
             <a:endParaRPr lang="en-US"/>
           </a:p>
@@ -3192,7 +3216,7 @@
             <a:fld id="{BA9B540C-44DA-4F69-89C9-7C84606640D3}" type="slidenum">
               <a:rPr lang="en-US" smtClean="0"/>
               <a:pPr/>
-              <a:t>‹#›</a:t>
+              <a:t>‹Nr.›</a:t>
             </a:fld>
             <a:endParaRPr lang="en-US"/>
           </a:p>
@@ -3419,7 +3443,7 @@
           <a:p>
             <a:fld id="{DC3B8377-21E3-4835-B75D-4E2847E2750F}" type="datetime1">
               <a:rPr lang="en-US" smtClean="0"/>
-              <a:t>27/06/16</a:t>
+              <a:t>12/6/2020</a:t>
             </a:fld>
             <a:endParaRPr lang="en-US"/>
           </a:p>
@@ -3466,7 +3490,7 @@
             <a:fld id="{BA9B540C-44DA-4F69-89C9-7C84606640D3}" type="slidenum">
               <a:rPr lang="en-US" smtClean="0"/>
               <a:pPr/>
-              <a:t>‹#›</a:t>
+              <a:t>‹Nr.›</a:t>
             </a:fld>
             <a:endParaRPr lang="en-US"/>
           </a:p>
@@ -3634,7 +3658,7 @@
           <a:p>
             <a:fld id="{B0C4986D-6BE9-4264-908F-02DB36FD8D6C}" type="datetime1">
               <a:rPr lang="en-US" smtClean="0"/>
-              <a:t>27/06/16</a:t>
+              <a:t>12/6/2020</a:t>
             </a:fld>
             <a:endParaRPr lang="en-US" dirty="0"/>
           </a:p>
@@ -3721,7 +3745,7 @@
             <a:fld id="{BA9B540C-44DA-4F69-89C9-7C84606640D3}" type="slidenum">
               <a:rPr lang="en-US" smtClean="0"/>
               <a:pPr/>
-              <a:t>‹#›</a:t>
+              <a:t>‹Nr.›</a:t>
             </a:fld>
             <a:endParaRPr lang="en-US" dirty="0"/>
           </a:p>
@@ -4198,7 +4222,11 @@
           <a:p>
             <a:r>
               <a:rPr lang="en-US" dirty="0" smtClean="0"/>
-              <a:t>Jacob Greenland</a:t>
+              <a:t>Tobias </a:t>
+            </a:r>
+            <a:r>
+              <a:rPr lang="en-US" dirty="0" err="1" smtClean="0"/>
+              <a:t>Dörfler</a:t>
             </a:r>
             <a:endParaRPr lang="en-US" dirty="0"/>
           </a:p>
@@ -4221,8 +4249,8 @@
         </p:blipFill>
         <p:spPr>
           <a:xfrm>
-            <a:off x="-1" y="0"/>
-            <a:ext cx="9144001" cy="6858000"/>
+            <a:off x="4209690" y="1"/>
+            <a:ext cx="4934310" cy="3700732"/>
           </a:xfrm>
           <a:prstGeom prst="rect">
             <a:avLst/>
@@ -4242,7 +4270,7 @@
   <p:timing>
     <p:tnLst>
       <p:par>
-        <p:cTn xmlns:p14="http://schemas.microsoft.com/office/powerpoint/2010/main" id="1" dur="indefinite" restart="never" nodeType="tmRoot"/>
+        <p:cTn id="1" dur="indefinite" restart="never" nodeType="tmRoot"/>
       </p:par>
     </p:tnLst>
   </p:timing>
@@ -4282,8 +4310,16 @@
           <a:lstStyle/>
           <a:p>
             <a:r>
-              <a:rPr lang="en-US" dirty="0" smtClean="0"/>
-              <a:t>Sprint Backlog</a:t>
+              <a:rPr lang="en-US" dirty="0" err="1" smtClean="0"/>
+              <a:t>Entwickler</a:t>
+            </a:r>
+            <a:r>
+              <a:rPr lang="en-US" dirty="0" smtClean="0"/>
+              <a:t> </a:t>
+            </a:r>
+            <a:r>
+              <a:rPr lang="en-US" dirty="0" smtClean="0"/>
+              <a:t>Team</a:t>
             </a:r>
             <a:endParaRPr lang="en-US" dirty="0"/>
           </a:p>
@@ -4315,10 +4351,86 @@
               </a:spcAft>
             </a:pPr>
             <a:r>
-              <a:rPr lang="en-US" dirty="0" smtClean="0"/>
-              <a:t>List of features that are taken from the Product Backlog, that can be achieved in the sprint.</a:t>
-            </a:r>
-            <a:endParaRPr lang="en-US" dirty="0"/>
+              <a:rPr lang="en-US" dirty="0" err="1" smtClean="0"/>
+              <a:t>Verantwortlich</a:t>
+            </a:r>
+            <a:r>
+              <a:rPr lang="en-US" dirty="0" smtClean="0"/>
+              <a:t> </a:t>
+            </a:r>
+            <a:r>
+              <a:rPr lang="en-US" dirty="0" err="1" smtClean="0"/>
+              <a:t>für</a:t>
+            </a:r>
+            <a:r>
+              <a:rPr lang="en-US" dirty="0" smtClean="0"/>
+              <a:t> die </a:t>
+            </a:r>
+            <a:r>
+              <a:rPr lang="en-US" dirty="0" err="1" smtClean="0"/>
+              <a:t>pünktliche</a:t>
+            </a:r>
+            <a:r>
+              <a:rPr lang="en-US" dirty="0" smtClean="0"/>
+              <a:t> </a:t>
+            </a:r>
+            <a:r>
+              <a:rPr lang="en-US" dirty="0" err="1" smtClean="0"/>
+              <a:t>Lieferung</a:t>
+            </a:r>
+            <a:r>
+              <a:rPr lang="en-US" dirty="0" smtClean="0"/>
+              <a:t> </a:t>
+            </a:r>
+            <a:r>
+              <a:rPr lang="en-US" dirty="0" err="1" smtClean="0"/>
+              <a:t>eines</a:t>
+            </a:r>
+            <a:r>
+              <a:rPr lang="en-US" dirty="0" smtClean="0"/>
+              <a:t> </a:t>
+            </a:r>
+            <a:r>
+              <a:rPr lang="en-US" dirty="0" err="1" smtClean="0"/>
+              <a:t>potentiell</a:t>
+            </a:r>
+            <a:r>
+              <a:rPr lang="en-US" dirty="0" smtClean="0"/>
+              <a:t> </a:t>
+            </a:r>
+            <a:r>
+              <a:rPr lang="en-US" dirty="0" err="1" smtClean="0"/>
+              <a:t>funktionierenden</a:t>
+            </a:r>
+            <a:r>
+              <a:rPr lang="en-US" dirty="0" smtClean="0"/>
+              <a:t> </a:t>
+            </a:r>
+            <a:r>
+              <a:rPr lang="en-US" dirty="0" err="1" smtClean="0"/>
+              <a:t>Inkrements</a:t>
+            </a:r>
+            <a:r>
+              <a:rPr lang="en-US" dirty="0" smtClean="0"/>
+              <a:t> </a:t>
+            </a:r>
+            <a:r>
+              <a:rPr lang="en-US" dirty="0" err="1" smtClean="0"/>
+              <a:t>mit</a:t>
+            </a:r>
+            <a:r>
+              <a:rPr lang="en-US" dirty="0" smtClean="0"/>
+              <a:t> </a:t>
+            </a:r>
+            <a:r>
+              <a:rPr lang="en-US" dirty="0" err="1" smtClean="0"/>
+              <a:t>jedem</a:t>
+            </a:r>
+            <a:r>
+              <a:rPr lang="en-US" dirty="0" smtClean="0"/>
+              <a:t> Sprint.</a:t>
+            </a:r>
+            <a:endParaRPr lang="en-US" dirty="0" smtClean="0"/>
           </a:p>
           <a:p>
             <a:pPr>
@@ -4328,8 +4440,101 @@
             </a:pPr>
             <a:r>
               <a:rPr lang="en-US" dirty="0" smtClean="0"/>
-              <a:t>These features are determined during a Sprint Meeting at the start of each Sprint.</a:t>
-            </a:r>
+              <a:t>GEMEINSAM </a:t>
+            </a:r>
+            <a:r>
+              <a:rPr lang="en-US" dirty="0" err="1" smtClean="0"/>
+              <a:t>verwantwortlich</a:t>
+            </a:r>
+            <a:r>
+              <a:rPr lang="en-US" dirty="0" smtClean="0"/>
+              <a:t> </a:t>
+            </a:r>
+            <a:r>
+              <a:rPr lang="en-US" dirty="0" err="1" smtClean="0"/>
+              <a:t>für</a:t>
+            </a:r>
+            <a:r>
+              <a:rPr lang="en-US" dirty="0" smtClean="0"/>
+              <a:t> Design, </a:t>
+            </a:r>
+            <a:r>
+              <a:rPr lang="en-US" dirty="0" err="1" smtClean="0"/>
+              <a:t>Entwicklung</a:t>
+            </a:r>
+            <a:r>
+              <a:rPr lang="en-US" dirty="0" smtClean="0"/>
+              <a:t> und das </a:t>
+            </a:r>
+            <a:r>
+              <a:rPr lang="en-US" dirty="0" err="1" smtClean="0"/>
+              <a:t>Testen</a:t>
+            </a:r>
+            <a:r>
+              <a:rPr lang="en-US" dirty="0" smtClean="0"/>
+              <a:t> </a:t>
+            </a:r>
+            <a:r>
+              <a:rPr lang="en-US" dirty="0" err="1" smtClean="0"/>
+              <a:t>eines</a:t>
+            </a:r>
+            <a:r>
+              <a:rPr lang="en-US" dirty="0" smtClean="0"/>
+              <a:t> Sprints</a:t>
+            </a:r>
+            <a:r>
+              <a:rPr lang="en-US" dirty="0" smtClean="0"/>
+              <a:t>.</a:t>
+            </a:r>
+            <a:endParaRPr lang="en-US" dirty="0" smtClean="0"/>
+          </a:p>
+          <a:p>
+            <a:pPr>
+              <a:spcAft>
+                <a:spcPts val="3000"/>
+              </a:spcAft>
+            </a:pPr>
+            <a:r>
+              <a:rPr lang="en-US" dirty="0" err="1" smtClean="0"/>
+              <a:t>Selbstverantwortlich</a:t>
+            </a:r>
+            <a:r>
+              <a:rPr lang="en-US" dirty="0" smtClean="0"/>
+              <a:t> </a:t>
+            </a:r>
+            <a:r>
+              <a:rPr lang="en-US" dirty="0" err="1" smtClean="0"/>
+              <a:t>entscheided</a:t>
+            </a:r>
+            <a:r>
+              <a:rPr lang="en-US" dirty="0" smtClean="0"/>
+              <a:t> das Team, </a:t>
+            </a:r>
+            <a:r>
+              <a:rPr lang="en-US" dirty="0" err="1" smtClean="0"/>
+              <a:t>wie</a:t>
+            </a:r>
+            <a:r>
+              <a:rPr lang="en-US" dirty="0" smtClean="0"/>
+              <a:t> der Sprint </a:t>
+            </a:r>
+            <a:r>
+              <a:rPr lang="en-US" dirty="0" err="1" smtClean="0"/>
+              <a:t>implementiert</a:t>
+            </a:r>
+            <a:r>
+              <a:rPr lang="en-US" dirty="0" smtClean="0"/>
+              <a:t> </a:t>
+            </a:r>
+            <a:r>
+              <a:rPr lang="en-US" dirty="0" err="1" smtClean="0"/>
+              <a:t>wird</a:t>
+            </a:r>
+            <a:r>
+              <a:rPr lang="en-US" dirty="0" smtClean="0"/>
+              <a:t>.</a:t>
+            </a:r>
+            <a:endParaRPr lang="en-US" dirty="0" smtClean="0"/>
           </a:p>
           <a:p>
             <a:pPr>
@@ -4339,12 +4544,20 @@
             </a:pPr>
             <a:endParaRPr lang="en-US" dirty="0" smtClean="0"/>
           </a:p>
+          <a:p>
+            <a:pPr>
+              <a:spcAft>
+                <a:spcPts val="3000"/>
+              </a:spcAft>
+            </a:pPr>
+            <a:endParaRPr lang="en-US" dirty="0" smtClean="0"/>
+          </a:p>
         </p:txBody>
       </p:sp>
     </p:spTree>
     <p:extLst>
       <p:ext uri="{BB962C8B-B14F-4D97-AF65-F5344CB8AC3E}">
-        <p14:creationId xmlns:p14="http://schemas.microsoft.com/office/powerpoint/2010/main" val="1552232305"/>
+        <p14:creationId xmlns:p14="http://schemas.microsoft.com/office/powerpoint/2010/main" val="2866001309"/>
       </p:ext>
     </p:extLst>
   </p:cSld>
@@ -4388,1431 +4601,11 @@
           <a:p>
             <a:r>
               <a:rPr lang="en-US" dirty="0" smtClean="0"/>
-              <a:t>Sprints</a:t>
-            </a:r>
-            <a:endParaRPr lang="en-US" dirty="0"/>
-          </a:p>
-        </p:txBody>
-      </p:sp>
-      <p:sp>
-        <p:nvSpPr>
-          <p:cNvPr id="4" name="Content Placeholder 2"/>
-          <p:cNvSpPr>
-            <a:spLocks noGrp="1"/>
-          </p:cNvSpPr>
-          <p:nvPr>
-            <p:ph idx="1"/>
-          </p:nvPr>
-        </p:nvSpPr>
-        <p:spPr>
-          <a:xfrm>
-            <a:off x="457200" y="1746356"/>
-            <a:ext cx="8229600" cy="4379807"/>
-          </a:xfrm>
-        </p:spPr>
-        <p:txBody>
-          <a:bodyPr>
-            <a:normAutofit lnSpcReduction="10000"/>
-          </a:bodyPr>
-          <a:lstStyle/>
-          <a:p>
-            <a:pPr>
-              <a:spcAft>
-                <a:spcPts val="3000"/>
-              </a:spcAft>
-            </a:pPr>
-            <a:r>
-              <a:rPr lang="en-US" dirty="0" smtClean="0"/>
-              <a:t>Projects progress via a series of ‘Sprints’.</a:t>
-            </a:r>
-          </a:p>
-          <a:p>
-            <a:pPr>
-              <a:spcAft>
-                <a:spcPts val="3000"/>
-              </a:spcAft>
-            </a:pPr>
-            <a:r>
-              <a:rPr lang="en-US" dirty="0" smtClean="0"/>
-              <a:t> A sprint is a short development period (usually two to four weeks) where a team works on the Sprint Backlog.</a:t>
-            </a:r>
-          </a:p>
-          <a:p>
-            <a:pPr>
-              <a:spcAft>
-                <a:spcPts val="3000"/>
-              </a:spcAft>
-            </a:pPr>
-            <a:r>
-              <a:rPr lang="en-US" dirty="0" smtClean="0"/>
-              <a:t>The short length is designed to make sure the goals are achievable and realistic.</a:t>
-            </a:r>
-          </a:p>
-          <a:p>
-            <a:pPr>
-              <a:spcAft>
-                <a:spcPts val="3000"/>
-              </a:spcAft>
-            </a:pPr>
-            <a:r>
-              <a:rPr lang="en-US" dirty="0" smtClean="0"/>
-              <a:t>Once a Sprint finishes, the next one begins immediately.</a:t>
-            </a:r>
-            <a:endParaRPr lang="en-US" dirty="0"/>
-          </a:p>
-        </p:txBody>
-      </p:sp>
-    </p:spTree>
-    <p:extLst>
-      <p:ext uri="{BB962C8B-B14F-4D97-AF65-F5344CB8AC3E}">
-        <p14:creationId xmlns:p14="http://schemas.microsoft.com/office/powerpoint/2010/main" val="5475529"/>
-      </p:ext>
-    </p:extLst>
-  </p:cSld>
-  <p:clrMapOvr>
-    <a:masterClrMapping/>
-  </p:clrMapOvr>
-</p:sld>
-</file>
-
-<file path=ppt/slides/slide12.xml><?xml version="1.0" encoding="utf-8"?>
-<p:sld xmlns:a="http://schemas.openxmlformats.org/drawingml/2006/main" xmlns:r="http://schemas.openxmlformats.org/officeDocument/2006/relationships" xmlns:p="http://schemas.openxmlformats.org/presentationml/2006/main">
-  <p:cSld>
-    <p:spTree>
-      <p:nvGrpSpPr>
-        <p:cNvPr id="1" name=""/>
-        <p:cNvGrpSpPr/>
-        <p:nvPr/>
-      </p:nvGrpSpPr>
-      <p:grpSpPr>
-        <a:xfrm>
-          <a:off x="0" y="0"/>
-          <a:ext cx="0" cy="0"/>
-          <a:chOff x="0" y="0"/>
-          <a:chExt cx="0" cy="0"/>
-        </a:xfrm>
-      </p:grpSpPr>
-      <p:sp>
-        <p:nvSpPr>
-          <p:cNvPr id="2" name="Title 1"/>
-          <p:cNvSpPr>
-            <a:spLocks noGrp="1"/>
-          </p:cNvSpPr>
-          <p:nvPr>
-            <p:ph type="title"/>
-          </p:nvPr>
-        </p:nvSpPr>
-        <p:spPr/>
-        <p:txBody>
-          <a:bodyPr/>
-          <a:lstStyle/>
-          <a:p>
-            <a:r>
-              <a:rPr lang="en-US" dirty="0" smtClean="0"/>
-              <a:t>Stand-ups</a:t>
-            </a:r>
-            <a:endParaRPr lang="en-US" sz="3600" dirty="0"/>
-          </a:p>
-        </p:txBody>
-      </p:sp>
-      <p:sp>
-        <p:nvSpPr>
-          <p:cNvPr id="4" name="Content Placeholder 2"/>
-          <p:cNvSpPr>
-            <a:spLocks noGrp="1"/>
-          </p:cNvSpPr>
-          <p:nvPr>
-            <p:ph idx="1"/>
-          </p:nvPr>
-        </p:nvSpPr>
-        <p:spPr>
-          <a:xfrm>
-            <a:off x="457200" y="1746356"/>
-            <a:ext cx="8229600" cy="4379807"/>
-          </a:xfrm>
-        </p:spPr>
-        <p:txBody>
-          <a:bodyPr/>
-          <a:lstStyle/>
-          <a:p>
-            <a:pPr>
-              <a:spcAft>
-                <a:spcPts val="3000"/>
-              </a:spcAft>
-            </a:pPr>
-            <a:r>
-              <a:rPr lang="en-US" dirty="0" smtClean="0"/>
-              <a:t>Progress is tracked by daily or stand-ups.</a:t>
-            </a:r>
-          </a:p>
-          <a:p>
-            <a:pPr>
-              <a:spcAft>
-                <a:spcPts val="3000"/>
-              </a:spcAft>
-            </a:pPr>
-            <a:r>
-              <a:rPr lang="en-US" dirty="0" smtClean="0"/>
-              <a:t>These stand ups include the Scrum Master and Development Team.</a:t>
-            </a:r>
-          </a:p>
-          <a:p>
-            <a:pPr>
-              <a:spcAft>
-                <a:spcPts val="3000"/>
-              </a:spcAft>
-            </a:pPr>
-            <a:r>
-              <a:rPr lang="en-US" dirty="0" smtClean="0"/>
-              <a:t>Usually last 15 minutes in total, and are scheduled for the same time, and place each day.</a:t>
-            </a:r>
-          </a:p>
-          <a:p>
-            <a:pPr>
-              <a:spcAft>
-                <a:spcPts val="3000"/>
-              </a:spcAft>
-            </a:pPr>
-            <a:r>
-              <a:rPr lang="en-US" dirty="0" smtClean="0"/>
-              <a:t>Keeps the team </a:t>
-            </a:r>
-            <a:r>
-              <a:rPr lang="en-US" dirty="0" err="1" smtClean="0"/>
-              <a:t>synchronised</a:t>
-            </a:r>
-            <a:r>
-              <a:rPr lang="en-US" dirty="0" smtClean="0"/>
-              <a:t> with the progress of others.</a:t>
-            </a:r>
-            <a:endParaRPr lang="en-US" dirty="0"/>
-          </a:p>
-        </p:txBody>
-      </p:sp>
-    </p:spTree>
-    <p:extLst>
-      <p:ext uri="{BB962C8B-B14F-4D97-AF65-F5344CB8AC3E}">
-        <p14:creationId xmlns:p14="http://schemas.microsoft.com/office/powerpoint/2010/main" val="2645044899"/>
-      </p:ext>
-    </p:extLst>
-  </p:cSld>
-  <p:clrMapOvr>
-    <a:masterClrMapping/>
-  </p:clrMapOvr>
-</p:sld>
-</file>
-
-<file path=ppt/slides/slide13.xml><?xml version="1.0" encoding="utf-8"?>
-<p:sld xmlns:a="http://schemas.openxmlformats.org/drawingml/2006/main" xmlns:r="http://schemas.openxmlformats.org/officeDocument/2006/relationships" xmlns:p="http://schemas.openxmlformats.org/presentationml/2006/main">
-  <p:cSld>
-    <p:spTree>
-      <p:nvGrpSpPr>
-        <p:cNvPr id="1" name=""/>
-        <p:cNvGrpSpPr/>
-        <p:nvPr/>
-      </p:nvGrpSpPr>
-      <p:grpSpPr>
-        <a:xfrm>
-          <a:off x="0" y="0"/>
-          <a:ext cx="0" cy="0"/>
-          <a:chOff x="0" y="0"/>
-          <a:chExt cx="0" cy="0"/>
-        </a:xfrm>
-      </p:grpSpPr>
-      <p:sp>
-        <p:nvSpPr>
-          <p:cNvPr id="2" name="Title 1"/>
-          <p:cNvSpPr>
-            <a:spLocks noGrp="1"/>
-          </p:cNvSpPr>
-          <p:nvPr>
-            <p:ph type="title"/>
-          </p:nvPr>
-        </p:nvSpPr>
-        <p:spPr/>
-        <p:txBody>
-          <a:bodyPr/>
-          <a:lstStyle/>
-          <a:p>
-            <a:r>
-              <a:rPr lang="en-US" dirty="0" smtClean="0"/>
-              <a:t>Stand-ups </a:t>
-            </a:r>
-            <a:r>
-              <a:rPr lang="en-US" sz="3600" dirty="0"/>
-              <a:t>Cont.</a:t>
-            </a:r>
-          </a:p>
-        </p:txBody>
-      </p:sp>
-      <p:sp>
-        <p:nvSpPr>
-          <p:cNvPr id="4" name="Content Placeholder 2"/>
-          <p:cNvSpPr>
-            <a:spLocks noGrp="1"/>
-          </p:cNvSpPr>
-          <p:nvPr>
-            <p:ph idx="1"/>
-          </p:nvPr>
-        </p:nvSpPr>
-        <p:spPr>
-          <a:xfrm>
-            <a:off x="457200" y="1746356"/>
-            <a:ext cx="8229600" cy="4379807"/>
-          </a:xfrm>
-        </p:spPr>
-        <p:txBody>
-          <a:bodyPr>
-            <a:normAutofit lnSpcReduction="10000"/>
-          </a:bodyPr>
-          <a:lstStyle/>
-          <a:p>
-            <a:pPr>
-              <a:spcAft>
-                <a:spcPts val="3000"/>
-              </a:spcAft>
-            </a:pPr>
-            <a:r>
-              <a:rPr lang="en-US" dirty="0" smtClean="0"/>
-              <a:t>Each member of the development team stands up, and informs the group:</a:t>
-            </a:r>
-          </a:p>
-          <a:p>
-            <a:pPr lvl="1">
-              <a:spcAft>
-                <a:spcPts val="3000"/>
-              </a:spcAft>
-            </a:pPr>
-            <a:r>
-              <a:rPr lang="en-US" dirty="0" smtClean="0"/>
-              <a:t>What they did yesterday.</a:t>
-            </a:r>
-          </a:p>
-          <a:p>
-            <a:pPr lvl="1">
-              <a:spcAft>
-                <a:spcPts val="3000"/>
-              </a:spcAft>
-            </a:pPr>
-            <a:r>
-              <a:rPr lang="en-US" dirty="0" smtClean="0"/>
-              <a:t>What they’ll do today.</a:t>
-            </a:r>
-          </a:p>
-          <a:p>
-            <a:pPr lvl="1">
-              <a:spcAft>
-                <a:spcPts val="3000"/>
-              </a:spcAft>
-            </a:pPr>
-            <a:r>
-              <a:rPr lang="en-US" dirty="0" smtClean="0"/>
-              <a:t>What obstacles are affecting progress.</a:t>
-            </a:r>
-          </a:p>
-          <a:p>
-            <a:pPr>
-              <a:spcAft>
-                <a:spcPts val="3000"/>
-              </a:spcAft>
-            </a:pPr>
-            <a:r>
-              <a:rPr lang="en-US" dirty="0" smtClean="0"/>
-              <a:t>These stand-ups are beneficial for not only the Scrum Master, but the rest of the team too.</a:t>
-            </a:r>
-            <a:endParaRPr lang="en-US" dirty="0"/>
-          </a:p>
-          <a:p>
-            <a:pPr lvl="1">
-              <a:spcAft>
-                <a:spcPts val="3000"/>
-              </a:spcAft>
-            </a:pPr>
-            <a:endParaRPr lang="en-US" dirty="0" smtClean="0"/>
-          </a:p>
-          <a:p>
-            <a:pPr marL="457200" lvl="1" indent="0">
-              <a:spcAft>
-                <a:spcPts val="3000"/>
-              </a:spcAft>
-              <a:buNone/>
-            </a:pPr>
-            <a:endParaRPr lang="en-US" dirty="0"/>
-          </a:p>
-        </p:txBody>
-      </p:sp>
-    </p:spTree>
-    <p:extLst>
-      <p:ext uri="{BB962C8B-B14F-4D97-AF65-F5344CB8AC3E}">
-        <p14:creationId xmlns:p14="http://schemas.microsoft.com/office/powerpoint/2010/main" val="1824563642"/>
-      </p:ext>
-    </p:extLst>
-  </p:cSld>
-  <p:clrMapOvr>
-    <a:masterClrMapping/>
-  </p:clrMapOvr>
-</p:sld>
-</file>
-
-<file path=ppt/slides/slide14.xml><?xml version="1.0" encoding="utf-8"?>
-<p:sld xmlns:a="http://schemas.openxmlformats.org/drawingml/2006/main" xmlns:r="http://schemas.openxmlformats.org/officeDocument/2006/relationships" xmlns:p="http://schemas.openxmlformats.org/presentationml/2006/main">
-  <p:cSld>
-    <p:spTree>
-      <p:nvGrpSpPr>
-        <p:cNvPr id="1" name=""/>
-        <p:cNvGrpSpPr/>
-        <p:nvPr/>
-      </p:nvGrpSpPr>
-      <p:grpSpPr>
-        <a:xfrm>
-          <a:off x="0" y="0"/>
-          <a:ext cx="0" cy="0"/>
-          <a:chOff x="0" y="0"/>
-          <a:chExt cx="0" cy="0"/>
-        </a:xfrm>
-      </p:grpSpPr>
-      <p:sp>
-        <p:nvSpPr>
-          <p:cNvPr id="2" name="Title 1"/>
-          <p:cNvSpPr>
-            <a:spLocks noGrp="1"/>
-          </p:cNvSpPr>
-          <p:nvPr>
-            <p:ph type="title"/>
-          </p:nvPr>
-        </p:nvSpPr>
-        <p:spPr/>
-        <p:txBody>
-          <a:bodyPr/>
-          <a:lstStyle/>
-          <a:p>
-            <a:r>
-              <a:rPr lang="en-US" dirty="0" smtClean="0"/>
-              <a:t>Advantages</a:t>
-            </a:r>
-            <a:endParaRPr lang="en-US" sz="3600" dirty="0"/>
-          </a:p>
-        </p:txBody>
-      </p:sp>
-      <p:sp>
-        <p:nvSpPr>
-          <p:cNvPr id="4" name="Content Placeholder 2"/>
-          <p:cNvSpPr>
-            <a:spLocks noGrp="1"/>
-          </p:cNvSpPr>
-          <p:nvPr>
-            <p:ph idx="1"/>
-          </p:nvPr>
-        </p:nvSpPr>
-        <p:spPr>
-          <a:xfrm>
-            <a:off x="457200" y="1746356"/>
-            <a:ext cx="8229600" cy="4379807"/>
-          </a:xfrm>
-        </p:spPr>
-        <p:txBody>
-          <a:bodyPr>
-            <a:normAutofit/>
-          </a:bodyPr>
-          <a:lstStyle/>
-          <a:p>
-            <a:pPr>
-              <a:spcAft>
-                <a:spcPts val="3000"/>
-              </a:spcAft>
-            </a:pPr>
-            <a:r>
-              <a:rPr lang="en-US" dirty="0" smtClean="0"/>
-              <a:t>The incremental nature of Scrum means that a product is deliverable while the project is still ongoing.</a:t>
-            </a:r>
-          </a:p>
-          <a:p>
-            <a:pPr>
-              <a:spcAft>
-                <a:spcPts val="3000"/>
-              </a:spcAft>
-            </a:pPr>
-            <a:r>
-              <a:rPr lang="en-US" dirty="0" smtClean="0"/>
-              <a:t>Testing is performed with each iteration, and not in bulk at the end of the project.</a:t>
-            </a:r>
-            <a:endParaRPr lang="en-US" dirty="0"/>
-          </a:p>
-          <a:p>
-            <a:pPr>
-              <a:spcAft>
-                <a:spcPts val="3000"/>
-              </a:spcAft>
-            </a:pPr>
-            <a:r>
-              <a:rPr lang="en-US" dirty="0" smtClean="0"/>
-              <a:t>Changes can be made to the requirements at any point, without causing problems.</a:t>
-            </a:r>
-          </a:p>
-        </p:txBody>
-      </p:sp>
-    </p:spTree>
-    <p:extLst>
-      <p:ext uri="{BB962C8B-B14F-4D97-AF65-F5344CB8AC3E}">
-        <p14:creationId xmlns:p14="http://schemas.microsoft.com/office/powerpoint/2010/main" val="779418708"/>
-      </p:ext>
-    </p:extLst>
-  </p:cSld>
-  <p:clrMapOvr>
-    <a:masterClrMapping/>
-  </p:clrMapOvr>
-</p:sld>
-</file>
-
-<file path=ppt/slides/slide15.xml><?xml version="1.0" encoding="utf-8"?>
-<p:sld xmlns:a="http://schemas.openxmlformats.org/drawingml/2006/main" xmlns:r="http://schemas.openxmlformats.org/officeDocument/2006/relationships" xmlns:p="http://schemas.openxmlformats.org/presentationml/2006/main">
-  <p:cSld>
-    <p:spTree>
-      <p:nvGrpSpPr>
-        <p:cNvPr id="1" name=""/>
-        <p:cNvGrpSpPr/>
-        <p:nvPr/>
-      </p:nvGrpSpPr>
-      <p:grpSpPr>
-        <a:xfrm>
-          <a:off x="0" y="0"/>
-          <a:ext cx="0" cy="0"/>
-          <a:chOff x="0" y="0"/>
-          <a:chExt cx="0" cy="0"/>
-        </a:xfrm>
-      </p:grpSpPr>
-      <p:sp>
-        <p:nvSpPr>
-          <p:cNvPr id="2" name="Title 1"/>
-          <p:cNvSpPr>
-            <a:spLocks noGrp="1"/>
-          </p:cNvSpPr>
-          <p:nvPr>
-            <p:ph type="title"/>
-          </p:nvPr>
-        </p:nvSpPr>
-        <p:spPr/>
-        <p:txBody>
-          <a:bodyPr/>
-          <a:lstStyle/>
-          <a:p>
-            <a:r>
-              <a:rPr lang="en-US" dirty="0" smtClean="0"/>
-              <a:t>Disadvantages</a:t>
-            </a:r>
-            <a:endParaRPr lang="en-US" sz="3600" dirty="0"/>
-          </a:p>
-        </p:txBody>
-      </p:sp>
-      <p:sp>
-        <p:nvSpPr>
-          <p:cNvPr id="4" name="Content Placeholder 2"/>
-          <p:cNvSpPr>
-            <a:spLocks noGrp="1"/>
-          </p:cNvSpPr>
-          <p:nvPr>
-            <p:ph idx="1"/>
-          </p:nvPr>
-        </p:nvSpPr>
-        <p:spPr>
-          <a:xfrm>
-            <a:off x="457200" y="1746356"/>
-            <a:ext cx="8229600" cy="4379807"/>
-          </a:xfrm>
-        </p:spPr>
-        <p:txBody>
-          <a:bodyPr>
-            <a:normAutofit/>
-          </a:bodyPr>
-          <a:lstStyle/>
-          <a:p>
-            <a:pPr>
-              <a:spcAft>
-                <a:spcPts val="3000"/>
-              </a:spcAft>
-            </a:pPr>
-            <a:r>
-              <a:rPr lang="en-US" dirty="0" smtClean="0"/>
-              <a:t>Not easy to maintain if the development team is spread across a country or continent.</a:t>
-            </a:r>
-          </a:p>
-          <a:p>
-            <a:pPr>
-              <a:spcAft>
-                <a:spcPts val="3000"/>
-              </a:spcAft>
-            </a:pPr>
-            <a:r>
-              <a:rPr lang="en-US" dirty="0" smtClean="0"/>
-              <a:t>If communication or planning isn’t concise, the whole project can be jeopardised.</a:t>
-            </a:r>
-          </a:p>
-          <a:p>
-            <a:pPr>
-              <a:spcAft>
-                <a:spcPts val="3000"/>
-              </a:spcAft>
-            </a:pPr>
-            <a:r>
-              <a:rPr lang="en-US" dirty="0" smtClean="0"/>
-              <a:t>‘Feature Creep’</a:t>
-            </a:r>
-          </a:p>
-          <a:p>
-            <a:pPr marL="457200" lvl="1" indent="0">
-              <a:spcAft>
-                <a:spcPts val="3000"/>
-              </a:spcAft>
-              <a:buNone/>
-            </a:pPr>
-            <a:endParaRPr lang="en-US" dirty="0"/>
-          </a:p>
-        </p:txBody>
-      </p:sp>
-    </p:spTree>
-    <p:extLst>
-      <p:ext uri="{BB962C8B-B14F-4D97-AF65-F5344CB8AC3E}">
-        <p14:creationId xmlns:p14="http://schemas.microsoft.com/office/powerpoint/2010/main" val="197314086"/>
-      </p:ext>
-    </p:extLst>
-  </p:cSld>
-  <p:clrMapOvr>
-    <a:masterClrMapping/>
-  </p:clrMapOvr>
-</p:sld>
-</file>
-
-<file path=ppt/slides/slide16.xml><?xml version="1.0" encoding="utf-8"?>
-<p:sld xmlns:a="http://schemas.openxmlformats.org/drawingml/2006/main" xmlns:r="http://schemas.openxmlformats.org/officeDocument/2006/relationships" xmlns:p="http://schemas.openxmlformats.org/presentationml/2006/main">
-  <p:cSld>
-    <p:spTree>
-      <p:nvGrpSpPr>
-        <p:cNvPr id="1" name=""/>
-        <p:cNvGrpSpPr/>
-        <p:nvPr/>
-      </p:nvGrpSpPr>
-      <p:grpSpPr>
-        <a:xfrm>
-          <a:off x="0" y="0"/>
-          <a:ext cx="0" cy="0"/>
-          <a:chOff x="0" y="0"/>
-          <a:chExt cx="0" cy="0"/>
-        </a:xfrm>
-      </p:grpSpPr>
-      <p:sp>
-        <p:nvSpPr>
-          <p:cNvPr id="2" name="Title 1"/>
-          <p:cNvSpPr>
-            <a:spLocks noGrp="1"/>
-          </p:cNvSpPr>
-          <p:nvPr>
-            <p:ph type="title"/>
-          </p:nvPr>
-        </p:nvSpPr>
-        <p:spPr>
-          <a:xfrm>
-            <a:off x="539671" y="2045133"/>
-            <a:ext cx="8229600" cy="1600200"/>
-          </a:xfrm>
-        </p:spPr>
-        <p:txBody>
-          <a:bodyPr/>
-          <a:lstStyle/>
-          <a:p>
-            <a:r>
-              <a:rPr lang="en-US" dirty="0" smtClean="0"/>
-              <a:t>Any Questions?</a:t>
-            </a:r>
-            <a:endParaRPr lang="en-US" sz="3600" dirty="0"/>
-          </a:p>
-        </p:txBody>
-      </p:sp>
-    </p:spTree>
-    <p:extLst>
-      <p:ext uri="{BB962C8B-B14F-4D97-AF65-F5344CB8AC3E}">
-        <p14:creationId xmlns:p14="http://schemas.microsoft.com/office/powerpoint/2010/main" val="2330163691"/>
-      </p:ext>
-    </p:extLst>
-  </p:cSld>
-  <p:clrMapOvr>
-    <a:masterClrMapping/>
-  </p:clrMapOvr>
-</p:sld>
-</file>
-
-<file path=ppt/slides/slide2.xml><?xml version="1.0" encoding="utf-8"?>
-<p:sld xmlns:a="http://schemas.openxmlformats.org/drawingml/2006/main" xmlns:r="http://schemas.openxmlformats.org/officeDocument/2006/relationships" xmlns:p="http://schemas.openxmlformats.org/presentationml/2006/main">
-  <p:cSld>
-    <p:spTree>
-      <p:nvGrpSpPr>
-        <p:cNvPr id="1" name=""/>
-        <p:cNvGrpSpPr/>
-        <p:nvPr/>
-      </p:nvGrpSpPr>
-      <p:grpSpPr>
-        <a:xfrm>
-          <a:off x="0" y="0"/>
-          <a:ext cx="0" cy="0"/>
-          <a:chOff x="0" y="0"/>
-          <a:chExt cx="0" cy="0"/>
-        </a:xfrm>
-      </p:grpSpPr>
-      <p:sp>
-        <p:nvSpPr>
-          <p:cNvPr id="2" name="Title 1"/>
-          <p:cNvSpPr>
-            <a:spLocks noGrp="1"/>
-          </p:cNvSpPr>
-          <p:nvPr>
-            <p:ph type="title"/>
-          </p:nvPr>
-        </p:nvSpPr>
-        <p:spPr/>
-        <p:txBody>
-          <a:bodyPr/>
-          <a:lstStyle/>
-          <a:p>
-            <a:r>
-              <a:rPr lang="en-US" dirty="0" smtClean="0"/>
-              <a:t>What is Scrum?</a:t>
-            </a:r>
-            <a:endParaRPr lang="en-US" dirty="0"/>
-          </a:p>
-        </p:txBody>
-      </p:sp>
-      <p:sp>
-        <p:nvSpPr>
-          <p:cNvPr id="3" name="Content Placeholder 2"/>
-          <p:cNvSpPr>
-            <a:spLocks noGrp="1"/>
-          </p:cNvSpPr>
-          <p:nvPr>
-            <p:ph idx="1"/>
-          </p:nvPr>
-        </p:nvSpPr>
-        <p:spPr>
-          <a:xfrm>
-            <a:off x="457200" y="1746356"/>
-            <a:ext cx="8229600" cy="4379807"/>
-          </a:xfrm>
-        </p:spPr>
-        <p:txBody>
-          <a:bodyPr/>
-          <a:lstStyle/>
-          <a:p>
-            <a:pPr>
-              <a:spcAft>
-                <a:spcPts val="3000"/>
-              </a:spcAft>
-            </a:pPr>
-            <a:r>
-              <a:rPr lang="en-US" dirty="0" smtClean="0"/>
-              <a:t>An agile framework for completing software development projects.</a:t>
-            </a:r>
-          </a:p>
-          <a:p>
-            <a:pPr>
-              <a:spcAft>
-                <a:spcPts val="3000"/>
-              </a:spcAft>
-            </a:pPr>
-            <a:r>
-              <a:rPr lang="en-US" dirty="0" smtClean="0"/>
-              <a:t>“A flexible development strategy where a development team works together to achieve a common goal.”</a:t>
-            </a:r>
-          </a:p>
-          <a:p>
-            <a:pPr>
-              <a:spcAft>
-                <a:spcPts val="3000"/>
-              </a:spcAft>
-            </a:pPr>
-            <a:r>
-              <a:rPr lang="en-US" dirty="0" smtClean="0"/>
-              <a:t>One of it’s key principle is to allow the customer to change their mind during the development process.</a:t>
-            </a:r>
-            <a:endParaRPr lang="en-US" dirty="0"/>
-          </a:p>
-        </p:txBody>
-      </p:sp>
-    </p:spTree>
-    <p:extLst>
-      <p:ext uri="{BB962C8B-B14F-4D97-AF65-F5344CB8AC3E}">
-        <p14:creationId xmlns:p14="http://schemas.microsoft.com/office/powerpoint/2010/main" val="646450045"/>
-      </p:ext>
-    </p:extLst>
-  </p:cSld>
-  <p:clrMapOvr>
-    <a:masterClrMapping/>
-  </p:clrMapOvr>
-  <p:timing>
-    <p:tnLst>
-      <p:par>
-        <p:cTn xmlns:p14="http://schemas.microsoft.com/office/powerpoint/2010/main" id="1" dur="indefinite" restart="never" nodeType="tmRoot"/>
-      </p:par>
-    </p:tnLst>
-  </p:timing>
-</p:sld>
-</file>
-
-<file path=ppt/slides/slide3.xml><?xml version="1.0" encoding="utf-8"?>
-<p:sld xmlns:a="http://schemas.openxmlformats.org/drawingml/2006/main" xmlns:r="http://schemas.openxmlformats.org/officeDocument/2006/relationships" xmlns:p="http://schemas.openxmlformats.org/presentationml/2006/main">
-  <p:cSld>
-    <p:spTree>
-      <p:nvGrpSpPr>
-        <p:cNvPr id="1" name=""/>
-        <p:cNvGrpSpPr/>
-        <p:nvPr/>
-      </p:nvGrpSpPr>
-      <p:grpSpPr>
-        <a:xfrm>
-          <a:off x="0" y="0"/>
-          <a:ext cx="0" cy="0"/>
-          <a:chOff x="0" y="0"/>
-          <a:chExt cx="0" cy="0"/>
-        </a:xfrm>
-      </p:grpSpPr>
-      <p:sp>
-        <p:nvSpPr>
-          <p:cNvPr id="2" name="Title 1"/>
-          <p:cNvSpPr>
-            <a:spLocks noGrp="1"/>
-          </p:cNvSpPr>
-          <p:nvPr>
-            <p:ph type="title"/>
-          </p:nvPr>
-        </p:nvSpPr>
-        <p:spPr/>
-        <p:txBody>
-          <a:bodyPr/>
-          <a:lstStyle/>
-          <a:p>
-            <a:r>
-              <a:rPr lang="en-US" dirty="0" smtClean="0"/>
-              <a:t>Origins</a:t>
-            </a:r>
-            <a:endParaRPr lang="en-US" dirty="0"/>
-          </a:p>
-        </p:txBody>
-      </p:sp>
-      <p:sp>
-        <p:nvSpPr>
-          <p:cNvPr id="3" name="Content Placeholder 2"/>
-          <p:cNvSpPr>
-            <a:spLocks noGrp="1"/>
-          </p:cNvSpPr>
-          <p:nvPr>
-            <p:ph idx="1"/>
-          </p:nvPr>
-        </p:nvSpPr>
-        <p:spPr>
-          <a:xfrm>
-            <a:off x="457200" y="1746356"/>
-            <a:ext cx="8229600" cy="4379807"/>
-          </a:xfrm>
-        </p:spPr>
-        <p:txBody>
-          <a:bodyPr/>
-          <a:lstStyle/>
-          <a:p>
-            <a:pPr>
-              <a:spcAft>
-                <a:spcPts val="3000"/>
-              </a:spcAft>
-            </a:pPr>
-            <a:r>
-              <a:rPr lang="en-US" dirty="0" smtClean="0"/>
-              <a:t>Conceived by Jeff Sutherland and Ken </a:t>
-            </a:r>
-            <a:r>
-              <a:rPr lang="en-US" dirty="0" err="1" smtClean="0"/>
-              <a:t>Schwaber</a:t>
-            </a:r>
-            <a:r>
-              <a:rPr lang="en-US" dirty="0" smtClean="0"/>
-              <a:t> in the early 90s.</a:t>
-            </a:r>
-          </a:p>
-          <a:p>
-            <a:pPr>
-              <a:spcAft>
-                <a:spcPts val="3000"/>
-              </a:spcAft>
-            </a:pPr>
-            <a:r>
-              <a:rPr lang="en-US" dirty="0" smtClean="0"/>
-              <a:t>The name refers to a </a:t>
-            </a:r>
-            <a:r>
-              <a:rPr lang="en-US" dirty="0"/>
-              <a:t>r</a:t>
-            </a:r>
-            <a:r>
-              <a:rPr lang="en-US" dirty="0" smtClean="0"/>
-              <a:t>ugby scrum, and the essence of teamwork required in both Rugby and Development.</a:t>
-            </a:r>
-          </a:p>
-          <a:p>
-            <a:pPr>
-              <a:spcAft>
-                <a:spcPts val="3000"/>
-              </a:spcAft>
-            </a:pPr>
-            <a:r>
-              <a:rPr lang="en-US" dirty="0" smtClean="0"/>
-              <a:t>Teams require autonomy to achieve excellence</a:t>
-            </a:r>
-            <a:endParaRPr lang="en-US" dirty="0"/>
-          </a:p>
-        </p:txBody>
-      </p:sp>
-    </p:spTree>
-    <p:extLst>
-      <p:ext uri="{BB962C8B-B14F-4D97-AF65-F5344CB8AC3E}">
-        <p14:creationId xmlns:p14="http://schemas.microsoft.com/office/powerpoint/2010/main" val="2445772395"/>
-      </p:ext>
-    </p:extLst>
-  </p:cSld>
-  <p:clrMapOvr>
-    <a:masterClrMapping/>
-  </p:clrMapOvr>
-  <p:timing>
-    <p:tnLst>
-      <p:par>
-        <p:cTn xmlns:p14="http://schemas.microsoft.com/office/powerpoint/2010/main" id="1" dur="indefinite" restart="never" nodeType="tmRoot"/>
-      </p:par>
-    </p:tnLst>
-  </p:timing>
-</p:sld>
-</file>
-
-<file path=ppt/slides/slide4.xml><?xml version="1.0" encoding="utf-8"?>
-<p:sld xmlns:a="http://schemas.openxmlformats.org/drawingml/2006/main" xmlns:r="http://schemas.openxmlformats.org/officeDocument/2006/relationships" xmlns:p="http://schemas.openxmlformats.org/presentationml/2006/main">
-  <p:cSld>
-    <p:spTree>
-      <p:nvGrpSpPr>
-        <p:cNvPr id="1" name=""/>
-        <p:cNvGrpSpPr/>
-        <p:nvPr/>
-      </p:nvGrpSpPr>
-      <p:grpSpPr>
-        <a:xfrm>
-          <a:off x="0" y="0"/>
-          <a:ext cx="0" cy="0"/>
-          <a:chOff x="0" y="0"/>
-          <a:chExt cx="0" cy="0"/>
-        </a:xfrm>
-      </p:grpSpPr>
-      <p:sp>
-        <p:nvSpPr>
-          <p:cNvPr id="2" name="Title 1"/>
-          <p:cNvSpPr>
-            <a:spLocks noGrp="1"/>
-          </p:cNvSpPr>
-          <p:nvPr>
-            <p:ph type="title"/>
-          </p:nvPr>
-        </p:nvSpPr>
-        <p:spPr/>
-        <p:txBody>
-          <a:bodyPr/>
-          <a:lstStyle/>
-          <a:p>
-            <a:r>
-              <a:rPr lang="en-US" dirty="0" smtClean="0"/>
-              <a:t>What roles are there?</a:t>
-            </a:r>
-            <a:endParaRPr lang="en-US" dirty="0"/>
-          </a:p>
-        </p:txBody>
-      </p:sp>
-      <p:sp>
-        <p:nvSpPr>
-          <p:cNvPr id="3" name="Content Placeholder 2"/>
-          <p:cNvSpPr>
-            <a:spLocks noGrp="1"/>
-          </p:cNvSpPr>
-          <p:nvPr>
-            <p:ph idx="1"/>
-          </p:nvPr>
-        </p:nvSpPr>
-        <p:spPr>
-          <a:xfrm>
-            <a:off x="457200" y="1746356"/>
-            <a:ext cx="8229600" cy="4379807"/>
-          </a:xfrm>
-        </p:spPr>
-        <p:txBody>
-          <a:bodyPr>
-            <a:normAutofit/>
-          </a:bodyPr>
-          <a:lstStyle/>
-          <a:p>
-            <a:pPr>
-              <a:lnSpc>
-                <a:spcPct val="200000"/>
-              </a:lnSpc>
-              <a:spcAft>
-                <a:spcPts val="3000"/>
-              </a:spcAft>
-            </a:pPr>
-            <a:r>
-              <a:rPr lang="en-US" sz="2800" i="1" dirty="0" smtClean="0"/>
-              <a:t>One</a:t>
-            </a:r>
-            <a:r>
-              <a:rPr lang="en-US" sz="2800" dirty="0" smtClean="0"/>
-              <a:t> Product Owner</a:t>
-            </a:r>
-          </a:p>
-          <a:p>
-            <a:pPr>
-              <a:lnSpc>
-                <a:spcPct val="200000"/>
-              </a:lnSpc>
-              <a:spcAft>
-                <a:spcPts val="3000"/>
-              </a:spcAft>
-            </a:pPr>
-            <a:r>
-              <a:rPr lang="en-US" sz="2800" i="1" dirty="0" smtClean="0"/>
-              <a:t>One</a:t>
-            </a:r>
-            <a:r>
-              <a:rPr lang="en-US" sz="2800" dirty="0" smtClean="0"/>
-              <a:t> Scrum Manager</a:t>
-            </a:r>
-          </a:p>
-          <a:p>
-            <a:pPr>
-              <a:lnSpc>
-                <a:spcPct val="200000"/>
-              </a:lnSpc>
-              <a:spcAft>
-                <a:spcPts val="3000"/>
-              </a:spcAft>
-            </a:pPr>
-            <a:r>
-              <a:rPr lang="en-US" sz="2800" dirty="0" smtClean="0"/>
-              <a:t>Development Team</a:t>
-            </a:r>
-            <a:endParaRPr lang="en-US" sz="2800" dirty="0"/>
-          </a:p>
-        </p:txBody>
-      </p:sp>
-    </p:spTree>
-    <p:extLst>
-      <p:ext uri="{BB962C8B-B14F-4D97-AF65-F5344CB8AC3E}">
-        <p14:creationId xmlns:p14="http://schemas.microsoft.com/office/powerpoint/2010/main" val="1537407880"/>
-      </p:ext>
-    </p:extLst>
-  </p:cSld>
-  <p:clrMapOvr>
-    <a:masterClrMapping/>
-  </p:clrMapOvr>
-</p:sld>
-</file>
-
-<file path=ppt/slides/slide5.xml><?xml version="1.0" encoding="utf-8"?>
-<p:sld xmlns:a="http://schemas.openxmlformats.org/drawingml/2006/main" xmlns:r="http://schemas.openxmlformats.org/officeDocument/2006/relationships" xmlns:p="http://schemas.openxmlformats.org/presentationml/2006/main">
-  <p:cSld>
-    <p:spTree>
-      <p:nvGrpSpPr>
-        <p:cNvPr id="1" name=""/>
-        <p:cNvGrpSpPr/>
-        <p:nvPr/>
-      </p:nvGrpSpPr>
-      <p:grpSpPr>
-        <a:xfrm>
-          <a:off x="0" y="0"/>
-          <a:ext cx="0" cy="0"/>
-          <a:chOff x="0" y="0"/>
-          <a:chExt cx="0" cy="0"/>
-        </a:xfrm>
-      </p:grpSpPr>
-      <p:sp>
-        <p:nvSpPr>
-          <p:cNvPr id="2" name="Title 1"/>
-          <p:cNvSpPr>
-            <a:spLocks noGrp="1"/>
-          </p:cNvSpPr>
-          <p:nvPr>
-            <p:ph type="title"/>
-          </p:nvPr>
-        </p:nvSpPr>
-        <p:spPr/>
-        <p:txBody>
-          <a:bodyPr/>
-          <a:lstStyle/>
-          <a:p>
-            <a:r>
-              <a:rPr lang="en-US" dirty="0" smtClean="0"/>
-              <a:t>Product Owner</a:t>
-            </a:r>
-            <a:endParaRPr lang="en-US" dirty="0"/>
-          </a:p>
-        </p:txBody>
-      </p:sp>
-      <p:sp>
-        <p:nvSpPr>
-          <p:cNvPr id="4" name="Content Placeholder 2"/>
-          <p:cNvSpPr>
-            <a:spLocks noGrp="1"/>
-          </p:cNvSpPr>
-          <p:nvPr>
-            <p:ph idx="1"/>
-          </p:nvPr>
-        </p:nvSpPr>
-        <p:spPr>
-          <a:xfrm>
-            <a:off x="457200" y="1746356"/>
-            <a:ext cx="8229600" cy="4379807"/>
-          </a:xfrm>
-        </p:spPr>
-        <p:txBody>
-          <a:bodyPr/>
-          <a:lstStyle/>
-          <a:p>
-            <a:pPr>
-              <a:spcAft>
-                <a:spcPts val="3000"/>
-              </a:spcAft>
-            </a:pPr>
-            <a:r>
-              <a:rPr lang="en-US" dirty="0" smtClean="0"/>
-              <a:t>Represents the customer.</a:t>
-            </a:r>
-          </a:p>
-          <a:p>
-            <a:pPr>
-              <a:spcAft>
-                <a:spcPts val="3000"/>
-              </a:spcAft>
-            </a:pPr>
-            <a:r>
-              <a:rPr lang="en-US" dirty="0" smtClean="0"/>
-              <a:t>Handles the business side of the project, and liaises with the stakeholders.</a:t>
-            </a:r>
-          </a:p>
-          <a:p>
-            <a:pPr>
-              <a:spcAft>
-                <a:spcPts val="3000"/>
-              </a:spcAft>
-            </a:pPr>
-            <a:r>
-              <a:rPr lang="en-US" dirty="0" smtClean="0"/>
-              <a:t>Doesn’t interfere with the technical side of the project.</a:t>
-            </a:r>
-          </a:p>
-          <a:p>
-            <a:pPr>
-              <a:spcAft>
-                <a:spcPts val="3000"/>
-              </a:spcAft>
-            </a:pPr>
-            <a:r>
-              <a:rPr lang="en-US" dirty="0" smtClean="0"/>
-              <a:t>The ability to convey priorities between the stakeholders and the scrum team is vital.</a:t>
-            </a:r>
-            <a:endParaRPr lang="en-US" dirty="0"/>
-          </a:p>
-        </p:txBody>
-      </p:sp>
-    </p:spTree>
-    <p:extLst>
-      <p:ext uri="{BB962C8B-B14F-4D97-AF65-F5344CB8AC3E}">
-        <p14:creationId xmlns:p14="http://schemas.microsoft.com/office/powerpoint/2010/main" val="1296687487"/>
-      </p:ext>
-    </p:extLst>
-  </p:cSld>
-  <p:clrMapOvr>
-    <a:masterClrMapping/>
-  </p:clrMapOvr>
-</p:sld>
-</file>
-
-<file path=ppt/slides/slide6.xml><?xml version="1.0" encoding="utf-8"?>
-<p:sld xmlns:a="http://schemas.openxmlformats.org/drawingml/2006/main" xmlns:r="http://schemas.openxmlformats.org/officeDocument/2006/relationships" xmlns:p="http://schemas.openxmlformats.org/presentationml/2006/main">
-  <p:cSld>
-    <p:spTree>
-      <p:nvGrpSpPr>
-        <p:cNvPr id="1" name=""/>
-        <p:cNvGrpSpPr/>
-        <p:nvPr/>
-      </p:nvGrpSpPr>
-      <p:grpSpPr>
-        <a:xfrm>
-          <a:off x="0" y="0"/>
-          <a:ext cx="0" cy="0"/>
-          <a:chOff x="0" y="0"/>
-          <a:chExt cx="0" cy="0"/>
-        </a:xfrm>
-      </p:grpSpPr>
-      <p:sp>
-        <p:nvSpPr>
-          <p:cNvPr id="2" name="Title 1"/>
-          <p:cNvSpPr>
-            <a:spLocks noGrp="1"/>
-          </p:cNvSpPr>
-          <p:nvPr>
-            <p:ph type="title"/>
-          </p:nvPr>
-        </p:nvSpPr>
-        <p:spPr/>
-        <p:txBody>
-          <a:bodyPr/>
-          <a:lstStyle/>
-          <a:p>
-            <a:r>
-              <a:rPr lang="en-US" dirty="0" smtClean="0"/>
-              <a:t>Scrum Manager</a:t>
-            </a:r>
-            <a:endParaRPr lang="en-US" dirty="0"/>
-          </a:p>
-        </p:txBody>
-      </p:sp>
-      <p:sp>
-        <p:nvSpPr>
-          <p:cNvPr id="4" name="Content Placeholder 2"/>
-          <p:cNvSpPr>
-            <a:spLocks noGrp="1"/>
-          </p:cNvSpPr>
-          <p:nvPr>
-            <p:ph idx="1"/>
-          </p:nvPr>
-        </p:nvSpPr>
-        <p:spPr>
-          <a:xfrm>
-            <a:off x="457200" y="1746356"/>
-            <a:ext cx="8229600" cy="4379807"/>
-          </a:xfrm>
-        </p:spPr>
-        <p:txBody>
-          <a:bodyPr/>
-          <a:lstStyle/>
-          <a:p>
-            <a:pPr>
-              <a:spcAft>
-                <a:spcPts val="3000"/>
-              </a:spcAft>
-            </a:pPr>
-            <a:r>
-              <a:rPr lang="en-US" dirty="0" smtClean="0"/>
-              <a:t>Is the buffer between the development team and any distracting influences.</a:t>
-            </a:r>
-          </a:p>
-          <a:p>
-            <a:pPr>
-              <a:spcAft>
-                <a:spcPts val="3000"/>
-              </a:spcAft>
-            </a:pPr>
-            <a:r>
-              <a:rPr lang="en-US" dirty="0" smtClean="0"/>
-              <a:t>Ensures that the usual Scrum processes are followed.</a:t>
-            </a:r>
-          </a:p>
-          <a:p>
-            <a:pPr>
-              <a:spcAft>
-                <a:spcPts val="3000"/>
-              </a:spcAft>
-            </a:pPr>
-            <a:r>
-              <a:rPr lang="en-US" dirty="0" smtClean="0"/>
-              <a:t>Ensures that the team are all working towards the same end goal.</a:t>
-            </a:r>
-          </a:p>
-          <a:p>
-            <a:pPr>
-              <a:spcAft>
-                <a:spcPts val="3000"/>
-              </a:spcAft>
-            </a:pPr>
-            <a:endParaRPr lang="en-US" dirty="0" smtClean="0"/>
-          </a:p>
-          <a:p>
-            <a:pPr>
-              <a:spcAft>
-                <a:spcPts val="3000"/>
-              </a:spcAft>
-            </a:pPr>
-            <a:endParaRPr lang="en-US" dirty="0" smtClean="0"/>
-          </a:p>
-        </p:txBody>
-      </p:sp>
-    </p:spTree>
-    <p:extLst>
-      <p:ext uri="{BB962C8B-B14F-4D97-AF65-F5344CB8AC3E}">
-        <p14:creationId xmlns:p14="http://schemas.microsoft.com/office/powerpoint/2010/main" val="4227832926"/>
-      </p:ext>
-    </p:extLst>
-  </p:cSld>
-  <p:clrMapOvr>
-    <a:masterClrMapping/>
-  </p:clrMapOvr>
-</p:sld>
-</file>
-
-<file path=ppt/slides/slide7.xml><?xml version="1.0" encoding="utf-8"?>
-<p:sld xmlns:a="http://schemas.openxmlformats.org/drawingml/2006/main" xmlns:r="http://schemas.openxmlformats.org/officeDocument/2006/relationships" xmlns:p="http://schemas.openxmlformats.org/presentationml/2006/main">
-  <p:cSld>
-    <p:spTree>
-      <p:nvGrpSpPr>
-        <p:cNvPr id="1" name=""/>
-        <p:cNvGrpSpPr/>
-        <p:nvPr/>
-      </p:nvGrpSpPr>
-      <p:grpSpPr>
-        <a:xfrm>
-          <a:off x="0" y="0"/>
-          <a:ext cx="0" cy="0"/>
-          <a:chOff x="0" y="0"/>
-          <a:chExt cx="0" cy="0"/>
-        </a:xfrm>
-      </p:grpSpPr>
-      <p:sp>
-        <p:nvSpPr>
-          <p:cNvPr id="2" name="Title 1"/>
-          <p:cNvSpPr>
-            <a:spLocks noGrp="1"/>
-          </p:cNvSpPr>
-          <p:nvPr>
-            <p:ph type="title"/>
-          </p:nvPr>
-        </p:nvSpPr>
-        <p:spPr/>
-        <p:txBody>
-          <a:bodyPr/>
-          <a:lstStyle/>
-          <a:p>
-            <a:r>
-              <a:rPr lang="en-US" dirty="0" smtClean="0"/>
-              <a:t>Development Team</a:t>
-            </a:r>
-            <a:endParaRPr lang="en-US" dirty="0"/>
-          </a:p>
-        </p:txBody>
-      </p:sp>
-      <p:sp>
-        <p:nvSpPr>
-          <p:cNvPr id="4" name="Content Placeholder 2"/>
-          <p:cNvSpPr>
-            <a:spLocks noGrp="1"/>
-          </p:cNvSpPr>
-          <p:nvPr>
-            <p:ph idx="1"/>
-          </p:nvPr>
-        </p:nvSpPr>
-        <p:spPr>
-          <a:xfrm>
-            <a:off x="457200" y="1746356"/>
-            <a:ext cx="8229600" cy="4379807"/>
-          </a:xfrm>
-        </p:spPr>
-        <p:txBody>
-          <a:bodyPr/>
-          <a:lstStyle/>
-          <a:p>
-            <a:pPr>
-              <a:spcAft>
-                <a:spcPts val="3000"/>
-              </a:spcAft>
-            </a:pPr>
-            <a:r>
-              <a:rPr lang="en-US" dirty="0" smtClean="0"/>
-              <a:t>Responsible for delivering potentially shippable increments within each Sprint.</a:t>
-            </a:r>
-          </a:p>
-          <a:p>
-            <a:pPr>
-              <a:spcAft>
-                <a:spcPts val="3000"/>
-              </a:spcAft>
-            </a:pPr>
-            <a:r>
-              <a:rPr lang="en-US" dirty="0" smtClean="0"/>
-              <a:t>They handle design, development and testing of a Sprint.</a:t>
-            </a:r>
-          </a:p>
-          <a:p>
-            <a:pPr>
-              <a:spcAft>
-                <a:spcPts val="3000"/>
-              </a:spcAft>
-            </a:pPr>
-            <a:r>
-              <a:rPr lang="en-US" dirty="0" smtClean="0"/>
-              <a:t>They are self-organised, and have the final say on how the Sprint is implemented.</a:t>
-            </a:r>
-          </a:p>
-          <a:p>
-            <a:pPr>
-              <a:spcAft>
-                <a:spcPts val="3000"/>
-              </a:spcAft>
-            </a:pPr>
-            <a:endParaRPr lang="en-US" dirty="0" smtClean="0"/>
-          </a:p>
-          <a:p>
-            <a:pPr>
-              <a:spcAft>
-                <a:spcPts val="3000"/>
-              </a:spcAft>
-            </a:pPr>
-            <a:endParaRPr lang="en-US" dirty="0" smtClean="0"/>
-          </a:p>
-        </p:txBody>
-      </p:sp>
-    </p:spTree>
-    <p:extLst>
-      <p:ext uri="{BB962C8B-B14F-4D97-AF65-F5344CB8AC3E}">
-        <p14:creationId xmlns:p14="http://schemas.microsoft.com/office/powerpoint/2010/main" val="2866001309"/>
-      </p:ext>
-    </p:extLst>
-  </p:cSld>
-  <p:clrMapOvr>
-    <a:masterClrMapping/>
-  </p:clrMapOvr>
-</p:sld>
-</file>
-
-<file path=ppt/slides/slide8.xml><?xml version="1.0" encoding="utf-8"?>
-<p:sld xmlns:a="http://schemas.openxmlformats.org/drawingml/2006/main" xmlns:r="http://schemas.openxmlformats.org/officeDocument/2006/relationships" xmlns:p="http://schemas.openxmlformats.org/presentationml/2006/main">
-  <p:cSld>
-    <p:spTree>
-      <p:nvGrpSpPr>
-        <p:cNvPr id="1" name=""/>
-        <p:cNvGrpSpPr/>
-        <p:nvPr/>
-      </p:nvGrpSpPr>
-      <p:grpSpPr>
-        <a:xfrm>
-          <a:off x="0" y="0"/>
-          <a:ext cx="0" cy="0"/>
-          <a:chOff x="0" y="0"/>
-          <a:chExt cx="0" cy="0"/>
-        </a:xfrm>
-      </p:grpSpPr>
-      <p:sp>
-        <p:nvSpPr>
-          <p:cNvPr id="2" name="Title 1"/>
-          <p:cNvSpPr>
-            <a:spLocks noGrp="1"/>
-          </p:cNvSpPr>
-          <p:nvPr>
-            <p:ph type="title"/>
-          </p:nvPr>
-        </p:nvSpPr>
-        <p:spPr/>
-        <p:txBody>
-          <a:bodyPr/>
-          <a:lstStyle/>
-          <a:p>
-            <a:r>
-              <a:rPr lang="en-US" dirty="0" smtClean="0"/>
-              <a:t>The Scrum Model</a:t>
+              <a:t>Das </a:t>
+            </a:r>
+            <a:r>
+              <a:rPr lang="en-US" dirty="0" smtClean="0"/>
+              <a:t>Scrum Model</a:t>
             </a:r>
             <a:endParaRPr lang="en-US" dirty="0"/>
           </a:p>
@@ -5827,7 +4620,7 @@
           <p:nvPr/>
         </p:nvPicPr>
         <p:blipFill>
-          <a:blip r:embed="rId2">
+          <a:blip r:embed="rId2" cstate="email">
             <a:extLst>
               <a:ext uri="{28A0092B-C50C-407E-A947-70E740481C1C}">
                 <a14:useLocalDpi xmlns:a14="http://schemas.microsoft.com/office/drawing/2010/main" val="0"/>
@@ -5861,6 +4654,3592 @@
 </p:sld>
 </file>
 
+<file path=ppt/slides/slide12.xml><?xml version="1.0" encoding="utf-8"?>
+<p:sld xmlns:a="http://schemas.openxmlformats.org/drawingml/2006/main" xmlns:r="http://schemas.openxmlformats.org/officeDocument/2006/relationships" xmlns:p="http://schemas.openxmlformats.org/presentationml/2006/main">
+  <p:cSld>
+    <p:spTree>
+      <p:nvGrpSpPr>
+        <p:cNvPr id="1" name=""/>
+        <p:cNvGrpSpPr/>
+        <p:nvPr/>
+      </p:nvGrpSpPr>
+      <p:grpSpPr>
+        <a:xfrm>
+          <a:off x="0" y="0"/>
+          <a:ext cx="0" cy="0"/>
+          <a:chOff x="0" y="0"/>
+          <a:chExt cx="0" cy="0"/>
+        </a:xfrm>
+      </p:grpSpPr>
+      <p:sp>
+        <p:nvSpPr>
+          <p:cNvPr id="2" name="Title 1"/>
+          <p:cNvSpPr>
+            <a:spLocks noGrp="1"/>
+          </p:cNvSpPr>
+          <p:nvPr>
+            <p:ph type="title"/>
+          </p:nvPr>
+        </p:nvSpPr>
+        <p:spPr/>
+        <p:txBody>
+          <a:bodyPr/>
+          <a:lstStyle/>
+          <a:p>
+            <a:r>
+              <a:rPr lang="en-US" dirty="0" smtClean="0"/>
+              <a:t>Product Backlog</a:t>
+            </a:r>
+            <a:endParaRPr lang="en-US" dirty="0"/>
+          </a:p>
+        </p:txBody>
+      </p:sp>
+      <p:sp>
+        <p:nvSpPr>
+          <p:cNvPr id="4" name="Content Placeholder 2"/>
+          <p:cNvSpPr>
+            <a:spLocks noGrp="1"/>
+          </p:cNvSpPr>
+          <p:nvPr>
+            <p:ph idx="1"/>
+          </p:nvPr>
+        </p:nvSpPr>
+        <p:spPr>
+          <a:xfrm>
+            <a:off x="457200" y="1746356"/>
+            <a:ext cx="8229600" cy="4379807"/>
+          </a:xfrm>
+        </p:spPr>
+        <p:txBody>
+          <a:bodyPr/>
+          <a:lstStyle/>
+          <a:p>
+            <a:pPr>
+              <a:spcAft>
+                <a:spcPts val="3000"/>
+              </a:spcAft>
+            </a:pPr>
+            <a:r>
+              <a:rPr lang="en-US" dirty="0" smtClean="0"/>
+              <a:t>Das “</a:t>
+            </a:r>
+            <a:r>
+              <a:rPr lang="en-US" dirty="0" smtClean="0"/>
+              <a:t>P</a:t>
+            </a:r>
+            <a:r>
+              <a:rPr lang="en-US" dirty="0" smtClean="0"/>
+              <a:t>roduct backlog” </a:t>
+            </a:r>
+            <a:r>
+              <a:rPr lang="en-US" dirty="0" err="1" smtClean="0"/>
+              <a:t>ist</a:t>
+            </a:r>
+            <a:r>
+              <a:rPr lang="en-US" dirty="0" smtClean="0"/>
+              <a:t> </a:t>
+            </a:r>
+            <a:r>
+              <a:rPr lang="en-US" dirty="0" err="1" smtClean="0"/>
+              <a:t>eine</a:t>
+            </a:r>
+            <a:r>
+              <a:rPr lang="en-US" dirty="0" smtClean="0"/>
+              <a:t> </a:t>
+            </a:r>
+            <a:r>
+              <a:rPr lang="en-US" dirty="0" err="1" smtClean="0"/>
+              <a:t>Liste</a:t>
+            </a:r>
+            <a:r>
+              <a:rPr lang="en-US" dirty="0" smtClean="0"/>
+              <a:t> von </a:t>
+            </a:r>
+            <a:r>
+              <a:rPr lang="en-US" dirty="0" err="1" smtClean="0"/>
+              <a:t>Anforderungen</a:t>
+            </a:r>
+            <a:r>
+              <a:rPr lang="en-US" dirty="0" smtClean="0"/>
+              <a:t>, </a:t>
+            </a:r>
+            <a:r>
+              <a:rPr lang="en-US" dirty="0" err="1" smtClean="0"/>
+              <a:t>welche</a:t>
+            </a:r>
+            <a:r>
+              <a:rPr lang="en-US" dirty="0" smtClean="0"/>
+              <a:t> das Team </a:t>
+            </a:r>
+            <a:r>
+              <a:rPr lang="en-US" dirty="0" err="1" smtClean="0"/>
+              <a:t>erfüllen</a:t>
+            </a:r>
+            <a:r>
+              <a:rPr lang="en-US" dirty="0" smtClean="0"/>
+              <a:t> muss, </a:t>
+            </a:r>
+            <a:r>
+              <a:rPr lang="en-US" dirty="0" err="1" smtClean="0"/>
+              <a:t>damit</a:t>
+            </a:r>
+            <a:r>
+              <a:rPr lang="en-US" dirty="0" smtClean="0"/>
+              <a:t> </a:t>
+            </a:r>
+            <a:r>
+              <a:rPr lang="en-US" dirty="0" err="1" smtClean="0"/>
+              <a:t>es</a:t>
+            </a:r>
+            <a:r>
+              <a:rPr lang="en-US" dirty="0" smtClean="0"/>
+              <a:t> </a:t>
+            </a:r>
+            <a:r>
+              <a:rPr lang="en-US" dirty="0" err="1" smtClean="0"/>
+              <a:t>letztlich</a:t>
+            </a:r>
+            <a:r>
+              <a:rPr lang="en-US" dirty="0" smtClean="0"/>
+              <a:t> </a:t>
+            </a:r>
+            <a:r>
+              <a:rPr lang="en-US" dirty="0" err="1" smtClean="0"/>
+              <a:t>als</a:t>
+            </a:r>
+            <a:r>
+              <a:rPr lang="en-US" dirty="0" smtClean="0"/>
+              <a:t> </a:t>
+            </a:r>
+            <a:r>
+              <a:rPr lang="en-US" dirty="0" err="1" smtClean="0"/>
+              <a:t>Erfolg</a:t>
+            </a:r>
+            <a:r>
+              <a:rPr lang="en-US" dirty="0" smtClean="0"/>
+              <a:t> </a:t>
+            </a:r>
+            <a:r>
+              <a:rPr lang="en-US" dirty="0" err="1" smtClean="0"/>
+              <a:t>gewertet</a:t>
+            </a:r>
+            <a:r>
+              <a:rPr lang="en-US" dirty="0" smtClean="0"/>
+              <a:t> </a:t>
+            </a:r>
+            <a:r>
+              <a:rPr lang="en-US" dirty="0" err="1" smtClean="0"/>
+              <a:t>wird</a:t>
+            </a:r>
+            <a:r>
+              <a:rPr lang="en-US" dirty="0" smtClean="0"/>
+              <a:t>.</a:t>
+            </a:r>
+          </a:p>
+          <a:p>
+            <a:pPr>
+              <a:spcAft>
+                <a:spcPts val="3000"/>
+              </a:spcAft>
+            </a:pPr>
+            <a:r>
+              <a:rPr lang="en-US" dirty="0" err="1" smtClean="0"/>
+              <a:t>Diese</a:t>
+            </a:r>
+            <a:r>
+              <a:rPr lang="en-US" dirty="0" smtClean="0"/>
+              <a:t> </a:t>
+            </a:r>
+            <a:r>
+              <a:rPr lang="en-US" dirty="0" err="1" smtClean="0"/>
+              <a:t>Liste</a:t>
+            </a:r>
+            <a:r>
+              <a:rPr lang="en-US" dirty="0" smtClean="0"/>
+              <a:t> </a:t>
+            </a:r>
+            <a:r>
+              <a:rPr lang="en-US" dirty="0" err="1" smtClean="0"/>
+              <a:t>enthält</a:t>
+            </a:r>
+            <a:r>
+              <a:rPr lang="en-US" dirty="0" smtClean="0"/>
+              <a:t> </a:t>
+            </a:r>
+            <a:r>
+              <a:rPr lang="en-US" dirty="0" smtClean="0"/>
+              <a:t>F</a:t>
+            </a:r>
+            <a:r>
+              <a:rPr lang="en-US" dirty="0" smtClean="0"/>
+              <a:t>eatures, Bug-Fixes und </a:t>
+            </a:r>
+            <a:r>
+              <a:rPr lang="en-US" dirty="0" err="1" smtClean="0"/>
+              <a:t>andere</a:t>
+            </a:r>
+            <a:r>
+              <a:rPr lang="en-US" dirty="0" smtClean="0"/>
+              <a:t> </a:t>
+            </a:r>
+            <a:r>
+              <a:rPr lang="en-US" dirty="0" err="1" smtClean="0"/>
+              <a:t>Anforderungen</a:t>
+            </a:r>
+            <a:r>
+              <a:rPr lang="en-US" dirty="0" smtClean="0"/>
+              <a:t>.</a:t>
+            </a:r>
+          </a:p>
+          <a:p>
+            <a:pPr>
+              <a:spcAft>
+                <a:spcPts val="3000"/>
+              </a:spcAft>
+            </a:pPr>
+            <a:r>
+              <a:rPr lang="en-US" dirty="0" smtClean="0"/>
+              <a:t>Die </a:t>
+            </a:r>
+            <a:r>
+              <a:rPr lang="en-US" dirty="0" err="1" smtClean="0"/>
+              <a:t>Liste</a:t>
+            </a:r>
+            <a:r>
+              <a:rPr lang="en-US" dirty="0" smtClean="0"/>
+              <a:t> </a:t>
+            </a:r>
+            <a:r>
+              <a:rPr lang="en-US" dirty="0" err="1" smtClean="0"/>
+              <a:t>wird</a:t>
+            </a:r>
+            <a:r>
+              <a:rPr lang="en-US" dirty="0" smtClean="0"/>
+              <a:t> </a:t>
+            </a:r>
+            <a:r>
+              <a:rPr lang="en-US" dirty="0" err="1" smtClean="0"/>
+              <a:t>sortiert</a:t>
+            </a:r>
+            <a:r>
+              <a:rPr lang="en-US" dirty="0" smtClean="0"/>
+              <a:t> </a:t>
+            </a:r>
+            <a:r>
+              <a:rPr lang="en-US" dirty="0" err="1" smtClean="0"/>
+              <a:t>bezüglich</a:t>
+            </a:r>
+            <a:r>
+              <a:rPr lang="en-US" dirty="0" smtClean="0"/>
+              <a:t> </a:t>
+            </a:r>
+            <a:r>
+              <a:rPr lang="en-US" dirty="0" err="1" smtClean="0"/>
+              <a:t>dem</a:t>
+            </a:r>
+            <a:r>
+              <a:rPr lang="en-US" dirty="0" smtClean="0"/>
+              <a:t> </a:t>
+            </a:r>
+            <a:r>
+              <a:rPr lang="en-US" dirty="0" err="1" smtClean="0"/>
+              <a:t>Risiko</a:t>
+            </a:r>
+            <a:r>
+              <a:rPr lang="en-US" dirty="0" smtClean="0"/>
+              <a:t> </a:t>
+            </a:r>
+            <a:r>
+              <a:rPr lang="en-US" dirty="0" err="1" smtClean="0"/>
+              <a:t>oder</a:t>
+            </a:r>
+            <a:r>
+              <a:rPr lang="en-US" dirty="0" smtClean="0"/>
+              <a:t> </a:t>
+            </a:r>
+            <a:r>
+              <a:rPr lang="en-US" dirty="0" err="1" smtClean="0"/>
+              <a:t>dem</a:t>
+            </a:r>
+            <a:r>
+              <a:rPr lang="en-US" dirty="0" smtClean="0"/>
+              <a:t> Wert </a:t>
+            </a:r>
+            <a:r>
+              <a:rPr lang="en-US" dirty="0" err="1" smtClean="0"/>
+              <a:t>für</a:t>
+            </a:r>
+            <a:r>
+              <a:rPr lang="en-US" dirty="0" smtClean="0"/>
+              <a:t> das </a:t>
+            </a:r>
+            <a:r>
+              <a:rPr lang="en-US" smtClean="0"/>
+              <a:t>Gesamtprodukt.</a:t>
+            </a:r>
+            <a:endParaRPr lang="en-US" dirty="0"/>
+          </a:p>
+        </p:txBody>
+      </p:sp>
+    </p:spTree>
+    <p:extLst>
+      <p:ext uri="{BB962C8B-B14F-4D97-AF65-F5344CB8AC3E}">
+        <p14:creationId xmlns:p14="http://schemas.microsoft.com/office/powerpoint/2010/main" val="3641381685"/>
+      </p:ext>
+    </p:extLst>
+  </p:cSld>
+  <p:clrMapOvr>
+    <a:masterClrMapping/>
+  </p:clrMapOvr>
+</p:sld>
+</file>
+
+<file path=ppt/slides/slide13.xml><?xml version="1.0" encoding="utf-8"?>
+<p:sld xmlns:a="http://schemas.openxmlformats.org/drawingml/2006/main" xmlns:r="http://schemas.openxmlformats.org/officeDocument/2006/relationships" xmlns:p="http://schemas.openxmlformats.org/presentationml/2006/main">
+  <p:cSld>
+    <p:spTree>
+      <p:nvGrpSpPr>
+        <p:cNvPr id="1" name=""/>
+        <p:cNvGrpSpPr/>
+        <p:nvPr/>
+      </p:nvGrpSpPr>
+      <p:grpSpPr>
+        <a:xfrm>
+          <a:off x="0" y="0"/>
+          <a:ext cx="0" cy="0"/>
+          <a:chOff x="0" y="0"/>
+          <a:chExt cx="0" cy="0"/>
+        </a:xfrm>
+      </p:grpSpPr>
+      <p:sp>
+        <p:nvSpPr>
+          <p:cNvPr id="2" name="Title 1"/>
+          <p:cNvSpPr>
+            <a:spLocks noGrp="1"/>
+          </p:cNvSpPr>
+          <p:nvPr>
+            <p:ph type="title"/>
+          </p:nvPr>
+        </p:nvSpPr>
+        <p:spPr/>
+        <p:txBody>
+          <a:bodyPr/>
+          <a:lstStyle/>
+          <a:p>
+            <a:r>
+              <a:rPr lang="en-US" dirty="0" smtClean="0"/>
+              <a:t>Sprint Backlog</a:t>
+            </a:r>
+            <a:endParaRPr lang="en-US" dirty="0"/>
+          </a:p>
+        </p:txBody>
+      </p:sp>
+      <p:sp>
+        <p:nvSpPr>
+          <p:cNvPr id="4" name="Content Placeholder 2"/>
+          <p:cNvSpPr>
+            <a:spLocks noGrp="1"/>
+          </p:cNvSpPr>
+          <p:nvPr>
+            <p:ph idx="1"/>
+          </p:nvPr>
+        </p:nvSpPr>
+        <p:spPr>
+          <a:xfrm>
+            <a:off x="457200" y="1746356"/>
+            <a:ext cx="8229600" cy="4379807"/>
+          </a:xfrm>
+        </p:spPr>
+        <p:txBody>
+          <a:bodyPr/>
+          <a:lstStyle/>
+          <a:p>
+            <a:pPr>
+              <a:spcAft>
+                <a:spcPts val="3000"/>
+              </a:spcAft>
+            </a:pPr>
+            <a:r>
+              <a:rPr lang="en-US" dirty="0" smtClean="0"/>
+              <a:t>List of features that are taken from the Product Backlog, that can be achieved in the sprint.</a:t>
+            </a:r>
+            <a:endParaRPr lang="en-US" dirty="0"/>
+          </a:p>
+          <a:p>
+            <a:pPr>
+              <a:spcAft>
+                <a:spcPts val="3000"/>
+              </a:spcAft>
+            </a:pPr>
+            <a:r>
+              <a:rPr lang="en-US" dirty="0" smtClean="0"/>
+              <a:t>These features are determined during a Sprint Meeting at the start of each Sprint.</a:t>
+            </a:r>
+          </a:p>
+          <a:p>
+            <a:pPr>
+              <a:spcAft>
+                <a:spcPts val="3000"/>
+              </a:spcAft>
+            </a:pPr>
+            <a:endParaRPr lang="en-US" dirty="0" smtClean="0"/>
+          </a:p>
+        </p:txBody>
+      </p:sp>
+    </p:spTree>
+    <p:extLst>
+      <p:ext uri="{BB962C8B-B14F-4D97-AF65-F5344CB8AC3E}">
+        <p14:creationId xmlns:p14="http://schemas.microsoft.com/office/powerpoint/2010/main" val="1552232305"/>
+      </p:ext>
+    </p:extLst>
+  </p:cSld>
+  <p:clrMapOvr>
+    <a:masterClrMapping/>
+  </p:clrMapOvr>
+</p:sld>
+</file>
+
+<file path=ppt/slides/slide14.xml><?xml version="1.0" encoding="utf-8"?>
+<p:sld xmlns:a="http://schemas.openxmlformats.org/drawingml/2006/main" xmlns:r="http://schemas.openxmlformats.org/officeDocument/2006/relationships" xmlns:p="http://schemas.openxmlformats.org/presentationml/2006/main">
+  <p:cSld>
+    <p:spTree>
+      <p:nvGrpSpPr>
+        <p:cNvPr id="1" name=""/>
+        <p:cNvGrpSpPr/>
+        <p:nvPr/>
+      </p:nvGrpSpPr>
+      <p:grpSpPr>
+        <a:xfrm>
+          <a:off x="0" y="0"/>
+          <a:ext cx="0" cy="0"/>
+          <a:chOff x="0" y="0"/>
+          <a:chExt cx="0" cy="0"/>
+        </a:xfrm>
+      </p:grpSpPr>
+      <p:sp>
+        <p:nvSpPr>
+          <p:cNvPr id="2" name="Titel 1"/>
+          <p:cNvSpPr>
+            <a:spLocks noGrp="1"/>
+          </p:cNvSpPr>
+          <p:nvPr>
+            <p:ph type="title"/>
+          </p:nvPr>
+        </p:nvSpPr>
+        <p:spPr/>
+        <p:txBody>
+          <a:bodyPr/>
+          <a:lstStyle/>
+          <a:p>
+            <a:r>
+              <a:rPr lang="de-DE" dirty="0" err="1" smtClean="0"/>
+              <a:t>Backlog</a:t>
+            </a:r>
+            <a:r>
+              <a:rPr lang="de-DE" dirty="0" smtClean="0"/>
+              <a:t> in </a:t>
+            </a:r>
+            <a:r>
+              <a:rPr lang="de-DE" dirty="0" err="1" smtClean="0"/>
+              <a:t>Jira</a:t>
+            </a:r>
+            <a:endParaRPr lang="de-DE" dirty="0"/>
+          </a:p>
+        </p:txBody>
+      </p:sp>
+      <p:pic>
+        <p:nvPicPr>
+          <p:cNvPr id="4" name="Inhaltsplatzhalter 3"/>
+          <p:cNvPicPr>
+            <a:picLocks noGrp="1" noChangeAspect="1"/>
+          </p:cNvPicPr>
+          <p:nvPr>
+            <p:ph idx="1"/>
+          </p:nvPr>
+        </p:nvPicPr>
+        <p:blipFill>
+          <a:blip r:embed="rId2" cstate="email">
+            <a:extLst>
+              <a:ext uri="{28A0092B-C50C-407E-A947-70E740481C1C}">
+                <a14:useLocalDpi xmlns:a14="http://schemas.microsoft.com/office/drawing/2010/main" val="0"/>
+              </a:ext>
+            </a:extLst>
+          </a:blip>
+          <a:stretch>
+            <a:fillRect/>
+          </a:stretch>
+        </p:blipFill>
+        <p:spPr>
+          <a:xfrm>
+            <a:off x="279878" y="1871932"/>
+            <a:ext cx="8631209" cy="4855055"/>
+          </a:xfrm>
+        </p:spPr>
+      </p:pic>
+    </p:spTree>
+    <p:extLst>
+      <p:ext uri="{BB962C8B-B14F-4D97-AF65-F5344CB8AC3E}">
+        <p14:creationId xmlns:p14="http://schemas.microsoft.com/office/powerpoint/2010/main" val="1098008233"/>
+      </p:ext>
+    </p:extLst>
+  </p:cSld>
+  <p:clrMapOvr>
+    <a:masterClrMapping/>
+  </p:clrMapOvr>
+</p:sld>
+</file>
+
+<file path=ppt/slides/slide15.xml><?xml version="1.0" encoding="utf-8"?>
+<p:sld xmlns:a="http://schemas.openxmlformats.org/drawingml/2006/main" xmlns:r="http://schemas.openxmlformats.org/officeDocument/2006/relationships" xmlns:p="http://schemas.openxmlformats.org/presentationml/2006/main">
+  <p:cSld>
+    <p:spTree>
+      <p:nvGrpSpPr>
+        <p:cNvPr id="1" name=""/>
+        <p:cNvGrpSpPr/>
+        <p:nvPr/>
+      </p:nvGrpSpPr>
+      <p:grpSpPr>
+        <a:xfrm>
+          <a:off x="0" y="0"/>
+          <a:ext cx="0" cy="0"/>
+          <a:chOff x="0" y="0"/>
+          <a:chExt cx="0" cy="0"/>
+        </a:xfrm>
+      </p:grpSpPr>
+      <p:sp>
+        <p:nvSpPr>
+          <p:cNvPr id="2" name="Title 1"/>
+          <p:cNvSpPr>
+            <a:spLocks noGrp="1"/>
+          </p:cNvSpPr>
+          <p:nvPr>
+            <p:ph type="title"/>
+          </p:nvPr>
+        </p:nvSpPr>
+        <p:spPr/>
+        <p:txBody>
+          <a:bodyPr/>
+          <a:lstStyle/>
+          <a:p>
+            <a:r>
+              <a:rPr lang="en-US" dirty="0" smtClean="0"/>
+              <a:t>Sprints</a:t>
+            </a:r>
+            <a:endParaRPr lang="en-US" dirty="0"/>
+          </a:p>
+        </p:txBody>
+      </p:sp>
+      <p:sp>
+        <p:nvSpPr>
+          <p:cNvPr id="4" name="Content Placeholder 2"/>
+          <p:cNvSpPr>
+            <a:spLocks noGrp="1"/>
+          </p:cNvSpPr>
+          <p:nvPr>
+            <p:ph idx="1"/>
+          </p:nvPr>
+        </p:nvSpPr>
+        <p:spPr>
+          <a:xfrm>
+            <a:off x="457200" y="1746356"/>
+            <a:ext cx="8229600" cy="4379807"/>
+          </a:xfrm>
+        </p:spPr>
+        <p:txBody>
+          <a:bodyPr>
+            <a:normAutofit lnSpcReduction="10000"/>
+          </a:bodyPr>
+          <a:lstStyle/>
+          <a:p>
+            <a:pPr>
+              <a:spcAft>
+                <a:spcPts val="3000"/>
+              </a:spcAft>
+            </a:pPr>
+            <a:r>
+              <a:rPr lang="en-US" dirty="0" smtClean="0"/>
+              <a:t>Projects progress via a series of ‘Sprints’.</a:t>
+            </a:r>
+          </a:p>
+          <a:p>
+            <a:pPr>
+              <a:spcAft>
+                <a:spcPts val="3000"/>
+              </a:spcAft>
+            </a:pPr>
+            <a:r>
+              <a:rPr lang="en-US" dirty="0" smtClean="0"/>
+              <a:t> A sprint is a short development period (usually two to four weeks) where a team works on the Sprint Backlog.</a:t>
+            </a:r>
+          </a:p>
+          <a:p>
+            <a:pPr>
+              <a:spcAft>
+                <a:spcPts val="3000"/>
+              </a:spcAft>
+            </a:pPr>
+            <a:r>
+              <a:rPr lang="en-US" dirty="0" smtClean="0"/>
+              <a:t>The short length is designed to make sure the goals are achievable and realistic.</a:t>
+            </a:r>
+          </a:p>
+          <a:p>
+            <a:pPr>
+              <a:spcAft>
+                <a:spcPts val="3000"/>
+              </a:spcAft>
+            </a:pPr>
+            <a:r>
+              <a:rPr lang="en-US" dirty="0" smtClean="0"/>
+              <a:t>Once a Sprint finishes, the next one begins immediately.</a:t>
+            </a:r>
+            <a:endParaRPr lang="en-US" dirty="0"/>
+          </a:p>
+        </p:txBody>
+      </p:sp>
+    </p:spTree>
+    <p:extLst>
+      <p:ext uri="{BB962C8B-B14F-4D97-AF65-F5344CB8AC3E}">
+        <p14:creationId xmlns:p14="http://schemas.microsoft.com/office/powerpoint/2010/main" val="5475529"/>
+      </p:ext>
+    </p:extLst>
+  </p:cSld>
+  <p:clrMapOvr>
+    <a:masterClrMapping/>
+  </p:clrMapOvr>
+</p:sld>
+</file>
+
+<file path=ppt/slides/slide16.xml><?xml version="1.0" encoding="utf-8"?>
+<p:sld xmlns:a="http://schemas.openxmlformats.org/drawingml/2006/main" xmlns:r="http://schemas.openxmlformats.org/officeDocument/2006/relationships" xmlns:p="http://schemas.openxmlformats.org/presentationml/2006/main">
+  <p:cSld>
+    <p:spTree>
+      <p:nvGrpSpPr>
+        <p:cNvPr id="1" name=""/>
+        <p:cNvGrpSpPr/>
+        <p:nvPr/>
+      </p:nvGrpSpPr>
+      <p:grpSpPr>
+        <a:xfrm>
+          <a:off x="0" y="0"/>
+          <a:ext cx="0" cy="0"/>
+          <a:chOff x="0" y="0"/>
+          <a:chExt cx="0" cy="0"/>
+        </a:xfrm>
+      </p:grpSpPr>
+      <p:sp>
+        <p:nvSpPr>
+          <p:cNvPr id="2" name="Titel 1"/>
+          <p:cNvSpPr>
+            <a:spLocks noGrp="1"/>
+          </p:cNvSpPr>
+          <p:nvPr>
+            <p:ph type="title"/>
+          </p:nvPr>
+        </p:nvSpPr>
+        <p:spPr/>
+        <p:txBody>
+          <a:bodyPr/>
+          <a:lstStyle/>
+          <a:p>
+            <a:r>
+              <a:rPr lang="de-DE" dirty="0" smtClean="0"/>
+              <a:t>Sich ändernde Ziele</a:t>
+            </a:r>
+            <a:endParaRPr lang="de-DE" dirty="0"/>
+          </a:p>
+        </p:txBody>
+      </p:sp>
+      <p:pic>
+        <p:nvPicPr>
+          <p:cNvPr id="8" name="Inhaltsplatzhalter 7"/>
+          <p:cNvPicPr>
+            <a:picLocks noGrp="1" noChangeAspect="1"/>
+          </p:cNvPicPr>
+          <p:nvPr>
+            <p:ph idx="1"/>
+          </p:nvPr>
+        </p:nvPicPr>
+        <p:blipFill>
+          <a:blip r:embed="rId2" cstate="email">
+            <a:extLst>
+              <a:ext uri="{28A0092B-C50C-407E-A947-70E740481C1C}">
+                <a14:useLocalDpi xmlns:a14="http://schemas.microsoft.com/office/drawing/2010/main" val="0"/>
+              </a:ext>
+            </a:extLst>
+          </a:blip>
+          <a:stretch>
+            <a:fillRect/>
+          </a:stretch>
+        </p:blipFill>
+        <p:spPr>
+          <a:xfrm>
+            <a:off x="709304" y="2643996"/>
+            <a:ext cx="3766868" cy="2825151"/>
+          </a:xfrm>
+        </p:spPr>
+      </p:pic>
+      <p:pic>
+        <p:nvPicPr>
+          <p:cNvPr id="9" name="Grafik 8"/>
+          <p:cNvPicPr>
+            <a:picLocks noChangeAspect="1"/>
+          </p:cNvPicPr>
+          <p:nvPr/>
+        </p:nvPicPr>
+        <p:blipFill>
+          <a:blip r:embed="rId3" cstate="email">
+            <a:extLst>
+              <a:ext uri="{28A0092B-C50C-407E-A947-70E740481C1C}">
+                <a14:useLocalDpi xmlns:a14="http://schemas.microsoft.com/office/drawing/2010/main" val="0"/>
+              </a:ext>
+            </a:extLst>
+          </a:blip>
+          <a:stretch>
+            <a:fillRect/>
+          </a:stretch>
+        </p:blipFill>
+        <p:spPr>
+          <a:xfrm>
+            <a:off x="4345774" y="2631057"/>
+            <a:ext cx="3847382" cy="2885536"/>
+          </a:xfrm>
+          <a:prstGeom prst="rect">
+            <a:avLst/>
+          </a:prstGeom>
+        </p:spPr>
+      </p:pic>
+      <p:sp>
+        <p:nvSpPr>
+          <p:cNvPr id="10" name="Pfeil nach rechts 9"/>
+          <p:cNvSpPr/>
+          <p:nvPr/>
+        </p:nvSpPr>
+        <p:spPr>
+          <a:xfrm>
+            <a:off x="2872596" y="3653287"/>
+            <a:ext cx="836762" cy="491706"/>
+          </a:xfrm>
+          <a:prstGeom prst="rightArrow">
+            <a:avLst/>
+          </a:prstGeom>
+        </p:spPr>
+        <p:style>
+          <a:lnRef idx="2">
+            <a:schemeClr val="accent1">
+              <a:shade val="50000"/>
+            </a:schemeClr>
+          </a:lnRef>
+          <a:fillRef idx="1">
+            <a:schemeClr val="accent1"/>
+          </a:fillRef>
+          <a:effectRef idx="0">
+            <a:schemeClr val="accent1"/>
+          </a:effectRef>
+          <a:fontRef idx="minor">
+            <a:schemeClr val="lt1"/>
+          </a:fontRef>
+        </p:style>
+        <p:txBody>
+          <a:bodyPr rtlCol="0" anchor="ctr"/>
+          <a:lstStyle/>
+          <a:p>
+            <a:pPr algn="ctr"/>
+            <a:endParaRPr lang="de-DE"/>
+          </a:p>
+        </p:txBody>
+      </p:sp>
+    </p:spTree>
+    <p:extLst>
+      <p:ext uri="{BB962C8B-B14F-4D97-AF65-F5344CB8AC3E}">
+        <p14:creationId xmlns:p14="http://schemas.microsoft.com/office/powerpoint/2010/main" val="1493865449"/>
+      </p:ext>
+    </p:extLst>
+  </p:cSld>
+  <p:clrMapOvr>
+    <a:masterClrMapping/>
+  </p:clrMapOvr>
+  <p:timing>
+    <p:tnLst>
+      <p:par>
+        <p:cTn id="1" dur="indefinite" restart="never" nodeType="tmRoot"/>
+      </p:par>
+    </p:tnLst>
+  </p:timing>
+</p:sld>
+</file>
+
+<file path=ppt/slides/slide17.xml><?xml version="1.0" encoding="utf-8"?>
+<p:sld xmlns:a="http://schemas.openxmlformats.org/drawingml/2006/main" xmlns:r="http://schemas.openxmlformats.org/officeDocument/2006/relationships" xmlns:p="http://schemas.openxmlformats.org/presentationml/2006/main">
+  <p:cSld>
+    <p:spTree>
+      <p:nvGrpSpPr>
+        <p:cNvPr id="1" name=""/>
+        <p:cNvGrpSpPr/>
+        <p:nvPr/>
+      </p:nvGrpSpPr>
+      <p:grpSpPr>
+        <a:xfrm>
+          <a:off x="0" y="0"/>
+          <a:ext cx="0" cy="0"/>
+          <a:chOff x="0" y="0"/>
+          <a:chExt cx="0" cy="0"/>
+        </a:xfrm>
+      </p:grpSpPr>
+      <p:sp>
+        <p:nvSpPr>
+          <p:cNvPr id="2" name="Titel 1"/>
+          <p:cNvSpPr>
+            <a:spLocks noGrp="1"/>
+          </p:cNvSpPr>
+          <p:nvPr>
+            <p:ph type="title"/>
+          </p:nvPr>
+        </p:nvSpPr>
+        <p:spPr/>
+        <p:txBody>
+          <a:bodyPr/>
+          <a:lstStyle/>
+          <a:p>
+            <a:r>
+              <a:rPr lang="de-DE" dirty="0" smtClean="0"/>
+              <a:t>Sich ändernde Ziele</a:t>
+            </a:r>
+            <a:endParaRPr lang="de-DE" dirty="0"/>
+          </a:p>
+        </p:txBody>
+      </p:sp>
+      <p:pic>
+        <p:nvPicPr>
+          <p:cNvPr id="8" name="Inhaltsplatzhalter 7"/>
+          <p:cNvPicPr>
+            <a:picLocks noGrp="1" noChangeAspect="1"/>
+          </p:cNvPicPr>
+          <p:nvPr>
+            <p:ph idx="1"/>
+          </p:nvPr>
+        </p:nvPicPr>
+        <p:blipFill>
+          <a:blip r:embed="rId2" cstate="email">
+            <a:extLst>
+              <a:ext uri="{28A0092B-C50C-407E-A947-70E740481C1C}">
+                <a14:useLocalDpi xmlns:a14="http://schemas.microsoft.com/office/drawing/2010/main" val="0"/>
+              </a:ext>
+            </a:extLst>
+          </a:blip>
+          <a:stretch>
+            <a:fillRect/>
+          </a:stretch>
+        </p:blipFill>
+        <p:spPr>
+          <a:xfrm>
+            <a:off x="709304" y="2643996"/>
+            <a:ext cx="3766868" cy="2825151"/>
+          </a:xfrm>
+        </p:spPr>
+      </p:pic>
+      <p:pic>
+        <p:nvPicPr>
+          <p:cNvPr id="9" name="Grafik 8"/>
+          <p:cNvPicPr>
+            <a:picLocks noChangeAspect="1"/>
+          </p:cNvPicPr>
+          <p:nvPr/>
+        </p:nvPicPr>
+        <p:blipFill>
+          <a:blip r:embed="rId3" cstate="email">
+            <a:extLst>
+              <a:ext uri="{28A0092B-C50C-407E-A947-70E740481C1C}">
+                <a14:useLocalDpi xmlns:a14="http://schemas.microsoft.com/office/drawing/2010/main" val="0"/>
+              </a:ext>
+            </a:extLst>
+          </a:blip>
+          <a:stretch>
+            <a:fillRect/>
+          </a:stretch>
+        </p:blipFill>
+        <p:spPr>
+          <a:xfrm>
+            <a:off x="4476172" y="2029228"/>
+            <a:ext cx="3847382" cy="2885536"/>
+          </a:xfrm>
+          <a:prstGeom prst="rect">
+            <a:avLst/>
+          </a:prstGeom>
+        </p:spPr>
+      </p:pic>
+      <p:sp>
+        <p:nvSpPr>
+          <p:cNvPr id="10" name="Pfeil nach rechts 9"/>
+          <p:cNvSpPr/>
+          <p:nvPr/>
+        </p:nvSpPr>
+        <p:spPr>
+          <a:xfrm>
+            <a:off x="2872596" y="3653287"/>
+            <a:ext cx="836762" cy="491706"/>
+          </a:xfrm>
+          <a:prstGeom prst="rightArrow">
+            <a:avLst/>
+          </a:prstGeom>
+        </p:spPr>
+        <p:style>
+          <a:lnRef idx="2">
+            <a:schemeClr val="accent1">
+              <a:shade val="50000"/>
+            </a:schemeClr>
+          </a:lnRef>
+          <a:fillRef idx="1">
+            <a:schemeClr val="accent1"/>
+          </a:fillRef>
+          <a:effectRef idx="0">
+            <a:schemeClr val="accent1"/>
+          </a:effectRef>
+          <a:fontRef idx="minor">
+            <a:schemeClr val="lt1"/>
+          </a:fontRef>
+        </p:style>
+        <p:txBody>
+          <a:bodyPr rtlCol="0" anchor="ctr"/>
+          <a:lstStyle/>
+          <a:p>
+            <a:pPr algn="ctr"/>
+            <a:endParaRPr lang="de-DE"/>
+          </a:p>
+        </p:txBody>
+      </p:sp>
+      <p:sp>
+        <p:nvSpPr>
+          <p:cNvPr id="7" name="Pfeil nach rechts 6"/>
+          <p:cNvSpPr/>
+          <p:nvPr/>
+        </p:nvSpPr>
+        <p:spPr>
+          <a:xfrm rot="20792265">
+            <a:off x="3735239" y="3562642"/>
+            <a:ext cx="836762" cy="491706"/>
+          </a:xfrm>
+          <a:prstGeom prst="rightArrow">
+            <a:avLst/>
+          </a:prstGeom>
+        </p:spPr>
+        <p:style>
+          <a:lnRef idx="2">
+            <a:schemeClr val="accent1">
+              <a:shade val="50000"/>
+            </a:schemeClr>
+          </a:lnRef>
+          <a:fillRef idx="1">
+            <a:schemeClr val="accent1"/>
+          </a:fillRef>
+          <a:effectRef idx="0">
+            <a:schemeClr val="accent1"/>
+          </a:effectRef>
+          <a:fontRef idx="minor">
+            <a:schemeClr val="lt1"/>
+          </a:fontRef>
+        </p:style>
+        <p:txBody>
+          <a:bodyPr rtlCol="0" anchor="ctr"/>
+          <a:lstStyle/>
+          <a:p>
+            <a:pPr algn="ctr"/>
+            <a:endParaRPr lang="de-DE"/>
+          </a:p>
+        </p:txBody>
+      </p:sp>
+    </p:spTree>
+    <p:extLst>
+      <p:ext uri="{BB962C8B-B14F-4D97-AF65-F5344CB8AC3E}">
+        <p14:creationId xmlns:p14="http://schemas.microsoft.com/office/powerpoint/2010/main" val="1426364698"/>
+      </p:ext>
+    </p:extLst>
+  </p:cSld>
+  <p:clrMapOvr>
+    <a:masterClrMapping/>
+  </p:clrMapOvr>
+  <p:timing>
+    <p:tnLst>
+      <p:par>
+        <p:cTn id="1" dur="indefinite" restart="never" nodeType="tmRoot"/>
+      </p:par>
+    </p:tnLst>
+  </p:timing>
+</p:sld>
+</file>
+
+<file path=ppt/slides/slide18.xml><?xml version="1.0" encoding="utf-8"?>
+<p:sld xmlns:a="http://schemas.openxmlformats.org/drawingml/2006/main" xmlns:r="http://schemas.openxmlformats.org/officeDocument/2006/relationships" xmlns:p="http://schemas.openxmlformats.org/presentationml/2006/main">
+  <p:cSld>
+    <p:spTree>
+      <p:nvGrpSpPr>
+        <p:cNvPr id="1" name=""/>
+        <p:cNvGrpSpPr/>
+        <p:nvPr/>
+      </p:nvGrpSpPr>
+      <p:grpSpPr>
+        <a:xfrm>
+          <a:off x="0" y="0"/>
+          <a:ext cx="0" cy="0"/>
+          <a:chOff x="0" y="0"/>
+          <a:chExt cx="0" cy="0"/>
+        </a:xfrm>
+      </p:grpSpPr>
+      <p:sp>
+        <p:nvSpPr>
+          <p:cNvPr id="2" name="Titel 1"/>
+          <p:cNvSpPr>
+            <a:spLocks noGrp="1"/>
+          </p:cNvSpPr>
+          <p:nvPr>
+            <p:ph type="title"/>
+          </p:nvPr>
+        </p:nvSpPr>
+        <p:spPr/>
+        <p:txBody>
+          <a:bodyPr/>
+          <a:lstStyle/>
+          <a:p>
+            <a:r>
+              <a:rPr lang="de-DE" dirty="0" smtClean="0"/>
+              <a:t>Sich ändernde Ziele</a:t>
+            </a:r>
+            <a:endParaRPr lang="de-DE" dirty="0"/>
+          </a:p>
+        </p:txBody>
+      </p:sp>
+      <p:pic>
+        <p:nvPicPr>
+          <p:cNvPr id="8" name="Inhaltsplatzhalter 7"/>
+          <p:cNvPicPr>
+            <a:picLocks noGrp="1" noChangeAspect="1"/>
+          </p:cNvPicPr>
+          <p:nvPr>
+            <p:ph idx="1"/>
+          </p:nvPr>
+        </p:nvPicPr>
+        <p:blipFill>
+          <a:blip r:embed="rId2" cstate="email">
+            <a:extLst>
+              <a:ext uri="{28A0092B-C50C-407E-A947-70E740481C1C}">
+                <a14:useLocalDpi xmlns:a14="http://schemas.microsoft.com/office/drawing/2010/main" val="0"/>
+              </a:ext>
+            </a:extLst>
+          </a:blip>
+          <a:stretch>
+            <a:fillRect/>
+          </a:stretch>
+        </p:blipFill>
+        <p:spPr>
+          <a:xfrm>
+            <a:off x="709304" y="2643996"/>
+            <a:ext cx="3766868" cy="2825151"/>
+          </a:xfrm>
+        </p:spPr>
+      </p:pic>
+      <p:pic>
+        <p:nvPicPr>
+          <p:cNvPr id="9" name="Grafik 8"/>
+          <p:cNvPicPr>
+            <a:picLocks noChangeAspect="1"/>
+          </p:cNvPicPr>
+          <p:nvPr/>
+        </p:nvPicPr>
+        <p:blipFill>
+          <a:blip r:embed="rId3" cstate="email">
+            <a:extLst>
+              <a:ext uri="{28A0092B-C50C-407E-A947-70E740481C1C}">
+                <a14:useLocalDpi xmlns:a14="http://schemas.microsoft.com/office/drawing/2010/main" val="0"/>
+              </a:ext>
+            </a:extLst>
+          </a:blip>
+          <a:stretch>
+            <a:fillRect/>
+          </a:stretch>
+        </p:blipFill>
+        <p:spPr>
+          <a:xfrm>
+            <a:off x="4153620" y="1531189"/>
+            <a:ext cx="3847382" cy="2885536"/>
+          </a:xfrm>
+          <a:prstGeom prst="rect">
+            <a:avLst/>
+          </a:prstGeom>
+        </p:spPr>
+      </p:pic>
+      <p:sp>
+        <p:nvSpPr>
+          <p:cNvPr id="10" name="Pfeil nach rechts 9"/>
+          <p:cNvSpPr/>
+          <p:nvPr/>
+        </p:nvSpPr>
+        <p:spPr>
+          <a:xfrm>
+            <a:off x="2872596" y="3653287"/>
+            <a:ext cx="836762" cy="491706"/>
+          </a:xfrm>
+          <a:prstGeom prst="rightArrow">
+            <a:avLst/>
+          </a:prstGeom>
+        </p:spPr>
+        <p:style>
+          <a:lnRef idx="2">
+            <a:schemeClr val="accent1">
+              <a:shade val="50000"/>
+            </a:schemeClr>
+          </a:lnRef>
+          <a:fillRef idx="1">
+            <a:schemeClr val="accent1"/>
+          </a:fillRef>
+          <a:effectRef idx="0">
+            <a:schemeClr val="accent1"/>
+          </a:effectRef>
+          <a:fontRef idx="minor">
+            <a:schemeClr val="lt1"/>
+          </a:fontRef>
+        </p:style>
+        <p:txBody>
+          <a:bodyPr rtlCol="0" anchor="ctr"/>
+          <a:lstStyle/>
+          <a:p>
+            <a:pPr algn="ctr"/>
+            <a:endParaRPr lang="de-DE"/>
+          </a:p>
+        </p:txBody>
+      </p:sp>
+      <p:sp>
+        <p:nvSpPr>
+          <p:cNvPr id="7" name="Pfeil nach rechts 6"/>
+          <p:cNvSpPr/>
+          <p:nvPr/>
+        </p:nvSpPr>
+        <p:spPr>
+          <a:xfrm rot="20792265">
+            <a:off x="3735239" y="3562642"/>
+            <a:ext cx="836762" cy="491706"/>
+          </a:xfrm>
+          <a:prstGeom prst="rightArrow">
+            <a:avLst/>
+          </a:prstGeom>
+        </p:spPr>
+        <p:style>
+          <a:lnRef idx="2">
+            <a:schemeClr val="accent1">
+              <a:shade val="50000"/>
+            </a:schemeClr>
+          </a:lnRef>
+          <a:fillRef idx="1">
+            <a:schemeClr val="accent1"/>
+          </a:fillRef>
+          <a:effectRef idx="0">
+            <a:schemeClr val="accent1"/>
+          </a:effectRef>
+          <a:fontRef idx="minor">
+            <a:schemeClr val="lt1"/>
+          </a:fontRef>
+        </p:style>
+        <p:txBody>
+          <a:bodyPr rtlCol="0" anchor="ctr"/>
+          <a:lstStyle/>
+          <a:p>
+            <a:pPr algn="ctr"/>
+            <a:endParaRPr lang="de-DE"/>
+          </a:p>
+        </p:txBody>
+      </p:sp>
+      <p:sp>
+        <p:nvSpPr>
+          <p:cNvPr id="11" name="Pfeil nach rechts 10"/>
+          <p:cNvSpPr/>
+          <p:nvPr/>
+        </p:nvSpPr>
+        <p:spPr>
+          <a:xfrm rot="19836527">
+            <a:off x="4521912" y="3230436"/>
+            <a:ext cx="836762" cy="491706"/>
+          </a:xfrm>
+          <a:prstGeom prst="rightArrow">
+            <a:avLst/>
+          </a:prstGeom>
+        </p:spPr>
+        <p:style>
+          <a:lnRef idx="2">
+            <a:schemeClr val="accent1">
+              <a:shade val="50000"/>
+            </a:schemeClr>
+          </a:lnRef>
+          <a:fillRef idx="1">
+            <a:schemeClr val="accent1"/>
+          </a:fillRef>
+          <a:effectRef idx="0">
+            <a:schemeClr val="accent1"/>
+          </a:effectRef>
+          <a:fontRef idx="minor">
+            <a:schemeClr val="lt1"/>
+          </a:fontRef>
+        </p:style>
+        <p:txBody>
+          <a:bodyPr rtlCol="0" anchor="ctr"/>
+          <a:lstStyle/>
+          <a:p>
+            <a:pPr algn="ctr"/>
+            <a:endParaRPr lang="de-DE"/>
+          </a:p>
+        </p:txBody>
+      </p:sp>
+    </p:spTree>
+    <p:extLst>
+      <p:ext uri="{BB962C8B-B14F-4D97-AF65-F5344CB8AC3E}">
+        <p14:creationId xmlns:p14="http://schemas.microsoft.com/office/powerpoint/2010/main" val="4141206065"/>
+      </p:ext>
+    </p:extLst>
+  </p:cSld>
+  <p:clrMapOvr>
+    <a:masterClrMapping/>
+  </p:clrMapOvr>
+  <p:timing>
+    <p:tnLst>
+      <p:par>
+        <p:cTn id="1" dur="indefinite" restart="never" nodeType="tmRoot"/>
+      </p:par>
+    </p:tnLst>
+  </p:timing>
+</p:sld>
+</file>
+
+<file path=ppt/slides/slide19.xml><?xml version="1.0" encoding="utf-8"?>
+<p:sld xmlns:a="http://schemas.openxmlformats.org/drawingml/2006/main" xmlns:r="http://schemas.openxmlformats.org/officeDocument/2006/relationships" xmlns:p="http://schemas.openxmlformats.org/presentationml/2006/main">
+  <p:cSld>
+    <p:spTree>
+      <p:nvGrpSpPr>
+        <p:cNvPr id="1" name=""/>
+        <p:cNvGrpSpPr/>
+        <p:nvPr/>
+      </p:nvGrpSpPr>
+      <p:grpSpPr>
+        <a:xfrm>
+          <a:off x="0" y="0"/>
+          <a:ext cx="0" cy="0"/>
+          <a:chOff x="0" y="0"/>
+          <a:chExt cx="0" cy="0"/>
+        </a:xfrm>
+      </p:grpSpPr>
+      <p:sp>
+        <p:nvSpPr>
+          <p:cNvPr id="2" name="Titel 1"/>
+          <p:cNvSpPr>
+            <a:spLocks noGrp="1"/>
+          </p:cNvSpPr>
+          <p:nvPr>
+            <p:ph type="title"/>
+          </p:nvPr>
+        </p:nvSpPr>
+        <p:spPr/>
+        <p:txBody>
+          <a:bodyPr/>
+          <a:lstStyle/>
+          <a:p>
+            <a:r>
+              <a:rPr lang="de-DE" dirty="0" smtClean="0"/>
+              <a:t>Sich ändernde Ziele</a:t>
+            </a:r>
+            <a:endParaRPr lang="de-DE" dirty="0"/>
+          </a:p>
+        </p:txBody>
+      </p:sp>
+      <p:pic>
+        <p:nvPicPr>
+          <p:cNvPr id="8" name="Inhaltsplatzhalter 7"/>
+          <p:cNvPicPr>
+            <a:picLocks noGrp="1" noChangeAspect="1"/>
+          </p:cNvPicPr>
+          <p:nvPr>
+            <p:ph idx="1"/>
+          </p:nvPr>
+        </p:nvPicPr>
+        <p:blipFill>
+          <a:blip r:embed="rId2" cstate="email">
+            <a:extLst>
+              <a:ext uri="{28A0092B-C50C-407E-A947-70E740481C1C}">
+                <a14:useLocalDpi xmlns:a14="http://schemas.microsoft.com/office/drawing/2010/main" val="0"/>
+              </a:ext>
+            </a:extLst>
+          </a:blip>
+          <a:stretch>
+            <a:fillRect/>
+          </a:stretch>
+        </p:blipFill>
+        <p:spPr>
+          <a:xfrm>
+            <a:off x="709304" y="2643996"/>
+            <a:ext cx="3766868" cy="2825151"/>
+          </a:xfrm>
+        </p:spPr>
+      </p:pic>
+      <p:pic>
+        <p:nvPicPr>
+          <p:cNvPr id="9" name="Grafik 8"/>
+          <p:cNvPicPr>
+            <a:picLocks noChangeAspect="1"/>
+          </p:cNvPicPr>
+          <p:nvPr/>
+        </p:nvPicPr>
+        <p:blipFill>
+          <a:blip r:embed="rId3" cstate="email">
+            <a:extLst>
+              <a:ext uri="{28A0092B-C50C-407E-A947-70E740481C1C}">
+                <a14:useLocalDpi xmlns:a14="http://schemas.microsoft.com/office/drawing/2010/main" val="0"/>
+              </a:ext>
+            </a:extLst>
+          </a:blip>
+          <a:stretch>
+            <a:fillRect/>
+          </a:stretch>
+        </p:blipFill>
+        <p:spPr>
+          <a:xfrm>
+            <a:off x="4455104" y="1867619"/>
+            <a:ext cx="3847382" cy="2885536"/>
+          </a:xfrm>
+          <a:prstGeom prst="rect">
+            <a:avLst/>
+          </a:prstGeom>
+        </p:spPr>
+      </p:pic>
+      <p:sp>
+        <p:nvSpPr>
+          <p:cNvPr id="10" name="Pfeil nach rechts 9"/>
+          <p:cNvSpPr/>
+          <p:nvPr/>
+        </p:nvSpPr>
+        <p:spPr>
+          <a:xfrm>
+            <a:off x="2872596" y="3653287"/>
+            <a:ext cx="836762" cy="491706"/>
+          </a:xfrm>
+          <a:prstGeom prst="rightArrow">
+            <a:avLst/>
+          </a:prstGeom>
+        </p:spPr>
+        <p:style>
+          <a:lnRef idx="2">
+            <a:schemeClr val="accent1">
+              <a:shade val="50000"/>
+            </a:schemeClr>
+          </a:lnRef>
+          <a:fillRef idx="1">
+            <a:schemeClr val="accent1"/>
+          </a:fillRef>
+          <a:effectRef idx="0">
+            <a:schemeClr val="accent1"/>
+          </a:effectRef>
+          <a:fontRef idx="minor">
+            <a:schemeClr val="lt1"/>
+          </a:fontRef>
+        </p:style>
+        <p:txBody>
+          <a:bodyPr rtlCol="0" anchor="ctr"/>
+          <a:lstStyle/>
+          <a:p>
+            <a:pPr algn="ctr"/>
+            <a:endParaRPr lang="de-DE"/>
+          </a:p>
+        </p:txBody>
+      </p:sp>
+      <p:sp>
+        <p:nvSpPr>
+          <p:cNvPr id="7" name="Pfeil nach rechts 6"/>
+          <p:cNvSpPr/>
+          <p:nvPr/>
+        </p:nvSpPr>
+        <p:spPr>
+          <a:xfrm rot="20792265">
+            <a:off x="3735239" y="3562642"/>
+            <a:ext cx="836762" cy="491706"/>
+          </a:xfrm>
+          <a:prstGeom prst="rightArrow">
+            <a:avLst/>
+          </a:prstGeom>
+        </p:spPr>
+        <p:style>
+          <a:lnRef idx="2">
+            <a:schemeClr val="accent1">
+              <a:shade val="50000"/>
+            </a:schemeClr>
+          </a:lnRef>
+          <a:fillRef idx="1">
+            <a:schemeClr val="accent1"/>
+          </a:fillRef>
+          <a:effectRef idx="0">
+            <a:schemeClr val="accent1"/>
+          </a:effectRef>
+          <a:fontRef idx="minor">
+            <a:schemeClr val="lt1"/>
+          </a:fontRef>
+        </p:style>
+        <p:txBody>
+          <a:bodyPr rtlCol="0" anchor="ctr"/>
+          <a:lstStyle/>
+          <a:p>
+            <a:pPr algn="ctr"/>
+            <a:endParaRPr lang="de-DE"/>
+          </a:p>
+        </p:txBody>
+      </p:sp>
+      <p:sp>
+        <p:nvSpPr>
+          <p:cNvPr id="11" name="Pfeil nach rechts 10"/>
+          <p:cNvSpPr/>
+          <p:nvPr/>
+        </p:nvSpPr>
+        <p:spPr>
+          <a:xfrm rot="19836527">
+            <a:off x="4521912" y="3230436"/>
+            <a:ext cx="836762" cy="491706"/>
+          </a:xfrm>
+          <a:prstGeom prst="rightArrow">
+            <a:avLst/>
+          </a:prstGeom>
+        </p:spPr>
+        <p:style>
+          <a:lnRef idx="2">
+            <a:schemeClr val="accent1">
+              <a:shade val="50000"/>
+            </a:schemeClr>
+          </a:lnRef>
+          <a:fillRef idx="1">
+            <a:schemeClr val="accent1"/>
+          </a:fillRef>
+          <a:effectRef idx="0">
+            <a:schemeClr val="accent1"/>
+          </a:effectRef>
+          <a:fontRef idx="minor">
+            <a:schemeClr val="lt1"/>
+          </a:fontRef>
+        </p:style>
+        <p:txBody>
+          <a:bodyPr rtlCol="0" anchor="ctr"/>
+          <a:lstStyle/>
+          <a:p>
+            <a:pPr algn="ctr"/>
+            <a:endParaRPr lang="de-DE"/>
+          </a:p>
+        </p:txBody>
+      </p:sp>
+      <p:sp>
+        <p:nvSpPr>
+          <p:cNvPr id="12" name="Pfeil nach rechts 11"/>
+          <p:cNvSpPr/>
+          <p:nvPr/>
+        </p:nvSpPr>
+        <p:spPr>
+          <a:xfrm rot="21108829">
+            <a:off x="5314459" y="2996368"/>
+            <a:ext cx="836762" cy="491706"/>
+          </a:xfrm>
+          <a:prstGeom prst="rightArrow">
+            <a:avLst/>
+          </a:prstGeom>
+        </p:spPr>
+        <p:style>
+          <a:lnRef idx="2">
+            <a:schemeClr val="accent1">
+              <a:shade val="50000"/>
+            </a:schemeClr>
+          </a:lnRef>
+          <a:fillRef idx="1">
+            <a:schemeClr val="accent1"/>
+          </a:fillRef>
+          <a:effectRef idx="0">
+            <a:schemeClr val="accent1"/>
+          </a:effectRef>
+          <a:fontRef idx="minor">
+            <a:schemeClr val="lt1"/>
+          </a:fontRef>
+        </p:style>
+        <p:txBody>
+          <a:bodyPr rtlCol="0" anchor="ctr"/>
+          <a:lstStyle/>
+          <a:p>
+            <a:pPr algn="ctr"/>
+            <a:endParaRPr lang="de-DE"/>
+          </a:p>
+        </p:txBody>
+      </p:sp>
+    </p:spTree>
+    <p:extLst>
+      <p:ext uri="{BB962C8B-B14F-4D97-AF65-F5344CB8AC3E}">
+        <p14:creationId xmlns:p14="http://schemas.microsoft.com/office/powerpoint/2010/main" val="2631267180"/>
+      </p:ext>
+    </p:extLst>
+  </p:cSld>
+  <p:clrMapOvr>
+    <a:masterClrMapping/>
+  </p:clrMapOvr>
+  <p:timing>
+    <p:tnLst>
+      <p:par>
+        <p:cTn id="1" dur="indefinite" restart="never" nodeType="tmRoot"/>
+      </p:par>
+    </p:tnLst>
+  </p:timing>
+</p:sld>
+</file>
+
+<file path=ppt/slides/slide2.xml><?xml version="1.0" encoding="utf-8"?>
+<p:sld xmlns:a="http://schemas.openxmlformats.org/drawingml/2006/main" xmlns:r="http://schemas.openxmlformats.org/officeDocument/2006/relationships" xmlns:p="http://schemas.openxmlformats.org/presentationml/2006/main">
+  <p:cSld>
+    <p:spTree>
+      <p:nvGrpSpPr>
+        <p:cNvPr id="1" name=""/>
+        <p:cNvGrpSpPr/>
+        <p:nvPr/>
+      </p:nvGrpSpPr>
+      <p:grpSpPr>
+        <a:xfrm>
+          <a:off x="0" y="0"/>
+          <a:ext cx="0" cy="0"/>
+          <a:chOff x="0" y="0"/>
+          <a:chExt cx="0" cy="0"/>
+        </a:xfrm>
+      </p:grpSpPr>
+      <p:sp>
+        <p:nvSpPr>
+          <p:cNvPr id="2" name="Titel 1"/>
+          <p:cNvSpPr>
+            <a:spLocks noGrp="1"/>
+          </p:cNvSpPr>
+          <p:nvPr>
+            <p:ph type="title"/>
+          </p:nvPr>
+        </p:nvSpPr>
+        <p:spPr/>
+        <p:txBody>
+          <a:bodyPr/>
+          <a:lstStyle/>
+          <a:p>
+            <a:r>
+              <a:rPr lang="de-DE" dirty="0" smtClean="0"/>
+              <a:t>Projektmanagement</a:t>
+            </a:r>
+            <a:endParaRPr lang="de-DE" dirty="0"/>
+          </a:p>
+        </p:txBody>
+      </p:sp>
+      <p:pic>
+        <p:nvPicPr>
+          <p:cNvPr id="4" name="Inhaltsplatzhalter 3"/>
+          <p:cNvPicPr>
+            <a:picLocks noGrp="1" noChangeAspect="1"/>
+          </p:cNvPicPr>
+          <p:nvPr>
+            <p:ph idx="1"/>
+          </p:nvPr>
+        </p:nvPicPr>
+        <p:blipFill>
+          <a:blip r:embed="rId2" cstate="email">
+            <a:extLst>
+              <a:ext uri="{28A0092B-C50C-407E-A947-70E740481C1C}">
+                <a14:useLocalDpi xmlns:a14="http://schemas.microsoft.com/office/drawing/2010/main" val="0"/>
+              </a:ext>
+            </a:extLst>
+          </a:blip>
+          <a:stretch>
+            <a:fillRect/>
+          </a:stretch>
+        </p:blipFill>
+        <p:spPr>
+          <a:xfrm>
+            <a:off x="520460" y="1881550"/>
+            <a:ext cx="3962400" cy="2910840"/>
+          </a:xfrm>
+        </p:spPr>
+      </p:pic>
+      <p:pic>
+        <p:nvPicPr>
+          <p:cNvPr id="5" name="Grafik 4"/>
+          <p:cNvPicPr>
+            <a:picLocks noChangeAspect="1"/>
+          </p:cNvPicPr>
+          <p:nvPr/>
+        </p:nvPicPr>
+        <p:blipFill>
+          <a:blip r:embed="rId3" cstate="email">
+            <a:extLst>
+              <a:ext uri="{28A0092B-C50C-407E-A947-70E740481C1C}">
+                <a14:useLocalDpi xmlns:a14="http://schemas.microsoft.com/office/drawing/2010/main" val="0"/>
+              </a:ext>
+            </a:extLst>
+          </a:blip>
+          <a:stretch>
+            <a:fillRect/>
+          </a:stretch>
+        </p:blipFill>
+        <p:spPr>
+          <a:xfrm>
+            <a:off x="3916393" y="2849905"/>
+            <a:ext cx="4071838" cy="2930281"/>
+          </a:xfrm>
+          <a:prstGeom prst="rect">
+            <a:avLst/>
+          </a:prstGeom>
+        </p:spPr>
+      </p:pic>
+    </p:spTree>
+    <p:extLst>
+      <p:ext uri="{BB962C8B-B14F-4D97-AF65-F5344CB8AC3E}">
+        <p14:creationId xmlns:p14="http://schemas.microsoft.com/office/powerpoint/2010/main" val="3866495347"/>
+      </p:ext>
+    </p:extLst>
+  </p:cSld>
+  <p:clrMapOvr>
+    <a:masterClrMapping/>
+  </p:clrMapOvr>
+  <p:timing>
+    <p:tnLst>
+      <p:par>
+        <p:cTn id="1" dur="indefinite" restart="never" nodeType="tmRoot"/>
+      </p:par>
+    </p:tnLst>
+  </p:timing>
+</p:sld>
+</file>
+
+<file path=ppt/slides/slide20.xml><?xml version="1.0" encoding="utf-8"?>
+<p:sld xmlns:a="http://schemas.openxmlformats.org/drawingml/2006/main" xmlns:r="http://schemas.openxmlformats.org/officeDocument/2006/relationships" xmlns:p="http://schemas.openxmlformats.org/presentationml/2006/main">
+  <p:cSld>
+    <p:spTree>
+      <p:nvGrpSpPr>
+        <p:cNvPr id="1" name=""/>
+        <p:cNvGrpSpPr/>
+        <p:nvPr/>
+      </p:nvGrpSpPr>
+      <p:grpSpPr>
+        <a:xfrm>
+          <a:off x="0" y="0"/>
+          <a:ext cx="0" cy="0"/>
+          <a:chOff x="0" y="0"/>
+          <a:chExt cx="0" cy="0"/>
+        </a:xfrm>
+      </p:grpSpPr>
+      <p:sp>
+        <p:nvSpPr>
+          <p:cNvPr id="2" name="Title 1"/>
+          <p:cNvSpPr>
+            <a:spLocks noGrp="1"/>
+          </p:cNvSpPr>
+          <p:nvPr>
+            <p:ph type="title"/>
+          </p:nvPr>
+        </p:nvSpPr>
+        <p:spPr/>
+        <p:txBody>
+          <a:bodyPr/>
+          <a:lstStyle/>
+          <a:p>
+            <a:r>
+              <a:rPr lang="en-US" dirty="0" smtClean="0"/>
+              <a:t>Stand-ups</a:t>
+            </a:r>
+            <a:endParaRPr lang="en-US" sz="3600" dirty="0"/>
+          </a:p>
+        </p:txBody>
+      </p:sp>
+      <p:sp>
+        <p:nvSpPr>
+          <p:cNvPr id="4" name="Content Placeholder 2"/>
+          <p:cNvSpPr>
+            <a:spLocks noGrp="1"/>
+          </p:cNvSpPr>
+          <p:nvPr>
+            <p:ph idx="1"/>
+          </p:nvPr>
+        </p:nvSpPr>
+        <p:spPr>
+          <a:xfrm>
+            <a:off x="457200" y="1746356"/>
+            <a:ext cx="8229600" cy="4379807"/>
+          </a:xfrm>
+        </p:spPr>
+        <p:txBody>
+          <a:bodyPr/>
+          <a:lstStyle/>
+          <a:p>
+            <a:pPr>
+              <a:spcAft>
+                <a:spcPts val="3000"/>
+              </a:spcAft>
+            </a:pPr>
+            <a:r>
+              <a:rPr lang="en-US" dirty="0" smtClean="0"/>
+              <a:t>Progress is tracked by daily or stand-ups.</a:t>
+            </a:r>
+          </a:p>
+          <a:p>
+            <a:pPr>
+              <a:spcAft>
+                <a:spcPts val="3000"/>
+              </a:spcAft>
+            </a:pPr>
+            <a:r>
+              <a:rPr lang="en-US" dirty="0" smtClean="0"/>
+              <a:t>These stand ups include the Scrum Master and Development Team.</a:t>
+            </a:r>
+          </a:p>
+          <a:p>
+            <a:pPr>
+              <a:spcAft>
+                <a:spcPts val="3000"/>
+              </a:spcAft>
+            </a:pPr>
+            <a:r>
+              <a:rPr lang="en-US" dirty="0" smtClean="0"/>
+              <a:t>Usually last 15 minutes in total, and are scheduled for the same time, and place each day.</a:t>
+            </a:r>
+          </a:p>
+          <a:p>
+            <a:pPr>
+              <a:spcAft>
+                <a:spcPts val="3000"/>
+              </a:spcAft>
+            </a:pPr>
+            <a:r>
+              <a:rPr lang="en-US" dirty="0" smtClean="0"/>
+              <a:t>Keeps the team </a:t>
+            </a:r>
+            <a:r>
+              <a:rPr lang="en-US" dirty="0" err="1" smtClean="0"/>
+              <a:t>synchronised</a:t>
+            </a:r>
+            <a:r>
+              <a:rPr lang="en-US" dirty="0" smtClean="0"/>
+              <a:t> with the progress of others.</a:t>
+            </a:r>
+            <a:endParaRPr lang="en-US" dirty="0"/>
+          </a:p>
+        </p:txBody>
+      </p:sp>
+    </p:spTree>
+    <p:extLst>
+      <p:ext uri="{BB962C8B-B14F-4D97-AF65-F5344CB8AC3E}">
+        <p14:creationId xmlns:p14="http://schemas.microsoft.com/office/powerpoint/2010/main" val="2645044899"/>
+      </p:ext>
+    </p:extLst>
+  </p:cSld>
+  <p:clrMapOvr>
+    <a:masterClrMapping/>
+  </p:clrMapOvr>
+</p:sld>
+</file>
+
+<file path=ppt/slides/slide21.xml><?xml version="1.0" encoding="utf-8"?>
+<p:sld xmlns:a="http://schemas.openxmlformats.org/drawingml/2006/main" xmlns:r="http://schemas.openxmlformats.org/officeDocument/2006/relationships" xmlns:p="http://schemas.openxmlformats.org/presentationml/2006/main">
+  <p:cSld>
+    <p:spTree>
+      <p:nvGrpSpPr>
+        <p:cNvPr id="1" name=""/>
+        <p:cNvGrpSpPr/>
+        <p:nvPr/>
+      </p:nvGrpSpPr>
+      <p:grpSpPr>
+        <a:xfrm>
+          <a:off x="0" y="0"/>
+          <a:ext cx="0" cy="0"/>
+          <a:chOff x="0" y="0"/>
+          <a:chExt cx="0" cy="0"/>
+        </a:xfrm>
+      </p:grpSpPr>
+      <p:sp>
+        <p:nvSpPr>
+          <p:cNvPr id="2" name="Title 1"/>
+          <p:cNvSpPr>
+            <a:spLocks noGrp="1"/>
+          </p:cNvSpPr>
+          <p:nvPr>
+            <p:ph type="title"/>
+          </p:nvPr>
+        </p:nvSpPr>
+        <p:spPr/>
+        <p:txBody>
+          <a:bodyPr/>
+          <a:lstStyle/>
+          <a:p>
+            <a:r>
+              <a:rPr lang="en-US" dirty="0" smtClean="0"/>
+              <a:t>Stand-ups </a:t>
+            </a:r>
+            <a:r>
+              <a:rPr lang="en-US" sz="3600" dirty="0"/>
+              <a:t>Cont.</a:t>
+            </a:r>
+          </a:p>
+        </p:txBody>
+      </p:sp>
+      <p:sp>
+        <p:nvSpPr>
+          <p:cNvPr id="4" name="Content Placeholder 2"/>
+          <p:cNvSpPr>
+            <a:spLocks noGrp="1"/>
+          </p:cNvSpPr>
+          <p:nvPr>
+            <p:ph idx="1"/>
+          </p:nvPr>
+        </p:nvSpPr>
+        <p:spPr>
+          <a:xfrm>
+            <a:off x="457200" y="1746356"/>
+            <a:ext cx="8229600" cy="4379807"/>
+          </a:xfrm>
+        </p:spPr>
+        <p:txBody>
+          <a:bodyPr>
+            <a:normAutofit lnSpcReduction="10000"/>
+          </a:bodyPr>
+          <a:lstStyle/>
+          <a:p>
+            <a:pPr>
+              <a:spcAft>
+                <a:spcPts val="3000"/>
+              </a:spcAft>
+            </a:pPr>
+            <a:r>
+              <a:rPr lang="en-US" dirty="0" smtClean="0"/>
+              <a:t>Each member of the development team stands up, and informs the group:</a:t>
+            </a:r>
+          </a:p>
+          <a:p>
+            <a:pPr lvl="1">
+              <a:spcAft>
+                <a:spcPts val="3000"/>
+              </a:spcAft>
+            </a:pPr>
+            <a:r>
+              <a:rPr lang="en-US" dirty="0" smtClean="0"/>
+              <a:t>What they did yesterday.</a:t>
+            </a:r>
+          </a:p>
+          <a:p>
+            <a:pPr lvl="1">
+              <a:spcAft>
+                <a:spcPts val="3000"/>
+              </a:spcAft>
+            </a:pPr>
+            <a:r>
+              <a:rPr lang="en-US" dirty="0" smtClean="0"/>
+              <a:t>What they’ll do today.</a:t>
+            </a:r>
+          </a:p>
+          <a:p>
+            <a:pPr lvl="1">
+              <a:spcAft>
+                <a:spcPts val="3000"/>
+              </a:spcAft>
+            </a:pPr>
+            <a:r>
+              <a:rPr lang="en-US" dirty="0" smtClean="0"/>
+              <a:t>What obstacles are affecting progress.</a:t>
+            </a:r>
+          </a:p>
+          <a:p>
+            <a:pPr>
+              <a:spcAft>
+                <a:spcPts val="3000"/>
+              </a:spcAft>
+            </a:pPr>
+            <a:r>
+              <a:rPr lang="en-US" dirty="0" smtClean="0"/>
+              <a:t>These stand-ups are beneficial for not only the Scrum Master, but the rest of the team too.</a:t>
+            </a:r>
+            <a:endParaRPr lang="en-US" dirty="0"/>
+          </a:p>
+          <a:p>
+            <a:pPr lvl="1">
+              <a:spcAft>
+                <a:spcPts val="3000"/>
+              </a:spcAft>
+            </a:pPr>
+            <a:endParaRPr lang="en-US" dirty="0" smtClean="0"/>
+          </a:p>
+          <a:p>
+            <a:pPr marL="457200" lvl="1" indent="0">
+              <a:spcAft>
+                <a:spcPts val="3000"/>
+              </a:spcAft>
+              <a:buNone/>
+            </a:pPr>
+            <a:endParaRPr lang="en-US" dirty="0"/>
+          </a:p>
+        </p:txBody>
+      </p:sp>
+    </p:spTree>
+    <p:extLst>
+      <p:ext uri="{BB962C8B-B14F-4D97-AF65-F5344CB8AC3E}">
+        <p14:creationId xmlns:p14="http://schemas.microsoft.com/office/powerpoint/2010/main" val="1824563642"/>
+      </p:ext>
+    </p:extLst>
+  </p:cSld>
+  <p:clrMapOvr>
+    <a:masterClrMapping/>
+  </p:clrMapOvr>
+</p:sld>
+</file>
+
+<file path=ppt/slides/slide22.xml><?xml version="1.0" encoding="utf-8"?>
+<p:sld xmlns:a="http://schemas.openxmlformats.org/drawingml/2006/main" xmlns:r="http://schemas.openxmlformats.org/officeDocument/2006/relationships" xmlns:p="http://schemas.openxmlformats.org/presentationml/2006/main">
+  <p:cSld>
+    <p:spTree>
+      <p:nvGrpSpPr>
+        <p:cNvPr id="1" name=""/>
+        <p:cNvGrpSpPr/>
+        <p:nvPr/>
+      </p:nvGrpSpPr>
+      <p:grpSpPr>
+        <a:xfrm>
+          <a:off x="0" y="0"/>
+          <a:ext cx="0" cy="0"/>
+          <a:chOff x="0" y="0"/>
+          <a:chExt cx="0" cy="0"/>
+        </a:xfrm>
+      </p:grpSpPr>
+      <p:sp>
+        <p:nvSpPr>
+          <p:cNvPr id="2" name="Title 1"/>
+          <p:cNvSpPr>
+            <a:spLocks noGrp="1"/>
+          </p:cNvSpPr>
+          <p:nvPr>
+            <p:ph type="title"/>
+          </p:nvPr>
+        </p:nvSpPr>
+        <p:spPr/>
+        <p:txBody>
+          <a:bodyPr/>
+          <a:lstStyle/>
+          <a:p>
+            <a:r>
+              <a:rPr lang="en-US" dirty="0" smtClean="0"/>
+              <a:t>Advantages</a:t>
+            </a:r>
+            <a:endParaRPr lang="en-US" sz="3600" dirty="0"/>
+          </a:p>
+        </p:txBody>
+      </p:sp>
+      <p:sp>
+        <p:nvSpPr>
+          <p:cNvPr id="4" name="Content Placeholder 2"/>
+          <p:cNvSpPr>
+            <a:spLocks noGrp="1"/>
+          </p:cNvSpPr>
+          <p:nvPr>
+            <p:ph idx="1"/>
+          </p:nvPr>
+        </p:nvSpPr>
+        <p:spPr>
+          <a:xfrm>
+            <a:off x="457200" y="1746356"/>
+            <a:ext cx="8229600" cy="4379807"/>
+          </a:xfrm>
+        </p:spPr>
+        <p:txBody>
+          <a:bodyPr>
+            <a:normAutofit/>
+          </a:bodyPr>
+          <a:lstStyle/>
+          <a:p>
+            <a:pPr>
+              <a:spcAft>
+                <a:spcPts val="3000"/>
+              </a:spcAft>
+            </a:pPr>
+            <a:r>
+              <a:rPr lang="en-US" dirty="0" smtClean="0"/>
+              <a:t>The incremental nature of Scrum means that a product is deliverable while the project is still ongoing.</a:t>
+            </a:r>
+          </a:p>
+          <a:p>
+            <a:pPr>
+              <a:spcAft>
+                <a:spcPts val="3000"/>
+              </a:spcAft>
+            </a:pPr>
+            <a:r>
+              <a:rPr lang="en-US" dirty="0" smtClean="0"/>
+              <a:t>Testing is performed with each iteration, and not in bulk at the end of the project.</a:t>
+            </a:r>
+            <a:endParaRPr lang="en-US" dirty="0"/>
+          </a:p>
+          <a:p>
+            <a:pPr>
+              <a:spcAft>
+                <a:spcPts val="3000"/>
+              </a:spcAft>
+            </a:pPr>
+            <a:r>
+              <a:rPr lang="en-US" dirty="0" smtClean="0"/>
+              <a:t>Changes can be made to the requirements at any point, without causing problems.</a:t>
+            </a:r>
+          </a:p>
+        </p:txBody>
+      </p:sp>
+    </p:spTree>
+    <p:extLst>
+      <p:ext uri="{BB962C8B-B14F-4D97-AF65-F5344CB8AC3E}">
+        <p14:creationId xmlns:p14="http://schemas.microsoft.com/office/powerpoint/2010/main" val="779418708"/>
+      </p:ext>
+    </p:extLst>
+  </p:cSld>
+  <p:clrMapOvr>
+    <a:masterClrMapping/>
+  </p:clrMapOvr>
+</p:sld>
+</file>
+
+<file path=ppt/slides/slide23.xml><?xml version="1.0" encoding="utf-8"?>
+<p:sld xmlns:a="http://schemas.openxmlformats.org/drawingml/2006/main" xmlns:r="http://schemas.openxmlformats.org/officeDocument/2006/relationships" xmlns:p="http://schemas.openxmlformats.org/presentationml/2006/main">
+  <p:cSld>
+    <p:spTree>
+      <p:nvGrpSpPr>
+        <p:cNvPr id="1" name=""/>
+        <p:cNvGrpSpPr/>
+        <p:nvPr/>
+      </p:nvGrpSpPr>
+      <p:grpSpPr>
+        <a:xfrm>
+          <a:off x="0" y="0"/>
+          <a:ext cx="0" cy="0"/>
+          <a:chOff x="0" y="0"/>
+          <a:chExt cx="0" cy="0"/>
+        </a:xfrm>
+      </p:grpSpPr>
+      <p:sp>
+        <p:nvSpPr>
+          <p:cNvPr id="2" name="Title 1"/>
+          <p:cNvSpPr>
+            <a:spLocks noGrp="1"/>
+          </p:cNvSpPr>
+          <p:nvPr>
+            <p:ph type="title"/>
+          </p:nvPr>
+        </p:nvSpPr>
+        <p:spPr/>
+        <p:txBody>
+          <a:bodyPr/>
+          <a:lstStyle/>
+          <a:p>
+            <a:r>
+              <a:rPr lang="en-US" dirty="0" smtClean="0"/>
+              <a:t>Disadvantages</a:t>
+            </a:r>
+            <a:endParaRPr lang="en-US" sz="3600" dirty="0"/>
+          </a:p>
+        </p:txBody>
+      </p:sp>
+      <p:sp>
+        <p:nvSpPr>
+          <p:cNvPr id="4" name="Content Placeholder 2"/>
+          <p:cNvSpPr>
+            <a:spLocks noGrp="1"/>
+          </p:cNvSpPr>
+          <p:nvPr>
+            <p:ph idx="1"/>
+          </p:nvPr>
+        </p:nvSpPr>
+        <p:spPr>
+          <a:xfrm>
+            <a:off x="457200" y="1746356"/>
+            <a:ext cx="8229600" cy="4379807"/>
+          </a:xfrm>
+        </p:spPr>
+        <p:txBody>
+          <a:bodyPr>
+            <a:normAutofit/>
+          </a:bodyPr>
+          <a:lstStyle/>
+          <a:p>
+            <a:pPr>
+              <a:spcAft>
+                <a:spcPts val="3000"/>
+              </a:spcAft>
+            </a:pPr>
+            <a:r>
+              <a:rPr lang="en-US" dirty="0" smtClean="0"/>
+              <a:t>Not easy to maintain if the development team is spread across a country or continent.</a:t>
+            </a:r>
+          </a:p>
+          <a:p>
+            <a:pPr>
+              <a:spcAft>
+                <a:spcPts val="3000"/>
+              </a:spcAft>
+            </a:pPr>
+            <a:r>
+              <a:rPr lang="en-US" dirty="0" smtClean="0"/>
+              <a:t>If communication or planning isn’t concise, the whole project can be jeopardised.</a:t>
+            </a:r>
+          </a:p>
+          <a:p>
+            <a:pPr>
+              <a:spcAft>
+                <a:spcPts val="3000"/>
+              </a:spcAft>
+            </a:pPr>
+            <a:r>
+              <a:rPr lang="en-US" dirty="0" smtClean="0"/>
+              <a:t>‘Feature Creep’</a:t>
+            </a:r>
+          </a:p>
+          <a:p>
+            <a:pPr marL="457200" lvl="1" indent="0">
+              <a:spcAft>
+                <a:spcPts val="3000"/>
+              </a:spcAft>
+              <a:buNone/>
+            </a:pPr>
+            <a:endParaRPr lang="en-US" dirty="0"/>
+          </a:p>
+        </p:txBody>
+      </p:sp>
+    </p:spTree>
+    <p:extLst>
+      <p:ext uri="{BB962C8B-B14F-4D97-AF65-F5344CB8AC3E}">
+        <p14:creationId xmlns:p14="http://schemas.microsoft.com/office/powerpoint/2010/main" val="197314086"/>
+      </p:ext>
+    </p:extLst>
+  </p:cSld>
+  <p:clrMapOvr>
+    <a:masterClrMapping/>
+  </p:clrMapOvr>
+</p:sld>
+</file>
+
+<file path=ppt/slides/slide24.xml><?xml version="1.0" encoding="utf-8"?>
+<p:sld xmlns:a="http://schemas.openxmlformats.org/drawingml/2006/main" xmlns:r="http://schemas.openxmlformats.org/officeDocument/2006/relationships" xmlns:p="http://schemas.openxmlformats.org/presentationml/2006/main">
+  <p:cSld>
+    <p:spTree>
+      <p:nvGrpSpPr>
+        <p:cNvPr id="1" name=""/>
+        <p:cNvGrpSpPr/>
+        <p:nvPr/>
+      </p:nvGrpSpPr>
+      <p:grpSpPr>
+        <a:xfrm>
+          <a:off x="0" y="0"/>
+          <a:ext cx="0" cy="0"/>
+          <a:chOff x="0" y="0"/>
+          <a:chExt cx="0" cy="0"/>
+        </a:xfrm>
+      </p:grpSpPr>
+      <p:sp>
+        <p:nvSpPr>
+          <p:cNvPr id="2" name="Title 1"/>
+          <p:cNvSpPr>
+            <a:spLocks noGrp="1"/>
+          </p:cNvSpPr>
+          <p:nvPr>
+            <p:ph type="title"/>
+          </p:nvPr>
+        </p:nvSpPr>
+        <p:spPr>
+          <a:xfrm>
+            <a:off x="539671" y="2045133"/>
+            <a:ext cx="8229600" cy="1600200"/>
+          </a:xfrm>
+        </p:spPr>
+        <p:txBody>
+          <a:bodyPr/>
+          <a:lstStyle/>
+          <a:p>
+            <a:r>
+              <a:rPr lang="en-US" dirty="0" smtClean="0"/>
+              <a:t>Any Questions?</a:t>
+            </a:r>
+            <a:endParaRPr lang="en-US" sz="3600" dirty="0"/>
+          </a:p>
+        </p:txBody>
+      </p:sp>
+    </p:spTree>
+    <p:extLst>
+      <p:ext uri="{BB962C8B-B14F-4D97-AF65-F5344CB8AC3E}">
+        <p14:creationId xmlns:p14="http://schemas.microsoft.com/office/powerpoint/2010/main" val="2330163691"/>
+      </p:ext>
+    </p:extLst>
+  </p:cSld>
+  <p:clrMapOvr>
+    <a:masterClrMapping/>
+  </p:clrMapOvr>
+</p:sld>
+</file>
+
+<file path=ppt/slides/slide3.xml><?xml version="1.0" encoding="utf-8"?>
+<p:sld xmlns:a="http://schemas.openxmlformats.org/drawingml/2006/main" xmlns:r="http://schemas.openxmlformats.org/officeDocument/2006/relationships" xmlns:p="http://schemas.openxmlformats.org/presentationml/2006/main">
+  <p:cSld>
+    <p:spTree>
+      <p:nvGrpSpPr>
+        <p:cNvPr id="1" name=""/>
+        <p:cNvGrpSpPr/>
+        <p:nvPr/>
+      </p:nvGrpSpPr>
+      <p:grpSpPr>
+        <a:xfrm>
+          <a:off x="0" y="0"/>
+          <a:ext cx="0" cy="0"/>
+          <a:chOff x="0" y="0"/>
+          <a:chExt cx="0" cy="0"/>
+        </a:xfrm>
+      </p:grpSpPr>
+      <p:sp>
+        <p:nvSpPr>
+          <p:cNvPr id="2" name="Titel 1"/>
+          <p:cNvSpPr>
+            <a:spLocks noGrp="1"/>
+          </p:cNvSpPr>
+          <p:nvPr>
+            <p:ph type="title"/>
+          </p:nvPr>
+        </p:nvSpPr>
+        <p:spPr/>
+        <p:txBody>
+          <a:bodyPr/>
+          <a:lstStyle/>
+          <a:p>
+            <a:r>
+              <a:rPr lang="de-DE" dirty="0" smtClean="0"/>
+              <a:t>Projektmanagement</a:t>
+            </a:r>
+            <a:endParaRPr lang="de-DE" dirty="0"/>
+          </a:p>
+        </p:txBody>
+      </p:sp>
+      <p:pic>
+        <p:nvPicPr>
+          <p:cNvPr id="6" name="Inhaltsplatzhalter 5"/>
+          <p:cNvPicPr>
+            <a:picLocks noGrp="1" noChangeAspect="1"/>
+          </p:cNvPicPr>
+          <p:nvPr>
+            <p:ph idx="1"/>
+          </p:nvPr>
+        </p:nvPicPr>
+        <p:blipFill>
+          <a:blip r:embed="rId2" cstate="email">
+            <a:extLst>
+              <a:ext uri="{28A0092B-C50C-407E-A947-70E740481C1C}">
+                <a14:useLocalDpi xmlns:a14="http://schemas.microsoft.com/office/drawing/2010/main" val="0"/>
+              </a:ext>
+            </a:extLst>
+          </a:blip>
+          <a:stretch>
+            <a:fillRect/>
+          </a:stretch>
+        </p:blipFill>
+        <p:spPr>
+          <a:xfrm>
+            <a:off x="649857" y="1948761"/>
+            <a:ext cx="4061828" cy="2286809"/>
+          </a:xfrm>
+        </p:spPr>
+      </p:pic>
+      <p:pic>
+        <p:nvPicPr>
+          <p:cNvPr id="7" name="Grafik 6"/>
+          <p:cNvPicPr>
+            <a:picLocks noChangeAspect="1"/>
+          </p:cNvPicPr>
+          <p:nvPr/>
+        </p:nvPicPr>
+        <p:blipFill>
+          <a:blip r:embed="rId3" cstate="email">
+            <a:extLst>
+              <a:ext uri="{28A0092B-C50C-407E-A947-70E740481C1C}">
+                <a14:useLocalDpi xmlns:a14="http://schemas.microsoft.com/office/drawing/2010/main" val="0"/>
+              </a:ext>
+            </a:extLst>
+          </a:blip>
+          <a:stretch>
+            <a:fillRect/>
+          </a:stretch>
+        </p:blipFill>
+        <p:spPr>
+          <a:xfrm>
+            <a:off x="4226943" y="2939333"/>
+            <a:ext cx="4175435" cy="3133664"/>
+          </a:xfrm>
+          <a:prstGeom prst="rect">
+            <a:avLst/>
+          </a:prstGeom>
+        </p:spPr>
+      </p:pic>
+    </p:spTree>
+    <p:extLst>
+      <p:ext uri="{BB962C8B-B14F-4D97-AF65-F5344CB8AC3E}">
+        <p14:creationId xmlns:p14="http://schemas.microsoft.com/office/powerpoint/2010/main" val="1531637172"/>
+      </p:ext>
+    </p:extLst>
+  </p:cSld>
+  <p:clrMapOvr>
+    <a:masterClrMapping/>
+  </p:clrMapOvr>
+  <p:timing>
+    <p:tnLst>
+      <p:par>
+        <p:cTn id="1" dur="indefinite" restart="never" nodeType="tmRoot"/>
+      </p:par>
+    </p:tnLst>
+  </p:timing>
+</p:sld>
+</file>
+
+<file path=ppt/slides/slide4.xml><?xml version="1.0" encoding="utf-8"?>
+<p:sld xmlns:a="http://schemas.openxmlformats.org/drawingml/2006/main" xmlns:r="http://schemas.openxmlformats.org/officeDocument/2006/relationships" xmlns:p="http://schemas.openxmlformats.org/presentationml/2006/main">
+  <p:cSld>
+    <p:spTree>
+      <p:nvGrpSpPr>
+        <p:cNvPr id="1" name=""/>
+        <p:cNvGrpSpPr/>
+        <p:nvPr/>
+      </p:nvGrpSpPr>
+      <p:grpSpPr>
+        <a:xfrm>
+          <a:off x="0" y="0"/>
+          <a:ext cx="0" cy="0"/>
+          <a:chOff x="0" y="0"/>
+          <a:chExt cx="0" cy="0"/>
+        </a:xfrm>
+      </p:grpSpPr>
+      <p:sp>
+        <p:nvSpPr>
+          <p:cNvPr id="2" name="Titel 1"/>
+          <p:cNvSpPr>
+            <a:spLocks noGrp="1"/>
+          </p:cNvSpPr>
+          <p:nvPr>
+            <p:ph type="title"/>
+          </p:nvPr>
+        </p:nvSpPr>
+        <p:spPr/>
+        <p:txBody>
+          <a:bodyPr/>
+          <a:lstStyle/>
+          <a:p>
+            <a:r>
+              <a:rPr lang="de-DE" dirty="0" smtClean="0"/>
+              <a:t>Projektmanagement</a:t>
+            </a:r>
+            <a:endParaRPr lang="de-DE" dirty="0"/>
+          </a:p>
+        </p:txBody>
+      </p:sp>
+      <p:pic>
+        <p:nvPicPr>
+          <p:cNvPr id="8" name="Inhaltsplatzhalter 7"/>
+          <p:cNvPicPr>
+            <a:picLocks noGrp="1" noChangeAspect="1"/>
+          </p:cNvPicPr>
+          <p:nvPr>
+            <p:ph idx="1"/>
+          </p:nvPr>
+        </p:nvPicPr>
+        <p:blipFill>
+          <a:blip r:embed="rId2" cstate="email">
+            <a:extLst>
+              <a:ext uri="{28A0092B-C50C-407E-A947-70E740481C1C}">
+                <a14:useLocalDpi xmlns:a14="http://schemas.microsoft.com/office/drawing/2010/main" val="0"/>
+              </a:ext>
+            </a:extLst>
+          </a:blip>
+          <a:stretch>
+            <a:fillRect/>
+          </a:stretch>
+        </p:blipFill>
+        <p:spPr>
+          <a:xfrm>
+            <a:off x="709304" y="2643996"/>
+            <a:ext cx="3766868" cy="2825151"/>
+          </a:xfrm>
+        </p:spPr>
+      </p:pic>
+      <p:pic>
+        <p:nvPicPr>
+          <p:cNvPr id="9" name="Grafik 8"/>
+          <p:cNvPicPr>
+            <a:picLocks noChangeAspect="1"/>
+          </p:cNvPicPr>
+          <p:nvPr/>
+        </p:nvPicPr>
+        <p:blipFill>
+          <a:blip r:embed="rId3" cstate="email">
+            <a:extLst>
+              <a:ext uri="{28A0092B-C50C-407E-A947-70E740481C1C}">
+                <a14:useLocalDpi xmlns:a14="http://schemas.microsoft.com/office/drawing/2010/main" val="0"/>
+              </a:ext>
+            </a:extLst>
+          </a:blip>
+          <a:stretch>
+            <a:fillRect/>
+          </a:stretch>
+        </p:blipFill>
+        <p:spPr>
+          <a:xfrm>
+            <a:off x="4345774" y="2631057"/>
+            <a:ext cx="3847382" cy="2885536"/>
+          </a:xfrm>
+          <a:prstGeom prst="rect">
+            <a:avLst/>
+          </a:prstGeom>
+        </p:spPr>
+      </p:pic>
+      <p:sp>
+        <p:nvSpPr>
+          <p:cNvPr id="10" name="Pfeil nach rechts 9"/>
+          <p:cNvSpPr/>
+          <p:nvPr/>
+        </p:nvSpPr>
+        <p:spPr>
+          <a:xfrm>
+            <a:off x="3364302" y="3653287"/>
+            <a:ext cx="2173856" cy="491706"/>
+          </a:xfrm>
+          <a:prstGeom prst="rightArrow">
+            <a:avLst/>
+          </a:prstGeom>
+        </p:spPr>
+        <p:style>
+          <a:lnRef idx="2">
+            <a:schemeClr val="accent1">
+              <a:shade val="50000"/>
+            </a:schemeClr>
+          </a:lnRef>
+          <a:fillRef idx="1">
+            <a:schemeClr val="accent1"/>
+          </a:fillRef>
+          <a:effectRef idx="0">
+            <a:schemeClr val="accent1"/>
+          </a:effectRef>
+          <a:fontRef idx="minor">
+            <a:schemeClr val="lt1"/>
+          </a:fontRef>
+        </p:style>
+        <p:txBody>
+          <a:bodyPr rtlCol="0" anchor="ctr"/>
+          <a:lstStyle/>
+          <a:p>
+            <a:pPr algn="ctr"/>
+            <a:endParaRPr lang="de-DE"/>
+          </a:p>
+        </p:txBody>
+      </p:sp>
+    </p:spTree>
+    <p:extLst>
+      <p:ext uri="{BB962C8B-B14F-4D97-AF65-F5344CB8AC3E}">
+        <p14:creationId xmlns:p14="http://schemas.microsoft.com/office/powerpoint/2010/main" val="4287265103"/>
+      </p:ext>
+    </p:extLst>
+  </p:cSld>
+  <p:clrMapOvr>
+    <a:masterClrMapping/>
+  </p:clrMapOvr>
+  <p:timing>
+    <p:tnLst>
+      <p:par>
+        <p:cTn id="1" dur="indefinite" restart="never" nodeType="tmRoot"/>
+      </p:par>
+    </p:tnLst>
+  </p:timing>
+</p:sld>
+</file>
+
+<file path=ppt/slides/slide5.xml><?xml version="1.0" encoding="utf-8"?>
+<p:sld xmlns:a="http://schemas.openxmlformats.org/drawingml/2006/main" xmlns:r="http://schemas.openxmlformats.org/officeDocument/2006/relationships" xmlns:p="http://schemas.openxmlformats.org/presentationml/2006/main">
+  <p:cSld>
+    <p:spTree>
+      <p:nvGrpSpPr>
+        <p:cNvPr id="1" name=""/>
+        <p:cNvGrpSpPr/>
+        <p:nvPr/>
+      </p:nvGrpSpPr>
+      <p:grpSpPr>
+        <a:xfrm>
+          <a:off x="0" y="0"/>
+          <a:ext cx="0" cy="0"/>
+          <a:chOff x="0" y="0"/>
+          <a:chExt cx="0" cy="0"/>
+        </a:xfrm>
+      </p:grpSpPr>
+      <p:sp>
+        <p:nvSpPr>
+          <p:cNvPr id="2" name="Title 1"/>
+          <p:cNvSpPr>
+            <a:spLocks noGrp="1"/>
+          </p:cNvSpPr>
+          <p:nvPr>
+            <p:ph type="title"/>
+          </p:nvPr>
+        </p:nvSpPr>
+        <p:spPr/>
+        <p:txBody>
+          <a:bodyPr/>
+          <a:lstStyle/>
+          <a:p>
+            <a:r>
+              <a:rPr lang="en-US" dirty="0" smtClean="0"/>
+              <a:t>Was </a:t>
+            </a:r>
+            <a:r>
+              <a:rPr lang="en-US" dirty="0" err="1" smtClean="0"/>
+              <a:t>ist</a:t>
+            </a:r>
+            <a:r>
+              <a:rPr lang="en-US" dirty="0" smtClean="0"/>
+              <a:t> </a:t>
+            </a:r>
+            <a:r>
+              <a:rPr lang="en-US" dirty="0" smtClean="0"/>
+              <a:t>Scrum?</a:t>
+            </a:r>
+            <a:endParaRPr lang="en-US" dirty="0"/>
+          </a:p>
+        </p:txBody>
+      </p:sp>
+      <p:sp>
+        <p:nvSpPr>
+          <p:cNvPr id="3" name="Content Placeholder 2"/>
+          <p:cNvSpPr>
+            <a:spLocks noGrp="1"/>
+          </p:cNvSpPr>
+          <p:nvPr>
+            <p:ph idx="1"/>
+          </p:nvPr>
+        </p:nvSpPr>
+        <p:spPr>
+          <a:xfrm>
+            <a:off x="457200" y="1746356"/>
+            <a:ext cx="8229600" cy="4379807"/>
+          </a:xfrm>
+        </p:spPr>
+        <p:txBody>
+          <a:bodyPr>
+            <a:normAutofit/>
+          </a:bodyPr>
+          <a:lstStyle/>
+          <a:p>
+            <a:pPr>
+              <a:spcAft>
+                <a:spcPts val="3000"/>
+              </a:spcAft>
+            </a:pPr>
+            <a:r>
+              <a:rPr lang="en-US" dirty="0" err="1" smtClean="0"/>
+              <a:t>Ein</a:t>
+            </a:r>
+            <a:r>
+              <a:rPr lang="en-US" dirty="0" smtClean="0"/>
+              <a:t> </a:t>
+            </a:r>
+            <a:r>
+              <a:rPr lang="en-US" dirty="0" err="1" smtClean="0"/>
+              <a:t>agiles</a:t>
+            </a:r>
+            <a:r>
+              <a:rPr lang="en-US" dirty="0" smtClean="0"/>
+              <a:t> </a:t>
+            </a:r>
+            <a:r>
+              <a:rPr lang="en-US" dirty="0"/>
+              <a:t>F</a:t>
+            </a:r>
+            <a:r>
+              <a:rPr lang="en-US" dirty="0" smtClean="0"/>
+              <a:t>ramework um </a:t>
+            </a:r>
+            <a:r>
+              <a:rPr lang="en-US" dirty="0" smtClean="0"/>
+              <a:t>S</a:t>
+            </a:r>
+            <a:r>
+              <a:rPr lang="en-US" dirty="0" smtClean="0"/>
+              <a:t>oftware-</a:t>
+            </a:r>
+            <a:r>
+              <a:rPr lang="en-US" dirty="0" err="1" smtClean="0"/>
+              <a:t>Entwicklungsprojekte</a:t>
+            </a:r>
+            <a:r>
+              <a:rPr lang="en-US" dirty="0" smtClean="0"/>
+              <a:t> </a:t>
+            </a:r>
+            <a:r>
+              <a:rPr lang="en-US" dirty="0" err="1" smtClean="0"/>
+              <a:t>abzuschließen</a:t>
+            </a:r>
+            <a:r>
+              <a:rPr lang="en-US" dirty="0" smtClean="0"/>
+              <a:t>.</a:t>
+            </a:r>
+            <a:endParaRPr lang="en-US" dirty="0" smtClean="0"/>
+          </a:p>
+          <a:p>
+            <a:pPr>
+              <a:spcAft>
+                <a:spcPts val="3000"/>
+              </a:spcAft>
+            </a:pPr>
+            <a:r>
+              <a:rPr lang="en-US" dirty="0" smtClean="0"/>
+              <a:t>“</a:t>
+            </a:r>
+            <a:r>
+              <a:rPr lang="en-US" dirty="0" err="1" smtClean="0"/>
+              <a:t>Eine</a:t>
+            </a:r>
+            <a:r>
+              <a:rPr lang="en-US" dirty="0" smtClean="0"/>
+              <a:t> flexible </a:t>
+            </a:r>
+            <a:r>
+              <a:rPr lang="en-US" dirty="0" err="1" smtClean="0"/>
+              <a:t>Entwicklungsstrategie</a:t>
+            </a:r>
+            <a:r>
+              <a:rPr lang="en-US" dirty="0" smtClean="0"/>
+              <a:t>, in </a:t>
+            </a:r>
+            <a:r>
+              <a:rPr lang="en-US" dirty="0" err="1" smtClean="0"/>
+              <a:t>welchem</a:t>
+            </a:r>
+            <a:r>
+              <a:rPr lang="en-US" dirty="0" smtClean="0"/>
+              <a:t> </a:t>
+            </a:r>
+            <a:r>
+              <a:rPr lang="en-US" dirty="0" err="1" smtClean="0"/>
+              <a:t>ein</a:t>
+            </a:r>
+            <a:r>
+              <a:rPr lang="en-US" dirty="0" smtClean="0"/>
+              <a:t> </a:t>
+            </a:r>
+            <a:r>
+              <a:rPr lang="en-US" dirty="0" err="1" smtClean="0"/>
+              <a:t>Entwicklerteam</a:t>
+            </a:r>
+            <a:r>
+              <a:rPr lang="en-US" dirty="0" smtClean="0"/>
+              <a:t> </a:t>
+            </a:r>
+            <a:r>
+              <a:rPr lang="en-US" dirty="0" err="1" smtClean="0"/>
+              <a:t>zusammenarbeitet</a:t>
+            </a:r>
+            <a:r>
+              <a:rPr lang="en-US" dirty="0" smtClean="0"/>
+              <a:t> um </a:t>
+            </a:r>
+            <a:r>
+              <a:rPr lang="en-US" dirty="0" err="1" smtClean="0"/>
+              <a:t>ein</a:t>
+            </a:r>
+            <a:r>
+              <a:rPr lang="en-US" dirty="0" smtClean="0"/>
+              <a:t> </a:t>
+            </a:r>
+            <a:r>
+              <a:rPr lang="en-US" dirty="0" err="1" smtClean="0"/>
+              <a:t>gemeinsames</a:t>
+            </a:r>
+            <a:r>
+              <a:rPr lang="en-US" dirty="0" smtClean="0"/>
+              <a:t> </a:t>
+            </a:r>
+            <a:r>
+              <a:rPr lang="en-US" dirty="0" err="1" smtClean="0"/>
+              <a:t>Ziel</a:t>
+            </a:r>
+            <a:r>
+              <a:rPr lang="en-US" dirty="0" smtClean="0"/>
+              <a:t> </a:t>
+            </a:r>
+            <a:r>
+              <a:rPr lang="en-US" dirty="0" err="1" smtClean="0"/>
+              <a:t>zu</a:t>
+            </a:r>
+            <a:r>
+              <a:rPr lang="en-US" dirty="0" smtClean="0"/>
+              <a:t> </a:t>
+            </a:r>
+            <a:r>
+              <a:rPr lang="en-US" dirty="0" err="1" smtClean="0"/>
+              <a:t>erreichen</a:t>
+            </a:r>
+            <a:r>
+              <a:rPr lang="en-US" dirty="0" smtClean="0"/>
+              <a:t>.”</a:t>
+            </a:r>
+            <a:endParaRPr lang="en-US" dirty="0" smtClean="0"/>
+          </a:p>
+          <a:p>
+            <a:pPr>
+              <a:spcAft>
+                <a:spcPts val="3000"/>
+              </a:spcAft>
+            </a:pPr>
+            <a:r>
+              <a:rPr lang="en-US" dirty="0" err="1" smtClean="0"/>
+              <a:t>Ein</a:t>
+            </a:r>
+            <a:r>
+              <a:rPr lang="en-US" dirty="0" smtClean="0"/>
+              <a:t> </a:t>
+            </a:r>
+            <a:r>
+              <a:rPr lang="en-US" dirty="0" err="1" smtClean="0"/>
+              <a:t>Schlüsselprinzip</a:t>
+            </a:r>
+            <a:r>
+              <a:rPr lang="en-US" dirty="0" smtClean="0"/>
+              <a:t> </a:t>
+            </a:r>
+            <a:r>
+              <a:rPr lang="en-US" dirty="0" err="1" smtClean="0"/>
+              <a:t>ist</a:t>
+            </a:r>
+            <a:r>
+              <a:rPr lang="en-US" dirty="0" smtClean="0"/>
+              <a:t>, </a:t>
+            </a:r>
+            <a:r>
+              <a:rPr lang="en-US" dirty="0" err="1" smtClean="0"/>
+              <a:t>dass</a:t>
+            </a:r>
+            <a:r>
+              <a:rPr lang="en-US" dirty="0" smtClean="0"/>
+              <a:t> </a:t>
+            </a:r>
+            <a:r>
+              <a:rPr lang="en-US" dirty="0" err="1" smtClean="0"/>
+              <a:t>es</a:t>
+            </a:r>
+            <a:r>
+              <a:rPr lang="en-US" dirty="0" smtClean="0"/>
+              <a:t> </a:t>
+            </a:r>
+            <a:r>
+              <a:rPr lang="en-US" dirty="0" err="1" smtClean="0"/>
+              <a:t>dem</a:t>
+            </a:r>
+            <a:r>
+              <a:rPr lang="en-US" dirty="0" smtClean="0"/>
+              <a:t> </a:t>
+            </a:r>
+            <a:r>
+              <a:rPr lang="en-US" dirty="0" err="1" smtClean="0"/>
+              <a:t>Kunden</a:t>
+            </a:r>
+            <a:r>
+              <a:rPr lang="en-US" dirty="0" smtClean="0"/>
+              <a:t> </a:t>
+            </a:r>
+            <a:r>
+              <a:rPr lang="en-US" dirty="0" err="1" smtClean="0"/>
+              <a:t>erlaubt</a:t>
+            </a:r>
+            <a:r>
+              <a:rPr lang="en-US" dirty="0" smtClean="0"/>
+              <a:t>, </a:t>
+            </a:r>
+            <a:r>
+              <a:rPr lang="en-US" dirty="0" err="1" smtClean="0"/>
+              <a:t>während</a:t>
+            </a:r>
+            <a:r>
+              <a:rPr lang="en-US" dirty="0" smtClean="0"/>
+              <a:t> des </a:t>
+            </a:r>
+            <a:r>
+              <a:rPr lang="en-US" dirty="0" err="1" smtClean="0"/>
+              <a:t>Entwicklungsprozesses</a:t>
+            </a:r>
+            <a:r>
+              <a:rPr lang="en-US" dirty="0" smtClean="0"/>
+              <a:t> seine </a:t>
+            </a:r>
+            <a:r>
+              <a:rPr lang="en-US" dirty="0" err="1" smtClean="0"/>
+              <a:t>Meinung</a:t>
+            </a:r>
+            <a:r>
+              <a:rPr lang="en-US" dirty="0" smtClean="0"/>
+              <a:t> </a:t>
+            </a:r>
+            <a:r>
+              <a:rPr lang="en-US" dirty="0" err="1" smtClean="0"/>
+              <a:t>zu</a:t>
+            </a:r>
+            <a:r>
+              <a:rPr lang="en-US" dirty="0" smtClean="0"/>
+              <a:t> </a:t>
+            </a:r>
+            <a:r>
+              <a:rPr lang="en-US" dirty="0" err="1" smtClean="0"/>
+              <a:t>ändern</a:t>
+            </a:r>
+            <a:r>
+              <a:rPr lang="en-US" dirty="0" smtClean="0"/>
+              <a:t>.</a:t>
+            </a:r>
+            <a:endParaRPr lang="en-US" dirty="0"/>
+          </a:p>
+        </p:txBody>
+      </p:sp>
+    </p:spTree>
+    <p:extLst>
+      <p:ext uri="{BB962C8B-B14F-4D97-AF65-F5344CB8AC3E}">
+        <p14:creationId xmlns:p14="http://schemas.microsoft.com/office/powerpoint/2010/main" val="646450045"/>
+      </p:ext>
+    </p:extLst>
+  </p:cSld>
+  <p:clrMapOvr>
+    <a:masterClrMapping/>
+  </p:clrMapOvr>
+  <p:timing>
+    <p:tnLst>
+      <p:par>
+        <p:cTn id="1" dur="indefinite" restart="never" nodeType="tmRoot"/>
+      </p:par>
+    </p:tnLst>
+  </p:timing>
+</p:sld>
+</file>
+
+<file path=ppt/slides/slide6.xml><?xml version="1.0" encoding="utf-8"?>
+<p:sld xmlns:a="http://schemas.openxmlformats.org/drawingml/2006/main" xmlns:r="http://schemas.openxmlformats.org/officeDocument/2006/relationships" xmlns:p="http://schemas.openxmlformats.org/presentationml/2006/main">
+  <p:cSld>
+    <p:spTree>
+      <p:nvGrpSpPr>
+        <p:cNvPr id="1" name=""/>
+        <p:cNvGrpSpPr/>
+        <p:nvPr/>
+      </p:nvGrpSpPr>
+      <p:grpSpPr>
+        <a:xfrm>
+          <a:off x="0" y="0"/>
+          <a:ext cx="0" cy="0"/>
+          <a:chOff x="0" y="0"/>
+          <a:chExt cx="0" cy="0"/>
+        </a:xfrm>
+      </p:grpSpPr>
+      <p:sp>
+        <p:nvSpPr>
+          <p:cNvPr id="2" name="Title 1"/>
+          <p:cNvSpPr>
+            <a:spLocks noGrp="1"/>
+          </p:cNvSpPr>
+          <p:nvPr>
+            <p:ph type="title"/>
+          </p:nvPr>
+        </p:nvSpPr>
+        <p:spPr/>
+        <p:txBody>
+          <a:bodyPr/>
+          <a:lstStyle/>
+          <a:p>
+            <a:r>
+              <a:rPr lang="en-US" dirty="0" err="1" smtClean="0"/>
+              <a:t>Ursprünge</a:t>
+            </a:r>
+            <a:endParaRPr lang="en-US" dirty="0"/>
+          </a:p>
+        </p:txBody>
+      </p:sp>
+      <p:sp>
+        <p:nvSpPr>
+          <p:cNvPr id="3" name="Content Placeholder 2"/>
+          <p:cNvSpPr>
+            <a:spLocks noGrp="1"/>
+          </p:cNvSpPr>
+          <p:nvPr>
+            <p:ph idx="1"/>
+          </p:nvPr>
+        </p:nvSpPr>
+        <p:spPr>
+          <a:xfrm>
+            <a:off x="457200" y="1746356"/>
+            <a:ext cx="8229600" cy="4379807"/>
+          </a:xfrm>
+        </p:spPr>
+        <p:txBody>
+          <a:bodyPr/>
+          <a:lstStyle/>
+          <a:p>
+            <a:pPr>
+              <a:spcAft>
+                <a:spcPts val="3000"/>
+              </a:spcAft>
+            </a:pPr>
+            <a:r>
+              <a:rPr lang="en-US" dirty="0" err="1" smtClean="0"/>
+              <a:t>Erdacht</a:t>
+            </a:r>
+            <a:r>
+              <a:rPr lang="en-US" dirty="0" smtClean="0"/>
+              <a:t> von </a:t>
+            </a:r>
+            <a:r>
+              <a:rPr lang="en-US" dirty="0" smtClean="0"/>
+              <a:t>Jeff </a:t>
+            </a:r>
+            <a:r>
+              <a:rPr lang="en-US" dirty="0" smtClean="0"/>
+              <a:t>Sutherland </a:t>
+            </a:r>
+            <a:r>
+              <a:rPr lang="en-US" dirty="0" smtClean="0"/>
+              <a:t>und </a:t>
+            </a:r>
+            <a:r>
+              <a:rPr lang="en-US" dirty="0" smtClean="0"/>
+              <a:t>Ken </a:t>
+            </a:r>
+            <a:r>
+              <a:rPr lang="en-US" dirty="0" err="1" smtClean="0"/>
+              <a:t>Schwaber</a:t>
+            </a:r>
+            <a:r>
+              <a:rPr lang="en-US" dirty="0" smtClean="0"/>
+              <a:t> in </a:t>
+            </a:r>
+            <a:r>
+              <a:rPr lang="en-US" dirty="0" smtClean="0"/>
+              <a:t>den </a:t>
+            </a:r>
+            <a:r>
+              <a:rPr lang="en-US" dirty="0" err="1" smtClean="0"/>
+              <a:t>frühen</a:t>
+            </a:r>
+            <a:r>
+              <a:rPr lang="en-US" dirty="0" smtClean="0"/>
+              <a:t> 90ern.</a:t>
+            </a:r>
+            <a:endParaRPr lang="en-US" dirty="0" smtClean="0"/>
+          </a:p>
+          <a:p>
+            <a:pPr>
+              <a:spcAft>
+                <a:spcPts val="3000"/>
+              </a:spcAft>
+            </a:pPr>
+            <a:r>
+              <a:rPr lang="en-US" dirty="0" smtClean="0"/>
+              <a:t>Der Name </a:t>
+            </a:r>
+            <a:r>
+              <a:rPr lang="en-US" dirty="0" err="1" smtClean="0"/>
+              <a:t>bezieht</a:t>
+            </a:r>
+            <a:r>
+              <a:rPr lang="en-US" dirty="0" smtClean="0"/>
+              <a:t> </a:t>
+            </a:r>
+            <a:r>
+              <a:rPr lang="en-US" dirty="0" err="1" smtClean="0"/>
+              <a:t>sich</a:t>
+            </a:r>
+            <a:r>
+              <a:rPr lang="en-US" dirty="0" smtClean="0"/>
+              <a:t> auf “Rugby </a:t>
+            </a:r>
+            <a:r>
+              <a:rPr lang="en-US" dirty="0" smtClean="0"/>
+              <a:t>S</a:t>
+            </a:r>
+            <a:r>
+              <a:rPr lang="en-US" dirty="0" smtClean="0"/>
+              <a:t>crum” und die </a:t>
+            </a:r>
+            <a:r>
+              <a:rPr lang="en-US" dirty="0" err="1" smtClean="0"/>
+              <a:t>Bedeutung</a:t>
+            </a:r>
+            <a:r>
+              <a:rPr lang="en-US" dirty="0" smtClean="0"/>
+              <a:t> von Teamwork, welches </a:t>
+            </a:r>
+            <a:r>
+              <a:rPr lang="en-US" dirty="0" err="1" smtClean="0"/>
+              <a:t>sowohl</a:t>
+            </a:r>
+            <a:r>
+              <a:rPr lang="en-US" dirty="0" smtClean="0"/>
+              <a:t> </a:t>
+            </a:r>
+            <a:r>
+              <a:rPr lang="en-US" dirty="0" err="1" smtClean="0"/>
+              <a:t>bei</a:t>
+            </a:r>
+            <a:r>
+              <a:rPr lang="en-US" dirty="0" smtClean="0"/>
+              <a:t> Rugby </a:t>
+            </a:r>
+            <a:r>
+              <a:rPr lang="en-US" dirty="0" err="1" smtClean="0"/>
+              <a:t>als</a:t>
+            </a:r>
+            <a:r>
+              <a:rPr lang="en-US" dirty="0" smtClean="0"/>
+              <a:t> </a:t>
+            </a:r>
+            <a:r>
+              <a:rPr lang="en-US" dirty="0" err="1" smtClean="0"/>
+              <a:t>auch</a:t>
+            </a:r>
+            <a:r>
+              <a:rPr lang="en-US" dirty="0" smtClean="0"/>
+              <a:t> in der </a:t>
+            </a:r>
+            <a:r>
+              <a:rPr lang="en-US" dirty="0" err="1" smtClean="0"/>
+              <a:t>Entwicklung</a:t>
+            </a:r>
+            <a:r>
+              <a:rPr lang="en-US" dirty="0" smtClean="0"/>
+              <a:t> </a:t>
+            </a:r>
+            <a:r>
+              <a:rPr lang="en-US" dirty="0" err="1" smtClean="0"/>
+              <a:t>nötig</a:t>
+            </a:r>
+            <a:r>
+              <a:rPr lang="en-US" dirty="0" smtClean="0"/>
+              <a:t> </a:t>
+            </a:r>
+            <a:r>
+              <a:rPr lang="en-US" dirty="0" err="1" smtClean="0"/>
+              <a:t>ist</a:t>
+            </a:r>
+            <a:r>
+              <a:rPr lang="en-US" dirty="0" smtClean="0"/>
+              <a:t>.</a:t>
+            </a:r>
+            <a:endParaRPr lang="en-US" dirty="0" smtClean="0"/>
+          </a:p>
+          <a:p>
+            <a:pPr>
+              <a:spcAft>
+                <a:spcPts val="3000"/>
+              </a:spcAft>
+            </a:pPr>
+            <a:r>
+              <a:rPr lang="en-US" dirty="0" smtClean="0"/>
+              <a:t>Teams </a:t>
+            </a:r>
+            <a:r>
+              <a:rPr lang="en-US" dirty="0" err="1" smtClean="0"/>
+              <a:t>brauchen</a:t>
+            </a:r>
+            <a:r>
+              <a:rPr lang="en-US" dirty="0" smtClean="0"/>
+              <a:t> </a:t>
+            </a:r>
+            <a:r>
+              <a:rPr lang="en-US" dirty="0" err="1" smtClean="0"/>
+              <a:t>Freiheiten</a:t>
+            </a:r>
+            <a:r>
+              <a:rPr lang="en-US" dirty="0" smtClean="0"/>
+              <a:t>/</a:t>
+            </a:r>
+            <a:r>
+              <a:rPr lang="en-US" dirty="0" err="1"/>
+              <a:t>U</a:t>
+            </a:r>
+            <a:r>
+              <a:rPr lang="en-US" dirty="0" err="1" smtClean="0"/>
+              <a:t>nabhängigkeiten</a:t>
+            </a:r>
+            <a:r>
+              <a:rPr lang="en-US" dirty="0" smtClean="0"/>
+              <a:t> um </a:t>
+            </a:r>
+            <a:r>
+              <a:rPr lang="en-US" dirty="0" err="1" smtClean="0"/>
+              <a:t>exzellente</a:t>
+            </a:r>
+            <a:r>
+              <a:rPr lang="en-US" dirty="0" smtClean="0"/>
+              <a:t> </a:t>
+            </a:r>
+            <a:r>
+              <a:rPr lang="en-US" dirty="0" err="1" smtClean="0"/>
+              <a:t>Ergebnisse</a:t>
+            </a:r>
+            <a:r>
+              <a:rPr lang="en-US" dirty="0" smtClean="0"/>
+              <a:t> </a:t>
+            </a:r>
+            <a:r>
+              <a:rPr lang="en-US" dirty="0" err="1" smtClean="0"/>
+              <a:t>zu</a:t>
+            </a:r>
+            <a:r>
+              <a:rPr lang="en-US" dirty="0" smtClean="0"/>
+              <a:t> </a:t>
+            </a:r>
+            <a:r>
+              <a:rPr lang="en-US" dirty="0" err="1" smtClean="0"/>
+              <a:t>erzielen</a:t>
+            </a:r>
+            <a:endParaRPr lang="en-US" dirty="0"/>
+          </a:p>
+        </p:txBody>
+      </p:sp>
+    </p:spTree>
+    <p:extLst>
+      <p:ext uri="{BB962C8B-B14F-4D97-AF65-F5344CB8AC3E}">
+        <p14:creationId xmlns:p14="http://schemas.microsoft.com/office/powerpoint/2010/main" val="2445772395"/>
+      </p:ext>
+    </p:extLst>
+  </p:cSld>
+  <p:clrMapOvr>
+    <a:masterClrMapping/>
+  </p:clrMapOvr>
+  <p:timing>
+    <p:tnLst>
+      <p:par>
+        <p:cTn id="1" dur="indefinite" restart="never" nodeType="tmRoot"/>
+      </p:par>
+    </p:tnLst>
+  </p:timing>
+</p:sld>
+</file>
+
+<file path=ppt/slides/slide7.xml><?xml version="1.0" encoding="utf-8"?>
+<p:sld xmlns:a="http://schemas.openxmlformats.org/drawingml/2006/main" xmlns:r="http://schemas.openxmlformats.org/officeDocument/2006/relationships" xmlns:p="http://schemas.openxmlformats.org/presentationml/2006/main">
+  <p:cSld>
+    <p:spTree>
+      <p:nvGrpSpPr>
+        <p:cNvPr id="1" name=""/>
+        <p:cNvGrpSpPr/>
+        <p:nvPr/>
+      </p:nvGrpSpPr>
+      <p:grpSpPr>
+        <a:xfrm>
+          <a:off x="0" y="0"/>
+          <a:ext cx="0" cy="0"/>
+          <a:chOff x="0" y="0"/>
+          <a:chExt cx="0" cy="0"/>
+        </a:xfrm>
+      </p:grpSpPr>
+      <p:sp>
+        <p:nvSpPr>
+          <p:cNvPr id="2" name="Title 1"/>
+          <p:cNvSpPr>
+            <a:spLocks noGrp="1"/>
+          </p:cNvSpPr>
+          <p:nvPr>
+            <p:ph type="title"/>
+          </p:nvPr>
+        </p:nvSpPr>
+        <p:spPr/>
+        <p:txBody>
+          <a:bodyPr/>
+          <a:lstStyle/>
+          <a:p>
+            <a:r>
+              <a:rPr lang="en-US" dirty="0" err="1" smtClean="0"/>
+              <a:t>Wie</a:t>
+            </a:r>
+            <a:r>
+              <a:rPr lang="en-US" dirty="0" smtClean="0"/>
+              <a:t> </a:t>
+            </a:r>
+            <a:r>
+              <a:rPr lang="en-US" dirty="0" err="1" smtClean="0"/>
+              <a:t>ist</a:t>
+            </a:r>
+            <a:r>
+              <a:rPr lang="en-US" dirty="0" smtClean="0"/>
+              <a:t> die </a:t>
+            </a:r>
+            <a:r>
+              <a:rPr lang="en-US" dirty="0" err="1" smtClean="0"/>
+              <a:t>Rollenverteilung</a:t>
+            </a:r>
+            <a:r>
+              <a:rPr lang="en-US" dirty="0" smtClean="0"/>
+              <a:t>?</a:t>
+            </a:r>
+            <a:endParaRPr lang="en-US" dirty="0"/>
+          </a:p>
+        </p:txBody>
+      </p:sp>
+      <p:sp>
+        <p:nvSpPr>
+          <p:cNvPr id="3" name="Content Placeholder 2"/>
+          <p:cNvSpPr>
+            <a:spLocks noGrp="1"/>
+          </p:cNvSpPr>
+          <p:nvPr>
+            <p:ph idx="1"/>
+          </p:nvPr>
+        </p:nvSpPr>
+        <p:spPr>
+          <a:xfrm>
+            <a:off x="457200" y="1746356"/>
+            <a:ext cx="8229600" cy="4379807"/>
+          </a:xfrm>
+        </p:spPr>
+        <p:txBody>
+          <a:bodyPr>
+            <a:normAutofit/>
+          </a:bodyPr>
+          <a:lstStyle/>
+          <a:p>
+            <a:pPr>
+              <a:lnSpc>
+                <a:spcPct val="200000"/>
+              </a:lnSpc>
+              <a:spcAft>
+                <a:spcPts val="3000"/>
+              </a:spcAft>
+            </a:pPr>
+            <a:r>
+              <a:rPr lang="en-US" sz="2800" i="1" dirty="0" err="1" smtClean="0"/>
+              <a:t>Ein</a:t>
+            </a:r>
+            <a:r>
+              <a:rPr lang="en-US" sz="2800" dirty="0" smtClean="0"/>
+              <a:t> </a:t>
+            </a:r>
+            <a:r>
+              <a:rPr lang="en-US" sz="2800" dirty="0" smtClean="0"/>
+              <a:t>Product Owner</a:t>
+            </a:r>
+          </a:p>
+          <a:p>
+            <a:pPr>
+              <a:lnSpc>
+                <a:spcPct val="200000"/>
+              </a:lnSpc>
+              <a:spcAft>
+                <a:spcPts val="3000"/>
+              </a:spcAft>
+            </a:pPr>
+            <a:r>
+              <a:rPr lang="en-US" sz="2800" i="1" dirty="0" err="1" smtClean="0"/>
+              <a:t>Ein</a:t>
+            </a:r>
+            <a:r>
+              <a:rPr lang="en-US" sz="2800" dirty="0" smtClean="0"/>
+              <a:t> </a:t>
+            </a:r>
+            <a:r>
+              <a:rPr lang="en-US" sz="2800" dirty="0" smtClean="0"/>
+              <a:t>Scrum Manager</a:t>
+            </a:r>
+          </a:p>
+          <a:p>
+            <a:pPr>
+              <a:lnSpc>
+                <a:spcPct val="200000"/>
+              </a:lnSpc>
+              <a:spcAft>
+                <a:spcPts val="3000"/>
+              </a:spcAft>
+            </a:pPr>
+            <a:r>
+              <a:rPr lang="en-US" sz="2800" dirty="0" err="1" smtClean="0"/>
+              <a:t>Ein</a:t>
+            </a:r>
+            <a:r>
+              <a:rPr lang="en-US" sz="2800" dirty="0" smtClean="0"/>
+              <a:t> </a:t>
+            </a:r>
+            <a:r>
+              <a:rPr lang="en-US" sz="2800" dirty="0" err="1" smtClean="0"/>
+              <a:t>Entwicklerteam</a:t>
+            </a:r>
+            <a:r>
+              <a:rPr lang="en-US" sz="2800" dirty="0" smtClean="0"/>
+              <a:t> </a:t>
+            </a:r>
+            <a:r>
+              <a:rPr lang="en-US" sz="2800" dirty="0" smtClean="0"/>
+              <a:t>Team</a:t>
+            </a:r>
+            <a:endParaRPr lang="en-US" sz="2800" dirty="0"/>
+          </a:p>
+        </p:txBody>
+      </p:sp>
+    </p:spTree>
+    <p:extLst>
+      <p:ext uri="{BB962C8B-B14F-4D97-AF65-F5344CB8AC3E}">
+        <p14:creationId xmlns:p14="http://schemas.microsoft.com/office/powerpoint/2010/main" val="1537407880"/>
+      </p:ext>
+    </p:extLst>
+  </p:cSld>
+  <p:clrMapOvr>
+    <a:masterClrMapping/>
+  </p:clrMapOvr>
+  <p:timing>
+    <p:tnLst>
+      <p:par>
+        <p:cTn id="1" dur="indefinite" restart="never" nodeType="tmRoot"/>
+      </p:par>
+    </p:tnLst>
+  </p:timing>
+</p:sld>
+</file>
+
+<file path=ppt/slides/slide8.xml><?xml version="1.0" encoding="utf-8"?>
+<p:sld xmlns:a="http://schemas.openxmlformats.org/drawingml/2006/main" xmlns:r="http://schemas.openxmlformats.org/officeDocument/2006/relationships" xmlns:p="http://schemas.openxmlformats.org/presentationml/2006/main">
+  <p:cSld>
+    <p:spTree>
+      <p:nvGrpSpPr>
+        <p:cNvPr id="1" name=""/>
+        <p:cNvGrpSpPr/>
+        <p:nvPr/>
+      </p:nvGrpSpPr>
+      <p:grpSpPr>
+        <a:xfrm>
+          <a:off x="0" y="0"/>
+          <a:ext cx="0" cy="0"/>
+          <a:chOff x="0" y="0"/>
+          <a:chExt cx="0" cy="0"/>
+        </a:xfrm>
+      </p:grpSpPr>
+      <p:sp>
+        <p:nvSpPr>
+          <p:cNvPr id="2" name="Title 1"/>
+          <p:cNvSpPr>
+            <a:spLocks noGrp="1"/>
+          </p:cNvSpPr>
+          <p:nvPr>
+            <p:ph type="title"/>
+          </p:nvPr>
+        </p:nvSpPr>
+        <p:spPr/>
+        <p:txBody>
+          <a:bodyPr/>
+          <a:lstStyle/>
+          <a:p>
+            <a:r>
+              <a:rPr lang="en-US" dirty="0" smtClean="0"/>
+              <a:t>Product Owner</a:t>
+            </a:r>
+            <a:endParaRPr lang="en-US" dirty="0"/>
+          </a:p>
+        </p:txBody>
+      </p:sp>
+      <p:sp>
+        <p:nvSpPr>
+          <p:cNvPr id="4" name="Content Placeholder 2"/>
+          <p:cNvSpPr>
+            <a:spLocks noGrp="1"/>
+          </p:cNvSpPr>
+          <p:nvPr>
+            <p:ph idx="1"/>
+          </p:nvPr>
+        </p:nvSpPr>
+        <p:spPr>
+          <a:xfrm>
+            <a:off x="457200" y="1746356"/>
+            <a:ext cx="8229600" cy="4379807"/>
+          </a:xfrm>
+        </p:spPr>
+        <p:txBody>
+          <a:bodyPr/>
+          <a:lstStyle/>
+          <a:p>
+            <a:pPr>
+              <a:spcAft>
+                <a:spcPts val="3000"/>
+              </a:spcAft>
+            </a:pPr>
+            <a:r>
+              <a:rPr lang="en-US" dirty="0" err="1" smtClean="0"/>
+              <a:t>Repräsentiert</a:t>
+            </a:r>
+            <a:r>
+              <a:rPr lang="en-US" dirty="0" smtClean="0"/>
+              <a:t> den </a:t>
+            </a:r>
+            <a:r>
+              <a:rPr lang="en-US" dirty="0" err="1" smtClean="0"/>
+              <a:t>Kunden</a:t>
+            </a:r>
+            <a:r>
+              <a:rPr lang="en-US" dirty="0" smtClean="0"/>
+              <a:t>.</a:t>
+            </a:r>
+            <a:endParaRPr lang="en-US" dirty="0" smtClean="0"/>
+          </a:p>
+          <a:p>
+            <a:pPr>
+              <a:spcAft>
+                <a:spcPts val="3000"/>
+              </a:spcAft>
+            </a:pPr>
+            <a:r>
+              <a:rPr lang="en-US" dirty="0" err="1" smtClean="0"/>
+              <a:t>Ist</a:t>
+            </a:r>
+            <a:r>
+              <a:rPr lang="en-US" dirty="0" smtClean="0"/>
+              <a:t> auf der </a:t>
+            </a:r>
+            <a:r>
+              <a:rPr lang="en-US" dirty="0" err="1"/>
+              <a:t>G</a:t>
+            </a:r>
+            <a:r>
+              <a:rPr lang="en-US" dirty="0" err="1" smtClean="0"/>
+              <a:t>eschäftsseite</a:t>
+            </a:r>
+            <a:r>
+              <a:rPr lang="en-US" dirty="0" smtClean="0"/>
+              <a:t> des </a:t>
+            </a:r>
+            <a:r>
+              <a:rPr lang="en-US" dirty="0" err="1" smtClean="0"/>
+              <a:t>Projektes</a:t>
+            </a:r>
+            <a:r>
+              <a:rPr lang="en-US" dirty="0" smtClean="0"/>
+              <a:t>.</a:t>
+            </a:r>
+            <a:endParaRPr lang="en-US" dirty="0" smtClean="0"/>
+          </a:p>
+          <a:p>
+            <a:pPr>
+              <a:spcAft>
+                <a:spcPts val="3000"/>
+              </a:spcAft>
+            </a:pPr>
+            <a:r>
+              <a:rPr lang="en-US" dirty="0" err="1" smtClean="0"/>
+              <a:t>Versucht</a:t>
+            </a:r>
+            <a:r>
+              <a:rPr lang="en-US" dirty="0" smtClean="0"/>
+              <a:t> </a:t>
+            </a:r>
+            <a:r>
+              <a:rPr lang="en-US" dirty="0" err="1" smtClean="0"/>
+              <a:t>sich</a:t>
+            </a:r>
+            <a:r>
+              <a:rPr lang="en-US" dirty="0" smtClean="0"/>
+              <a:t> von </a:t>
+            </a:r>
+            <a:r>
+              <a:rPr lang="en-US" dirty="0" err="1" smtClean="0"/>
+              <a:t>technischen</a:t>
+            </a:r>
+            <a:r>
+              <a:rPr lang="en-US" dirty="0" smtClean="0"/>
+              <a:t> </a:t>
+            </a:r>
+            <a:r>
+              <a:rPr lang="en-US" dirty="0" err="1" smtClean="0"/>
+              <a:t>Fragestellungen</a:t>
+            </a:r>
+            <a:r>
+              <a:rPr lang="en-US" dirty="0" smtClean="0"/>
+              <a:t> fern </a:t>
+            </a:r>
+            <a:r>
+              <a:rPr lang="en-US" dirty="0" err="1" smtClean="0"/>
+              <a:t>zu</a:t>
+            </a:r>
+            <a:r>
+              <a:rPr lang="en-US" dirty="0" smtClean="0"/>
+              <a:t> </a:t>
+            </a:r>
+            <a:r>
+              <a:rPr lang="en-US" dirty="0" err="1" smtClean="0"/>
+              <a:t>halten</a:t>
+            </a:r>
+            <a:r>
+              <a:rPr lang="en-US" dirty="0" smtClean="0"/>
+              <a:t>.</a:t>
+            </a:r>
+            <a:endParaRPr lang="en-US" dirty="0" smtClean="0"/>
+          </a:p>
+          <a:p>
+            <a:pPr>
+              <a:spcAft>
+                <a:spcPts val="3000"/>
+              </a:spcAft>
+            </a:pPr>
+            <a:r>
+              <a:rPr lang="en-US" dirty="0" err="1" smtClean="0"/>
+              <a:t>Ist</a:t>
+            </a:r>
+            <a:r>
+              <a:rPr lang="en-US" dirty="0" smtClean="0"/>
+              <a:t> das </a:t>
+            </a:r>
+            <a:r>
+              <a:rPr lang="en-US" dirty="0" err="1" smtClean="0"/>
+              <a:t>Bindeglied</a:t>
+            </a:r>
+            <a:r>
+              <a:rPr lang="en-US" dirty="0" smtClean="0"/>
+              <a:t> </a:t>
+            </a:r>
+            <a:r>
+              <a:rPr lang="en-US" dirty="0" err="1" smtClean="0"/>
+              <a:t>zwischen</a:t>
+            </a:r>
+            <a:r>
+              <a:rPr lang="en-US" dirty="0" smtClean="0"/>
+              <a:t> den </a:t>
+            </a:r>
+            <a:r>
+              <a:rPr lang="en-US" dirty="0" err="1" smtClean="0"/>
+              <a:t>Anteilseigner</a:t>
+            </a:r>
+            <a:r>
+              <a:rPr lang="en-US" dirty="0" err="1" smtClean="0"/>
+              <a:t>n</a:t>
+            </a:r>
+            <a:r>
+              <a:rPr lang="en-US" dirty="0" smtClean="0"/>
+              <a:t> und </a:t>
+            </a:r>
+            <a:r>
+              <a:rPr lang="en-US" dirty="0" err="1" smtClean="0"/>
+              <a:t>dem</a:t>
+            </a:r>
+            <a:r>
+              <a:rPr lang="en-US" dirty="0" smtClean="0"/>
+              <a:t> </a:t>
+            </a:r>
+            <a:r>
+              <a:rPr lang="en-US" dirty="0" err="1" smtClean="0"/>
+              <a:t>Entwicklerteam</a:t>
+            </a:r>
+            <a:r>
+              <a:rPr lang="en-US" dirty="0" smtClean="0"/>
+              <a:t>.</a:t>
+            </a:r>
+            <a:endParaRPr lang="en-US" dirty="0"/>
+          </a:p>
+        </p:txBody>
+      </p:sp>
+    </p:spTree>
+    <p:extLst>
+      <p:ext uri="{BB962C8B-B14F-4D97-AF65-F5344CB8AC3E}">
+        <p14:creationId xmlns:p14="http://schemas.microsoft.com/office/powerpoint/2010/main" val="1296687487"/>
+      </p:ext>
+    </p:extLst>
+  </p:cSld>
+  <p:clrMapOvr>
+    <a:masterClrMapping/>
+  </p:clrMapOvr>
+</p:sld>
+</file>
+
 <file path=ppt/slides/slide9.xml><?xml version="1.0" encoding="utf-8"?>
 <p:sld xmlns:a="http://schemas.openxmlformats.org/drawingml/2006/main" xmlns:r="http://schemas.openxmlformats.org/officeDocument/2006/relationships" xmlns:p="http://schemas.openxmlformats.org/presentationml/2006/main">
   <p:cSld>
@@ -5895,7 +8274,7 @@
           <a:p>
             <a:r>
               <a:rPr lang="en-US" dirty="0" smtClean="0"/>
-              <a:t>Product Backlog</a:t>
+              <a:t>Scrum Manager</a:t>
             </a:r>
             <a:endParaRPr lang="en-US" dirty="0"/>
           </a:p>
@@ -5927,8 +8306,76 @@
               </a:spcAft>
             </a:pPr>
             <a:r>
-              <a:rPr lang="en-US" dirty="0" smtClean="0"/>
-              <a:t>The product backlog is a list of requirements that the team must complete for the project to be considered a success.</a:t>
+              <a:rPr lang="en-US" dirty="0" err="1" smtClean="0"/>
+              <a:t>Stellt</a:t>
+            </a:r>
+            <a:r>
+              <a:rPr lang="en-US" dirty="0" smtClean="0"/>
+              <a:t> </a:t>
+            </a:r>
+            <a:r>
+              <a:rPr lang="en-US" dirty="0" err="1" smtClean="0"/>
+              <a:t>einen</a:t>
+            </a:r>
+            <a:r>
+              <a:rPr lang="en-US" dirty="0" smtClean="0"/>
+              <a:t> Buffer </a:t>
+            </a:r>
+            <a:r>
+              <a:rPr lang="en-US" dirty="0" err="1" smtClean="0"/>
+              <a:t>zwischen</a:t>
+            </a:r>
+            <a:r>
+              <a:rPr lang="en-US" dirty="0" smtClean="0"/>
+              <a:t> </a:t>
+            </a:r>
+            <a:r>
+              <a:rPr lang="en-US" dirty="0" err="1" smtClean="0"/>
+              <a:t>dem</a:t>
+            </a:r>
+            <a:r>
+              <a:rPr lang="en-US" dirty="0" smtClean="0"/>
+              <a:t> </a:t>
+            </a:r>
+            <a:r>
+              <a:rPr lang="en-US" dirty="0" err="1" smtClean="0"/>
+              <a:t>Entwicklerteam</a:t>
+            </a:r>
+            <a:r>
+              <a:rPr lang="en-US" dirty="0" smtClean="0"/>
+              <a:t> und </a:t>
+            </a:r>
+            <a:r>
+              <a:rPr lang="en-US" dirty="0" err="1" smtClean="0"/>
+              <a:t>allen</a:t>
+            </a:r>
+            <a:r>
+              <a:rPr lang="en-US" dirty="0" smtClean="0"/>
+              <a:t> </a:t>
+            </a:r>
+            <a:r>
+              <a:rPr lang="en-US" dirty="0" err="1" smtClean="0"/>
+              <a:t>ablenkenden</a:t>
+            </a:r>
+            <a:r>
+              <a:rPr lang="en-US" dirty="0" smtClean="0"/>
+              <a:t> </a:t>
+            </a:r>
+            <a:r>
+              <a:rPr lang="en-US" dirty="0" err="1" smtClean="0"/>
+              <a:t>Einflüssen</a:t>
+            </a:r>
+            <a:r>
+              <a:rPr lang="en-US" dirty="0" smtClean="0"/>
+              <a:t> </a:t>
+            </a:r>
+            <a:r>
+              <a:rPr lang="en-US" dirty="0" err="1" smtClean="0"/>
+              <a:t>dar</a:t>
+            </a:r>
+            <a:r>
+              <a:rPr lang="en-US" dirty="0" smtClean="0"/>
+              <a:t>.</a:t>
             </a:r>
           </a:p>
           <a:p>
@@ -5938,9 +8385,62 @@
               </a:spcAft>
             </a:pPr>
             <a:r>
-              <a:rPr lang="en-US" dirty="0" smtClean="0"/>
-              <a:t>This list contains features, bug fixes and other requirements</a:t>
-            </a:r>
+              <a:rPr lang="en-US" dirty="0" err="1" smtClean="0"/>
+              <a:t>Kümmert</a:t>
+            </a:r>
+            <a:r>
+              <a:rPr lang="en-US" dirty="0" smtClean="0"/>
+              <a:t> </a:t>
+            </a:r>
+            <a:r>
+              <a:rPr lang="en-US" dirty="0" err="1" smtClean="0"/>
+              <a:t>sich</a:t>
+            </a:r>
+            <a:r>
+              <a:rPr lang="en-US" dirty="0" smtClean="0"/>
+              <a:t> </a:t>
+            </a:r>
+            <a:r>
+              <a:rPr lang="en-US" dirty="0" err="1" smtClean="0"/>
+              <a:t>darum</a:t>
+            </a:r>
+            <a:r>
+              <a:rPr lang="en-US" dirty="0" smtClean="0"/>
+              <a:t>, </a:t>
+            </a:r>
+            <a:r>
+              <a:rPr lang="en-US" dirty="0" err="1" smtClean="0"/>
+              <a:t>dass</a:t>
+            </a:r>
+            <a:r>
+              <a:rPr lang="en-US" dirty="0" smtClean="0"/>
+              <a:t> der Scrum </a:t>
+            </a:r>
+            <a:r>
+              <a:rPr lang="en-US" dirty="0" err="1" smtClean="0"/>
+              <a:t>Prozess</a:t>
+            </a:r>
+            <a:r>
+              <a:rPr lang="en-US" dirty="0" smtClean="0"/>
+              <a:t> </a:t>
+            </a:r>
+            <a:r>
+              <a:rPr lang="en-US" dirty="0" err="1" smtClean="0"/>
+              <a:t>eingehalten</a:t>
+            </a:r>
+            <a:r>
+              <a:rPr lang="en-US" dirty="0" smtClean="0"/>
+              <a:t> </a:t>
+            </a:r>
+            <a:r>
+              <a:rPr lang="en-US" dirty="0" err="1" smtClean="0"/>
+              <a:t>wird</a:t>
+            </a:r>
+            <a:r>
+              <a:rPr lang="en-US" dirty="0" smtClean="0"/>
+              <a:t>.</a:t>
+            </a:r>
+            <a:endParaRPr lang="en-US" dirty="0" smtClean="0"/>
           </a:p>
           <a:p>
             <a:pPr>
@@ -5949,17 +8449,133 @@
               </a:spcAft>
             </a:pPr>
             <a:r>
-              <a:rPr lang="en-US" dirty="0" smtClean="0"/>
-              <a:t> The list is ordered in terms of risk, or value to the overall product.</a:t>
-            </a:r>
-            <a:endParaRPr lang="en-US" dirty="0"/>
+              <a:rPr lang="en-US" dirty="0" err="1" smtClean="0"/>
+              <a:t>Ist</a:t>
+            </a:r>
+            <a:r>
+              <a:rPr lang="en-US" dirty="0" smtClean="0"/>
+              <a:t> </a:t>
+            </a:r>
+            <a:r>
+              <a:rPr lang="en-US" dirty="0" err="1" smtClean="0"/>
+              <a:t>für</a:t>
+            </a:r>
+            <a:r>
+              <a:rPr lang="en-US" dirty="0" smtClean="0"/>
+              <a:t> den </a:t>
+            </a:r>
+            <a:r>
+              <a:rPr lang="en-US" dirty="0" err="1" smtClean="0"/>
+              <a:t>Zusammenhalt</a:t>
+            </a:r>
+            <a:r>
+              <a:rPr lang="en-US" dirty="0" smtClean="0"/>
+              <a:t> </a:t>
+            </a:r>
+            <a:r>
+              <a:rPr lang="en-US" dirty="0" err="1" smtClean="0"/>
+              <a:t>im</a:t>
+            </a:r>
+            <a:r>
+              <a:rPr lang="en-US" dirty="0" smtClean="0"/>
+              <a:t> Team </a:t>
+            </a:r>
+            <a:r>
+              <a:rPr lang="en-US" dirty="0" err="1" smtClean="0"/>
+              <a:t>verantwortlich</a:t>
+            </a:r>
+            <a:r>
+              <a:rPr lang="en-US" dirty="0" smtClean="0"/>
+              <a:t> und </a:t>
+            </a:r>
+            <a:r>
+              <a:rPr lang="en-US" dirty="0" err="1" smtClean="0"/>
+              <a:t>darum</a:t>
+            </a:r>
+            <a:r>
+              <a:rPr lang="en-US" dirty="0" smtClean="0"/>
+              <a:t>, </a:t>
+            </a:r>
+            <a:r>
+              <a:rPr lang="en-US" dirty="0" err="1" smtClean="0"/>
+              <a:t>dass</a:t>
+            </a:r>
+            <a:r>
+              <a:rPr lang="en-US" dirty="0" smtClean="0"/>
+              <a:t> </a:t>
+            </a:r>
+            <a:r>
+              <a:rPr lang="en-US" dirty="0" err="1" smtClean="0"/>
+              <a:t>jedes</a:t>
+            </a:r>
+            <a:r>
+              <a:rPr lang="en-US" dirty="0" smtClean="0"/>
+              <a:t> </a:t>
+            </a:r>
+            <a:r>
+              <a:rPr lang="en-US" dirty="0" err="1" smtClean="0"/>
+              <a:t>Mitglied</a:t>
+            </a:r>
+            <a:r>
+              <a:rPr lang="en-US" dirty="0" smtClean="0"/>
+              <a:t> am </a:t>
+            </a:r>
+            <a:r>
+              <a:rPr lang="en-US" dirty="0" err="1" smtClean="0"/>
+              <a:t>selben</a:t>
+            </a:r>
+            <a:r>
+              <a:rPr lang="en-US" dirty="0" smtClean="0"/>
+              <a:t> </a:t>
+            </a:r>
+            <a:r>
+              <a:rPr lang="en-US" dirty="0" err="1" smtClean="0"/>
+              <a:t>gemeinsamen</a:t>
+            </a:r>
+            <a:r>
+              <a:rPr lang="en-US" dirty="0" smtClean="0"/>
+              <a:t> </a:t>
+            </a:r>
+            <a:r>
+              <a:rPr lang="en-US" dirty="0" err="1" smtClean="0"/>
+              <a:t>Ziel</a:t>
+            </a:r>
+            <a:r>
+              <a:rPr lang="en-US" dirty="0" smtClean="0"/>
+              <a:t> </a:t>
+            </a:r>
+            <a:r>
+              <a:rPr lang="en-US" dirty="0" err="1" smtClean="0"/>
+              <a:t>arbeitet</a:t>
+            </a:r>
+            <a:r>
+              <a:rPr lang="en-US" dirty="0" smtClean="0"/>
+              <a:t>.</a:t>
+            </a:r>
+            <a:endParaRPr lang="en-US" dirty="0" smtClean="0"/>
+          </a:p>
+          <a:p>
+            <a:pPr>
+              <a:spcAft>
+                <a:spcPts val="3000"/>
+              </a:spcAft>
+            </a:pPr>
+            <a:endParaRPr lang="en-US" dirty="0" smtClean="0"/>
+          </a:p>
+          <a:p>
+            <a:pPr>
+              <a:spcAft>
+                <a:spcPts val="3000"/>
+              </a:spcAft>
+            </a:pPr>
+            <a:endParaRPr lang="en-US" dirty="0" smtClean="0"/>
           </a:p>
         </p:txBody>
       </p:sp>
     </p:spTree>
     <p:extLst>
       <p:ext uri="{BB962C8B-B14F-4D97-AF65-F5344CB8AC3E}">
-        <p14:creationId xmlns:p14="http://schemas.microsoft.com/office/powerpoint/2010/main" val="3641381685"/>
+        <p14:creationId xmlns:p14="http://schemas.microsoft.com/office/powerpoint/2010/main" val="4227832926"/>
       </p:ext>
     </p:extLst>
   </p:cSld>

--- a/Scrum.pptx
+++ b/Scrum.pptx
@@ -4974,8 +4974,12 @@
               <a:t> das </a:t>
             </a:r>
             <a:r>
-              <a:rPr lang="en-US" smtClean="0"/>
-              <a:t>Gesamtprodukt.</a:t>
+              <a:rPr lang="en-US" dirty="0" err="1" smtClean="0"/>
+              <a:t>Gesamtprodukt</a:t>
+            </a:r>
+            <a:r>
+              <a:rPr lang="en-US" dirty="0" smtClean="0"/>
+              <a:t>.</a:t>
             </a:r>
             <a:endParaRPr lang="en-US" dirty="0"/>
           </a:p>
@@ -5060,8 +5064,92 @@
               </a:spcAft>
             </a:pPr>
             <a:r>
-              <a:rPr lang="en-US" dirty="0" smtClean="0"/>
-              <a:t>List of features that are taken from the Product Backlog, that can be achieved in the sprint.</a:t>
+              <a:rPr lang="en-US" dirty="0" err="1" smtClean="0"/>
+              <a:t>Liste</a:t>
+            </a:r>
+            <a:r>
+              <a:rPr lang="en-US" dirty="0" smtClean="0"/>
+              <a:t> von Features, </a:t>
+            </a:r>
+            <a:r>
+              <a:rPr lang="en-US" dirty="0" err="1" smtClean="0"/>
+              <a:t>welche</a:t>
+            </a:r>
+            <a:r>
+              <a:rPr lang="en-US" dirty="0" smtClean="0"/>
+              <a:t> </a:t>
+            </a:r>
+            <a:r>
+              <a:rPr lang="en-US" dirty="0" err="1" smtClean="0"/>
+              <a:t>aus</a:t>
+            </a:r>
+            <a:r>
+              <a:rPr lang="en-US" dirty="0" smtClean="0"/>
+              <a:t> </a:t>
+            </a:r>
+            <a:r>
+              <a:rPr lang="en-US" dirty="0" err="1" smtClean="0"/>
+              <a:t>dem</a:t>
+            </a:r>
+            <a:r>
+              <a:rPr lang="en-US" dirty="0" smtClean="0"/>
+              <a:t> “Product-Backlog” </a:t>
+            </a:r>
+            <a:r>
+              <a:rPr lang="en-US" dirty="0" err="1" smtClean="0"/>
+              <a:t>genommen</a:t>
+            </a:r>
+            <a:r>
+              <a:rPr lang="en-US" dirty="0" smtClean="0"/>
+              <a:t> </a:t>
+            </a:r>
+            <a:r>
+              <a:rPr lang="en-US" dirty="0" err="1" smtClean="0"/>
+              <a:t>werden</a:t>
+            </a:r>
+            <a:r>
+              <a:rPr lang="en-US" dirty="0" smtClean="0"/>
+              <a:t>, um </a:t>
+            </a:r>
+            <a:r>
+              <a:rPr lang="en-US" dirty="0" err="1" smtClean="0"/>
+              <a:t>sie</a:t>
+            </a:r>
+            <a:r>
+              <a:rPr lang="en-US" dirty="0" smtClean="0"/>
+              <a:t> </a:t>
+            </a:r>
+            <a:r>
+              <a:rPr lang="en-US" dirty="0" err="1" smtClean="0"/>
+              <a:t>im</a:t>
+            </a:r>
+            <a:r>
+              <a:rPr lang="en-US" dirty="0" smtClean="0"/>
+              <a:t> </a:t>
+            </a:r>
+            <a:r>
+              <a:rPr lang="en-US" dirty="0" err="1" smtClean="0"/>
+              <a:t>nächsten</a:t>
+            </a:r>
+            <a:r>
+              <a:rPr lang="en-US" dirty="0" smtClean="0"/>
+              <a:t> Sprint </a:t>
+            </a:r>
+            <a:r>
+              <a:rPr lang="en-US" dirty="0" err="1" smtClean="0"/>
+              <a:t>zu</a:t>
+            </a:r>
+            <a:r>
+              <a:rPr lang="en-US" dirty="0" smtClean="0"/>
+              <a:t> </a:t>
+            </a:r>
+            <a:r>
+              <a:rPr lang="en-US" dirty="0" err="1" smtClean="0"/>
+              <a:t>bearbeiten</a:t>
+            </a:r>
+            <a:r>
+              <a:rPr lang="en-US" dirty="0" smtClean="0"/>
+              <a:t>.</a:t>
             </a:r>
             <a:endParaRPr lang="en-US" dirty="0"/>
           </a:p>
@@ -5072,9 +5160,133 @@
               </a:spcAft>
             </a:pPr>
             <a:r>
-              <a:rPr lang="en-US" dirty="0" smtClean="0"/>
-              <a:t>These features are determined during a Sprint Meeting at the start of each Sprint.</a:t>
-            </a:r>
+              <a:rPr lang="en-US" dirty="0" err="1" smtClean="0"/>
+              <a:t>Diese</a:t>
+            </a:r>
+            <a:r>
+              <a:rPr lang="en-US" dirty="0" smtClean="0"/>
+              <a:t> Features </a:t>
+            </a:r>
+            <a:r>
+              <a:rPr lang="en-US" dirty="0" err="1" smtClean="0"/>
+              <a:t>werden</a:t>
+            </a:r>
+            <a:r>
+              <a:rPr lang="en-US" dirty="0" smtClean="0"/>
+              <a:t> </a:t>
+            </a:r>
+            <a:r>
+              <a:rPr lang="en-US" dirty="0" err="1" smtClean="0"/>
+              <a:t>während</a:t>
+            </a:r>
+            <a:r>
+              <a:rPr lang="en-US" dirty="0" smtClean="0"/>
+              <a:t> </a:t>
+            </a:r>
+            <a:r>
+              <a:rPr lang="en-US" dirty="0" err="1" smtClean="0"/>
+              <a:t>eines</a:t>
+            </a:r>
+            <a:r>
+              <a:rPr lang="en-US" dirty="0" smtClean="0"/>
+              <a:t> Sprint-Meetings </a:t>
+            </a:r>
+            <a:r>
+              <a:rPr lang="en-US" dirty="0" err="1" smtClean="0"/>
+              <a:t>zu</a:t>
+            </a:r>
+            <a:r>
+              <a:rPr lang="en-US" dirty="0" smtClean="0"/>
+              <a:t> </a:t>
+            </a:r>
+            <a:r>
+              <a:rPr lang="en-US" dirty="0" err="1" smtClean="0"/>
+              <a:t>Beginn</a:t>
+            </a:r>
+            <a:r>
+              <a:rPr lang="en-US" dirty="0" smtClean="0"/>
+              <a:t> </a:t>
+            </a:r>
+            <a:r>
+              <a:rPr lang="en-US" dirty="0" err="1" smtClean="0"/>
+              <a:t>jedes</a:t>
+            </a:r>
+            <a:r>
+              <a:rPr lang="en-US" dirty="0" smtClean="0"/>
+              <a:t> Sprints </a:t>
+            </a:r>
+            <a:r>
+              <a:rPr lang="en-US" dirty="0" err="1" smtClean="0"/>
+              <a:t>diskutiert</a:t>
+            </a:r>
+            <a:r>
+              <a:rPr lang="en-US" dirty="0" smtClean="0"/>
+              <a:t>.</a:t>
+            </a:r>
+          </a:p>
+          <a:p>
+            <a:pPr>
+              <a:spcAft>
+                <a:spcPts val="3000"/>
+              </a:spcAft>
+            </a:pPr>
+            <a:r>
+              <a:rPr lang="en-US" dirty="0" err="1" smtClean="0"/>
+              <a:t>Jedes</a:t>
+            </a:r>
+            <a:r>
+              <a:rPr lang="en-US" dirty="0" smtClean="0"/>
+              <a:t> Feature </a:t>
+            </a:r>
+            <a:r>
+              <a:rPr lang="en-US" dirty="0" err="1" smtClean="0"/>
+              <a:t>bekommt</a:t>
+            </a:r>
+            <a:r>
+              <a:rPr lang="en-US" dirty="0" smtClean="0"/>
+              <a:t> </a:t>
+            </a:r>
+            <a:r>
+              <a:rPr lang="en-US" dirty="0" err="1" smtClean="0"/>
+              <a:t>Storypoints</a:t>
+            </a:r>
+            <a:r>
+              <a:rPr lang="en-US" dirty="0" smtClean="0"/>
+              <a:t>, um die </a:t>
+            </a:r>
+            <a:r>
+              <a:rPr lang="en-US" dirty="0" err="1" smtClean="0"/>
+              <a:t>Schwierigkeit</a:t>
+            </a:r>
+            <a:r>
+              <a:rPr lang="en-US" dirty="0" smtClean="0"/>
+              <a:t> der </a:t>
+            </a:r>
+            <a:r>
+              <a:rPr lang="en-US" dirty="0" err="1" smtClean="0"/>
+              <a:t>Entwicklung</a:t>
+            </a:r>
+            <a:r>
+              <a:rPr lang="en-US" dirty="0" smtClean="0"/>
+              <a:t> dieses Features </a:t>
+            </a:r>
+            <a:r>
+              <a:rPr lang="en-US" dirty="0" err="1" smtClean="0"/>
+              <a:t>zu</a:t>
+            </a:r>
+            <a:r>
+              <a:rPr lang="en-US" dirty="0" smtClean="0"/>
+              <a:t> </a:t>
+            </a:r>
+            <a:r>
+              <a:rPr lang="en-US" dirty="0" err="1" smtClean="0"/>
+              <a:t>schätzen</a:t>
+            </a:r>
+            <a:r>
+              <a:rPr lang="en-US" dirty="0" smtClean="0"/>
+              <a:t>.</a:t>
+            </a:r>
+            <a:endParaRPr lang="en-US" dirty="0" smtClean="0"/>
           </a:p>
           <a:p>
             <a:pPr>
@@ -5186,6 +5398,13 @@
   <p:clrMapOvr>
     <a:masterClrMapping/>
   </p:clrMapOvr>
+  <p:timing>
+    <p:tnLst>
+      <p:par>
+        <p:cTn id="1" dur="indefinite" restart="never" nodeType="tmRoot"/>
+      </p:par>
+    </p:tnLst>
+  </p:timing>
 </p:sld>
 </file>
 
@@ -5257,9 +5476,42 @@
               </a:spcAft>
             </a:pPr>
             <a:r>
-              <a:rPr lang="en-US" dirty="0" smtClean="0"/>
-              <a:t>Projects progress via a series of ‘Sprints’.</a:t>
-            </a:r>
+              <a:rPr lang="en-US" dirty="0" err="1" smtClean="0"/>
+              <a:t>Projekt</a:t>
+            </a:r>
+            <a:r>
+              <a:rPr lang="en-US" dirty="0" err="1" smtClean="0"/>
+              <a:t>fortschritt</a:t>
+            </a:r>
+            <a:r>
+              <a:rPr lang="en-US" dirty="0" smtClean="0"/>
+              <a:t> </a:t>
+            </a:r>
+            <a:r>
+              <a:rPr lang="en-US" dirty="0" err="1" smtClean="0"/>
+              <a:t>durch</a:t>
+            </a:r>
+            <a:r>
+              <a:rPr lang="en-US" dirty="0" smtClean="0"/>
+              <a:t> </a:t>
+            </a:r>
+            <a:r>
+              <a:rPr lang="en-US" dirty="0" err="1" smtClean="0"/>
+              <a:t>eine</a:t>
+            </a:r>
+            <a:r>
+              <a:rPr lang="en-US" dirty="0" smtClean="0"/>
+              <a:t> </a:t>
+            </a:r>
+            <a:r>
+              <a:rPr lang="en-US" dirty="0" err="1" smtClean="0"/>
+              <a:t>Anzahl</a:t>
+            </a:r>
+            <a:r>
+              <a:rPr lang="en-US" dirty="0" smtClean="0"/>
+              <a:t> von “Sprints”.</a:t>
+            </a:r>
+            <a:endParaRPr lang="en-US" dirty="0" smtClean="0"/>
           </a:p>
           <a:p>
             <a:pPr>
@@ -5269,8 +5521,89 @@
             </a:pPr>
             <a:r>
               <a:rPr lang="en-US" dirty="0" smtClean="0"/>
-              <a:t> A sprint is a short development period (usually two to four weeks) where a team works on the Sprint Backlog.</a:t>
-            </a:r>
+              <a:t> </a:t>
+            </a:r>
+            <a:r>
+              <a:rPr lang="en-US" dirty="0" err="1" smtClean="0"/>
+              <a:t>Ein</a:t>
+            </a:r>
+            <a:r>
+              <a:rPr lang="en-US" dirty="0" smtClean="0"/>
+              <a:t> Sprint </a:t>
+            </a:r>
+            <a:r>
+              <a:rPr lang="en-US" dirty="0" err="1" smtClean="0"/>
+              <a:t>ist</a:t>
+            </a:r>
+            <a:r>
+              <a:rPr lang="en-US" dirty="0" smtClean="0"/>
+              <a:t> </a:t>
+            </a:r>
+            <a:r>
+              <a:rPr lang="en-US" dirty="0" err="1" smtClean="0"/>
+              <a:t>eine</a:t>
+            </a:r>
+            <a:r>
+              <a:rPr lang="en-US" dirty="0" smtClean="0"/>
+              <a:t> </a:t>
+            </a:r>
+            <a:r>
+              <a:rPr lang="en-US" dirty="0" err="1" smtClean="0"/>
+              <a:t>kurze</a:t>
+            </a:r>
+            <a:r>
+              <a:rPr lang="en-US" dirty="0" smtClean="0"/>
+              <a:t> </a:t>
+            </a:r>
+            <a:r>
+              <a:rPr lang="en-US" dirty="0" err="1" smtClean="0"/>
+              <a:t>Entwicklungsperiode</a:t>
+            </a:r>
+            <a:r>
+              <a:rPr lang="en-US" dirty="0" smtClean="0"/>
+              <a:t> (</a:t>
+            </a:r>
+            <a:r>
+              <a:rPr lang="en-US" dirty="0" err="1" smtClean="0"/>
+              <a:t>Dauer</a:t>
+            </a:r>
+            <a:r>
+              <a:rPr lang="en-US" dirty="0" smtClean="0"/>
+              <a:t> ca 2-4 </a:t>
+            </a:r>
+            <a:r>
+              <a:rPr lang="en-US" dirty="0" err="1" smtClean="0"/>
+              <a:t>Wochen</a:t>
+            </a:r>
+            <a:r>
+              <a:rPr lang="en-US" dirty="0" smtClean="0"/>
+              <a:t>), in </a:t>
+            </a:r>
+            <a:r>
+              <a:rPr lang="en-US" dirty="0" err="1" smtClean="0"/>
+              <a:t>welchem</a:t>
+            </a:r>
+            <a:r>
+              <a:rPr lang="en-US" dirty="0" smtClean="0"/>
+              <a:t> </a:t>
+            </a:r>
+            <a:r>
+              <a:rPr lang="en-US" dirty="0" err="1" smtClean="0"/>
+              <a:t>ein</a:t>
+            </a:r>
+            <a:r>
+              <a:rPr lang="en-US" dirty="0" smtClean="0"/>
+              <a:t> Team am Sprint Backlog </a:t>
+            </a:r>
+            <a:r>
+              <a:rPr lang="en-US" dirty="0" err="1" smtClean="0"/>
+              <a:t>arbeitet</a:t>
+            </a:r>
+            <a:r>
+              <a:rPr lang="en-US" dirty="0" smtClean="0"/>
+              <a:t>.</a:t>
+            </a:r>
+            <a:endParaRPr lang="en-US" dirty="0" smtClean="0"/>
           </a:p>
           <a:p>
             <a:pPr>
@@ -5280,8 +5613,85 @@
             </a:pPr>
             <a:r>
               <a:rPr lang="en-US" dirty="0" smtClean="0"/>
-              <a:t>The short length is designed to make sure the goals are achievable and realistic.</a:t>
-            </a:r>
+              <a:t>Die </a:t>
+            </a:r>
+            <a:r>
+              <a:rPr lang="en-US" dirty="0" err="1" smtClean="0"/>
+              <a:t>kurze</a:t>
+            </a:r>
+            <a:r>
+              <a:rPr lang="en-US" dirty="0" smtClean="0"/>
+              <a:t> </a:t>
+            </a:r>
+            <a:r>
+              <a:rPr lang="en-US" dirty="0" err="1" smtClean="0"/>
+              <a:t>Dauer</a:t>
+            </a:r>
+            <a:r>
+              <a:rPr lang="en-US" dirty="0" smtClean="0"/>
+              <a:t> </a:t>
+            </a:r>
+            <a:r>
+              <a:rPr lang="en-US" dirty="0" err="1" smtClean="0"/>
+              <a:t>soll</a:t>
+            </a:r>
+            <a:r>
+              <a:rPr lang="en-US" dirty="0" smtClean="0"/>
+              <a:t> </a:t>
+            </a:r>
+            <a:r>
+              <a:rPr lang="en-US" dirty="0" err="1" smtClean="0"/>
+              <a:t>sicherstellen</a:t>
+            </a:r>
+            <a:r>
+              <a:rPr lang="en-US" dirty="0" smtClean="0"/>
+              <a:t>, </a:t>
+            </a:r>
+            <a:r>
+              <a:rPr lang="en-US" dirty="0" err="1" smtClean="0"/>
+              <a:t>dass</a:t>
+            </a:r>
+            <a:r>
+              <a:rPr lang="en-US" dirty="0" smtClean="0"/>
+              <a:t> die </a:t>
+            </a:r>
+            <a:r>
+              <a:rPr lang="en-US" dirty="0" err="1" smtClean="0"/>
+              <a:t>Ziele</a:t>
+            </a:r>
+            <a:r>
+              <a:rPr lang="en-US" dirty="0" smtClean="0"/>
+              <a:t> </a:t>
+            </a:r>
+            <a:r>
+              <a:rPr lang="en-US" dirty="0" err="1" smtClean="0"/>
+              <a:t>erreichbar</a:t>
+            </a:r>
+            <a:r>
+              <a:rPr lang="en-US" dirty="0" smtClean="0"/>
+              <a:t> </a:t>
+            </a:r>
+            <a:r>
+              <a:rPr lang="en-US" dirty="0" smtClean="0"/>
+              <a:t>und </a:t>
+            </a:r>
+            <a:r>
+              <a:rPr lang="en-US" dirty="0" err="1" smtClean="0"/>
+              <a:t>realistisch</a:t>
+            </a:r>
+            <a:r>
+              <a:rPr lang="en-US" dirty="0" smtClean="0"/>
+              <a:t> </a:t>
+            </a:r>
+            <a:r>
+              <a:rPr lang="en-US" dirty="0" err="1" smtClean="0"/>
+              <a:t>sind</a:t>
+            </a:r>
+            <a:r>
+              <a:rPr lang="en-US" dirty="0" smtClean="0"/>
+              <a:t>.</a:t>
+            </a:r>
+            <a:endParaRPr lang="en-US" dirty="0" smtClean="0"/>
           </a:p>
           <a:p>
             <a:pPr>
@@ -5290,8 +5700,60 @@
               </a:spcAft>
             </a:pPr>
             <a:r>
-              <a:rPr lang="en-US" dirty="0" smtClean="0"/>
-              <a:t>Once a Sprint finishes, the next one begins immediately.</a:t>
+              <a:rPr lang="en-US" dirty="0" err="1" smtClean="0"/>
+              <a:t>Nachdem</a:t>
+            </a:r>
+            <a:r>
+              <a:rPr lang="en-US" dirty="0" smtClean="0"/>
+              <a:t> </a:t>
+            </a:r>
+            <a:r>
+              <a:rPr lang="en-US" dirty="0" err="1" smtClean="0"/>
+              <a:t>ein</a:t>
+            </a:r>
+            <a:r>
+              <a:rPr lang="en-US" dirty="0" smtClean="0"/>
+              <a:t> Sprint </a:t>
+            </a:r>
+            <a:r>
+              <a:rPr lang="en-US" dirty="0" err="1" smtClean="0"/>
+              <a:t>abgeschlossen</a:t>
+            </a:r>
+            <a:r>
+              <a:rPr lang="en-US" dirty="0" smtClean="0"/>
+              <a:t> </a:t>
+            </a:r>
+            <a:r>
+              <a:rPr lang="en-US" dirty="0" err="1" smtClean="0"/>
+              <a:t>ist</a:t>
+            </a:r>
+            <a:r>
+              <a:rPr lang="en-US" dirty="0" smtClean="0"/>
+              <a:t>, </a:t>
+            </a:r>
+            <a:r>
+              <a:rPr lang="en-US" dirty="0" err="1" smtClean="0"/>
+              <a:t>beginnt</a:t>
+            </a:r>
+            <a:r>
+              <a:rPr lang="en-US" dirty="0" smtClean="0"/>
+              <a:t> der </a:t>
+            </a:r>
+            <a:r>
+              <a:rPr lang="en-US" dirty="0" err="1" smtClean="0"/>
+              <a:t>nächste</a:t>
+            </a:r>
+            <a:r>
+              <a:rPr lang="en-US" dirty="0" smtClean="0"/>
+              <a:t> </a:t>
+            </a:r>
+            <a:r>
+              <a:rPr lang="en-US" dirty="0" err="1" smtClean="0"/>
+              <a:t>sofort</a:t>
+            </a:r>
+            <a:r>
+              <a:rPr lang="en-US" dirty="0" smtClean="0"/>
+              <a:t>.</a:t>
             </a:r>
             <a:endParaRPr lang="en-US" dirty="0"/>
           </a:p>
@@ -5307,6 +5769,13 @@
   <p:clrMapOvr>
     <a:masterClrMapping/>
   </p:clrMapOvr>
+  <p:timing>
+    <p:tnLst>
+      <p:par>
+        <p:cTn id="1" dur="indefinite" restart="never" nodeType="tmRoot"/>
+      </p:par>
+    </p:tnLst>
+  </p:timing>
 </p:sld>
 </file>
 
@@ -6362,7 +6831,9 @@
           </a:xfrm>
         </p:spPr>
         <p:txBody>
-          <a:bodyPr/>
+          <a:bodyPr>
+            <a:normAutofit/>
+          </a:bodyPr>
           <a:lstStyle/>
           <a:p>
             <a:pPr>
@@ -6371,9 +6842,38 @@
               </a:spcAft>
             </a:pPr>
             <a:r>
-              <a:rPr lang="en-US" dirty="0" smtClean="0"/>
-              <a:t>Progress is tracked by daily or stand-ups.</a:t>
-            </a:r>
+              <a:rPr lang="en-US" dirty="0" err="1" smtClean="0"/>
+              <a:t>Fortschritt</a:t>
+            </a:r>
+            <a:r>
+              <a:rPr lang="en-US" dirty="0" smtClean="0"/>
+              <a:t> </a:t>
+            </a:r>
+            <a:r>
+              <a:rPr lang="en-US" dirty="0" err="1" smtClean="0"/>
+              <a:t>wird</a:t>
+            </a:r>
+            <a:r>
+              <a:rPr lang="en-US" dirty="0" smtClean="0"/>
+              <a:t> </a:t>
+            </a:r>
+            <a:r>
+              <a:rPr lang="en-US" dirty="0" err="1" smtClean="0"/>
+              <a:t>ermittelt</a:t>
+            </a:r>
+            <a:r>
+              <a:rPr lang="en-US" dirty="0" smtClean="0"/>
+              <a:t> in </a:t>
+            </a:r>
+            <a:r>
+              <a:rPr lang="en-US" dirty="0" err="1" smtClean="0"/>
+              <a:t>Dailys</a:t>
+            </a:r>
+            <a:r>
+              <a:rPr lang="en-US" dirty="0" smtClean="0"/>
+              <a:t> und Stand-Ups.</a:t>
+            </a:r>
+            <a:endParaRPr lang="en-US" dirty="0" smtClean="0"/>
           </a:p>
           <a:p>
             <a:pPr>
@@ -6383,8 +6883,41 @@
             </a:pPr>
             <a:r>
               <a:rPr lang="en-US" dirty="0" smtClean="0"/>
-              <a:t>These stand ups include the Scrum Master and Development Team.</a:t>
-            </a:r>
+              <a:t>In </a:t>
+            </a:r>
+            <a:r>
+              <a:rPr lang="en-US" dirty="0" err="1" smtClean="0"/>
+              <a:t>diesen</a:t>
+            </a:r>
+            <a:r>
+              <a:rPr lang="en-US" dirty="0" smtClean="0"/>
+              <a:t> Stand-Ups </a:t>
+            </a:r>
+            <a:r>
+              <a:rPr lang="en-US" dirty="0" err="1" smtClean="0"/>
+              <a:t>kommen</a:t>
+            </a:r>
+            <a:r>
+              <a:rPr lang="en-US" dirty="0" smtClean="0"/>
+              <a:t> der Scrum-Master und das </a:t>
+            </a:r>
+            <a:r>
+              <a:rPr lang="en-US" dirty="0" err="1" smtClean="0"/>
+              <a:t>Entwicklerteam</a:t>
+            </a:r>
+            <a:r>
+              <a:rPr lang="en-US" dirty="0" smtClean="0"/>
+              <a:t> </a:t>
+            </a:r>
+            <a:r>
+              <a:rPr lang="en-US" dirty="0" err="1" smtClean="0"/>
+              <a:t>zusammen</a:t>
+            </a:r>
+            <a:r>
+              <a:rPr lang="en-US" dirty="0" smtClean="0"/>
+              <a:t>.</a:t>
+            </a:r>
+            <a:endParaRPr lang="en-US" dirty="0" smtClean="0"/>
           </a:p>
           <a:p>
             <a:pPr>
@@ -6393,8 +6926,84 @@
               </a:spcAft>
             </a:pPr>
             <a:r>
-              <a:rPr lang="en-US" dirty="0" smtClean="0"/>
-              <a:t>Usually last 15 minutes in total, and are scheduled for the same time, and place each day.</a:t>
+              <a:rPr lang="en-US" dirty="0" err="1" smtClean="0"/>
+              <a:t>Soll-Dauer</a:t>
+            </a:r>
+            <a:r>
+              <a:rPr lang="en-US" dirty="0" smtClean="0"/>
+              <a:t> </a:t>
+            </a:r>
+            <a:r>
+              <a:rPr lang="en-US" dirty="0" err="1" smtClean="0"/>
+              <a:t>beträgt</a:t>
+            </a:r>
+            <a:r>
+              <a:rPr lang="en-US" dirty="0" smtClean="0"/>
+              <a:t> 15 </a:t>
+            </a:r>
+            <a:r>
+              <a:rPr lang="en-US" dirty="0" err="1" smtClean="0"/>
+              <a:t>Minuten</a:t>
+            </a:r>
+            <a:r>
+              <a:rPr lang="en-US" dirty="0" smtClean="0"/>
+              <a:t> und </a:t>
+            </a:r>
+            <a:r>
+              <a:rPr lang="en-US" dirty="0" err="1" smtClean="0"/>
+              <a:t>findet</a:t>
+            </a:r>
+            <a:r>
+              <a:rPr lang="en-US" dirty="0" smtClean="0"/>
+              <a:t> </a:t>
+            </a:r>
+            <a:r>
+              <a:rPr lang="en-US" dirty="0" err="1" smtClean="0"/>
+              <a:t>jeden</a:t>
+            </a:r>
+            <a:r>
+              <a:rPr lang="en-US" dirty="0" smtClean="0"/>
+              <a:t> tag </a:t>
+            </a:r>
+            <a:r>
+              <a:rPr lang="en-US" dirty="0" err="1" smtClean="0"/>
+              <a:t>zur</a:t>
+            </a:r>
+            <a:r>
+              <a:rPr lang="en-US" dirty="0" smtClean="0"/>
+              <a:t> </a:t>
+            </a:r>
+            <a:r>
+              <a:rPr lang="en-US" dirty="0" err="1" smtClean="0"/>
+              <a:t>selben</a:t>
+            </a:r>
+            <a:r>
+              <a:rPr lang="en-US" dirty="0" smtClean="0"/>
+              <a:t> </a:t>
+            </a:r>
+            <a:r>
+              <a:rPr lang="en-US" dirty="0" err="1" smtClean="0"/>
+              <a:t>Zeit</a:t>
+            </a:r>
+            <a:r>
+              <a:rPr lang="en-US" dirty="0" smtClean="0"/>
+              <a:t> am </a:t>
+            </a:r>
+            <a:r>
+              <a:rPr lang="en-US" dirty="0" err="1" smtClean="0"/>
+              <a:t>selben</a:t>
+            </a:r>
+            <a:r>
+              <a:rPr lang="en-US" dirty="0" smtClean="0"/>
+              <a:t> Ort </a:t>
+            </a:r>
+            <a:r>
+              <a:rPr lang="en-US" dirty="0" err="1" smtClean="0"/>
+              <a:t>statt</a:t>
+            </a:r>
+            <a:r>
+              <a:rPr lang="en-US" dirty="0" smtClean="0"/>
+              <a:t>.</a:t>
             </a:r>
           </a:p>
           <a:p>
@@ -6405,15 +7014,63 @@
             </a:pPr>
             <a:r>
               <a:rPr lang="en-US" dirty="0" smtClean="0"/>
-              <a:t>Keeps the team </a:t>
-            </a:r>
-            <a:r>
-              <a:rPr lang="en-US" dirty="0" err="1" smtClean="0"/>
-              <a:t>synchronised</a:t>
-            </a:r>
-            <a:r>
-              <a:rPr lang="en-US" dirty="0" smtClean="0"/>
-              <a:t> with the progress of others.</a:t>
+              <a:t>Die </a:t>
+            </a:r>
+            <a:r>
+              <a:rPr lang="en-US" dirty="0" err="1" smtClean="0"/>
+              <a:t>Teammitglieder</a:t>
+            </a:r>
+            <a:r>
+              <a:rPr lang="en-US" dirty="0" smtClean="0"/>
+              <a:t> </a:t>
+            </a:r>
+            <a:r>
+              <a:rPr lang="en-US" dirty="0" err="1" smtClean="0"/>
+              <a:t>geben</a:t>
+            </a:r>
+            <a:r>
+              <a:rPr lang="en-US" dirty="0" smtClean="0"/>
+              <a:t> und </a:t>
+            </a:r>
+            <a:r>
+              <a:rPr lang="en-US" dirty="0" err="1" smtClean="0"/>
+              <a:t>bekommen</a:t>
+            </a:r>
+            <a:r>
+              <a:rPr lang="en-US" dirty="0" smtClean="0"/>
+              <a:t> </a:t>
+            </a:r>
+            <a:r>
+              <a:rPr lang="en-US" dirty="0" err="1" smtClean="0"/>
+              <a:t>eine</a:t>
+            </a:r>
+            <a:r>
+              <a:rPr lang="en-US" dirty="0" smtClean="0"/>
+              <a:t> </a:t>
+            </a:r>
+            <a:r>
+              <a:rPr lang="en-US" dirty="0" err="1" smtClean="0"/>
+              <a:t>Übersicht</a:t>
+            </a:r>
+            <a:r>
+              <a:rPr lang="en-US" dirty="0" smtClean="0"/>
+              <a:t> </a:t>
+            </a:r>
+            <a:r>
+              <a:rPr lang="en-US" dirty="0" err="1" smtClean="0"/>
+              <a:t>über</a:t>
+            </a:r>
+            <a:r>
+              <a:rPr lang="en-US" dirty="0" smtClean="0"/>
+              <a:t> den </a:t>
+            </a:r>
+            <a:r>
+              <a:rPr lang="en-US" dirty="0" err="1" smtClean="0"/>
+              <a:t>Fortschritt</a:t>
+            </a:r>
+            <a:r>
+              <a:rPr lang="en-US" dirty="0" smtClean="0"/>
+              <a:t> des Sprints.</a:t>
             </a:r>
             <a:endParaRPr lang="en-US" dirty="0"/>
           </a:p>
@@ -6429,6 +7086,13 @@
   <p:clrMapOvr>
     <a:masterClrMapping/>
   </p:clrMapOvr>
+  <p:timing>
+    <p:tnLst>
+      <p:par>
+        <p:cTn id="1" dur="indefinite" restart="never" nodeType="tmRoot"/>
+      </p:par>
+    </p:tnLst>
+  </p:timing>
 </p:sld>
 </file>
 
@@ -6493,7 +7157,7 @@
         </p:spPr>
         <p:txBody>
           <a:bodyPr>
-            <a:normAutofit lnSpcReduction="10000"/>
+            <a:normAutofit/>
           </a:bodyPr>
           <a:lstStyle/>
           <a:p>
@@ -6503,9 +7167,30 @@
               </a:spcAft>
             </a:pPr>
             <a:r>
-              <a:rPr lang="en-US" dirty="0" smtClean="0"/>
-              <a:t>Each member of the development team stands up, and informs the group:</a:t>
-            </a:r>
+              <a:rPr lang="en-US" dirty="0" err="1" smtClean="0"/>
+              <a:t>Jedes</a:t>
+            </a:r>
+            <a:r>
+              <a:rPr lang="en-US" dirty="0" smtClean="0"/>
+              <a:t> </a:t>
+            </a:r>
+            <a:r>
+              <a:rPr lang="en-US" dirty="0" err="1" smtClean="0"/>
+              <a:t>Mitglied</a:t>
+            </a:r>
+            <a:r>
+              <a:rPr lang="en-US" dirty="0" smtClean="0"/>
+              <a:t> </a:t>
+            </a:r>
+            <a:r>
+              <a:rPr lang="en-US" dirty="0" err="1" smtClean="0"/>
+              <a:t>erzählt</a:t>
+            </a:r>
+            <a:r>
+              <a:rPr lang="en-US" dirty="0" smtClean="0"/>
+              <a:t>:</a:t>
+            </a:r>
+            <a:endParaRPr lang="en-US" dirty="0" smtClean="0"/>
           </a:p>
           <a:p>
             <a:pPr lvl="1">
@@ -6515,8 +7200,33 @@
             </a:pPr>
             <a:r>
               <a:rPr lang="en-US" dirty="0" smtClean="0"/>
-              <a:t>What they did yesterday.</a:t>
-            </a:r>
+              <a:t>Was </a:t>
+            </a:r>
+            <a:r>
+              <a:rPr lang="en-US" dirty="0" err="1" smtClean="0"/>
+              <a:t>machte</a:t>
+            </a:r>
+            <a:r>
+              <a:rPr lang="en-US" dirty="0" smtClean="0"/>
+              <a:t> </a:t>
+            </a:r>
+            <a:r>
+              <a:rPr lang="en-US" dirty="0" err="1" smtClean="0"/>
+              <a:t>er</a:t>
+            </a:r>
+            <a:r>
+              <a:rPr lang="en-US" dirty="0" smtClean="0"/>
+              <a:t> </a:t>
+            </a:r>
+            <a:r>
+              <a:rPr lang="en-US" dirty="0" err="1" smtClean="0"/>
+              <a:t>gestern</a:t>
+            </a:r>
+            <a:r>
+              <a:rPr lang="en-US" dirty="0" smtClean="0"/>
+              <a:t>.</a:t>
+            </a:r>
+            <a:endParaRPr lang="en-US" dirty="0" smtClean="0"/>
           </a:p>
           <a:p>
             <a:pPr lvl="1">
@@ -6526,8 +7236,25 @@
             </a:pPr>
             <a:r>
               <a:rPr lang="en-US" dirty="0" smtClean="0"/>
-              <a:t>What they’ll do today.</a:t>
-            </a:r>
+              <a:t>Was </a:t>
+            </a:r>
+            <a:r>
+              <a:rPr lang="en-US" dirty="0" err="1" smtClean="0"/>
+              <a:t>macht</a:t>
+            </a:r>
+            <a:r>
+              <a:rPr lang="en-US" dirty="0" smtClean="0"/>
+              <a:t> </a:t>
+            </a:r>
+            <a:r>
+              <a:rPr lang="en-US" dirty="0" err="1" smtClean="0"/>
+              <a:t>er</a:t>
+            </a:r>
+            <a:r>
+              <a:rPr lang="en-US" dirty="0" smtClean="0"/>
+              <a:t> morgen.</a:t>
+            </a:r>
+            <a:endParaRPr lang="en-US" dirty="0" smtClean="0"/>
           </a:p>
           <a:p>
             <a:pPr lvl="1">
@@ -6536,20 +7263,42 @@
               </a:spcAft>
             </a:pPr>
             <a:r>
-              <a:rPr lang="en-US" dirty="0" smtClean="0"/>
-              <a:t>What obstacles are affecting progress.</a:t>
-            </a:r>
-          </a:p>
-          <a:p>
-            <a:pPr>
+              <a:rPr lang="en-US" dirty="0" err="1" smtClean="0"/>
+              <a:t>Welche</a:t>
+            </a:r>
+            <a:r>
+              <a:rPr lang="en-US" dirty="0" smtClean="0"/>
+              <a:t> </a:t>
+            </a:r>
+            <a:r>
+              <a:rPr lang="en-US" dirty="0" err="1" smtClean="0"/>
+              <a:t>Hindernisse</a:t>
+            </a:r>
+            <a:r>
+              <a:rPr lang="en-US" dirty="0" smtClean="0"/>
+              <a:t> </a:t>
+            </a:r>
+            <a:r>
+              <a:rPr lang="en-US" dirty="0" err="1" smtClean="0"/>
+              <a:t>stören</a:t>
+            </a:r>
+            <a:r>
+              <a:rPr lang="en-US" dirty="0" smtClean="0"/>
+              <a:t> den </a:t>
+            </a:r>
+            <a:r>
+              <a:rPr lang="en-US" dirty="0" err="1" smtClean="0"/>
+              <a:t>Fortschritt</a:t>
+            </a:r>
+            <a:endParaRPr lang="en-US" dirty="0" smtClean="0"/>
+          </a:p>
+          <a:p>
+            <a:pPr marL="0" indent="0">
               <a:spcAft>
                 <a:spcPts val="3000"/>
               </a:spcAft>
+              <a:buNone/>
             </a:pPr>
-            <a:r>
-              <a:rPr lang="en-US" dirty="0" smtClean="0"/>
-              <a:t>These stand-ups are beneficial for not only the Scrum Master, but the rest of the team too.</a:t>
-            </a:r>
             <a:endParaRPr lang="en-US" dirty="0"/>
           </a:p>
           <a:p>
@@ -6617,8 +7366,8 @@
           <a:lstStyle/>
           <a:p>
             <a:r>
-              <a:rPr lang="en-US" dirty="0" smtClean="0"/>
-              <a:t>Advantages</a:t>
+              <a:rPr lang="en-US" dirty="0" err="1" smtClean="0"/>
+              <a:t>Vorteile</a:t>
             </a:r>
             <a:endParaRPr lang="en-US" sz="3600" dirty="0"/>
           </a:p>
@@ -6653,8 +7402,105 @@
             </a:pPr>
             <a:r>
               <a:rPr lang="en-US" dirty="0" smtClean="0"/>
-              <a:t>The incremental nature of Scrum means that a product is deliverable while the project is still ongoing.</a:t>
-            </a:r>
+              <a:t>Die </a:t>
+            </a:r>
+            <a:r>
+              <a:rPr lang="en-US" dirty="0" err="1" smtClean="0"/>
+              <a:t>inkrementelle</a:t>
+            </a:r>
+            <a:r>
+              <a:rPr lang="en-US" dirty="0" smtClean="0"/>
+              <a:t> </a:t>
+            </a:r>
+            <a:r>
+              <a:rPr lang="en-US" dirty="0" err="1" smtClean="0"/>
+              <a:t>Natur</a:t>
+            </a:r>
+            <a:r>
+              <a:rPr lang="en-US" dirty="0" smtClean="0"/>
+              <a:t> von Scrum </a:t>
+            </a:r>
+            <a:r>
+              <a:rPr lang="en-US" dirty="0" err="1" smtClean="0"/>
+              <a:t>bedeutet</a:t>
+            </a:r>
+            <a:r>
+              <a:rPr lang="en-US" dirty="0" smtClean="0"/>
+              <a:t>, </a:t>
+            </a:r>
+            <a:r>
+              <a:rPr lang="en-US" dirty="0" err="1" smtClean="0"/>
+              <a:t>dass</a:t>
+            </a:r>
+            <a:r>
+              <a:rPr lang="en-US" dirty="0" smtClean="0"/>
+              <a:t> das  </a:t>
+            </a:r>
+            <a:r>
+              <a:rPr lang="en-US" dirty="0" err="1" smtClean="0"/>
+              <a:t>Produkt</a:t>
+            </a:r>
+            <a:r>
+              <a:rPr lang="en-US" dirty="0" smtClean="0"/>
+              <a:t> </a:t>
+            </a:r>
+            <a:r>
+              <a:rPr lang="en-US" dirty="0" err="1" smtClean="0"/>
+              <a:t>verkauft</a:t>
+            </a:r>
+            <a:r>
+              <a:rPr lang="en-US" dirty="0" smtClean="0"/>
+              <a:t>/</a:t>
+            </a:r>
+            <a:r>
+              <a:rPr lang="en-US" dirty="0" err="1" smtClean="0"/>
+              <a:t>geliefert</a:t>
+            </a:r>
+            <a:r>
+              <a:rPr lang="en-US" dirty="0" smtClean="0"/>
+              <a:t> </a:t>
+            </a:r>
+            <a:r>
+              <a:rPr lang="en-US" dirty="0" err="1" smtClean="0"/>
+              <a:t>werden</a:t>
+            </a:r>
+            <a:r>
+              <a:rPr lang="en-US" dirty="0" smtClean="0"/>
+              <a:t> </a:t>
+            </a:r>
+            <a:r>
+              <a:rPr lang="en-US" dirty="0" err="1" smtClean="0"/>
+              <a:t>kann</a:t>
+            </a:r>
+            <a:r>
+              <a:rPr lang="en-US" dirty="0" smtClean="0"/>
+              <a:t>, </a:t>
+            </a:r>
+            <a:r>
+              <a:rPr lang="en-US" dirty="0" err="1" smtClean="0"/>
+              <a:t>während</a:t>
+            </a:r>
+            <a:r>
+              <a:rPr lang="en-US" dirty="0" smtClean="0"/>
+              <a:t> der </a:t>
+            </a:r>
+            <a:r>
+              <a:rPr lang="en-US" dirty="0" err="1" smtClean="0"/>
+              <a:t>Entwicklungsprozess</a:t>
+            </a:r>
+            <a:r>
+              <a:rPr lang="en-US" dirty="0" smtClean="0"/>
+              <a:t> </a:t>
+            </a:r>
+            <a:r>
+              <a:rPr lang="en-US" dirty="0" err="1" smtClean="0"/>
+              <a:t>voranschreitet</a:t>
+            </a:r>
+            <a:r>
+              <a:rPr lang="en-US" dirty="0" smtClean="0"/>
+              <a:t>.</a:t>
+            </a:r>
+            <a:endParaRPr lang="en-US" dirty="0" smtClean="0"/>
           </a:p>
           <a:p>
             <a:pPr>
@@ -6663,8 +7509,84 @@
               </a:spcAft>
             </a:pPr>
             <a:r>
-              <a:rPr lang="en-US" dirty="0" smtClean="0"/>
-              <a:t>Testing is performed with each iteration, and not in bulk at the end of the project.</a:t>
+              <a:rPr lang="en-US" dirty="0" err="1" smtClean="0"/>
+              <a:t>Es</a:t>
+            </a:r>
+            <a:r>
+              <a:rPr lang="en-US" dirty="0" smtClean="0"/>
+              <a:t> </a:t>
+            </a:r>
+            <a:r>
+              <a:rPr lang="en-US" dirty="0" err="1" smtClean="0"/>
+              <a:t>wird</a:t>
+            </a:r>
+            <a:r>
+              <a:rPr lang="en-US" dirty="0" smtClean="0"/>
+              <a:t> </a:t>
+            </a:r>
+            <a:r>
+              <a:rPr lang="en-US" dirty="0" err="1" smtClean="0"/>
+              <a:t>nach</a:t>
+            </a:r>
+            <a:r>
+              <a:rPr lang="en-US" dirty="0" smtClean="0"/>
+              <a:t> </a:t>
+            </a:r>
+            <a:r>
+              <a:rPr lang="en-US" dirty="0" err="1" smtClean="0"/>
+              <a:t>jeder</a:t>
+            </a:r>
+            <a:r>
+              <a:rPr lang="en-US" dirty="0" smtClean="0"/>
+              <a:t> </a:t>
+            </a:r>
+            <a:r>
+              <a:rPr lang="en-US" dirty="0" smtClean="0"/>
+              <a:t>Iteration </a:t>
+            </a:r>
+            <a:r>
+              <a:rPr lang="en-US" dirty="0" err="1" smtClean="0"/>
+              <a:t>getestet</a:t>
+            </a:r>
+            <a:r>
+              <a:rPr lang="en-US" dirty="0" smtClean="0"/>
+              <a:t> und </a:t>
+            </a:r>
+            <a:r>
+              <a:rPr lang="en-US" dirty="0" err="1" smtClean="0"/>
+              <a:t>nicht</a:t>
+            </a:r>
+            <a:r>
+              <a:rPr lang="en-US" dirty="0"/>
+              <a:t> </a:t>
+            </a:r>
+            <a:r>
+              <a:rPr lang="en-US" dirty="0" err="1" smtClean="0"/>
+              <a:t>erst</a:t>
+            </a:r>
+            <a:r>
+              <a:rPr lang="en-US" dirty="0"/>
+              <a:t> </a:t>
+            </a:r>
+            <a:r>
+              <a:rPr lang="en-US" dirty="0" smtClean="0"/>
+              <a:t>am </a:t>
+            </a:r>
+            <a:r>
+              <a:rPr lang="en-US" dirty="0" err="1" smtClean="0"/>
+              <a:t>Ende</a:t>
+            </a:r>
+            <a:r>
+              <a:rPr lang="en-US" dirty="0" smtClean="0"/>
+              <a:t> der </a:t>
+            </a:r>
+            <a:r>
+              <a:rPr lang="en-US" dirty="0" err="1" smtClean="0"/>
+              <a:t>Projektentwicklung</a:t>
+            </a:r>
+            <a:r>
+              <a:rPr lang="en-US" dirty="0" smtClean="0"/>
+              <a:t>.</a:t>
             </a:r>
             <a:endParaRPr lang="en-US" dirty="0"/>
           </a:p>
@@ -6675,9 +7597,62 @@
               </a:spcAft>
             </a:pPr>
             <a:r>
-              <a:rPr lang="en-US" dirty="0" smtClean="0"/>
-              <a:t>Changes can be made to the requirements at any point, without causing problems.</a:t>
-            </a:r>
+              <a:rPr lang="en-US" dirty="0" err="1" smtClean="0"/>
+              <a:t>Zieländerungen</a:t>
+            </a:r>
+            <a:r>
+              <a:rPr lang="en-US" dirty="0" smtClean="0"/>
+              <a:t> </a:t>
+            </a:r>
+            <a:r>
+              <a:rPr lang="en-US" dirty="0" err="1" smtClean="0"/>
+              <a:t>während</a:t>
+            </a:r>
+            <a:r>
+              <a:rPr lang="en-US" dirty="0" smtClean="0"/>
+              <a:t> der </a:t>
+            </a:r>
+            <a:r>
+              <a:rPr lang="en-US" dirty="0" err="1" smtClean="0"/>
+              <a:t>Entwicklung</a:t>
+            </a:r>
+            <a:r>
+              <a:rPr lang="en-US" dirty="0" smtClean="0"/>
+              <a:t> </a:t>
+            </a:r>
+            <a:r>
+              <a:rPr lang="en-US" dirty="0" err="1" smtClean="0"/>
+              <a:t>können</a:t>
+            </a:r>
+            <a:r>
+              <a:rPr lang="en-US" dirty="0" smtClean="0"/>
+              <a:t> </a:t>
+            </a:r>
+            <a:r>
+              <a:rPr lang="en-US" dirty="0" err="1" smtClean="0"/>
+              <a:t>jederzeit</a:t>
+            </a:r>
+            <a:r>
+              <a:rPr lang="en-US" dirty="0" smtClean="0"/>
+              <a:t> </a:t>
+            </a:r>
+            <a:r>
+              <a:rPr lang="en-US" dirty="0" err="1" smtClean="0"/>
+              <a:t>berücksichtigt</a:t>
+            </a:r>
+            <a:r>
+              <a:rPr lang="en-US" dirty="0" smtClean="0"/>
+              <a:t> </a:t>
+            </a:r>
+            <a:r>
+              <a:rPr lang="en-US" dirty="0" err="1" smtClean="0"/>
+              <a:t>werden</a:t>
+            </a:r>
+            <a:r>
+              <a:rPr lang="en-US" dirty="0" smtClean="0"/>
+              <a:t>.</a:t>
+            </a:r>
+            <a:endParaRPr lang="en-US" dirty="0" smtClean="0"/>
           </a:p>
         </p:txBody>
       </p:sp>
@@ -6727,8 +7702,8 @@
           <a:lstStyle/>
           <a:p>
             <a:r>
-              <a:rPr lang="en-US" dirty="0" smtClean="0"/>
-              <a:t>Disadvantages</a:t>
+              <a:rPr lang="en-US" dirty="0" err="1" smtClean="0"/>
+              <a:t>Nachteile</a:t>
             </a:r>
             <a:endParaRPr lang="en-US" sz="3600" dirty="0"/>
           </a:p>
@@ -6763,8 +7738,113 @@
             </a:pPr>
             <a:r>
               <a:rPr lang="en-US" dirty="0" smtClean="0"/>
-              <a:t>Not easy to maintain if the development team is spread across a country or continent.</a:t>
-            </a:r>
+              <a:t>Das </a:t>
+            </a:r>
+            <a:r>
+              <a:rPr lang="en-US" dirty="0" err="1" smtClean="0"/>
+              <a:t>Produkt</a:t>
+            </a:r>
+            <a:r>
+              <a:rPr lang="en-US" dirty="0" smtClean="0"/>
+              <a:t> muss von </a:t>
+            </a:r>
+            <a:r>
+              <a:rPr lang="en-US" dirty="0" err="1" smtClean="0"/>
+              <a:t>Anfang</a:t>
+            </a:r>
+            <a:r>
+              <a:rPr lang="en-US" dirty="0" smtClean="0"/>
+              <a:t> an </a:t>
+            </a:r>
+            <a:r>
+              <a:rPr lang="en-US" dirty="0" err="1" smtClean="0"/>
+              <a:t>funktionieren</a:t>
+            </a:r>
+            <a:r>
+              <a:rPr lang="en-US" dirty="0" smtClean="0"/>
+              <a:t> und so </a:t>
+            </a:r>
+            <a:r>
+              <a:rPr lang="en-US" dirty="0" err="1" smtClean="0"/>
+              <a:t>gebaut</a:t>
+            </a:r>
+            <a:r>
+              <a:rPr lang="en-US" dirty="0" smtClean="0"/>
+              <a:t> sein, </a:t>
+            </a:r>
+            <a:r>
+              <a:rPr lang="en-US" dirty="0" err="1" smtClean="0"/>
+              <a:t>dass</a:t>
+            </a:r>
+            <a:r>
+              <a:rPr lang="en-US" dirty="0" smtClean="0"/>
+              <a:t> </a:t>
+            </a:r>
+            <a:r>
+              <a:rPr lang="en-US" dirty="0" err="1" smtClean="0"/>
+              <a:t>es</a:t>
+            </a:r>
+            <a:r>
+              <a:rPr lang="en-US" dirty="0" smtClean="0"/>
+              <a:t> </a:t>
+            </a:r>
+            <a:r>
+              <a:rPr lang="en-US" dirty="0" err="1" smtClean="0"/>
+              <a:t>erweitert</a:t>
+            </a:r>
+            <a:r>
+              <a:rPr lang="en-US" dirty="0" smtClean="0"/>
+              <a:t> </a:t>
+            </a:r>
+            <a:r>
+              <a:rPr lang="en-US" dirty="0" err="1" smtClean="0"/>
+              <a:t>werden</a:t>
+            </a:r>
+            <a:r>
+              <a:rPr lang="en-US" dirty="0" smtClean="0"/>
+              <a:t> </a:t>
+            </a:r>
+            <a:r>
+              <a:rPr lang="en-US" dirty="0" err="1" smtClean="0"/>
+              <a:t>kann</a:t>
+            </a:r>
+            <a:r>
+              <a:rPr lang="en-US" dirty="0" smtClean="0"/>
+              <a:t>, was </a:t>
+            </a:r>
+            <a:r>
+              <a:rPr lang="en-US" dirty="0" err="1" smtClean="0"/>
+              <a:t>ein</a:t>
+            </a:r>
+            <a:r>
+              <a:rPr lang="en-US" dirty="0" smtClean="0"/>
+              <a:t> </a:t>
+            </a:r>
+            <a:r>
+              <a:rPr lang="en-US" dirty="0" err="1" smtClean="0"/>
+              <a:t>hohes</a:t>
+            </a:r>
+            <a:r>
+              <a:rPr lang="en-US" dirty="0" smtClean="0"/>
+              <a:t> Skill-Level der </a:t>
+            </a:r>
+            <a:r>
+              <a:rPr lang="en-US" dirty="0" err="1" smtClean="0"/>
+              <a:t>Entwickler</a:t>
+            </a:r>
+            <a:r>
+              <a:rPr lang="en-US" dirty="0" smtClean="0"/>
+              <a:t> </a:t>
+            </a:r>
+            <a:r>
+              <a:rPr lang="en-US" dirty="0" err="1" smtClean="0"/>
+              <a:t>erfordert</a:t>
+            </a:r>
+            <a:r>
+              <a:rPr lang="en-US" dirty="0" smtClean="0"/>
+              <a:t>.</a:t>
+            </a:r>
+            <a:endParaRPr lang="en-US" dirty="0" smtClean="0"/>
           </a:p>
           <a:p>
             <a:pPr>
@@ -6773,23 +7853,105 @@
               </a:spcAft>
             </a:pPr>
             <a:r>
-              <a:rPr lang="en-US" dirty="0" smtClean="0"/>
-              <a:t>If communication or planning isn’t concise, the whole project can be jeopardised.</a:t>
-            </a:r>
-          </a:p>
-          <a:p>
-            <a:pPr>
-              <a:spcAft>
-                <a:spcPts val="3000"/>
-              </a:spcAft>
-            </a:pPr>
-            <a:r>
-              <a:rPr lang="en-US" dirty="0" smtClean="0"/>
-              <a:t>‘Feature Creep’</a:t>
-            </a:r>
-          </a:p>
-          <a:p>
-            <a:pPr marL="457200" lvl="1" indent="0">
+              <a:rPr lang="en-US" dirty="0" err="1" smtClean="0"/>
+              <a:t>Fehlende</a:t>
+            </a:r>
+            <a:r>
+              <a:rPr lang="en-US" dirty="0" smtClean="0"/>
+              <a:t> </a:t>
+            </a:r>
+            <a:r>
+              <a:rPr lang="en-US" dirty="0" err="1" smtClean="0"/>
+              <a:t>oder</a:t>
+            </a:r>
+            <a:r>
+              <a:rPr lang="en-US" dirty="0" smtClean="0"/>
+              <a:t> </a:t>
+            </a:r>
+            <a:r>
+              <a:rPr lang="en-US" dirty="0" err="1" smtClean="0"/>
+              <a:t>schlechte</a:t>
+            </a:r>
+            <a:r>
+              <a:rPr lang="en-US" dirty="0" smtClean="0"/>
+              <a:t> </a:t>
+            </a:r>
+            <a:r>
+              <a:rPr lang="en-US" dirty="0" err="1" smtClean="0"/>
+              <a:t>Kommunikation</a:t>
+            </a:r>
+            <a:r>
+              <a:rPr lang="en-US" dirty="0" smtClean="0"/>
+              <a:t> </a:t>
+            </a:r>
+            <a:r>
+              <a:rPr lang="en-US" dirty="0" err="1" smtClean="0"/>
+              <a:t>oder</a:t>
+            </a:r>
+            <a:r>
+              <a:rPr lang="en-US" dirty="0" smtClean="0"/>
+              <a:t> </a:t>
+            </a:r>
+            <a:r>
+              <a:rPr lang="en-US" dirty="0" err="1" smtClean="0"/>
+              <a:t>ein</a:t>
+            </a:r>
+            <a:r>
+              <a:rPr lang="en-US" dirty="0" smtClean="0"/>
+              <a:t> </a:t>
+            </a:r>
+            <a:r>
+              <a:rPr lang="en-US" dirty="0" err="1" smtClean="0"/>
+              <a:t>nicht</a:t>
+            </a:r>
+            <a:r>
+              <a:rPr lang="en-US" dirty="0" smtClean="0"/>
+              <a:t> </a:t>
+            </a:r>
+            <a:r>
+              <a:rPr lang="en-US" dirty="0" err="1" smtClean="0"/>
+              <a:t>harmonisierendes</a:t>
+            </a:r>
+            <a:r>
+              <a:rPr lang="en-US" dirty="0" smtClean="0"/>
+              <a:t> Team </a:t>
+            </a:r>
+            <a:r>
+              <a:rPr lang="en-US" dirty="0" err="1" smtClean="0"/>
+              <a:t>können</a:t>
+            </a:r>
+            <a:r>
+              <a:rPr lang="en-US" dirty="0" smtClean="0"/>
+              <a:t> den </a:t>
+            </a:r>
+            <a:r>
+              <a:rPr lang="en-US" dirty="0" err="1" smtClean="0"/>
+              <a:t>Erfolg</a:t>
+            </a:r>
+            <a:r>
+              <a:rPr lang="en-US" dirty="0" smtClean="0"/>
+              <a:t> des </a:t>
+            </a:r>
+            <a:r>
+              <a:rPr lang="en-US" dirty="0" err="1" smtClean="0"/>
+              <a:t>Projektes</a:t>
+            </a:r>
+            <a:r>
+              <a:rPr lang="en-US" dirty="0" smtClean="0"/>
+              <a:t> </a:t>
+            </a:r>
+            <a:r>
+              <a:rPr lang="en-US" dirty="0" err="1" smtClean="0"/>
+              <a:t>gefährden</a:t>
+            </a:r>
+            <a:r>
+              <a:rPr lang="en-US" dirty="0" smtClean="0"/>
+              <a:t>.</a:t>
+            </a:r>
+            <a:endParaRPr lang="en-US" dirty="0"/>
+          </a:p>
+          <a:p>
+            <a:pPr marL="0" indent="0">
               <a:spcAft>
                 <a:spcPts val="3000"/>
               </a:spcAft>
@@ -6850,8 +8012,12 @@
           <a:lstStyle/>
           <a:p>
             <a:r>
-              <a:rPr lang="en-US" dirty="0" smtClean="0"/>
-              <a:t>Any Questions?</a:t>
+              <a:rPr lang="en-US" dirty="0" err="1" smtClean="0"/>
+              <a:t>Fragen</a:t>
+            </a:r>
+            <a:r>
+              <a:rPr lang="en-US" dirty="0" smtClean="0"/>
+              <a:t>?</a:t>
             </a:r>
             <a:endParaRPr lang="en-US" sz="3600" dirty="0"/>
           </a:p>

--- a/Scrum.pptx
+++ b/Scrum.pptx
@@ -5,7 +5,7 @@
     <p:sldMasterId id="2147483648" r:id="rId1"/>
   </p:sldMasterIdLst>
   <p:notesMasterIdLst>
-    <p:notesMasterId r:id="rId26"/>
+    <p:notesMasterId r:id="rId27"/>
   </p:notesMasterIdLst>
   <p:sldIdLst>
     <p:sldId id="256" r:id="rId2"/>
@@ -21,17 +21,18 @@
     <p:sldId id="265" r:id="rId12"/>
     <p:sldId id="266" r:id="rId13"/>
     <p:sldId id="267" r:id="rId14"/>
-    <p:sldId id="273" r:id="rId15"/>
-    <p:sldId id="258" r:id="rId16"/>
-    <p:sldId id="276" r:id="rId17"/>
-    <p:sldId id="277" r:id="rId18"/>
-    <p:sldId id="278" r:id="rId19"/>
-    <p:sldId id="279" r:id="rId20"/>
-    <p:sldId id="259" r:id="rId21"/>
-    <p:sldId id="260" r:id="rId22"/>
-    <p:sldId id="269" r:id="rId23"/>
-    <p:sldId id="270" r:id="rId24"/>
-    <p:sldId id="271" r:id="rId25"/>
+    <p:sldId id="280" r:id="rId15"/>
+    <p:sldId id="273" r:id="rId16"/>
+    <p:sldId id="258" r:id="rId17"/>
+    <p:sldId id="276" r:id="rId18"/>
+    <p:sldId id="277" r:id="rId19"/>
+    <p:sldId id="278" r:id="rId20"/>
+    <p:sldId id="279" r:id="rId21"/>
+    <p:sldId id="259" r:id="rId22"/>
+    <p:sldId id="260" r:id="rId23"/>
+    <p:sldId id="269" r:id="rId24"/>
+    <p:sldId id="270" r:id="rId25"/>
+    <p:sldId id="271" r:id="rId26"/>
   </p:sldIdLst>
   <p:sldSz cx="9144000" cy="6858000" type="screen4x3"/>
   <p:notesSz cx="6858000" cy="9144000"/>
@@ -867,7 +868,7 @@
           <a:p>
             <a:fld id="{80902561-DDF2-C641-88B2-E6604D56DEA9}" type="slidenum">
               <a:rPr lang="en-US" smtClean="0"/>
-              <a:t>24</a:t>
+              <a:t>25</a:t>
             </a:fld>
             <a:endParaRPr lang="en-US"/>
           </a:p>
@@ -4504,7 +4505,7 @@
             </a:r>
             <a:r>
               <a:rPr lang="en-US" dirty="0" err="1" smtClean="0"/>
-              <a:t>entscheided</a:t>
+              <a:t>entscheidet</a:t>
             </a:r>
             <a:r>
               <a:rPr lang="en-US" dirty="0" smtClean="0"/>
@@ -4564,6 +4565,13 @@
   <p:clrMapOvr>
     <a:masterClrMapping/>
   </p:clrMapOvr>
+  <p:timing>
+    <p:tnLst>
+      <p:par>
+        <p:cTn id="1" dur="indefinite" restart="never" nodeType="tmRoot"/>
+      </p:par>
+    </p:tnLst>
+  </p:timing>
 </p:sld>
 </file>
 
@@ -4651,6 +4659,13 @@
   <p:clrMapOvr>
     <a:masterClrMapping/>
   </p:clrMapOvr>
+  <p:timing>
+    <p:tnLst>
+      <p:par>
+        <p:cTn id="1" dur="indefinite" restart="never" nodeType="tmRoot"/>
+      </p:par>
+    </p:tnLst>
+  </p:timing>
 </p:sld>
 </file>
 
@@ -4729,7 +4744,7 @@
             </a:r>
             <a:r>
               <a:rPr lang="en-US" dirty="0" smtClean="0"/>
-              <a:t>roduct backlog” </a:t>
+              <a:t>roduct Backlog” </a:t>
             </a:r>
             <a:r>
               <a:rPr lang="en-US" dirty="0" err="1" smtClean="0"/>
@@ -4995,6 +5010,13 @@
   <p:clrMapOvr>
     <a:masterClrMapping/>
   </p:clrMapOvr>
+  <p:timing>
+    <p:tnLst>
+      <p:par>
+        <p:cTn id="1" dur="indefinite" restart="never" nodeType="tmRoot"/>
+      </p:par>
+    </p:tnLst>
+  </p:timing>
 </p:sld>
 </file>
 
@@ -5308,10 +5330,312 @@
   <p:clrMapOvr>
     <a:masterClrMapping/>
   </p:clrMapOvr>
+  <p:timing>
+    <p:tnLst>
+      <p:par>
+        <p:cTn id="1" dur="indefinite" restart="never" nodeType="tmRoot"/>
+      </p:par>
+    </p:tnLst>
+  </p:timing>
 </p:sld>
 </file>
 
 <file path=ppt/slides/slide14.xml><?xml version="1.0" encoding="utf-8"?>
+<p:sld xmlns:a="http://schemas.openxmlformats.org/drawingml/2006/main" xmlns:r="http://schemas.openxmlformats.org/officeDocument/2006/relationships" xmlns:p="http://schemas.openxmlformats.org/presentationml/2006/main">
+  <p:cSld>
+    <p:spTree>
+      <p:nvGrpSpPr>
+        <p:cNvPr id="1" name=""/>
+        <p:cNvGrpSpPr/>
+        <p:nvPr/>
+      </p:nvGrpSpPr>
+      <p:grpSpPr>
+        <a:xfrm>
+          <a:off x="0" y="0"/>
+          <a:ext cx="0" cy="0"/>
+          <a:chOff x="0" y="0"/>
+          <a:chExt cx="0" cy="0"/>
+        </a:xfrm>
+      </p:grpSpPr>
+      <p:sp>
+        <p:nvSpPr>
+          <p:cNvPr id="2" name="Title 1"/>
+          <p:cNvSpPr>
+            <a:spLocks noGrp="1"/>
+          </p:cNvSpPr>
+          <p:nvPr>
+            <p:ph type="title"/>
+          </p:nvPr>
+        </p:nvSpPr>
+        <p:spPr/>
+        <p:txBody>
+          <a:bodyPr/>
+          <a:lstStyle/>
+          <a:p>
+            <a:r>
+              <a:rPr lang="en-US" dirty="0" err="1" smtClean="0"/>
+              <a:t>Storypoints</a:t>
+            </a:r>
+            <a:endParaRPr lang="en-US" dirty="0"/>
+          </a:p>
+        </p:txBody>
+      </p:sp>
+      <p:sp>
+        <p:nvSpPr>
+          <p:cNvPr id="4" name="Content Placeholder 2"/>
+          <p:cNvSpPr>
+            <a:spLocks noGrp="1"/>
+          </p:cNvSpPr>
+          <p:nvPr>
+            <p:ph idx="1"/>
+          </p:nvPr>
+        </p:nvSpPr>
+        <p:spPr>
+          <a:xfrm>
+            <a:off x="457200" y="1746356"/>
+            <a:ext cx="8229600" cy="4379807"/>
+          </a:xfrm>
+        </p:spPr>
+        <p:txBody>
+          <a:bodyPr/>
+          <a:lstStyle/>
+          <a:p>
+            <a:pPr>
+              <a:spcAft>
+                <a:spcPts val="3000"/>
+              </a:spcAft>
+            </a:pPr>
+            <a:r>
+              <a:rPr lang="en-US" dirty="0" err="1" smtClean="0"/>
+              <a:t>Spielerisch</a:t>
+            </a:r>
+            <a:r>
+              <a:rPr lang="en-US" dirty="0"/>
+              <a:t> </a:t>
+            </a:r>
+            <a:r>
+              <a:rPr lang="en-US" dirty="0" err="1" smtClean="0"/>
+              <a:t>schätzen</a:t>
+            </a:r>
+            <a:r>
+              <a:rPr lang="en-US" dirty="0" smtClean="0"/>
+              <a:t> </a:t>
+            </a:r>
+            <a:r>
+              <a:rPr lang="en-US" dirty="0" err="1" smtClean="0"/>
+              <a:t>alle</a:t>
+            </a:r>
+            <a:r>
+              <a:rPr lang="en-US" dirty="0" smtClean="0"/>
+              <a:t> </a:t>
+            </a:r>
+            <a:r>
+              <a:rPr lang="en-US" dirty="0" err="1" smtClean="0"/>
+              <a:t>Teammitglieder</a:t>
+            </a:r>
+            <a:r>
+              <a:rPr lang="en-US" dirty="0" smtClean="0"/>
+              <a:t> die </a:t>
+            </a:r>
+            <a:r>
+              <a:rPr lang="en-US" dirty="0" err="1" smtClean="0"/>
+              <a:t>Schwierigkeit</a:t>
+            </a:r>
+            <a:r>
+              <a:rPr lang="en-US" dirty="0" smtClean="0"/>
+              <a:t> </a:t>
+            </a:r>
+            <a:r>
+              <a:rPr lang="en-US" dirty="0" err="1" smtClean="0"/>
+              <a:t>eines</a:t>
+            </a:r>
+            <a:r>
+              <a:rPr lang="en-US" dirty="0" smtClean="0"/>
+              <a:t> Features.</a:t>
+            </a:r>
+            <a:endParaRPr lang="en-US" dirty="0"/>
+          </a:p>
+          <a:p>
+            <a:pPr>
+              <a:spcAft>
+                <a:spcPts val="3000"/>
+              </a:spcAft>
+            </a:pPr>
+            <a:r>
+              <a:rPr lang="en-US" dirty="0" smtClean="0"/>
+              <a:t>Die </a:t>
+            </a:r>
+            <a:r>
+              <a:rPr lang="en-US" dirty="0" err="1" smtClean="0"/>
+              <a:t>Mitglieder</a:t>
+            </a:r>
+            <a:r>
+              <a:rPr lang="en-US" dirty="0" smtClean="0"/>
+              <a:t> </a:t>
+            </a:r>
+            <a:r>
+              <a:rPr lang="en-US" dirty="0" err="1" smtClean="0"/>
+              <a:t>mit</a:t>
+            </a:r>
+            <a:r>
+              <a:rPr lang="en-US" dirty="0" smtClean="0"/>
+              <a:t> der </a:t>
+            </a:r>
+            <a:r>
+              <a:rPr lang="en-US" dirty="0" err="1" smtClean="0"/>
+              <a:t>niedrigsten</a:t>
+            </a:r>
+            <a:r>
+              <a:rPr lang="en-US" dirty="0" smtClean="0"/>
+              <a:t> und der </a:t>
+            </a:r>
+            <a:r>
+              <a:rPr lang="en-US" dirty="0" err="1" smtClean="0"/>
+              <a:t>höchsten</a:t>
+            </a:r>
+            <a:r>
+              <a:rPr lang="en-US" dirty="0" smtClean="0"/>
+              <a:t> </a:t>
+            </a:r>
+            <a:r>
+              <a:rPr lang="en-US" dirty="0" err="1" smtClean="0"/>
+              <a:t>Wertung</a:t>
+            </a:r>
+            <a:r>
+              <a:rPr lang="en-US" dirty="0" smtClean="0"/>
+              <a:t> </a:t>
+            </a:r>
+            <a:r>
+              <a:rPr lang="en-US" dirty="0" err="1" smtClean="0"/>
+              <a:t>müssen</a:t>
+            </a:r>
+            <a:r>
+              <a:rPr lang="en-US" dirty="0" smtClean="0"/>
+              <a:t> </a:t>
+            </a:r>
+            <a:r>
+              <a:rPr lang="en-US" dirty="0" err="1" smtClean="0"/>
+              <a:t>erklären</a:t>
+            </a:r>
+            <a:r>
+              <a:rPr lang="en-US" dirty="0" smtClean="0"/>
+              <a:t>, </a:t>
+            </a:r>
+            <a:r>
+              <a:rPr lang="en-US" dirty="0" err="1" smtClean="0"/>
+              <a:t>warum</a:t>
+            </a:r>
+            <a:r>
+              <a:rPr lang="en-US" dirty="0" smtClean="0"/>
+              <a:t> </a:t>
+            </a:r>
+            <a:r>
+              <a:rPr lang="en-US" dirty="0" err="1" smtClean="0"/>
+              <a:t>sie</a:t>
+            </a:r>
+            <a:r>
+              <a:rPr lang="en-US" dirty="0" smtClean="0"/>
+              <a:t> das Featur</a:t>
+            </a:r>
+            <a:r>
+              <a:rPr lang="en-US" dirty="0" smtClean="0"/>
+              <a:t>e so </a:t>
+            </a:r>
+            <a:r>
+              <a:rPr lang="en-US" dirty="0" err="1" smtClean="0"/>
+              <a:t>leicht</a:t>
+            </a:r>
+            <a:r>
+              <a:rPr lang="en-US" dirty="0" smtClean="0"/>
+              <a:t>/</a:t>
+            </a:r>
+            <a:r>
+              <a:rPr lang="en-US" dirty="0" err="1" smtClean="0"/>
+              <a:t>schwer</a:t>
+            </a:r>
+            <a:r>
+              <a:rPr lang="en-US" dirty="0" smtClean="0"/>
+              <a:t> </a:t>
+            </a:r>
+            <a:r>
+              <a:rPr lang="en-US" dirty="0" err="1" smtClean="0"/>
+              <a:t>schätzen</a:t>
+            </a:r>
+            <a:r>
+              <a:rPr lang="en-US" dirty="0" smtClean="0"/>
+              <a:t>.</a:t>
+            </a:r>
+          </a:p>
+          <a:p>
+            <a:pPr marL="0" indent="0">
+              <a:spcAft>
+                <a:spcPts val="3000"/>
+              </a:spcAft>
+              <a:buNone/>
+            </a:pPr>
+            <a:endParaRPr lang="en-US" dirty="0" smtClean="0"/>
+          </a:p>
+          <a:p>
+            <a:pPr>
+              <a:spcAft>
+                <a:spcPts val="3000"/>
+              </a:spcAft>
+            </a:pPr>
+            <a:endParaRPr lang="en-US" dirty="0" smtClean="0"/>
+          </a:p>
+        </p:txBody>
+      </p:sp>
+      <p:pic>
+        <p:nvPicPr>
+          <p:cNvPr id="6" name="Grafik 5"/>
+          <p:cNvPicPr>
+            <a:picLocks noChangeAspect="1"/>
+          </p:cNvPicPr>
+          <p:nvPr/>
+        </p:nvPicPr>
+        <p:blipFill>
+          <a:blip r:embed="rId2">
+            <a:extLst>
+              <a:ext uri="{28A0092B-C50C-407E-A947-70E740481C1C}">
+                <a14:useLocalDpi xmlns:a14="http://schemas.microsoft.com/office/drawing/2010/main" val="0"/>
+              </a:ext>
+            </a:extLst>
+          </a:blip>
+          <a:stretch>
+            <a:fillRect/>
+          </a:stretch>
+        </p:blipFill>
+        <p:spPr>
+          <a:xfrm>
+            <a:off x="1009650" y="4187765"/>
+            <a:ext cx="7124700" cy="2019300"/>
+          </a:xfrm>
+          <a:prstGeom prst="rect">
+            <a:avLst/>
+          </a:prstGeom>
+        </p:spPr>
+      </p:pic>
+    </p:spTree>
+    <p:extLst>
+      <p:ext uri="{BB962C8B-B14F-4D97-AF65-F5344CB8AC3E}">
+        <p14:creationId xmlns:p14="http://schemas.microsoft.com/office/powerpoint/2010/main" val="2272656121"/>
+      </p:ext>
+    </p:extLst>
+  </p:cSld>
+  <p:clrMapOvr>
+    <a:masterClrMapping/>
+  </p:clrMapOvr>
+  <p:timing>
+    <p:tnLst>
+      <p:par>
+        <p:cTn id="1" dur="indefinite" restart="never" nodeType="tmRoot"/>
+      </p:par>
+    </p:tnLst>
+  </p:timing>
+</p:sld>
+</file>
+
+<file path=ppt/slides/slide15.xml><?xml version="1.0" encoding="utf-8"?>
 <p:sld xmlns:a="http://schemas.openxmlformats.org/drawingml/2006/main" xmlns:r="http://schemas.openxmlformats.org/officeDocument/2006/relationships" xmlns:p="http://schemas.openxmlformats.org/presentationml/2006/main">
   <p:cSld>
     <p:spTree>
@@ -5408,7 +5732,7 @@
 </p:sld>
 </file>
 
-<file path=ppt/slides/slide15.xml><?xml version="1.0" encoding="utf-8"?>
+<file path=ppt/slides/slide16.xml><?xml version="1.0" encoding="utf-8"?>
 <p:sld xmlns:a="http://schemas.openxmlformats.org/drawingml/2006/main" xmlns:r="http://schemas.openxmlformats.org/officeDocument/2006/relationships" xmlns:p="http://schemas.openxmlformats.org/presentationml/2006/main">
   <p:cSld>
     <p:spTree>
@@ -5779,7 +6103,7 @@
 </p:sld>
 </file>
 
-<file path=ppt/slides/slide16.xml><?xml version="1.0" encoding="utf-8"?>
+<file path=ppt/slides/slide17.xml><?xml version="1.0" encoding="utf-8"?>
 <p:sld xmlns:a="http://schemas.openxmlformats.org/drawingml/2006/main" xmlns:r="http://schemas.openxmlformats.org/officeDocument/2006/relationships" xmlns:p="http://schemas.openxmlformats.org/presentationml/2006/main">
   <p:cSld>
     <p:spTree>
@@ -5938,7 +6262,7 @@
 </p:sld>
 </file>
 
-<file path=ppt/slides/slide17.xml><?xml version="1.0" encoding="utf-8"?>
+<file path=ppt/slides/slide18.xml><?xml version="1.0" encoding="utf-8"?>
 <p:sld xmlns:a="http://schemas.openxmlformats.org/drawingml/2006/main" xmlns:r="http://schemas.openxmlformats.org/officeDocument/2006/relationships" xmlns:p="http://schemas.openxmlformats.org/presentationml/2006/main">
   <p:cSld>
     <p:spTree>
@@ -6137,7 +6461,7 @@
 </p:sld>
 </file>
 
-<file path=ppt/slides/slide18.xml><?xml version="1.0" encoding="utf-8"?>
+<file path=ppt/slides/slide19.xml><?xml version="1.0" encoding="utf-8"?>
 <p:sld xmlns:a="http://schemas.openxmlformats.org/drawingml/2006/main" xmlns:r="http://schemas.openxmlformats.org/officeDocument/2006/relationships" xmlns:p="http://schemas.openxmlformats.org/presentationml/2006/main">
   <p:cSld>
     <p:spTree>
@@ -6360,285 +6684,6 @@
     <p:extLst>
       <p:ext uri="{BB962C8B-B14F-4D97-AF65-F5344CB8AC3E}">
         <p14:creationId xmlns:p14="http://schemas.microsoft.com/office/powerpoint/2010/main" val="4141206065"/>
-      </p:ext>
-    </p:extLst>
-  </p:cSld>
-  <p:clrMapOvr>
-    <a:masterClrMapping/>
-  </p:clrMapOvr>
-  <p:timing>
-    <p:tnLst>
-      <p:par>
-        <p:cTn id="1" dur="indefinite" restart="never" nodeType="tmRoot"/>
-      </p:par>
-    </p:tnLst>
-  </p:timing>
-</p:sld>
-</file>
-
-<file path=ppt/slides/slide19.xml><?xml version="1.0" encoding="utf-8"?>
-<p:sld xmlns:a="http://schemas.openxmlformats.org/drawingml/2006/main" xmlns:r="http://schemas.openxmlformats.org/officeDocument/2006/relationships" xmlns:p="http://schemas.openxmlformats.org/presentationml/2006/main">
-  <p:cSld>
-    <p:spTree>
-      <p:nvGrpSpPr>
-        <p:cNvPr id="1" name=""/>
-        <p:cNvGrpSpPr/>
-        <p:nvPr/>
-      </p:nvGrpSpPr>
-      <p:grpSpPr>
-        <a:xfrm>
-          <a:off x="0" y="0"/>
-          <a:ext cx="0" cy="0"/>
-          <a:chOff x="0" y="0"/>
-          <a:chExt cx="0" cy="0"/>
-        </a:xfrm>
-      </p:grpSpPr>
-      <p:sp>
-        <p:nvSpPr>
-          <p:cNvPr id="2" name="Titel 1"/>
-          <p:cNvSpPr>
-            <a:spLocks noGrp="1"/>
-          </p:cNvSpPr>
-          <p:nvPr>
-            <p:ph type="title"/>
-          </p:nvPr>
-        </p:nvSpPr>
-        <p:spPr/>
-        <p:txBody>
-          <a:bodyPr/>
-          <a:lstStyle/>
-          <a:p>
-            <a:r>
-              <a:rPr lang="de-DE" dirty="0" smtClean="0"/>
-              <a:t>Sich ändernde Ziele</a:t>
-            </a:r>
-            <a:endParaRPr lang="de-DE" dirty="0"/>
-          </a:p>
-        </p:txBody>
-      </p:sp>
-      <p:pic>
-        <p:nvPicPr>
-          <p:cNvPr id="8" name="Inhaltsplatzhalter 7"/>
-          <p:cNvPicPr>
-            <a:picLocks noGrp="1" noChangeAspect="1"/>
-          </p:cNvPicPr>
-          <p:nvPr>
-            <p:ph idx="1"/>
-          </p:nvPr>
-        </p:nvPicPr>
-        <p:blipFill>
-          <a:blip r:embed="rId2" cstate="email">
-            <a:extLst>
-              <a:ext uri="{28A0092B-C50C-407E-A947-70E740481C1C}">
-                <a14:useLocalDpi xmlns:a14="http://schemas.microsoft.com/office/drawing/2010/main" val="0"/>
-              </a:ext>
-            </a:extLst>
-          </a:blip>
-          <a:stretch>
-            <a:fillRect/>
-          </a:stretch>
-        </p:blipFill>
-        <p:spPr>
-          <a:xfrm>
-            <a:off x="709304" y="2643996"/>
-            <a:ext cx="3766868" cy="2825151"/>
-          </a:xfrm>
-        </p:spPr>
-      </p:pic>
-      <p:pic>
-        <p:nvPicPr>
-          <p:cNvPr id="9" name="Grafik 8"/>
-          <p:cNvPicPr>
-            <a:picLocks noChangeAspect="1"/>
-          </p:cNvPicPr>
-          <p:nvPr/>
-        </p:nvPicPr>
-        <p:blipFill>
-          <a:blip r:embed="rId3" cstate="email">
-            <a:extLst>
-              <a:ext uri="{28A0092B-C50C-407E-A947-70E740481C1C}">
-                <a14:useLocalDpi xmlns:a14="http://schemas.microsoft.com/office/drawing/2010/main" val="0"/>
-              </a:ext>
-            </a:extLst>
-          </a:blip>
-          <a:stretch>
-            <a:fillRect/>
-          </a:stretch>
-        </p:blipFill>
-        <p:spPr>
-          <a:xfrm>
-            <a:off x="4455104" y="1867619"/>
-            <a:ext cx="3847382" cy="2885536"/>
-          </a:xfrm>
-          <a:prstGeom prst="rect">
-            <a:avLst/>
-          </a:prstGeom>
-        </p:spPr>
-      </p:pic>
-      <p:sp>
-        <p:nvSpPr>
-          <p:cNvPr id="10" name="Pfeil nach rechts 9"/>
-          <p:cNvSpPr/>
-          <p:nvPr/>
-        </p:nvSpPr>
-        <p:spPr>
-          <a:xfrm>
-            <a:off x="2872596" y="3653287"/>
-            <a:ext cx="836762" cy="491706"/>
-          </a:xfrm>
-          <a:prstGeom prst="rightArrow">
-            <a:avLst/>
-          </a:prstGeom>
-        </p:spPr>
-        <p:style>
-          <a:lnRef idx="2">
-            <a:schemeClr val="accent1">
-              <a:shade val="50000"/>
-            </a:schemeClr>
-          </a:lnRef>
-          <a:fillRef idx="1">
-            <a:schemeClr val="accent1"/>
-          </a:fillRef>
-          <a:effectRef idx="0">
-            <a:schemeClr val="accent1"/>
-          </a:effectRef>
-          <a:fontRef idx="minor">
-            <a:schemeClr val="lt1"/>
-          </a:fontRef>
-        </p:style>
-        <p:txBody>
-          <a:bodyPr rtlCol="0" anchor="ctr"/>
-          <a:lstStyle/>
-          <a:p>
-            <a:pPr algn="ctr"/>
-            <a:endParaRPr lang="de-DE"/>
-          </a:p>
-        </p:txBody>
-      </p:sp>
-      <p:sp>
-        <p:nvSpPr>
-          <p:cNvPr id="7" name="Pfeil nach rechts 6"/>
-          <p:cNvSpPr/>
-          <p:nvPr/>
-        </p:nvSpPr>
-        <p:spPr>
-          <a:xfrm rot="20792265">
-            <a:off x="3735239" y="3562642"/>
-            <a:ext cx="836762" cy="491706"/>
-          </a:xfrm>
-          <a:prstGeom prst="rightArrow">
-            <a:avLst/>
-          </a:prstGeom>
-        </p:spPr>
-        <p:style>
-          <a:lnRef idx="2">
-            <a:schemeClr val="accent1">
-              <a:shade val="50000"/>
-            </a:schemeClr>
-          </a:lnRef>
-          <a:fillRef idx="1">
-            <a:schemeClr val="accent1"/>
-          </a:fillRef>
-          <a:effectRef idx="0">
-            <a:schemeClr val="accent1"/>
-          </a:effectRef>
-          <a:fontRef idx="minor">
-            <a:schemeClr val="lt1"/>
-          </a:fontRef>
-        </p:style>
-        <p:txBody>
-          <a:bodyPr rtlCol="0" anchor="ctr"/>
-          <a:lstStyle/>
-          <a:p>
-            <a:pPr algn="ctr"/>
-            <a:endParaRPr lang="de-DE"/>
-          </a:p>
-        </p:txBody>
-      </p:sp>
-      <p:sp>
-        <p:nvSpPr>
-          <p:cNvPr id="11" name="Pfeil nach rechts 10"/>
-          <p:cNvSpPr/>
-          <p:nvPr/>
-        </p:nvSpPr>
-        <p:spPr>
-          <a:xfrm rot="19836527">
-            <a:off x="4521912" y="3230436"/>
-            <a:ext cx="836762" cy="491706"/>
-          </a:xfrm>
-          <a:prstGeom prst="rightArrow">
-            <a:avLst/>
-          </a:prstGeom>
-        </p:spPr>
-        <p:style>
-          <a:lnRef idx="2">
-            <a:schemeClr val="accent1">
-              <a:shade val="50000"/>
-            </a:schemeClr>
-          </a:lnRef>
-          <a:fillRef idx="1">
-            <a:schemeClr val="accent1"/>
-          </a:fillRef>
-          <a:effectRef idx="0">
-            <a:schemeClr val="accent1"/>
-          </a:effectRef>
-          <a:fontRef idx="minor">
-            <a:schemeClr val="lt1"/>
-          </a:fontRef>
-        </p:style>
-        <p:txBody>
-          <a:bodyPr rtlCol="0" anchor="ctr"/>
-          <a:lstStyle/>
-          <a:p>
-            <a:pPr algn="ctr"/>
-            <a:endParaRPr lang="de-DE"/>
-          </a:p>
-        </p:txBody>
-      </p:sp>
-      <p:sp>
-        <p:nvSpPr>
-          <p:cNvPr id="12" name="Pfeil nach rechts 11"/>
-          <p:cNvSpPr/>
-          <p:nvPr/>
-        </p:nvSpPr>
-        <p:spPr>
-          <a:xfrm rot="21108829">
-            <a:off x="5314459" y="2996368"/>
-            <a:ext cx="836762" cy="491706"/>
-          </a:xfrm>
-          <a:prstGeom prst="rightArrow">
-            <a:avLst/>
-          </a:prstGeom>
-        </p:spPr>
-        <p:style>
-          <a:lnRef idx="2">
-            <a:schemeClr val="accent1">
-              <a:shade val="50000"/>
-            </a:schemeClr>
-          </a:lnRef>
-          <a:fillRef idx="1">
-            <a:schemeClr val="accent1"/>
-          </a:fillRef>
-          <a:effectRef idx="0">
-            <a:schemeClr val="accent1"/>
-          </a:effectRef>
-          <a:fontRef idx="minor">
-            <a:schemeClr val="lt1"/>
-          </a:fontRef>
-        </p:style>
-        <p:txBody>
-          <a:bodyPr rtlCol="0" anchor="ctr"/>
-          <a:lstStyle/>
-          <a:p>
-            <a:pPr algn="ctr"/>
-            <a:endParaRPr lang="de-DE"/>
-          </a:p>
-        </p:txBody>
-      </p:sp>
-    </p:spTree>
-    <p:extLst>
-      <p:ext uri="{BB962C8B-B14F-4D97-AF65-F5344CB8AC3E}">
-        <p14:creationId xmlns:p14="http://schemas.microsoft.com/office/powerpoint/2010/main" val="2631267180"/>
       </p:ext>
     </p:extLst>
   </p:cSld>
@@ -6793,7 +6838,7 @@
       </p:grpSpPr>
       <p:sp>
         <p:nvSpPr>
-          <p:cNvPr id="2" name="Title 1"/>
+          <p:cNvPr id="2" name="Titel 1"/>
           <p:cNvSpPr>
             <a:spLocks noGrp="1"/>
           </p:cNvSpPr>
@@ -6807,279 +6852,236 @@
           <a:lstStyle/>
           <a:p>
             <a:r>
-              <a:rPr lang="en-US" dirty="0" smtClean="0"/>
-              <a:t>Stand-ups</a:t>
-            </a:r>
-            <a:endParaRPr lang="en-US" sz="3600" dirty="0"/>
-          </a:p>
-        </p:txBody>
-      </p:sp>
-      <p:sp>
-        <p:nvSpPr>
-          <p:cNvPr id="4" name="Content Placeholder 2"/>
-          <p:cNvSpPr>
-            <a:spLocks noGrp="1"/>
-          </p:cNvSpPr>
+              <a:rPr lang="de-DE" dirty="0" smtClean="0"/>
+              <a:t>Sich ändernde Ziele</a:t>
+            </a:r>
+            <a:endParaRPr lang="de-DE" dirty="0"/>
+          </a:p>
+        </p:txBody>
+      </p:sp>
+      <p:pic>
+        <p:nvPicPr>
+          <p:cNvPr id="8" name="Inhaltsplatzhalter 7"/>
+          <p:cNvPicPr>
+            <a:picLocks noGrp="1" noChangeAspect="1"/>
+          </p:cNvPicPr>
           <p:nvPr>
             <p:ph idx="1"/>
           </p:nvPr>
-        </p:nvSpPr>
+        </p:nvPicPr>
+        <p:blipFill>
+          <a:blip r:embed="rId2" cstate="email">
+            <a:extLst>
+              <a:ext uri="{28A0092B-C50C-407E-A947-70E740481C1C}">
+                <a14:useLocalDpi xmlns:a14="http://schemas.microsoft.com/office/drawing/2010/main" val="0"/>
+              </a:ext>
+            </a:extLst>
+          </a:blip>
+          <a:stretch>
+            <a:fillRect/>
+          </a:stretch>
+        </p:blipFill>
         <p:spPr>
           <a:xfrm>
-            <a:off x="457200" y="1746356"/>
-            <a:ext cx="8229600" cy="4379807"/>
+            <a:off x="709304" y="2643996"/>
+            <a:ext cx="3766868" cy="2825151"/>
           </a:xfrm>
         </p:spPr>
-        <p:txBody>
-          <a:bodyPr>
-            <a:normAutofit/>
-          </a:bodyPr>
-          <a:lstStyle/>
-          <a:p>
-            <a:pPr>
-              <a:spcAft>
-                <a:spcPts val="3000"/>
-              </a:spcAft>
-            </a:pPr>
-            <a:r>
-              <a:rPr lang="en-US" dirty="0" err="1" smtClean="0"/>
-              <a:t>Fortschritt</a:t>
-            </a:r>
-            <a:r>
-              <a:rPr lang="en-US" dirty="0" smtClean="0"/>
-              <a:t> </a:t>
-            </a:r>
-            <a:r>
-              <a:rPr lang="en-US" dirty="0" err="1" smtClean="0"/>
-              <a:t>wird</a:t>
-            </a:r>
-            <a:r>
-              <a:rPr lang="en-US" dirty="0" smtClean="0"/>
-              <a:t> </a:t>
-            </a:r>
-            <a:r>
-              <a:rPr lang="en-US" dirty="0" err="1" smtClean="0"/>
-              <a:t>ermittelt</a:t>
-            </a:r>
-            <a:r>
-              <a:rPr lang="en-US" dirty="0" smtClean="0"/>
-              <a:t> in </a:t>
-            </a:r>
-            <a:r>
-              <a:rPr lang="en-US" dirty="0" err="1" smtClean="0"/>
-              <a:t>Dailys</a:t>
-            </a:r>
-            <a:r>
-              <a:rPr lang="en-US" dirty="0" smtClean="0"/>
-              <a:t> und Stand-Ups.</a:t>
-            </a:r>
-            <a:endParaRPr lang="en-US" dirty="0" smtClean="0"/>
-          </a:p>
-          <a:p>
-            <a:pPr>
-              <a:spcAft>
-                <a:spcPts val="3000"/>
-              </a:spcAft>
-            </a:pPr>
-            <a:r>
-              <a:rPr lang="en-US" dirty="0" smtClean="0"/>
-              <a:t>In </a:t>
-            </a:r>
-            <a:r>
-              <a:rPr lang="en-US" dirty="0" err="1" smtClean="0"/>
-              <a:t>diesen</a:t>
-            </a:r>
-            <a:r>
-              <a:rPr lang="en-US" dirty="0" smtClean="0"/>
-              <a:t> Stand-Ups </a:t>
-            </a:r>
-            <a:r>
-              <a:rPr lang="en-US" dirty="0" err="1" smtClean="0"/>
-              <a:t>kommen</a:t>
-            </a:r>
-            <a:r>
-              <a:rPr lang="en-US" dirty="0" smtClean="0"/>
-              <a:t> der Scrum-Master und das </a:t>
-            </a:r>
-            <a:r>
-              <a:rPr lang="en-US" dirty="0" err="1" smtClean="0"/>
-              <a:t>Entwicklerteam</a:t>
-            </a:r>
-            <a:r>
-              <a:rPr lang="en-US" dirty="0" smtClean="0"/>
-              <a:t> </a:t>
-            </a:r>
-            <a:r>
-              <a:rPr lang="en-US" dirty="0" err="1" smtClean="0"/>
-              <a:t>zusammen</a:t>
-            </a:r>
-            <a:r>
-              <a:rPr lang="en-US" dirty="0" smtClean="0"/>
-              <a:t>.</a:t>
-            </a:r>
-            <a:endParaRPr lang="en-US" dirty="0" smtClean="0"/>
-          </a:p>
-          <a:p>
-            <a:pPr>
-              <a:spcAft>
-                <a:spcPts val="3000"/>
-              </a:spcAft>
-            </a:pPr>
-            <a:r>
-              <a:rPr lang="en-US" dirty="0" err="1" smtClean="0"/>
-              <a:t>Soll-Dauer</a:t>
-            </a:r>
-            <a:r>
-              <a:rPr lang="en-US" dirty="0" smtClean="0"/>
-              <a:t> </a:t>
-            </a:r>
-            <a:r>
-              <a:rPr lang="en-US" dirty="0" err="1" smtClean="0"/>
-              <a:t>beträgt</a:t>
-            </a:r>
-            <a:r>
-              <a:rPr lang="en-US" dirty="0" smtClean="0"/>
-              <a:t> 15 </a:t>
-            </a:r>
-            <a:r>
-              <a:rPr lang="en-US" dirty="0" err="1" smtClean="0"/>
-              <a:t>Minuten</a:t>
-            </a:r>
-            <a:r>
-              <a:rPr lang="en-US" dirty="0" smtClean="0"/>
-              <a:t> und </a:t>
-            </a:r>
-            <a:r>
-              <a:rPr lang="en-US" dirty="0" err="1" smtClean="0"/>
-              <a:t>findet</a:t>
-            </a:r>
-            <a:r>
-              <a:rPr lang="en-US" dirty="0" smtClean="0"/>
-              <a:t> </a:t>
-            </a:r>
-            <a:r>
-              <a:rPr lang="en-US" dirty="0" err="1" smtClean="0"/>
-              <a:t>jeden</a:t>
-            </a:r>
-            <a:r>
-              <a:rPr lang="en-US" dirty="0" smtClean="0"/>
-              <a:t> tag </a:t>
-            </a:r>
-            <a:r>
-              <a:rPr lang="en-US" dirty="0" err="1" smtClean="0"/>
-              <a:t>zur</a:t>
-            </a:r>
-            <a:r>
-              <a:rPr lang="en-US" dirty="0" smtClean="0"/>
-              <a:t> </a:t>
-            </a:r>
-            <a:r>
-              <a:rPr lang="en-US" dirty="0" err="1" smtClean="0"/>
-              <a:t>selben</a:t>
-            </a:r>
-            <a:r>
-              <a:rPr lang="en-US" dirty="0" smtClean="0"/>
-              <a:t> </a:t>
-            </a:r>
-            <a:r>
-              <a:rPr lang="en-US" dirty="0" err="1" smtClean="0"/>
-              <a:t>Zeit</a:t>
-            </a:r>
-            <a:r>
-              <a:rPr lang="en-US" dirty="0" smtClean="0"/>
-              <a:t> am </a:t>
-            </a:r>
-            <a:r>
-              <a:rPr lang="en-US" dirty="0" err="1" smtClean="0"/>
-              <a:t>selben</a:t>
-            </a:r>
-            <a:r>
-              <a:rPr lang="en-US" dirty="0" smtClean="0"/>
-              <a:t> Ort </a:t>
-            </a:r>
-            <a:r>
-              <a:rPr lang="en-US" dirty="0" err="1" smtClean="0"/>
-              <a:t>statt</a:t>
-            </a:r>
-            <a:r>
-              <a:rPr lang="en-US" dirty="0" smtClean="0"/>
-              <a:t>.</a:t>
-            </a:r>
-          </a:p>
-          <a:p>
-            <a:pPr>
-              <a:spcAft>
-                <a:spcPts val="3000"/>
-              </a:spcAft>
-            </a:pPr>
-            <a:r>
-              <a:rPr lang="en-US" dirty="0" smtClean="0"/>
-              <a:t>Die </a:t>
-            </a:r>
-            <a:r>
-              <a:rPr lang="en-US" dirty="0" err="1" smtClean="0"/>
-              <a:t>Teammitglieder</a:t>
-            </a:r>
-            <a:r>
-              <a:rPr lang="en-US" dirty="0" smtClean="0"/>
-              <a:t> </a:t>
-            </a:r>
-            <a:r>
-              <a:rPr lang="en-US" dirty="0" err="1" smtClean="0"/>
-              <a:t>geben</a:t>
-            </a:r>
-            <a:r>
-              <a:rPr lang="en-US" dirty="0" smtClean="0"/>
-              <a:t> und </a:t>
-            </a:r>
-            <a:r>
-              <a:rPr lang="en-US" dirty="0" err="1" smtClean="0"/>
-              <a:t>bekommen</a:t>
-            </a:r>
-            <a:r>
-              <a:rPr lang="en-US" dirty="0" smtClean="0"/>
-              <a:t> </a:t>
-            </a:r>
-            <a:r>
-              <a:rPr lang="en-US" dirty="0" err="1" smtClean="0"/>
-              <a:t>eine</a:t>
-            </a:r>
-            <a:r>
-              <a:rPr lang="en-US" dirty="0" smtClean="0"/>
-              <a:t> </a:t>
-            </a:r>
-            <a:r>
-              <a:rPr lang="en-US" dirty="0" err="1" smtClean="0"/>
-              <a:t>Übersicht</a:t>
-            </a:r>
-            <a:r>
-              <a:rPr lang="en-US" dirty="0" smtClean="0"/>
-              <a:t> </a:t>
-            </a:r>
-            <a:r>
-              <a:rPr lang="en-US" dirty="0" err="1" smtClean="0"/>
-              <a:t>über</a:t>
-            </a:r>
-            <a:r>
-              <a:rPr lang="en-US" dirty="0" smtClean="0"/>
-              <a:t> den </a:t>
-            </a:r>
-            <a:r>
-              <a:rPr lang="en-US" dirty="0" err="1" smtClean="0"/>
-              <a:t>Fortschritt</a:t>
-            </a:r>
-            <a:r>
-              <a:rPr lang="en-US" dirty="0" smtClean="0"/>
-              <a:t> des Sprints.</a:t>
-            </a:r>
-            <a:endParaRPr lang="en-US" dirty="0"/>
+      </p:pic>
+      <p:pic>
+        <p:nvPicPr>
+          <p:cNvPr id="9" name="Grafik 8"/>
+          <p:cNvPicPr>
+            <a:picLocks noChangeAspect="1"/>
+          </p:cNvPicPr>
+          <p:nvPr/>
+        </p:nvPicPr>
+        <p:blipFill>
+          <a:blip r:embed="rId3" cstate="email">
+            <a:extLst>
+              <a:ext uri="{28A0092B-C50C-407E-A947-70E740481C1C}">
+                <a14:useLocalDpi xmlns:a14="http://schemas.microsoft.com/office/drawing/2010/main" val="0"/>
+              </a:ext>
+            </a:extLst>
+          </a:blip>
+          <a:stretch>
+            <a:fillRect/>
+          </a:stretch>
+        </p:blipFill>
+        <p:spPr>
+          <a:xfrm>
+            <a:off x="4455104" y="1867619"/>
+            <a:ext cx="3847382" cy="2885536"/>
+          </a:xfrm>
+          <a:prstGeom prst="rect">
+            <a:avLst/>
+          </a:prstGeom>
+        </p:spPr>
+      </p:pic>
+      <p:sp>
+        <p:nvSpPr>
+          <p:cNvPr id="10" name="Pfeil nach rechts 9"/>
+          <p:cNvSpPr/>
+          <p:nvPr/>
+        </p:nvSpPr>
+        <p:spPr>
+          <a:xfrm>
+            <a:off x="2872596" y="3653287"/>
+            <a:ext cx="836762" cy="491706"/>
+          </a:xfrm>
+          <a:prstGeom prst="rightArrow">
+            <a:avLst/>
+          </a:prstGeom>
+        </p:spPr>
+        <p:style>
+          <a:lnRef idx="2">
+            <a:schemeClr val="accent1">
+              <a:shade val="50000"/>
+            </a:schemeClr>
+          </a:lnRef>
+          <a:fillRef idx="1">
+            <a:schemeClr val="accent1"/>
+          </a:fillRef>
+          <a:effectRef idx="0">
+            <a:schemeClr val="accent1"/>
+          </a:effectRef>
+          <a:fontRef idx="minor">
+            <a:schemeClr val="lt1"/>
+          </a:fontRef>
+        </p:style>
+        <p:txBody>
+          <a:bodyPr rtlCol="0" anchor="ctr"/>
+          <a:lstStyle/>
+          <a:p>
+            <a:pPr algn="ctr"/>
+            <a:endParaRPr lang="de-DE"/>
+          </a:p>
+        </p:txBody>
+      </p:sp>
+      <p:sp>
+        <p:nvSpPr>
+          <p:cNvPr id="7" name="Pfeil nach rechts 6"/>
+          <p:cNvSpPr/>
+          <p:nvPr/>
+        </p:nvSpPr>
+        <p:spPr>
+          <a:xfrm rot="20792265">
+            <a:off x="3735239" y="3562642"/>
+            <a:ext cx="836762" cy="491706"/>
+          </a:xfrm>
+          <a:prstGeom prst="rightArrow">
+            <a:avLst/>
+          </a:prstGeom>
+        </p:spPr>
+        <p:style>
+          <a:lnRef idx="2">
+            <a:schemeClr val="accent1">
+              <a:shade val="50000"/>
+            </a:schemeClr>
+          </a:lnRef>
+          <a:fillRef idx="1">
+            <a:schemeClr val="accent1"/>
+          </a:fillRef>
+          <a:effectRef idx="0">
+            <a:schemeClr val="accent1"/>
+          </a:effectRef>
+          <a:fontRef idx="minor">
+            <a:schemeClr val="lt1"/>
+          </a:fontRef>
+        </p:style>
+        <p:txBody>
+          <a:bodyPr rtlCol="0" anchor="ctr"/>
+          <a:lstStyle/>
+          <a:p>
+            <a:pPr algn="ctr"/>
+            <a:endParaRPr lang="de-DE"/>
+          </a:p>
+        </p:txBody>
+      </p:sp>
+      <p:sp>
+        <p:nvSpPr>
+          <p:cNvPr id="11" name="Pfeil nach rechts 10"/>
+          <p:cNvSpPr/>
+          <p:nvPr/>
+        </p:nvSpPr>
+        <p:spPr>
+          <a:xfrm rot="19836527">
+            <a:off x="4521912" y="3230436"/>
+            <a:ext cx="836762" cy="491706"/>
+          </a:xfrm>
+          <a:prstGeom prst="rightArrow">
+            <a:avLst/>
+          </a:prstGeom>
+        </p:spPr>
+        <p:style>
+          <a:lnRef idx="2">
+            <a:schemeClr val="accent1">
+              <a:shade val="50000"/>
+            </a:schemeClr>
+          </a:lnRef>
+          <a:fillRef idx="1">
+            <a:schemeClr val="accent1"/>
+          </a:fillRef>
+          <a:effectRef idx="0">
+            <a:schemeClr val="accent1"/>
+          </a:effectRef>
+          <a:fontRef idx="minor">
+            <a:schemeClr val="lt1"/>
+          </a:fontRef>
+        </p:style>
+        <p:txBody>
+          <a:bodyPr rtlCol="0" anchor="ctr"/>
+          <a:lstStyle/>
+          <a:p>
+            <a:pPr algn="ctr"/>
+            <a:endParaRPr lang="de-DE"/>
+          </a:p>
+        </p:txBody>
+      </p:sp>
+      <p:sp>
+        <p:nvSpPr>
+          <p:cNvPr id="12" name="Pfeil nach rechts 11"/>
+          <p:cNvSpPr/>
+          <p:nvPr/>
+        </p:nvSpPr>
+        <p:spPr>
+          <a:xfrm rot="21108829">
+            <a:off x="5314459" y="2996368"/>
+            <a:ext cx="836762" cy="491706"/>
+          </a:xfrm>
+          <a:prstGeom prst="rightArrow">
+            <a:avLst/>
+          </a:prstGeom>
+        </p:spPr>
+        <p:style>
+          <a:lnRef idx="2">
+            <a:schemeClr val="accent1">
+              <a:shade val="50000"/>
+            </a:schemeClr>
+          </a:lnRef>
+          <a:fillRef idx="1">
+            <a:schemeClr val="accent1"/>
+          </a:fillRef>
+          <a:effectRef idx="0">
+            <a:schemeClr val="accent1"/>
+          </a:effectRef>
+          <a:fontRef idx="minor">
+            <a:schemeClr val="lt1"/>
+          </a:fontRef>
+        </p:style>
+        <p:txBody>
+          <a:bodyPr rtlCol="0" anchor="ctr"/>
+          <a:lstStyle/>
+          <a:p>
+            <a:pPr algn="ctr"/>
+            <a:endParaRPr lang="de-DE"/>
           </a:p>
         </p:txBody>
       </p:sp>
     </p:spTree>
     <p:extLst>
       <p:ext uri="{BB962C8B-B14F-4D97-AF65-F5344CB8AC3E}">
-        <p14:creationId xmlns:p14="http://schemas.microsoft.com/office/powerpoint/2010/main" val="2645044899"/>
+        <p14:creationId xmlns:p14="http://schemas.microsoft.com/office/powerpoint/2010/main" val="2631267180"/>
       </p:ext>
     </p:extLst>
   </p:cSld>
@@ -7130,12 +7132,9 @@
           <a:p>
             <a:r>
               <a:rPr lang="en-US" dirty="0" smtClean="0"/>
-              <a:t>Stand-ups </a:t>
-            </a:r>
-            <a:r>
-              <a:rPr lang="en-US" sz="3600" dirty="0"/>
-              <a:t>Cont.</a:t>
-            </a:r>
+              <a:t>Stand-ups</a:t>
+            </a:r>
+            <a:endParaRPr lang="en-US" sz="3600" dirty="0"/>
           </a:p>
         </p:txBody>
       </p:sp>
@@ -7168,59 +7167,83 @@
             </a:pPr>
             <a:r>
               <a:rPr lang="en-US" dirty="0" err="1" smtClean="0"/>
-              <a:t>Jedes</a:t>
-            </a:r>
-            <a:r>
-              <a:rPr lang="en-US" dirty="0" smtClean="0"/>
-              <a:t> </a:t>
-            </a:r>
-            <a:r>
-              <a:rPr lang="en-US" dirty="0" err="1" smtClean="0"/>
-              <a:t>Mitglied</a:t>
-            </a:r>
-            <a:r>
-              <a:rPr lang="en-US" dirty="0" smtClean="0"/>
-              <a:t> </a:t>
-            </a:r>
-            <a:r>
-              <a:rPr lang="en-US" dirty="0" err="1" smtClean="0"/>
-              <a:t>erzählt</a:t>
-            </a:r>
-            <a:r>
-              <a:rPr lang="en-US" dirty="0" smtClean="0"/>
-              <a:t>:</a:t>
+              <a:t>Fortschritt</a:t>
+            </a:r>
+            <a:r>
+              <a:rPr lang="en-US" dirty="0" smtClean="0"/>
+              <a:t> </a:t>
+            </a:r>
+            <a:r>
+              <a:rPr lang="en-US" dirty="0" err="1" smtClean="0"/>
+              <a:t>wird</a:t>
+            </a:r>
+            <a:r>
+              <a:rPr lang="en-US" dirty="0" smtClean="0"/>
+              <a:t> </a:t>
+            </a:r>
+            <a:r>
+              <a:rPr lang="en-US" dirty="0" err="1" smtClean="0"/>
+              <a:t>ermittelt</a:t>
+            </a:r>
+            <a:r>
+              <a:rPr lang="en-US" dirty="0" smtClean="0"/>
+              <a:t> in </a:t>
+            </a:r>
+            <a:r>
+              <a:rPr lang="en-US" dirty="0" err="1" smtClean="0"/>
+              <a:t>Dailys</a:t>
+            </a:r>
+            <a:r>
+              <a:rPr lang="en-US" dirty="0" smtClean="0"/>
+              <a:t> </a:t>
+            </a:r>
+            <a:r>
+              <a:rPr lang="en-US" dirty="0" err="1" smtClean="0"/>
+              <a:t>oder</a:t>
+            </a:r>
+            <a:r>
+              <a:rPr lang="en-US" dirty="0" smtClean="0"/>
+              <a:t> Stand-Ups.</a:t>
             </a:r>
             <a:endParaRPr lang="en-US" dirty="0" smtClean="0"/>
           </a:p>
           <a:p>
-            <a:pPr lvl="1">
+            <a:pPr>
               <a:spcAft>
                 <a:spcPts val="3000"/>
               </a:spcAft>
             </a:pPr>
             <a:r>
               <a:rPr lang="en-US" dirty="0" smtClean="0"/>
-              <a:t>Was </a:t>
-            </a:r>
-            <a:r>
-              <a:rPr lang="en-US" dirty="0" err="1" smtClean="0"/>
-              <a:t>machte</a:t>
-            </a:r>
-            <a:r>
-              <a:rPr lang="en-US" dirty="0" smtClean="0"/>
-              <a:t> </a:t>
-            </a:r>
-            <a:r>
-              <a:rPr lang="en-US" dirty="0" err="1" smtClean="0"/>
-              <a:t>er</a:t>
-            </a:r>
-            <a:r>
-              <a:rPr lang="en-US" dirty="0" smtClean="0"/>
-              <a:t> </a:t>
-            </a:r>
-            <a:r>
-              <a:rPr lang="en-US" dirty="0" err="1" smtClean="0"/>
-              <a:t>gestern</a:t>
+              <a:t>In </a:t>
+            </a:r>
+            <a:r>
+              <a:rPr lang="en-US" dirty="0" err="1" smtClean="0"/>
+              <a:t>diesen</a:t>
+            </a:r>
+            <a:r>
+              <a:rPr lang="en-US" dirty="0" smtClean="0"/>
+              <a:t> Stand-Ups </a:t>
+            </a:r>
+            <a:r>
+              <a:rPr lang="en-US" dirty="0" err="1" smtClean="0"/>
+              <a:t>kommen</a:t>
+            </a:r>
+            <a:r>
+              <a:rPr lang="en-US" dirty="0" smtClean="0"/>
+              <a:t> der Scrum-Master und das </a:t>
+            </a:r>
+            <a:r>
+              <a:rPr lang="en-US" dirty="0" err="1" smtClean="0"/>
+              <a:t>Entwicklerteam</a:t>
+            </a:r>
+            <a:r>
+              <a:rPr lang="en-US" dirty="0" smtClean="0"/>
+              <a:t> </a:t>
+            </a:r>
+            <a:r>
+              <a:rPr lang="en-US" dirty="0" err="1" smtClean="0"/>
+              <a:t>zusammen</a:t>
             </a:r>
             <a:r>
               <a:rPr lang="en-US" dirty="0" smtClean="0"/>
@@ -7229,58 +7252,145 @@
             <a:endParaRPr lang="en-US" dirty="0" smtClean="0"/>
           </a:p>
           <a:p>
-            <a:pPr lvl="1">
+            <a:pPr>
               <a:spcAft>
                 <a:spcPts val="3000"/>
               </a:spcAft>
             </a:pPr>
             <a:r>
-              <a:rPr lang="en-US" dirty="0" smtClean="0"/>
-              <a:t>Was </a:t>
-            </a:r>
-            <a:r>
-              <a:rPr lang="en-US" dirty="0" err="1" smtClean="0"/>
-              <a:t>macht</a:t>
-            </a:r>
-            <a:r>
-              <a:rPr lang="en-US" dirty="0" smtClean="0"/>
-              <a:t> </a:t>
-            </a:r>
-            <a:r>
-              <a:rPr lang="en-US" dirty="0" err="1" smtClean="0"/>
-              <a:t>er</a:t>
-            </a:r>
-            <a:r>
-              <a:rPr lang="en-US" dirty="0" smtClean="0"/>
-              <a:t> morgen.</a:t>
-            </a:r>
-            <a:endParaRPr lang="en-US" dirty="0" smtClean="0"/>
-          </a:p>
-          <a:p>
-            <a:pPr lvl="1">
+              <a:rPr lang="en-US" dirty="0" err="1" smtClean="0"/>
+              <a:t>Soll-Dauer</a:t>
+            </a:r>
+            <a:r>
+              <a:rPr lang="en-US" dirty="0" smtClean="0"/>
+              <a:t> </a:t>
+            </a:r>
+            <a:r>
+              <a:rPr lang="en-US" dirty="0" err="1" smtClean="0"/>
+              <a:t>beträgt</a:t>
+            </a:r>
+            <a:r>
+              <a:rPr lang="en-US" dirty="0" smtClean="0"/>
+              <a:t> 15 </a:t>
+            </a:r>
+            <a:r>
+              <a:rPr lang="en-US" dirty="0" err="1" smtClean="0"/>
+              <a:t>Minuten</a:t>
+            </a:r>
+            <a:r>
+              <a:rPr lang="en-US" dirty="0" smtClean="0"/>
+              <a:t> und </a:t>
+            </a:r>
+            <a:r>
+              <a:rPr lang="en-US" dirty="0" err="1" smtClean="0"/>
+              <a:t>findet</a:t>
+            </a:r>
+            <a:r>
+              <a:rPr lang="en-US" dirty="0" smtClean="0"/>
+              <a:t> </a:t>
+            </a:r>
+            <a:r>
+              <a:rPr lang="en-US" dirty="0" err="1" smtClean="0"/>
+              <a:t>jeden</a:t>
+            </a:r>
+            <a:r>
+              <a:rPr lang="en-US" dirty="0" smtClean="0"/>
+              <a:t> tag </a:t>
+            </a:r>
+            <a:r>
+              <a:rPr lang="en-US" dirty="0" err="1" smtClean="0"/>
+              <a:t>zur</a:t>
+            </a:r>
+            <a:r>
+              <a:rPr lang="en-US" dirty="0" smtClean="0"/>
+              <a:t> </a:t>
+            </a:r>
+            <a:r>
+              <a:rPr lang="en-US" dirty="0" err="1" smtClean="0"/>
+              <a:t>selben</a:t>
+            </a:r>
+            <a:r>
+              <a:rPr lang="en-US" dirty="0" smtClean="0"/>
+              <a:t> </a:t>
+            </a:r>
+            <a:r>
+              <a:rPr lang="en-US" dirty="0" err="1" smtClean="0"/>
+              <a:t>Zeit</a:t>
+            </a:r>
+            <a:r>
+              <a:rPr lang="en-US" dirty="0" smtClean="0"/>
+              <a:t> am </a:t>
+            </a:r>
+            <a:r>
+              <a:rPr lang="en-US" dirty="0" err="1" smtClean="0"/>
+              <a:t>selben</a:t>
+            </a:r>
+            <a:r>
+              <a:rPr lang="en-US" dirty="0" smtClean="0"/>
+              <a:t> Ort </a:t>
+            </a:r>
+            <a:r>
+              <a:rPr lang="en-US" dirty="0" err="1" smtClean="0"/>
+              <a:t>statt</a:t>
+            </a:r>
+            <a:r>
+              <a:rPr lang="en-US" dirty="0" smtClean="0"/>
+              <a:t>.</a:t>
+            </a:r>
+          </a:p>
+          <a:p>
+            <a:pPr>
               <a:spcAft>
                 <a:spcPts val="3000"/>
               </a:spcAft>
             </a:pPr>
             <a:r>
-              <a:rPr lang="en-US" dirty="0" err="1" smtClean="0"/>
-              <a:t>Welche</a:t>
-            </a:r>
-            <a:r>
-              <a:rPr lang="en-US" dirty="0" smtClean="0"/>
-              <a:t> </a:t>
-            </a:r>
-            <a:r>
-              <a:rPr lang="en-US" dirty="0" err="1" smtClean="0"/>
-              <a:t>Hindernisse</a:t>
-            </a:r>
-            <a:r>
-              <a:rPr lang="en-US" dirty="0" smtClean="0"/>
-              <a:t> </a:t>
-            </a:r>
-            <a:r>
-              <a:rPr lang="en-US" dirty="0" err="1" smtClean="0"/>
-              <a:t>stören</a:t>
+              <a:rPr lang="en-US" dirty="0" smtClean="0"/>
+              <a:t>Die </a:t>
+            </a:r>
+            <a:r>
+              <a:rPr lang="en-US" dirty="0" err="1" smtClean="0"/>
+              <a:t>Teammitglieder</a:t>
+            </a:r>
+            <a:r>
+              <a:rPr lang="en-US" dirty="0" smtClean="0"/>
+              <a:t> </a:t>
+            </a:r>
+            <a:r>
+              <a:rPr lang="en-US" dirty="0" err="1" smtClean="0"/>
+              <a:t>geben</a:t>
+            </a:r>
+            <a:r>
+              <a:rPr lang="en-US" dirty="0" smtClean="0"/>
+              <a:t> und </a:t>
+            </a:r>
+            <a:r>
+              <a:rPr lang="en-US" dirty="0" err="1" smtClean="0"/>
+              <a:t>bekommen</a:t>
+            </a:r>
+            <a:r>
+              <a:rPr lang="en-US" dirty="0" smtClean="0"/>
+              <a:t> </a:t>
+            </a:r>
+            <a:r>
+              <a:rPr lang="en-US" dirty="0" err="1" smtClean="0"/>
+              <a:t>eine</a:t>
+            </a:r>
+            <a:r>
+              <a:rPr lang="en-US" dirty="0" smtClean="0"/>
+              <a:t> </a:t>
+            </a:r>
+            <a:r>
+              <a:rPr lang="en-US" dirty="0" err="1" smtClean="0"/>
+              <a:t>Übersicht</a:t>
+            </a:r>
+            <a:r>
+              <a:rPr lang="en-US" dirty="0" smtClean="0"/>
+              <a:t> </a:t>
+            </a:r>
+            <a:r>
+              <a:rPr lang="en-US" dirty="0" err="1" smtClean="0"/>
+              <a:t>über</a:t>
             </a:r>
             <a:r>
               <a:rPr lang="en-US" dirty="0" smtClean="0"/>
@@ -7290,32 +7400,10 @@
               <a:rPr lang="en-US" dirty="0" err="1" smtClean="0"/>
               <a:t>Fortschritt</a:t>
             </a:r>
-            <a:endParaRPr lang="en-US" dirty="0" smtClean="0"/>
-          </a:p>
-          <a:p>
-            <a:pPr marL="0" indent="0">
-              <a:spcAft>
-                <a:spcPts val="3000"/>
-              </a:spcAft>
-              <a:buNone/>
-            </a:pPr>
-            <a:endParaRPr lang="en-US" dirty="0"/>
-          </a:p>
-          <a:p>
-            <a:pPr lvl="1">
-              <a:spcAft>
-                <a:spcPts val="3000"/>
-              </a:spcAft>
-            </a:pPr>
-            <a:endParaRPr lang="en-US" dirty="0" smtClean="0"/>
-          </a:p>
-          <a:p>
-            <a:pPr marL="457200" lvl="1" indent="0">
-              <a:spcAft>
-                <a:spcPts val="3000"/>
-              </a:spcAft>
-              <a:buNone/>
-            </a:pPr>
+            <a:r>
+              <a:rPr lang="en-US" dirty="0" smtClean="0"/>
+              <a:t> des Sprints.</a:t>
+            </a:r>
             <a:endParaRPr lang="en-US" dirty="0"/>
           </a:p>
         </p:txBody>
@@ -7323,13 +7411,20 @@
     </p:spTree>
     <p:extLst>
       <p:ext uri="{BB962C8B-B14F-4D97-AF65-F5344CB8AC3E}">
-        <p14:creationId xmlns:p14="http://schemas.microsoft.com/office/powerpoint/2010/main" val="1824563642"/>
+        <p14:creationId xmlns:p14="http://schemas.microsoft.com/office/powerpoint/2010/main" val="2645044899"/>
       </p:ext>
     </p:extLst>
   </p:cSld>
   <p:clrMapOvr>
     <a:masterClrMapping/>
   </p:clrMapOvr>
+  <p:timing>
+    <p:tnLst>
+      <p:par>
+        <p:cTn id="1" dur="indefinite" restart="never" nodeType="tmRoot"/>
+      </p:par>
+    </p:tnLst>
+  </p:timing>
 </p:sld>
 </file>
 
@@ -7366,8 +7461,8 @@
           <a:lstStyle/>
           <a:p>
             <a:r>
-              <a:rPr lang="en-US" dirty="0" err="1" smtClean="0"/>
-              <a:t>Vorteile</a:t>
+              <a:rPr lang="en-US" dirty="0" smtClean="0"/>
+              <a:t>Stand-ups</a:t>
             </a:r>
             <a:endParaRPr lang="en-US" sz="3600" dirty="0"/>
           </a:p>
@@ -7401,271 +7496,176 @@
               </a:spcAft>
             </a:pPr>
             <a:r>
-              <a:rPr lang="en-US" dirty="0" smtClean="0"/>
-              <a:t>Die </a:t>
-            </a:r>
-            <a:r>
-              <a:rPr lang="en-US" dirty="0" err="1" smtClean="0"/>
-              <a:t>inkrementelle</a:t>
-            </a:r>
-            <a:r>
-              <a:rPr lang="en-US" dirty="0" smtClean="0"/>
-              <a:t> </a:t>
-            </a:r>
-            <a:r>
-              <a:rPr lang="en-US" dirty="0" err="1" smtClean="0"/>
-              <a:t>Natur</a:t>
-            </a:r>
-            <a:r>
-              <a:rPr lang="en-US" dirty="0" smtClean="0"/>
-              <a:t> von Scrum </a:t>
-            </a:r>
-            <a:r>
-              <a:rPr lang="en-US" dirty="0" err="1" smtClean="0"/>
-              <a:t>bedeutet</a:t>
-            </a:r>
-            <a:r>
-              <a:rPr lang="en-US" dirty="0" smtClean="0"/>
-              <a:t>, </a:t>
-            </a:r>
-            <a:r>
-              <a:rPr lang="en-US" dirty="0" err="1" smtClean="0"/>
-              <a:t>dass</a:t>
-            </a:r>
-            <a:r>
-              <a:rPr lang="en-US" dirty="0" smtClean="0"/>
-              <a:t> das  </a:t>
-            </a:r>
-            <a:r>
-              <a:rPr lang="en-US" dirty="0" err="1" smtClean="0"/>
-              <a:t>Produkt</a:t>
-            </a:r>
-            <a:r>
-              <a:rPr lang="en-US" dirty="0" smtClean="0"/>
-              <a:t> </a:t>
-            </a:r>
-            <a:r>
-              <a:rPr lang="en-US" dirty="0" err="1" smtClean="0"/>
-              <a:t>verkauft</a:t>
-            </a:r>
-            <a:r>
-              <a:rPr lang="en-US" dirty="0" smtClean="0"/>
-              <a:t>/</a:t>
-            </a:r>
-            <a:r>
-              <a:rPr lang="en-US" dirty="0" err="1" smtClean="0"/>
-              <a:t>geliefert</a:t>
-            </a:r>
-            <a:r>
-              <a:rPr lang="en-US" dirty="0" smtClean="0"/>
-              <a:t> </a:t>
-            </a:r>
-            <a:r>
-              <a:rPr lang="en-US" dirty="0" err="1" smtClean="0"/>
-              <a:t>werden</a:t>
-            </a:r>
-            <a:r>
-              <a:rPr lang="en-US" dirty="0" smtClean="0"/>
-              <a:t> </a:t>
-            </a:r>
-            <a:r>
-              <a:rPr lang="en-US" dirty="0" err="1" smtClean="0"/>
-              <a:t>kann</a:t>
-            </a:r>
-            <a:r>
-              <a:rPr lang="en-US" dirty="0" smtClean="0"/>
-              <a:t>, </a:t>
-            </a:r>
-            <a:r>
-              <a:rPr lang="en-US" dirty="0" err="1" smtClean="0"/>
-              <a:t>während</a:t>
-            </a:r>
-            <a:r>
-              <a:rPr lang="en-US" dirty="0" smtClean="0"/>
-              <a:t> der </a:t>
-            </a:r>
-            <a:r>
-              <a:rPr lang="en-US" dirty="0" err="1" smtClean="0"/>
-              <a:t>Entwicklungsprozess</a:t>
-            </a:r>
-            <a:r>
-              <a:rPr lang="en-US" dirty="0" smtClean="0"/>
-              <a:t> </a:t>
-            </a:r>
-            <a:r>
-              <a:rPr lang="en-US" dirty="0" err="1" smtClean="0"/>
-              <a:t>voranschreitet</a:t>
-            </a:r>
-            <a:r>
-              <a:rPr lang="en-US" dirty="0" smtClean="0"/>
-              <a:t>.</a:t>
+              <a:rPr lang="en-US" dirty="0" err="1" smtClean="0"/>
+              <a:t>Jedes</a:t>
+            </a:r>
+            <a:r>
+              <a:rPr lang="en-US" dirty="0" smtClean="0"/>
+              <a:t> </a:t>
+            </a:r>
+            <a:r>
+              <a:rPr lang="en-US" dirty="0" err="1" smtClean="0"/>
+              <a:t>Mitglied</a:t>
+            </a:r>
+            <a:r>
+              <a:rPr lang="en-US" dirty="0" smtClean="0"/>
+              <a:t> </a:t>
+            </a:r>
+            <a:r>
+              <a:rPr lang="en-US" dirty="0" err="1" smtClean="0"/>
+              <a:t>erzählt</a:t>
+            </a:r>
+            <a:r>
+              <a:rPr lang="en-US" dirty="0" smtClean="0"/>
+              <a:t>:</a:t>
             </a:r>
             <a:endParaRPr lang="en-US" dirty="0" smtClean="0"/>
           </a:p>
           <a:p>
-            <a:pPr>
+            <a:pPr lvl="1">
               <a:spcAft>
                 <a:spcPts val="3000"/>
               </a:spcAft>
             </a:pPr>
             <a:r>
-              <a:rPr lang="en-US" dirty="0" err="1" smtClean="0"/>
-              <a:t>Es</a:t>
-            </a:r>
-            <a:r>
-              <a:rPr lang="en-US" dirty="0" smtClean="0"/>
-              <a:t> </a:t>
-            </a:r>
-            <a:r>
-              <a:rPr lang="en-US" dirty="0" err="1" smtClean="0"/>
-              <a:t>wird</a:t>
-            </a:r>
-            <a:r>
-              <a:rPr lang="en-US" dirty="0" smtClean="0"/>
-              <a:t> </a:t>
-            </a:r>
-            <a:r>
-              <a:rPr lang="en-US" dirty="0" err="1" smtClean="0"/>
-              <a:t>nach</a:t>
-            </a:r>
-            <a:r>
-              <a:rPr lang="en-US" dirty="0" smtClean="0"/>
-              <a:t> </a:t>
-            </a:r>
-            <a:r>
-              <a:rPr lang="en-US" dirty="0" err="1" smtClean="0"/>
-              <a:t>jeder</a:t>
-            </a:r>
-            <a:r>
-              <a:rPr lang="en-US" dirty="0" smtClean="0"/>
-              <a:t> </a:t>
-            </a:r>
-            <a:r>
-              <a:rPr lang="en-US" dirty="0" smtClean="0"/>
-              <a:t>Iteration </a:t>
-            </a:r>
-            <a:r>
-              <a:rPr lang="en-US" dirty="0" err="1" smtClean="0"/>
-              <a:t>getestet</a:t>
-            </a:r>
-            <a:r>
-              <a:rPr lang="en-US" dirty="0" smtClean="0"/>
-              <a:t> und </a:t>
-            </a:r>
-            <a:r>
-              <a:rPr lang="en-US" dirty="0" err="1" smtClean="0"/>
-              <a:t>nicht</a:t>
-            </a:r>
-            <a:r>
-              <a:rPr lang="en-US" dirty="0"/>
-              <a:t> </a:t>
-            </a:r>
-            <a:r>
-              <a:rPr lang="en-US" dirty="0" err="1" smtClean="0"/>
-              <a:t>erst</a:t>
-            </a:r>
-            <a:r>
-              <a:rPr lang="en-US" dirty="0"/>
-              <a:t> </a:t>
-            </a:r>
-            <a:r>
-              <a:rPr lang="en-US" dirty="0" smtClean="0"/>
-              <a:t>am </a:t>
-            </a:r>
-            <a:r>
-              <a:rPr lang="en-US" dirty="0" err="1" smtClean="0"/>
-              <a:t>Ende</a:t>
-            </a:r>
-            <a:r>
-              <a:rPr lang="en-US" dirty="0" smtClean="0"/>
-              <a:t> der </a:t>
-            </a:r>
-            <a:r>
-              <a:rPr lang="en-US" dirty="0" err="1" smtClean="0"/>
-              <a:t>Projektentwicklung</a:t>
+              <a:rPr lang="en-US" dirty="0" smtClean="0"/>
+              <a:t>Was </a:t>
+            </a:r>
+            <a:r>
+              <a:rPr lang="en-US" dirty="0" err="1" smtClean="0"/>
+              <a:t>machte</a:t>
+            </a:r>
+            <a:r>
+              <a:rPr lang="en-US" dirty="0" smtClean="0"/>
+              <a:t> </a:t>
+            </a:r>
+            <a:r>
+              <a:rPr lang="en-US" dirty="0" err="1" smtClean="0"/>
+              <a:t>er</a:t>
+            </a:r>
+            <a:r>
+              <a:rPr lang="en-US" dirty="0" smtClean="0"/>
+              <a:t> </a:t>
+            </a:r>
+            <a:r>
+              <a:rPr lang="en-US" dirty="0" err="1" smtClean="0"/>
+              <a:t>gestern</a:t>
             </a:r>
             <a:r>
               <a:rPr lang="en-US" dirty="0" smtClean="0"/>
               <a:t>.</a:t>
             </a:r>
-            <a:endParaRPr lang="en-US" dirty="0"/>
-          </a:p>
-          <a:p>
-            <a:pPr>
+            <a:endParaRPr lang="en-US" dirty="0" smtClean="0"/>
+          </a:p>
+          <a:p>
+            <a:pPr lvl="1">
               <a:spcAft>
                 <a:spcPts val="3000"/>
               </a:spcAft>
             </a:pPr>
             <a:r>
-              <a:rPr lang="en-US" dirty="0" err="1" smtClean="0"/>
-              <a:t>Zieländerungen</a:t>
-            </a:r>
-            <a:r>
-              <a:rPr lang="en-US" dirty="0" smtClean="0"/>
-              <a:t> </a:t>
-            </a:r>
-            <a:r>
-              <a:rPr lang="en-US" dirty="0" err="1" smtClean="0"/>
-              <a:t>während</a:t>
-            </a:r>
-            <a:r>
-              <a:rPr lang="en-US" dirty="0" smtClean="0"/>
-              <a:t> der </a:t>
-            </a:r>
-            <a:r>
-              <a:rPr lang="en-US" dirty="0" err="1" smtClean="0"/>
-              <a:t>Entwicklung</a:t>
-            </a:r>
-            <a:r>
-              <a:rPr lang="en-US" dirty="0" smtClean="0"/>
-              <a:t> </a:t>
-            </a:r>
-            <a:r>
-              <a:rPr lang="en-US" dirty="0" err="1" smtClean="0"/>
-              <a:t>können</a:t>
-            </a:r>
-            <a:r>
-              <a:rPr lang="en-US" dirty="0" smtClean="0"/>
-              <a:t> </a:t>
-            </a:r>
-            <a:r>
-              <a:rPr lang="en-US" dirty="0" err="1" smtClean="0"/>
-              <a:t>jederzeit</a:t>
-            </a:r>
-            <a:r>
-              <a:rPr lang="en-US" dirty="0" smtClean="0"/>
-              <a:t> </a:t>
-            </a:r>
-            <a:r>
-              <a:rPr lang="en-US" dirty="0" err="1" smtClean="0"/>
-              <a:t>berücksichtigt</a:t>
-            </a:r>
-            <a:r>
-              <a:rPr lang="en-US" dirty="0" smtClean="0"/>
-              <a:t> </a:t>
-            </a:r>
-            <a:r>
-              <a:rPr lang="en-US" dirty="0" err="1" smtClean="0"/>
-              <a:t>werden</a:t>
-            </a:r>
-            <a:r>
-              <a:rPr lang="en-US" dirty="0" smtClean="0"/>
-              <a:t>.</a:t>
+              <a:rPr lang="en-US" dirty="0" smtClean="0"/>
+              <a:t>Was </a:t>
+            </a:r>
+            <a:r>
+              <a:rPr lang="en-US" dirty="0" err="1" smtClean="0"/>
+              <a:t>macht</a:t>
+            </a:r>
+            <a:r>
+              <a:rPr lang="en-US" dirty="0" smtClean="0"/>
+              <a:t> </a:t>
+            </a:r>
+            <a:r>
+              <a:rPr lang="en-US" dirty="0" err="1" smtClean="0"/>
+              <a:t>er</a:t>
+            </a:r>
+            <a:r>
+              <a:rPr lang="en-US" dirty="0" smtClean="0"/>
+              <a:t> morgen.</a:t>
             </a:r>
             <a:endParaRPr lang="en-US" dirty="0" smtClean="0"/>
+          </a:p>
+          <a:p>
+            <a:pPr lvl="1">
+              <a:spcAft>
+                <a:spcPts val="3000"/>
+              </a:spcAft>
+            </a:pPr>
+            <a:r>
+              <a:rPr lang="en-US" dirty="0" err="1" smtClean="0"/>
+              <a:t>Welche</a:t>
+            </a:r>
+            <a:r>
+              <a:rPr lang="en-US" dirty="0" smtClean="0"/>
+              <a:t> </a:t>
+            </a:r>
+            <a:r>
+              <a:rPr lang="en-US" dirty="0" err="1" smtClean="0"/>
+              <a:t>Hindernisse</a:t>
+            </a:r>
+            <a:r>
+              <a:rPr lang="en-US" dirty="0" smtClean="0"/>
+              <a:t> </a:t>
+            </a:r>
+            <a:r>
+              <a:rPr lang="en-US" dirty="0" err="1" smtClean="0"/>
+              <a:t>stören</a:t>
+            </a:r>
+            <a:r>
+              <a:rPr lang="en-US" dirty="0" smtClean="0"/>
+              <a:t> den </a:t>
+            </a:r>
+            <a:r>
+              <a:rPr lang="en-US" dirty="0" err="1" smtClean="0"/>
+              <a:t>Fortschritt</a:t>
+            </a:r>
+            <a:endParaRPr lang="en-US" dirty="0" smtClean="0"/>
+          </a:p>
+          <a:p>
+            <a:pPr marL="0" indent="0">
+              <a:spcAft>
+                <a:spcPts val="3000"/>
+              </a:spcAft>
+              <a:buNone/>
+            </a:pPr>
+            <a:endParaRPr lang="en-US" dirty="0"/>
+          </a:p>
+          <a:p>
+            <a:pPr lvl="1">
+              <a:spcAft>
+                <a:spcPts val="3000"/>
+              </a:spcAft>
+            </a:pPr>
+            <a:endParaRPr lang="en-US" dirty="0" smtClean="0"/>
+          </a:p>
+          <a:p>
+            <a:pPr marL="457200" lvl="1" indent="0">
+              <a:spcAft>
+                <a:spcPts val="3000"/>
+              </a:spcAft>
+              <a:buNone/>
+            </a:pPr>
+            <a:endParaRPr lang="en-US" dirty="0"/>
           </a:p>
         </p:txBody>
       </p:sp>
     </p:spTree>
     <p:extLst>
       <p:ext uri="{BB962C8B-B14F-4D97-AF65-F5344CB8AC3E}">
-        <p14:creationId xmlns:p14="http://schemas.microsoft.com/office/powerpoint/2010/main" val="779418708"/>
+        <p14:creationId xmlns:p14="http://schemas.microsoft.com/office/powerpoint/2010/main" val="1824563642"/>
       </p:ext>
     </p:extLst>
   </p:cSld>
   <p:clrMapOvr>
     <a:masterClrMapping/>
   </p:clrMapOvr>
+  <p:timing>
+    <p:tnLst>
+      <p:par>
+        <p:cTn id="1" dur="indefinite" restart="never" nodeType="tmRoot"/>
+      </p:par>
+    </p:tnLst>
+  </p:timing>
 </p:sld>
 </file>
 
@@ -7703,7 +7703,7 @@
           <a:p>
             <a:r>
               <a:rPr lang="en-US" dirty="0" err="1" smtClean="0"/>
-              <a:t>Nachteile</a:t>
+              <a:t>Vorteile</a:t>
             </a:r>
             <a:endParaRPr lang="en-US" sz="3600" dirty="0"/>
           </a:p>
@@ -7738,6 +7738,349 @@
             </a:pPr>
             <a:r>
               <a:rPr lang="en-US" dirty="0" smtClean="0"/>
+              <a:t>Die </a:t>
+            </a:r>
+            <a:r>
+              <a:rPr lang="en-US" dirty="0" err="1" smtClean="0"/>
+              <a:t>inkrementelle</a:t>
+            </a:r>
+            <a:r>
+              <a:rPr lang="en-US" dirty="0" smtClean="0"/>
+              <a:t> </a:t>
+            </a:r>
+            <a:r>
+              <a:rPr lang="en-US" dirty="0" err="1" smtClean="0"/>
+              <a:t>Natur</a:t>
+            </a:r>
+            <a:r>
+              <a:rPr lang="en-US" dirty="0" smtClean="0"/>
+              <a:t> von Scrum </a:t>
+            </a:r>
+            <a:r>
+              <a:rPr lang="en-US" dirty="0" err="1" smtClean="0"/>
+              <a:t>bedeutet</a:t>
+            </a:r>
+            <a:r>
+              <a:rPr lang="en-US" dirty="0" smtClean="0"/>
+              <a:t>, </a:t>
+            </a:r>
+            <a:r>
+              <a:rPr lang="en-US" dirty="0" err="1" smtClean="0"/>
+              <a:t>dass</a:t>
+            </a:r>
+            <a:r>
+              <a:rPr lang="en-US" dirty="0" smtClean="0"/>
+              <a:t> das  </a:t>
+            </a:r>
+            <a:r>
+              <a:rPr lang="en-US" dirty="0" err="1" smtClean="0"/>
+              <a:t>Produkt</a:t>
+            </a:r>
+            <a:r>
+              <a:rPr lang="en-US" dirty="0" smtClean="0"/>
+              <a:t> </a:t>
+            </a:r>
+            <a:r>
+              <a:rPr lang="en-US" dirty="0" err="1" smtClean="0"/>
+              <a:t>verkauft</a:t>
+            </a:r>
+            <a:r>
+              <a:rPr lang="en-US" dirty="0" smtClean="0"/>
+              <a:t>/</a:t>
+            </a:r>
+            <a:r>
+              <a:rPr lang="en-US" dirty="0" err="1" smtClean="0"/>
+              <a:t>geliefert</a:t>
+            </a:r>
+            <a:r>
+              <a:rPr lang="en-US" dirty="0" smtClean="0"/>
+              <a:t> </a:t>
+            </a:r>
+            <a:r>
+              <a:rPr lang="en-US" dirty="0" err="1" smtClean="0"/>
+              <a:t>werden</a:t>
+            </a:r>
+            <a:r>
+              <a:rPr lang="en-US" dirty="0" smtClean="0"/>
+              <a:t> </a:t>
+            </a:r>
+            <a:r>
+              <a:rPr lang="en-US" dirty="0" err="1" smtClean="0"/>
+              <a:t>kann</a:t>
+            </a:r>
+            <a:r>
+              <a:rPr lang="en-US" dirty="0" smtClean="0"/>
+              <a:t>, </a:t>
+            </a:r>
+            <a:r>
+              <a:rPr lang="en-US" dirty="0" err="1" smtClean="0"/>
+              <a:t>während</a:t>
+            </a:r>
+            <a:r>
+              <a:rPr lang="en-US" dirty="0" smtClean="0"/>
+              <a:t> der </a:t>
+            </a:r>
+            <a:r>
+              <a:rPr lang="en-US" dirty="0" err="1" smtClean="0"/>
+              <a:t>Entwicklungsprozess</a:t>
+            </a:r>
+            <a:r>
+              <a:rPr lang="en-US" dirty="0" smtClean="0"/>
+              <a:t> </a:t>
+            </a:r>
+            <a:r>
+              <a:rPr lang="en-US" dirty="0" err="1" smtClean="0"/>
+              <a:t>voranschreitet</a:t>
+            </a:r>
+            <a:r>
+              <a:rPr lang="en-US" dirty="0" smtClean="0"/>
+              <a:t>.</a:t>
+            </a:r>
+            <a:endParaRPr lang="en-US" dirty="0" smtClean="0"/>
+          </a:p>
+          <a:p>
+            <a:pPr>
+              <a:spcAft>
+                <a:spcPts val="3000"/>
+              </a:spcAft>
+            </a:pPr>
+            <a:r>
+              <a:rPr lang="en-US" dirty="0" err="1" smtClean="0"/>
+              <a:t>Es</a:t>
+            </a:r>
+            <a:r>
+              <a:rPr lang="en-US" dirty="0" smtClean="0"/>
+              <a:t> </a:t>
+            </a:r>
+            <a:r>
+              <a:rPr lang="en-US" dirty="0" err="1" smtClean="0"/>
+              <a:t>wird</a:t>
+            </a:r>
+            <a:r>
+              <a:rPr lang="en-US" dirty="0" smtClean="0"/>
+              <a:t> </a:t>
+            </a:r>
+            <a:r>
+              <a:rPr lang="en-US" dirty="0" err="1" smtClean="0"/>
+              <a:t>nach</a:t>
+            </a:r>
+            <a:r>
+              <a:rPr lang="en-US" dirty="0" smtClean="0"/>
+              <a:t> </a:t>
+            </a:r>
+            <a:r>
+              <a:rPr lang="en-US" dirty="0" err="1" smtClean="0"/>
+              <a:t>jeder</a:t>
+            </a:r>
+            <a:r>
+              <a:rPr lang="en-US" dirty="0" smtClean="0"/>
+              <a:t> </a:t>
+            </a:r>
+            <a:r>
+              <a:rPr lang="en-US" dirty="0" smtClean="0"/>
+              <a:t>Iteration </a:t>
+            </a:r>
+            <a:r>
+              <a:rPr lang="en-US" dirty="0" err="1" smtClean="0"/>
+              <a:t>getestet</a:t>
+            </a:r>
+            <a:r>
+              <a:rPr lang="en-US" dirty="0" smtClean="0"/>
+              <a:t> und </a:t>
+            </a:r>
+            <a:r>
+              <a:rPr lang="en-US" dirty="0" err="1" smtClean="0"/>
+              <a:t>nicht</a:t>
+            </a:r>
+            <a:r>
+              <a:rPr lang="en-US" dirty="0"/>
+              <a:t> </a:t>
+            </a:r>
+            <a:r>
+              <a:rPr lang="en-US" dirty="0" err="1" smtClean="0"/>
+              <a:t>erst</a:t>
+            </a:r>
+            <a:r>
+              <a:rPr lang="en-US" dirty="0"/>
+              <a:t> </a:t>
+            </a:r>
+            <a:r>
+              <a:rPr lang="en-US" dirty="0" smtClean="0"/>
+              <a:t>am </a:t>
+            </a:r>
+            <a:r>
+              <a:rPr lang="en-US" dirty="0" err="1" smtClean="0"/>
+              <a:t>Ende</a:t>
+            </a:r>
+            <a:r>
+              <a:rPr lang="en-US" dirty="0" smtClean="0"/>
+              <a:t> der </a:t>
+            </a:r>
+            <a:r>
+              <a:rPr lang="en-US" dirty="0" err="1" smtClean="0"/>
+              <a:t>Projektentwicklung</a:t>
+            </a:r>
+            <a:r>
+              <a:rPr lang="en-US" dirty="0" smtClean="0"/>
+              <a:t>.</a:t>
+            </a:r>
+            <a:endParaRPr lang="en-US" dirty="0"/>
+          </a:p>
+          <a:p>
+            <a:pPr>
+              <a:spcAft>
+                <a:spcPts val="3000"/>
+              </a:spcAft>
+            </a:pPr>
+            <a:r>
+              <a:rPr lang="en-US" dirty="0" err="1" smtClean="0"/>
+              <a:t>Zieländerungen</a:t>
+            </a:r>
+            <a:r>
+              <a:rPr lang="en-US" dirty="0" smtClean="0"/>
+              <a:t> </a:t>
+            </a:r>
+            <a:r>
+              <a:rPr lang="en-US" dirty="0" err="1" smtClean="0"/>
+              <a:t>während</a:t>
+            </a:r>
+            <a:r>
+              <a:rPr lang="en-US" dirty="0" smtClean="0"/>
+              <a:t> der </a:t>
+            </a:r>
+            <a:r>
+              <a:rPr lang="en-US" dirty="0" err="1" smtClean="0"/>
+              <a:t>Entwicklung</a:t>
+            </a:r>
+            <a:r>
+              <a:rPr lang="en-US" dirty="0" smtClean="0"/>
+              <a:t> </a:t>
+            </a:r>
+            <a:r>
+              <a:rPr lang="en-US" dirty="0" err="1" smtClean="0"/>
+              <a:t>können</a:t>
+            </a:r>
+            <a:r>
+              <a:rPr lang="en-US" dirty="0" smtClean="0"/>
+              <a:t> </a:t>
+            </a:r>
+            <a:r>
+              <a:rPr lang="en-US" dirty="0" err="1" smtClean="0"/>
+              <a:t>jederzeit</a:t>
+            </a:r>
+            <a:r>
+              <a:rPr lang="en-US" dirty="0" smtClean="0"/>
+              <a:t> </a:t>
+            </a:r>
+            <a:r>
+              <a:rPr lang="en-US" dirty="0" err="1" smtClean="0"/>
+              <a:t>berücksichtigt</a:t>
+            </a:r>
+            <a:r>
+              <a:rPr lang="en-US" dirty="0" smtClean="0"/>
+              <a:t> </a:t>
+            </a:r>
+            <a:r>
+              <a:rPr lang="en-US" dirty="0" err="1" smtClean="0"/>
+              <a:t>werden</a:t>
+            </a:r>
+            <a:r>
+              <a:rPr lang="en-US" dirty="0" smtClean="0"/>
+              <a:t>.</a:t>
+            </a:r>
+            <a:endParaRPr lang="en-US" dirty="0" smtClean="0"/>
+          </a:p>
+        </p:txBody>
+      </p:sp>
+    </p:spTree>
+    <p:extLst>
+      <p:ext uri="{BB962C8B-B14F-4D97-AF65-F5344CB8AC3E}">
+        <p14:creationId xmlns:p14="http://schemas.microsoft.com/office/powerpoint/2010/main" val="779418708"/>
+      </p:ext>
+    </p:extLst>
+  </p:cSld>
+  <p:clrMapOvr>
+    <a:masterClrMapping/>
+  </p:clrMapOvr>
+  <p:timing>
+    <p:tnLst>
+      <p:par>
+        <p:cTn id="1" dur="indefinite" restart="never" nodeType="tmRoot"/>
+      </p:par>
+    </p:tnLst>
+  </p:timing>
+</p:sld>
+</file>
+
+<file path=ppt/slides/slide24.xml><?xml version="1.0" encoding="utf-8"?>
+<p:sld xmlns:a="http://schemas.openxmlformats.org/drawingml/2006/main" xmlns:r="http://schemas.openxmlformats.org/officeDocument/2006/relationships" xmlns:p="http://schemas.openxmlformats.org/presentationml/2006/main">
+  <p:cSld>
+    <p:spTree>
+      <p:nvGrpSpPr>
+        <p:cNvPr id="1" name=""/>
+        <p:cNvGrpSpPr/>
+        <p:nvPr/>
+      </p:nvGrpSpPr>
+      <p:grpSpPr>
+        <a:xfrm>
+          <a:off x="0" y="0"/>
+          <a:ext cx="0" cy="0"/>
+          <a:chOff x="0" y="0"/>
+          <a:chExt cx="0" cy="0"/>
+        </a:xfrm>
+      </p:grpSpPr>
+      <p:sp>
+        <p:nvSpPr>
+          <p:cNvPr id="2" name="Title 1"/>
+          <p:cNvSpPr>
+            <a:spLocks noGrp="1"/>
+          </p:cNvSpPr>
+          <p:nvPr>
+            <p:ph type="title"/>
+          </p:nvPr>
+        </p:nvSpPr>
+        <p:spPr/>
+        <p:txBody>
+          <a:bodyPr/>
+          <a:lstStyle/>
+          <a:p>
+            <a:r>
+              <a:rPr lang="en-US" dirty="0" err="1" smtClean="0"/>
+              <a:t>Nachteile</a:t>
+            </a:r>
+            <a:endParaRPr lang="en-US" sz="3600" dirty="0"/>
+          </a:p>
+        </p:txBody>
+      </p:sp>
+      <p:sp>
+        <p:nvSpPr>
+          <p:cNvPr id="4" name="Content Placeholder 2"/>
+          <p:cNvSpPr>
+            <a:spLocks noGrp="1"/>
+          </p:cNvSpPr>
+          <p:nvPr>
+            <p:ph idx="1"/>
+          </p:nvPr>
+        </p:nvSpPr>
+        <p:spPr>
+          <a:xfrm>
+            <a:off x="457200" y="1746356"/>
+            <a:ext cx="8229600" cy="4379807"/>
+          </a:xfrm>
+        </p:spPr>
+        <p:txBody>
+          <a:bodyPr>
+            <a:normAutofit/>
+          </a:bodyPr>
+          <a:lstStyle/>
+          <a:p>
+            <a:pPr>
+              <a:spcAft>
+                <a:spcPts val="3000"/>
+              </a:spcAft>
+            </a:pPr>
+            <a:r>
+              <a:rPr lang="en-US" dirty="0" smtClean="0"/>
               <a:t>Das </a:t>
             </a:r>
             <a:r>
@@ -7826,7 +8169,15 @@
             </a:r>
             <a:r>
               <a:rPr lang="en-US" dirty="0" smtClean="0"/>
-              <a:t> Skill-Level der </a:t>
+              <a:t> </a:t>
+            </a:r>
+            <a:r>
+              <a:rPr lang="en-US" dirty="0" err="1" smtClean="0"/>
+              <a:t>Niveau</a:t>
+            </a:r>
+            <a:r>
+              <a:rPr lang="en-US" dirty="0" smtClean="0"/>
+              <a:t> der </a:t>
             </a:r>
             <a:r>
               <a:rPr lang="en-US" dirty="0" err="1" smtClean="0"/>
@@ -7974,7 +8325,7 @@
 </p:sld>
 </file>
 
-<file path=ppt/slides/slide24.xml><?xml version="1.0" encoding="utf-8"?>
+<file path=ppt/slides/slide25.xml><?xml version="1.0" encoding="utf-8"?>
 <p:sld xmlns:a="http://schemas.openxmlformats.org/drawingml/2006/main" xmlns:r="http://schemas.openxmlformats.org/officeDocument/2006/relationships" xmlns:p="http://schemas.openxmlformats.org/presentationml/2006/main">
   <p:cSld>
     <p:spTree>
@@ -8571,50 +8922,42 @@
             </a:r>
             <a:r>
               <a:rPr lang="en-US" dirty="0" smtClean="0"/>
+              <a:t>, das </a:t>
+            </a:r>
+            <a:r>
+              <a:rPr lang="en-US" dirty="0" err="1" smtClean="0"/>
+              <a:t>es</a:t>
+            </a:r>
+            <a:r>
+              <a:rPr lang="en-US" dirty="0" smtClean="0"/>
+              <a:t> </a:t>
+            </a:r>
+            <a:r>
+              <a:rPr lang="en-US" dirty="0" err="1" smtClean="0"/>
+              <a:t>dem</a:t>
+            </a:r>
+            <a:r>
+              <a:rPr lang="en-US" dirty="0" smtClean="0"/>
+              <a:t> </a:t>
+            </a:r>
+            <a:r>
+              <a:rPr lang="en-US" dirty="0" err="1" smtClean="0"/>
+              <a:t>Kunden</a:t>
+            </a:r>
+            <a:r>
+              <a:rPr lang="en-US" dirty="0" smtClean="0"/>
+              <a:t> </a:t>
+            </a:r>
+            <a:r>
+              <a:rPr lang="en-US" dirty="0" err="1" smtClean="0"/>
+              <a:t>erlaubt</a:t>
+            </a:r>
+            <a:r>
+              <a:rPr lang="en-US" dirty="0" smtClean="0"/>
               <a:t>, </a:t>
             </a:r>
             <a:r>
               <a:rPr lang="en-US" dirty="0" err="1" smtClean="0"/>
-              <a:t>dass</a:t>
-            </a:r>
-            <a:r>
-              <a:rPr lang="en-US" dirty="0" smtClean="0"/>
-              <a:t> </a:t>
-            </a:r>
-            <a:r>
-              <a:rPr lang="en-US" dirty="0" err="1" smtClean="0"/>
-              <a:t>es</a:t>
-            </a:r>
-            <a:r>
-              <a:rPr lang="en-US" dirty="0" smtClean="0"/>
-              <a:t> </a:t>
-            </a:r>
-            <a:r>
-              <a:rPr lang="en-US" dirty="0" err="1" smtClean="0"/>
-              <a:t>dem</a:t>
-            </a:r>
-            <a:r>
-              <a:rPr lang="en-US" dirty="0" smtClean="0"/>
-              <a:t> </a:t>
-            </a:r>
-            <a:r>
-              <a:rPr lang="en-US" dirty="0" err="1" smtClean="0"/>
-              <a:t>Kunden</a:t>
-            </a:r>
-            <a:r>
-              <a:rPr lang="en-US" dirty="0" smtClean="0"/>
-              <a:t> </a:t>
-            </a:r>
-            <a:r>
-              <a:rPr lang="en-US" dirty="0" err="1" smtClean="0"/>
-              <a:t>erlaubt</a:t>
-            </a:r>
-            <a:r>
-              <a:rPr lang="en-US" dirty="0" smtClean="0"/>
-              <a:t>, </a:t>
-            </a:r>
-            <a:r>
-              <a:rPr lang="en-US" dirty="0" err="1" smtClean="0"/>
               <a:t>während</a:t>
             </a:r>
             <a:r>
@@ -8632,6 +8975,22 @@
             <a:r>
               <a:rPr lang="en-US" dirty="0" err="1" smtClean="0"/>
               <a:t>Meinung</a:t>
+            </a:r>
+            <a:r>
+              <a:rPr lang="en-US" dirty="0"/>
+              <a:t> </a:t>
+            </a:r>
+            <a:r>
+              <a:rPr lang="en-US" dirty="0" err="1" smtClean="0"/>
+              <a:t>bzw</a:t>
+            </a:r>
+            <a:r>
+              <a:rPr lang="en-US" dirty="0" smtClean="0"/>
+              <a:t>. </a:t>
+            </a:r>
+            <a:r>
+              <a:rPr lang="en-US" dirty="0" err="1" smtClean="0"/>
+              <a:t>Zielvorgaben</a:t>
             </a:r>
             <a:r>
               <a:rPr lang="en-US" dirty="0" smtClean="0"/>
@@ -8711,7 +9070,7 @@
           <a:p>
             <a:r>
               <a:rPr lang="en-US" dirty="0" err="1" smtClean="0"/>
-              <a:t>Ursprünge</a:t>
+              <a:t>Hintergründe</a:t>
             </a:r>
             <a:endParaRPr lang="en-US" dirty="0"/>
           </a:p>
@@ -8820,15 +9179,31 @@
             </a:r>
             <a:r>
               <a:rPr lang="en-US" dirty="0" smtClean="0"/>
-              <a:t>crum” und die </a:t>
-            </a:r>
-            <a:r>
-              <a:rPr lang="en-US" dirty="0" err="1" smtClean="0"/>
-              <a:t>Bedeutung</a:t>
-            </a:r>
-            <a:r>
-              <a:rPr lang="en-US" dirty="0" smtClean="0"/>
-              <a:t> von Teamwork, welches </a:t>
+              <a:t>crum” und </a:t>
+            </a:r>
+            <a:r>
+              <a:rPr lang="en-US" dirty="0" err="1" smtClean="0"/>
+              <a:t>dem</a:t>
+            </a:r>
+            <a:r>
+              <a:rPr lang="en-US" dirty="0" smtClean="0"/>
+              <a:t> </a:t>
+            </a:r>
+            <a:r>
+              <a:rPr lang="en-US" dirty="0" err="1" smtClean="0"/>
+              <a:t>Stellenwert</a:t>
+            </a:r>
+            <a:r>
+              <a:rPr lang="en-US" dirty="0" smtClean="0"/>
+              <a:t> von Teamwork, </a:t>
+            </a:r>
+            <a:r>
+              <a:rPr lang="en-US" dirty="0" err="1" smtClean="0"/>
+              <a:t>welcher</a:t>
+            </a:r>
+            <a:r>
+              <a:rPr lang="en-US" dirty="0" smtClean="0"/>
+              <a:t> </a:t>
             </a:r>
             <a:r>
               <a:rPr lang="en-US" dirty="0" err="1" smtClean="0"/>
@@ -9012,27 +9387,7 @@
           <a:p>
             <a:r>
               <a:rPr lang="en-US" dirty="0" err="1" smtClean="0"/>
-              <a:t>Wie</a:t>
-            </a:r>
-            <a:r>
-              <a:rPr lang="en-US" dirty="0" smtClean="0"/>
-              <a:t> </a:t>
-            </a:r>
-            <a:r>
-              <a:rPr lang="en-US" dirty="0" err="1" smtClean="0"/>
-              <a:t>ist</a:t>
-            </a:r>
-            <a:r>
-              <a:rPr lang="en-US" dirty="0" smtClean="0"/>
-              <a:t> die </a:t>
-            </a:r>
-            <a:r>
-              <a:rPr lang="en-US" dirty="0" err="1" smtClean="0"/>
               <a:t>Rollenverteilung</a:t>
-            </a:r>
-            <a:r>
-              <a:rPr lang="en-US" dirty="0" smtClean="0"/>
-              <a:t>?</a:t>
             </a:r>
             <a:endParaRPr lang="en-US" dirty="0"/>
           </a:p>
@@ -9123,14 +9478,6 @@
             <a:r>
               <a:rPr lang="en-US" sz="2800" dirty="0" err="1" smtClean="0"/>
               <a:t>Entwicklerteam</a:t>
-            </a:r>
-            <a:r>
-              <a:rPr lang="en-US" sz="2800" dirty="0" smtClean="0"/>
-              <a:t> </a:t>
-            </a:r>
-            <a:r>
-              <a:rPr lang="en-US" sz="2800" dirty="0" smtClean="0"/>
-              <a:t>Team</a:t>
             </a:r>
             <a:endParaRPr lang="en-US" sz="2800" dirty="0"/>
           </a:p>
@@ -9403,6 +9750,13 @@
   <p:clrMapOvr>
     <a:masterClrMapping/>
   </p:clrMapOvr>
+  <p:timing>
+    <p:tnLst>
+      <p:par>
+        <p:cTn id="1" dur="indefinite" restart="never" nodeType="tmRoot"/>
+      </p:par>
+    </p:tnLst>
+  </p:timing>
 </p:sld>
 </file>
 
@@ -9748,6 +10102,13 @@
   <p:clrMapOvr>
     <a:masterClrMapping/>
   </p:clrMapOvr>
+  <p:timing>
+    <p:tnLst>
+      <p:par>
+        <p:cTn id="1" dur="indefinite" restart="never" nodeType="tmRoot"/>
+      </p:par>
+    </p:tnLst>
+  </p:timing>
 </p:sld>
 </file>
 

--- a/Scrum.pptx
+++ b/Scrum.pptx
@@ -5,7 +5,7 @@
     <p:sldMasterId id="2147483648" r:id="rId1"/>
   </p:sldMasterIdLst>
   <p:notesMasterIdLst>
-    <p:notesMasterId r:id="rId32"/>
+    <p:notesMasterId r:id="rId33"/>
   </p:notesMasterIdLst>
   <p:sldIdLst>
     <p:sldId id="256" r:id="rId2"/>
@@ -16,28 +16,29 @@
     <p:sldId id="268" r:id="rId7"/>
     <p:sldId id="285" r:id="rId8"/>
     <p:sldId id="284" r:id="rId9"/>
-    <p:sldId id="261" r:id="rId10"/>
-    <p:sldId id="262" r:id="rId11"/>
-    <p:sldId id="263" r:id="rId12"/>
-    <p:sldId id="264" r:id="rId13"/>
-    <p:sldId id="265" r:id="rId14"/>
-    <p:sldId id="266" r:id="rId15"/>
-    <p:sldId id="267" r:id="rId16"/>
-    <p:sldId id="280" r:id="rId17"/>
-    <p:sldId id="281" r:id="rId18"/>
-    <p:sldId id="273" r:id="rId19"/>
-    <p:sldId id="258" r:id="rId20"/>
-    <p:sldId id="276" r:id="rId21"/>
-    <p:sldId id="277" r:id="rId22"/>
-    <p:sldId id="278" r:id="rId23"/>
-    <p:sldId id="279" r:id="rId24"/>
-    <p:sldId id="283" r:id="rId25"/>
-    <p:sldId id="282" r:id="rId26"/>
-    <p:sldId id="259" r:id="rId27"/>
-    <p:sldId id="260" r:id="rId28"/>
-    <p:sldId id="269" r:id="rId29"/>
-    <p:sldId id="270" r:id="rId30"/>
-    <p:sldId id="271" r:id="rId31"/>
+    <p:sldId id="286" r:id="rId10"/>
+    <p:sldId id="261" r:id="rId11"/>
+    <p:sldId id="262" r:id="rId12"/>
+    <p:sldId id="263" r:id="rId13"/>
+    <p:sldId id="264" r:id="rId14"/>
+    <p:sldId id="265" r:id="rId15"/>
+    <p:sldId id="266" r:id="rId16"/>
+    <p:sldId id="267" r:id="rId17"/>
+    <p:sldId id="280" r:id="rId18"/>
+    <p:sldId id="281" r:id="rId19"/>
+    <p:sldId id="273" r:id="rId20"/>
+    <p:sldId id="258" r:id="rId21"/>
+    <p:sldId id="276" r:id="rId22"/>
+    <p:sldId id="277" r:id="rId23"/>
+    <p:sldId id="278" r:id="rId24"/>
+    <p:sldId id="279" r:id="rId25"/>
+    <p:sldId id="283" r:id="rId26"/>
+    <p:sldId id="282" r:id="rId27"/>
+    <p:sldId id="259" r:id="rId28"/>
+    <p:sldId id="260" r:id="rId29"/>
+    <p:sldId id="269" r:id="rId30"/>
+    <p:sldId id="270" r:id="rId31"/>
+    <p:sldId id="271" r:id="rId32"/>
   </p:sldIdLst>
   <p:sldSz cx="9144000" cy="6858000" type="screen4x3"/>
   <p:notesSz cx="6858000" cy="9144000"/>
@@ -1000,7 +1001,7 @@
     </p:spTree>
     <p:extLst>
       <p:ext uri="{BB962C8B-B14F-4D97-AF65-F5344CB8AC3E}">
-        <p14:creationId xmlns:p14="http://schemas.microsoft.com/office/powerpoint/2010/main" val="4032834175"/>
+        <p14:creationId xmlns:p14="http://schemas.microsoft.com/office/powerpoint/2010/main" val="4104044124"/>
       </p:ext>
     </p:extLst>
   </p:cSld>
@@ -1054,7 +1055,24 @@
           <a:bodyPr/>
           <a:lstStyle/>
           <a:p>
-            <a:endParaRPr lang="en-US" dirty="0"/>
+            <a:pPr marL="0" marR="0" indent="0" algn="l" defTabSz="457200" rtl="0" eaLnBrk="1" fontAlgn="auto" latinLnBrk="0" hangingPunct="1">
+              <a:lnSpc>
+                <a:spcPct val="100000"/>
+              </a:lnSpc>
+              <a:spcBef>
+                <a:spcPts val="0"/>
+              </a:spcBef>
+              <a:spcAft>
+                <a:spcPts val="0"/>
+              </a:spcAft>
+              <a:buClrTx/>
+              <a:buSzTx/>
+              <a:buFontTx/>
+              <a:buNone/>
+              <a:tabLst/>
+              <a:defRPr/>
+            </a:pPr>
+            <a:endParaRPr lang="en-US" dirty="0" smtClean="0"/>
           </a:p>
         </p:txBody>
       </p:sp>
@@ -1075,7 +1093,91 @@
           <a:p>
             <a:fld id="{80902561-DDF2-C641-88B2-E6604D56DEA9}" type="slidenum">
               <a:rPr lang="en-US" smtClean="0"/>
-              <a:t>30</a:t>
+              <a:t>10</a:t>
+            </a:fld>
+            <a:endParaRPr lang="en-US"/>
+          </a:p>
+        </p:txBody>
+      </p:sp>
+    </p:spTree>
+    <p:extLst>
+      <p:ext uri="{BB962C8B-B14F-4D97-AF65-F5344CB8AC3E}">
+        <p14:creationId xmlns:p14="http://schemas.microsoft.com/office/powerpoint/2010/main" val="4032834175"/>
+      </p:ext>
+    </p:extLst>
+  </p:cSld>
+  <p:clrMapOvr>
+    <a:masterClrMapping/>
+  </p:clrMapOvr>
+</p:notes>
+</file>
+
+<file path=ppt/notesSlides/notesSlide7.xml><?xml version="1.0" encoding="utf-8"?>
+<p:notes xmlns:a="http://schemas.openxmlformats.org/drawingml/2006/main" xmlns:r="http://schemas.openxmlformats.org/officeDocument/2006/relationships" xmlns:p="http://schemas.openxmlformats.org/presentationml/2006/main">
+  <p:cSld>
+    <p:spTree>
+      <p:nvGrpSpPr>
+        <p:cNvPr id="1" name=""/>
+        <p:cNvGrpSpPr/>
+        <p:nvPr/>
+      </p:nvGrpSpPr>
+      <p:grpSpPr>
+        <a:xfrm>
+          <a:off x="0" y="0"/>
+          <a:ext cx="0" cy="0"/>
+          <a:chOff x="0" y="0"/>
+          <a:chExt cx="0" cy="0"/>
+        </a:xfrm>
+      </p:grpSpPr>
+      <p:sp>
+        <p:nvSpPr>
+          <p:cNvPr id="2" name="Slide Image Placeholder 1"/>
+          <p:cNvSpPr>
+            <a:spLocks noGrp="1" noRot="1" noChangeAspect="1"/>
+          </p:cNvSpPr>
+          <p:nvPr>
+            <p:ph type="sldImg"/>
+          </p:nvPr>
+        </p:nvSpPr>
+        <p:spPr/>
+      </p:sp>
+      <p:sp>
+        <p:nvSpPr>
+          <p:cNvPr id="3" name="Notes Placeholder 2"/>
+          <p:cNvSpPr>
+            <a:spLocks noGrp="1"/>
+          </p:cNvSpPr>
+          <p:nvPr>
+            <p:ph type="body" idx="1"/>
+          </p:nvPr>
+        </p:nvSpPr>
+        <p:spPr/>
+        <p:txBody>
+          <a:bodyPr/>
+          <a:lstStyle/>
+          <a:p>
+            <a:endParaRPr lang="en-US" dirty="0"/>
+          </a:p>
+        </p:txBody>
+      </p:sp>
+      <p:sp>
+        <p:nvSpPr>
+          <p:cNvPr id="4" name="Slide Number Placeholder 3"/>
+          <p:cNvSpPr>
+            <a:spLocks noGrp="1"/>
+          </p:cNvSpPr>
+          <p:nvPr>
+            <p:ph type="sldNum" sz="quarter" idx="10"/>
+          </p:nvPr>
+        </p:nvSpPr>
+        <p:spPr/>
+        <p:txBody>
+          <a:bodyPr/>
+          <a:lstStyle/>
+          <a:p>
+            <a:fld id="{80902561-DDF2-C641-88B2-E6604D56DEA9}" type="slidenum">
+              <a:rPr lang="en-US" smtClean="0"/>
+              <a:t>31</a:t>
             </a:fld>
             <a:endParaRPr lang="en-US"/>
           </a:p>
@@ -4518,8 +4620,8 @@
           <a:lstStyle/>
           <a:p>
             <a:r>
-              <a:rPr lang="en-US" dirty="0" smtClean="0"/>
-              <a:t>Product Owner</a:t>
+              <a:rPr lang="en-US" dirty="0" err="1" smtClean="0"/>
+              <a:t>Rollenverteilung</a:t>
             </a:r>
             <a:endParaRPr lang="en-US" dirty="0"/>
           </a:p>
@@ -4527,7 +4629,7 @@
       </p:sp>
       <p:sp>
         <p:nvSpPr>
-          <p:cNvPr id="4" name="Content Placeholder 2"/>
+          <p:cNvPr id="3" name="Content Placeholder 2"/>
           <p:cNvSpPr>
             <a:spLocks noGrp="1"/>
           </p:cNvSpPr>
@@ -4542,183 +4644,75 @@
           </a:xfrm>
         </p:spPr>
         <p:txBody>
-          <a:bodyPr/>
+          <a:bodyPr>
+            <a:normAutofit/>
+          </a:bodyPr>
           <a:lstStyle/>
           <a:p>
             <a:pPr>
+              <a:lnSpc>
+                <a:spcPct val="200000"/>
+              </a:lnSpc>
               <a:spcAft>
                 <a:spcPts val="3000"/>
               </a:spcAft>
             </a:pPr>
             <a:r>
-              <a:rPr lang="en-US" dirty="0" err="1" smtClean="0"/>
-              <a:t>Repräsentiert</a:t>
-            </a:r>
-            <a:r>
-              <a:rPr lang="en-US" dirty="0" smtClean="0"/>
-              <a:t> den </a:t>
-            </a:r>
-            <a:r>
-              <a:rPr lang="en-US" dirty="0" err="1" smtClean="0"/>
-              <a:t>Kunden</a:t>
-            </a:r>
-            <a:r>
-              <a:rPr lang="en-US" dirty="0" smtClean="0"/>
-              <a:t>.</a:t>
+              <a:rPr lang="en-US" sz="2800" i="1" dirty="0" err="1" smtClean="0"/>
+              <a:t>Ein</a:t>
+            </a:r>
+            <a:r>
+              <a:rPr lang="en-US" sz="2800" dirty="0" smtClean="0"/>
+              <a:t> Product Owner</a:t>
             </a:r>
           </a:p>
           <a:p>
             <a:pPr>
+              <a:lnSpc>
+                <a:spcPct val="200000"/>
+              </a:lnSpc>
               <a:spcAft>
                 <a:spcPts val="3000"/>
               </a:spcAft>
             </a:pPr>
             <a:r>
-              <a:rPr lang="en-US" dirty="0" err="1" smtClean="0"/>
-              <a:t>Ist</a:t>
-            </a:r>
-            <a:r>
-              <a:rPr lang="en-US" dirty="0" smtClean="0"/>
-              <a:t> auf der </a:t>
-            </a:r>
-            <a:r>
-              <a:rPr lang="en-US" dirty="0" err="1"/>
-              <a:t>G</a:t>
-            </a:r>
-            <a:r>
-              <a:rPr lang="en-US" dirty="0" err="1" smtClean="0"/>
-              <a:t>eschäftsseite</a:t>
-            </a:r>
-            <a:r>
-              <a:rPr lang="en-US" dirty="0" smtClean="0"/>
-              <a:t> des </a:t>
-            </a:r>
-            <a:r>
-              <a:rPr lang="en-US" dirty="0" err="1" smtClean="0"/>
-              <a:t>Projektes</a:t>
-            </a:r>
-            <a:r>
-              <a:rPr lang="en-US" dirty="0" smtClean="0"/>
-              <a:t>.</a:t>
+              <a:rPr lang="en-US" sz="2800" i="1" dirty="0" err="1" smtClean="0"/>
+              <a:t>Ein</a:t>
+            </a:r>
+            <a:r>
+              <a:rPr lang="en-US" sz="2800" dirty="0" smtClean="0"/>
+              <a:t> Scrum Manager</a:t>
             </a:r>
           </a:p>
           <a:p>
             <a:pPr>
+              <a:lnSpc>
+                <a:spcPct val="200000"/>
+              </a:lnSpc>
               <a:spcAft>
                 <a:spcPts val="3000"/>
               </a:spcAft>
             </a:pPr>
             <a:r>
-              <a:rPr lang="en-US" dirty="0" err="1" smtClean="0"/>
-              <a:t>Versucht</a:t>
-            </a:r>
-            <a:r>
-              <a:rPr lang="en-US" dirty="0" smtClean="0"/>
-              <a:t> </a:t>
-            </a:r>
-            <a:r>
-              <a:rPr lang="en-US" dirty="0" err="1" smtClean="0"/>
-              <a:t>sich</a:t>
-            </a:r>
-            <a:r>
-              <a:rPr lang="en-US" dirty="0" smtClean="0"/>
-              <a:t> von </a:t>
-            </a:r>
-            <a:r>
-              <a:rPr lang="en-US" dirty="0" err="1" smtClean="0"/>
-              <a:t>technischen</a:t>
-            </a:r>
-            <a:r>
-              <a:rPr lang="en-US" dirty="0" smtClean="0"/>
-              <a:t> </a:t>
-            </a:r>
-            <a:r>
-              <a:rPr lang="en-US" dirty="0" err="1" smtClean="0"/>
-              <a:t>Fragestellungen</a:t>
-            </a:r>
-            <a:r>
-              <a:rPr lang="en-US" dirty="0" smtClean="0"/>
-              <a:t> fern </a:t>
-            </a:r>
-            <a:r>
-              <a:rPr lang="en-US" dirty="0" err="1" smtClean="0"/>
-              <a:t>zu</a:t>
-            </a:r>
-            <a:r>
-              <a:rPr lang="en-US" dirty="0" smtClean="0"/>
-              <a:t> </a:t>
-            </a:r>
-            <a:r>
-              <a:rPr lang="en-US" dirty="0" err="1" smtClean="0"/>
-              <a:t>halten</a:t>
-            </a:r>
-            <a:r>
-              <a:rPr lang="en-US" dirty="0" smtClean="0"/>
-              <a:t>.</a:t>
-            </a:r>
-          </a:p>
-          <a:p>
-            <a:pPr>
-              <a:spcAft>
-                <a:spcPts val="3000"/>
-              </a:spcAft>
-            </a:pPr>
-            <a:r>
-              <a:rPr lang="en-US" dirty="0" err="1" smtClean="0"/>
-              <a:t>Ist</a:t>
-            </a:r>
-            <a:r>
-              <a:rPr lang="en-US" dirty="0" smtClean="0"/>
-              <a:t> das </a:t>
-            </a:r>
-            <a:r>
-              <a:rPr lang="en-US" dirty="0" err="1" smtClean="0"/>
-              <a:t>Bindeglied</a:t>
-            </a:r>
-            <a:r>
-              <a:rPr lang="en-US" dirty="0" smtClean="0"/>
-              <a:t> </a:t>
-            </a:r>
-            <a:r>
-              <a:rPr lang="en-US" dirty="0" err="1" smtClean="0"/>
-              <a:t>zwischen</a:t>
-            </a:r>
-            <a:r>
-              <a:rPr lang="en-US" dirty="0" smtClean="0"/>
-              <a:t> den </a:t>
-            </a:r>
-            <a:r>
-              <a:rPr lang="en-US" dirty="0" err="1" smtClean="0"/>
-              <a:t>Anteilseignern</a:t>
-            </a:r>
-            <a:r>
-              <a:rPr lang="en-US" dirty="0" smtClean="0"/>
-              <a:t> und </a:t>
-            </a:r>
-            <a:r>
-              <a:rPr lang="en-US" dirty="0" err="1" smtClean="0"/>
-              <a:t>dem</a:t>
-            </a:r>
-            <a:r>
-              <a:rPr lang="en-US" dirty="0" smtClean="0"/>
-              <a:t> </a:t>
-            </a:r>
-            <a:r>
-              <a:rPr lang="en-US" dirty="0" err="1" smtClean="0"/>
+              <a:rPr lang="en-US" sz="2800" dirty="0" err="1" smtClean="0"/>
+              <a:t>Ein</a:t>
+            </a:r>
+            <a:r>
+              <a:rPr lang="en-US" sz="2800" dirty="0" smtClean="0"/>
+              <a:t> </a:t>
+            </a:r>
+            <a:r>
+              <a:rPr lang="en-US" sz="2800" dirty="0" err="1" smtClean="0"/>
               <a:t>Entwicklerteam</a:t>
             </a:r>
-            <a:r>
-              <a:rPr lang="en-US" dirty="0" smtClean="0"/>
-              <a:t>.</a:t>
-            </a:r>
-            <a:endParaRPr lang="en-US" dirty="0"/>
+            <a:endParaRPr lang="en-US" sz="2800" dirty="0"/>
           </a:p>
         </p:txBody>
       </p:sp>
     </p:spTree>
     <p:extLst>
       <p:ext uri="{BB962C8B-B14F-4D97-AF65-F5344CB8AC3E}">
-        <p14:creationId xmlns:p14="http://schemas.microsoft.com/office/powerpoint/2010/main" val="1296687487"/>
+        <p14:creationId xmlns:p14="http://schemas.microsoft.com/office/powerpoint/2010/main" val="1537407880"/>
       </p:ext>
     </p:extLst>
   </p:cSld>
@@ -4769,7 +4763,7 @@
           <a:p>
             <a:r>
               <a:rPr lang="en-US" dirty="0" smtClean="0"/>
-              <a:t>Scrum Manager</a:t>
+              <a:t>Product Owner</a:t>
             </a:r>
             <a:endParaRPr lang="en-US" dirty="0"/>
           </a:p>
@@ -4802,71 +4796,15 @@
             </a:pPr>
             <a:r>
               <a:rPr lang="en-US" dirty="0" err="1" smtClean="0"/>
-              <a:t>Stellt</a:t>
-            </a:r>
-            <a:r>
-              <a:rPr lang="en-US" dirty="0" smtClean="0"/>
-              <a:t> </a:t>
-            </a:r>
-            <a:r>
-              <a:rPr lang="en-US" dirty="0" err="1" smtClean="0"/>
-              <a:t>einen</a:t>
-            </a:r>
-            <a:r>
-              <a:rPr lang="en-US" dirty="0" smtClean="0"/>
-              <a:t> Buffer </a:t>
-            </a:r>
-            <a:r>
-              <a:rPr lang="en-US" dirty="0" err="1" smtClean="0"/>
-              <a:t>zwischen</a:t>
-            </a:r>
-            <a:r>
-              <a:rPr lang="en-US" dirty="0" smtClean="0"/>
-              <a:t> </a:t>
-            </a:r>
-            <a:r>
-              <a:rPr lang="en-US" dirty="0" err="1" smtClean="0"/>
-              <a:t>dem</a:t>
-            </a:r>
-            <a:r>
-              <a:rPr lang="en-US" dirty="0" smtClean="0"/>
-              <a:t> </a:t>
-            </a:r>
-            <a:r>
-              <a:rPr lang="en-US" dirty="0" err="1" smtClean="0"/>
-              <a:t>Entwicklerteam</a:t>
-            </a:r>
-            <a:r>
-              <a:rPr lang="en-US" dirty="0" smtClean="0"/>
-              <a:t> und </a:t>
-            </a:r>
-            <a:r>
-              <a:rPr lang="en-US" dirty="0" err="1" smtClean="0"/>
-              <a:t>allen</a:t>
-            </a:r>
-            <a:r>
-              <a:rPr lang="en-US" dirty="0" smtClean="0"/>
-              <a:t> </a:t>
-            </a:r>
-            <a:r>
-              <a:rPr lang="en-US" dirty="0" err="1" smtClean="0"/>
-              <a:t>ablenkenden</a:t>
-            </a:r>
-            <a:r>
-              <a:rPr lang="en-US" dirty="0" smtClean="0"/>
-              <a:t> </a:t>
-            </a:r>
-            <a:r>
-              <a:rPr lang="en-US" dirty="0" err="1" smtClean="0"/>
-              <a:t>Einflüssen</a:t>
-            </a:r>
-            <a:r>
-              <a:rPr lang="en-US" dirty="0" smtClean="0"/>
-              <a:t> </a:t>
-            </a:r>
-            <a:r>
-              <a:rPr lang="en-US" dirty="0" err="1" smtClean="0"/>
-              <a:t>dar</a:t>
+              <a:t>Repräsentiert</a:t>
+            </a:r>
+            <a:r>
+              <a:rPr lang="en-US" dirty="0" smtClean="0"/>
+              <a:t> den </a:t>
+            </a:r>
+            <a:r>
+              <a:rPr lang="en-US" dirty="0" err="1" smtClean="0"/>
+              <a:t>Kunden</a:t>
             </a:r>
             <a:r>
               <a:rPr lang="en-US" dirty="0" smtClean="0"/>
@@ -4881,55 +4819,27 @@
             </a:pPr>
             <a:r>
               <a:rPr lang="en-US" dirty="0" err="1" smtClean="0"/>
-              <a:t>Kümmert</a:t>
-            </a:r>
-            <a:r>
-              <a:rPr lang="en-US" dirty="0" smtClean="0"/>
-              <a:t> </a:t>
-            </a:r>
-            <a:r>
-              <a:rPr lang="en-US" dirty="0" err="1" smtClean="0"/>
-              <a:t>sich</a:t>
-            </a:r>
-            <a:r>
-              <a:rPr lang="en-US" dirty="0" smtClean="0"/>
-              <a:t> </a:t>
-            </a:r>
-            <a:r>
-              <a:rPr lang="en-US" dirty="0" err="1" smtClean="0"/>
-              <a:t>darum</a:t>
-            </a:r>
-            <a:r>
-              <a:rPr lang="en-US" dirty="0" smtClean="0"/>
-              <a:t>, </a:t>
-            </a:r>
-            <a:r>
-              <a:rPr lang="en-US" dirty="0" err="1" smtClean="0"/>
-              <a:t>dass</a:t>
-            </a:r>
-            <a:r>
-              <a:rPr lang="en-US" dirty="0" smtClean="0"/>
-              <a:t> der Scrum </a:t>
-            </a:r>
-            <a:r>
-              <a:rPr lang="en-US" dirty="0" err="1" smtClean="0"/>
-              <a:t>Prozess</a:t>
-            </a:r>
-            <a:r>
-              <a:rPr lang="en-US" dirty="0" smtClean="0"/>
-              <a:t> </a:t>
-            </a:r>
-            <a:r>
-              <a:rPr lang="en-US" dirty="0" err="1" smtClean="0"/>
-              <a:t>eingehalten</a:t>
-            </a:r>
-            <a:r>
-              <a:rPr lang="en-US" dirty="0" smtClean="0"/>
-              <a:t> </a:t>
-            </a:r>
-            <a:r>
-              <a:rPr lang="en-US" dirty="0" err="1" smtClean="0"/>
-              <a:t>wird</a:t>
+              <a:t>Ist</a:t>
+            </a:r>
+            <a:r>
+              <a:rPr lang="en-US" dirty="0" smtClean="0"/>
+              <a:t> auf der </a:t>
+            </a:r>
+            <a:r>
+              <a:rPr lang="en-US" dirty="0" err="1"/>
+              <a:t>G</a:t>
+            </a:r>
+            <a:r>
+              <a:rPr lang="en-US" dirty="0" err="1" smtClean="0"/>
+              <a:t>eschäftsseite</a:t>
+            </a:r>
+            <a:r>
+              <a:rPr lang="en-US" dirty="0" smtClean="0"/>
+              <a:t> des </a:t>
+            </a:r>
+            <a:r>
+              <a:rPr lang="en-US" dirty="0" err="1" smtClean="0"/>
+              <a:t>Projektes</a:t>
             </a:r>
             <a:r>
               <a:rPr lang="en-US" dirty="0" smtClean="0"/>
@@ -4944,103 +4854,47 @@
             </a:pPr>
             <a:r>
               <a:rPr lang="en-US" dirty="0" err="1" smtClean="0"/>
-              <a:t>Ist</a:t>
-            </a:r>
-            <a:r>
-              <a:rPr lang="en-US" dirty="0" smtClean="0"/>
-              <a:t> </a:t>
-            </a:r>
-            <a:r>
-              <a:rPr lang="en-US" dirty="0" err="1" smtClean="0"/>
-              <a:t>für</a:t>
-            </a:r>
-            <a:r>
-              <a:rPr lang="en-US" dirty="0" smtClean="0"/>
-              <a:t> den </a:t>
-            </a:r>
-            <a:r>
-              <a:rPr lang="en-US" dirty="0" err="1" smtClean="0"/>
-              <a:t>Zusammenhalt</a:t>
-            </a:r>
-            <a:r>
-              <a:rPr lang="en-US" dirty="0" smtClean="0"/>
-              <a:t> </a:t>
-            </a:r>
-            <a:r>
-              <a:rPr lang="en-US" dirty="0" err="1" smtClean="0"/>
-              <a:t>im</a:t>
-            </a:r>
-            <a:r>
-              <a:rPr lang="en-US" dirty="0" smtClean="0"/>
-              <a:t> Team </a:t>
-            </a:r>
-            <a:r>
-              <a:rPr lang="en-US" dirty="0" err="1" smtClean="0"/>
-              <a:t>verantwortlich</a:t>
-            </a:r>
-            <a:r>
-              <a:rPr lang="en-US" dirty="0" smtClean="0"/>
-              <a:t> und </a:t>
-            </a:r>
-            <a:r>
-              <a:rPr lang="en-US" dirty="0" err="1" smtClean="0"/>
-              <a:t>darum</a:t>
-            </a:r>
-            <a:r>
-              <a:rPr lang="en-US" dirty="0" smtClean="0"/>
-              <a:t>, </a:t>
-            </a:r>
-            <a:r>
-              <a:rPr lang="en-US" dirty="0" err="1" smtClean="0"/>
-              <a:t>dass</a:t>
-            </a:r>
-            <a:r>
-              <a:rPr lang="en-US" dirty="0" smtClean="0"/>
-              <a:t> </a:t>
-            </a:r>
-            <a:r>
-              <a:rPr lang="en-US" dirty="0" err="1" smtClean="0"/>
-              <a:t>jedes</a:t>
-            </a:r>
-            <a:r>
-              <a:rPr lang="en-US" dirty="0" smtClean="0"/>
-              <a:t> </a:t>
-            </a:r>
-            <a:r>
-              <a:rPr lang="en-US" dirty="0" err="1" smtClean="0"/>
-              <a:t>Mitglied</a:t>
-            </a:r>
-            <a:r>
-              <a:rPr lang="en-US" dirty="0" smtClean="0"/>
-              <a:t> am </a:t>
-            </a:r>
-            <a:r>
-              <a:rPr lang="en-US" dirty="0" err="1" smtClean="0"/>
-              <a:t>selben</a:t>
-            </a:r>
-            <a:r>
-              <a:rPr lang="en-US" dirty="0" smtClean="0"/>
-              <a:t> </a:t>
-            </a:r>
-            <a:r>
-              <a:rPr lang="en-US" dirty="0" err="1" smtClean="0"/>
-              <a:t>gemeinsamen</a:t>
-            </a:r>
-            <a:r>
-              <a:rPr lang="en-US" dirty="0" smtClean="0"/>
-              <a:t> </a:t>
-            </a:r>
-            <a:r>
-              <a:rPr lang="en-US" dirty="0" err="1" smtClean="0"/>
-              <a:t>Ziel</a:t>
-            </a:r>
-            <a:r>
-              <a:rPr lang="en-US" dirty="0" smtClean="0"/>
-              <a:t> </a:t>
-            </a:r>
-            <a:r>
-              <a:rPr lang="en-US" dirty="0" err="1" smtClean="0"/>
-              <a:t>arbeitet</a:t>
+              <a:t>Versucht</a:t>
+            </a:r>
+            <a:r>
+              <a:rPr lang="en-US" dirty="0" smtClean="0"/>
+              <a:t> </a:t>
+            </a:r>
+            <a:r>
+              <a:rPr lang="en-US" dirty="0" err="1" smtClean="0"/>
+              <a:t>sich</a:t>
+            </a:r>
+            <a:r>
+              <a:rPr lang="en-US" dirty="0" smtClean="0"/>
+              <a:t> von </a:t>
+            </a:r>
+            <a:r>
+              <a:rPr lang="en-US" dirty="0" err="1" smtClean="0"/>
+              <a:t>technischen</a:t>
+            </a:r>
+            <a:r>
+              <a:rPr lang="en-US" dirty="0" smtClean="0"/>
+              <a:t> </a:t>
+            </a:r>
+            <a:r>
+              <a:rPr lang="en-US" dirty="0" err="1" smtClean="0"/>
+              <a:t>Fragestellungen</a:t>
+            </a:r>
+            <a:r>
+              <a:rPr lang="en-US" dirty="0" smtClean="0"/>
+              <a:t> fern </a:t>
+            </a:r>
+            <a:r>
+              <a:rPr lang="en-US" dirty="0" err="1" smtClean="0"/>
+              <a:t>zu</a:t>
+            </a:r>
+            <a:r>
+              <a:rPr lang="en-US" dirty="0" smtClean="0"/>
+              <a:t> </a:t>
+            </a:r>
+            <a:r>
+              <a:rPr lang="en-US" dirty="0" err="1" smtClean="0"/>
+              <a:t>halten</a:t>
             </a:r>
             <a:r>
               <a:rPr lang="en-US" dirty="0" smtClean="0"/>
@@ -5053,22 +4907,62 @@
                 <a:spcPts val="3000"/>
               </a:spcAft>
             </a:pPr>
-            <a:endParaRPr lang="en-US" dirty="0" smtClean="0"/>
-          </a:p>
-          <a:p>
-            <a:pPr>
-              <a:spcAft>
-                <a:spcPts val="3000"/>
-              </a:spcAft>
-            </a:pPr>
-            <a:endParaRPr lang="en-US" dirty="0" smtClean="0"/>
+            <a:r>
+              <a:rPr lang="en-US" dirty="0" err="1" smtClean="0"/>
+              <a:t>Ist</a:t>
+            </a:r>
+            <a:r>
+              <a:rPr lang="en-US" dirty="0" smtClean="0"/>
+              <a:t> das </a:t>
+            </a:r>
+            <a:r>
+              <a:rPr lang="en-US" dirty="0" err="1" smtClean="0"/>
+              <a:t>Bindeglied</a:t>
+            </a:r>
+            <a:r>
+              <a:rPr lang="en-US" dirty="0" smtClean="0"/>
+              <a:t> </a:t>
+            </a:r>
+            <a:r>
+              <a:rPr lang="en-US" dirty="0" err="1" smtClean="0"/>
+              <a:t>zwischen</a:t>
+            </a:r>
+            <a:r>
+              <a:rPr lang="en-US" dirty="0" smtClean="0"/>
+              <a:t> den </a:t>
+            </a:r>
+            <a:r>
+              <a:rPr lang="en-US" dirty="0" err="1" smtClean="0"/>
+              <a:t>Anteilseignern</a:t>
+            </a:r>
+            <a:r>
+              <a:rPr lang="en-US" dirty="0" smtClean="0"/>
+              <a:t> und </a:t>
+            </a:r>
+            <a:r>
+              <a:rPr lang="en-US" dirty="0" err="1" smtClean="0"/>
+              <a:t>dem</a:t>
+            </a:r>
+            <a:r>
+              <a:rPr lang="en-US" dirty="0" smtClean="0"/>
+              <a:t> </a:t>
+            </a:r>
+            <a:r>
+              <a:rPr lang="en-US" dirty="0" err="1" smtClean="0"/>
+              <a:t>Entwicklerteam</a:t>
+            </a:r>
+            <a:r>
+              <a:rPr lang="en-US" dirty="0" smtClean="0"/>
+              <a:t>.</a:t>
+            </a:r>
+            <a:endParaRPr lang="en-US" dirty="0"/>
           </a:p>
         </p:txBody>
       </p:sp>
     </p:spTree>
     <p:extLst>
       <p:ext uri="{BB962C8B-B14F-4D97-AF65-F5344CB8AC3E}">
-        <p14:creationId xmlns:p14="http://schemas.microsoft.com/office/powerpoint/2010/main" val="4227832926"/>
+        <p14:creationId xmlns:p14="http://schemas.microsoft.com/office/powerpoint/2010/main" val="1296687487"/>
       </p:ext>
     </p:extLst>
   </p:cSld>
@@ -5118,6 +5012,356 @@
           <a:lstStyle/>
           <a:p>
             <a:r>
+              <a:rPr lang="en-US" dirty="0" smtClean="0"/>
+              <a:t>Scrum Manager</a:t>
+            </a:r>
+            <a:endParaRPr lang="en-US" dirty="0"/>
+          </a:p>
+        </p:txBody>
+      </p:sp>
+      <p:sp>
+        <p:nvSpPr>
+          <p:cNvPr id="4" name="Content Placeholder 2"/>
+          <p:cNvSpPr>
+            <a:spLocks noGrp="1"/>
+          </p:cNvSpPr>
+          <p:nvPr>
+            <p:ph idx="1"/>
+          </p:nvPr>
+        </p:nvSpPr>
+        <p:spPr>
+          <a:xfrm>
+            <a:off x="457200" y="1746356"/>
+            <a:ext cx="8229600" cy="4379807"/>
+          </a:xfrm>
+        </p:spPr>
+        <p:txBody>
+          <a:bodyPr/>
+          <a:lstStyle/>
+          <a:p>
+            <a:pPr>
+              <a:spcAft>
+                <a:spcPts val="3000"/>
+              </a:spcAft>
+            </a:pPr>
+            <a:r>
+              <a:rPr lang="en-US" dirty="0" err="1" smtClean="0"/>
+              <a:t>Stellt</a:t>
+            </a:r>
+            <a:r>
+              <a:rPr lang="en-US" dirty="0" smtClean="0"/>
+              <a:t> </a:t>
+            </a:r>
+            <a:r>
+              <a:rPr lang="en-US" dirty="0" err="1" smtClean="0"/>
+              <a:t>einen</a:t>
+            </a:r>
+            <a:r>
+              <a:rPr lang="en-US" dirty="0" smtClean="0"/>
+              <a:t> Buffer </a:t>
+            </a:r>
+            <a:r>
+              <a:rPr lang="en-US" dirty="0" err="1" smtClean="0"/>
+              <a:t>zwischen</a:t>
+            </a:r>
+            <a:r>
+              <a:rPr lang="en-US" dirty="0" smtClean="0"/>
+              <a:t> </a:t>
+            </a:r>
+            <a:r>
+              <a:rPr lang="en-US" dirty="0" err="1" smtClean="0"/>
+              <a:t>dem</a:t>
+            </a:r>
+            <a:r>
+              <a:rPr lang="en-US" dirty="0" smtClean="0"/>
+              <a:t> </a:t>
+            </a:r>
+            <a:r>
+              <a:rPr lang="en-US" dirty="0" err="1" smtClean="0"/>
+              <a:t>Entwicklerteam</a:t>
+            </a:r>
+            <a:r>
+              <a:rPr lang="en-US" dirty="0" smtClean="0"/>
+              <a:t> und </a:t>
+            </a:r>
+            <a:r>
+              <a:rPr lang="en-US" dirty="0" err="1" smtClean="0"/>
+              <a:t>allen</a:t>
+            </a:r>
+            <a:r>
+              <a:rPr lang="en-US" dirty="0" smtClean="0"/>
+              <a:t> </a:t>
+            </a:r>
+            <a:r>
+              <a:rPr lang="en-US" dirty="0" err="1" smtClean="0"/>
+              <a:t>ablenkenden</a:t>
+            </a:r>
+            <a:r>
+              <a:rPr lang="en-US" dirty="0" smtClean="0"/>
+              <a:t> </a:t>
+            </a:r>
+            <a:r>
+              <a:rPr lang="en-US" dirty="0" err="1" smtClean="0"/>
+              <a:t>Einflüssen</a:t>
+            </a:r>
+            <a:r>
+              <a:rPr lang="en-US" dirty="0" smtClean="0"/>
+              <a:t> </a:t>
+            </a:r>
+            <a:r>
+              <a:rPr lang="en-US" dirty="0" err="1" smtClean="0"/>
+              <a:t>dar</a:t>
+            </a:r>
+            <a:r>
+              <a:rPr lang="en-US" dirty="0" smtClean="0"/>
+              <a:t>.</a:t>
+            </a:r>
+          </a:p>
+          <a:p>
+            <a:pPr>
+              <a:spcAft>
+                <a:spcPts val="3000"/>
+              </a:spcAft>
+            </a:pPr>
+            <a:r>
+              <a:rPr lang="en-US" dirty="0" err="1" smtClean="0"/>
+              <a:t>Kümmert</a:t>
+            </a:r>
+            <a:r>
+              <a:rPr lang="en-US" dirty="0" smtClean="0"/>
+              <a:t> </a:t>
+            </a:r>
+            <a:r>
+              <a:rPr lang="en-US" dirty="0" err="1" smtClean="0"/>
+              <a:t>sich</a:t>
+            </a:r>
+            <a:r>
+              <a:rPr lang="en-US" dirty="0" smtClean="0"/>
+              <a:t> </a:t>
+            </a:r>
+            <a:r>
+              <a:rPr lang="en-US" dirty="0" err="1" smtClean="0"/>
+              <a:t>darum</a:t>
+            </a:r>
+            <a:r>
+              <a:rPr lang="en-US" dirty="0" smtClean="0"/>
+              <a:t>, </a:t>
+            </a:r>
+            <a:r>
+              <a:rPr lang="en-US" dirty="0" err="1" smtClean="0"/>
+              <a:t>dass</a:t>
+            </a:r>
+            <a:r>
+              <a:rPr lang="en-US" dirty="0" smtClean="0"/>
+              <a:t> der Scrum </a:t>
+            </a:r>
+            <a:r>
+              <a:rPr lang="en-US" dirty="0" err="1" smtClean="0"/>
+              <a:t>Prozess</a:t>
+            </a:r>
+            <a:r>
+              <a:rPr lang="en-US" dirty="0" smtClean="0"/>
+              <a:t> </a:t>
+            </a:r>
+            <a:r>
+              <a:rPr lang="en-US" dirty="0" err="1" smtClean="0"/>
+              <a:t>eingehalten</a:t>
+            </a:r>
+            <a:r>
+              <a:rPr lang="en-US" dirty="0" smtClean="0"/>
+              <a:t> </a:t>
+            </a:r>
+            <a:r>
+              <a:rPr lang="en-US" dirty="0" err="1" smtClean="0"/>
+              <a:t>wird</a:t>
+            </a:r>
+            <a:r>
+              <a:rPr lang="en-US" dirty="0" smtClean="0"/>
+              <a:t>.</a:t>
+            </a:r>
+          </a:p>
+          <a:p>
+            <a:pPr>
+              <a:spcAft>
+                <a:spcPts val="3000"/>
+              </a:spcAft>
+            </a:pPr>
+            <a:r>
+              <a:rPr lang="en-US" dirty="0" err="1" smtClean="0"/>
+              <a:t>Ist</a:t>
+            </a:r>
+            <a:r>
+              <a:rPr lang="en-US" dirty="0" smtClean="0"/>
+              <a:t> </a:t>
+            </a:r>
+            <a:r>
+              <a:rPr lang="en-US" dirty="0" err="1" smtClean="0"/>
+              <a:t>für</a:t>
+            </a:r>
+            <a:r>
+              <a:rPr lang="en-US" dirty="0" smtClean="0"/>
+              <a:t> den </a:t>
+            </a:r>
+            <a:r>
+              <a:rPr lang="en-US" dirty="0" err="1" smtClean="0"/>
+              <a:t>Zusammenhalt</a:t>
+            </a:r>
+            <a:r>
+              <a:rPr lang="en-US" dirty="0" smtClean="0"/>
+              <a:t> </a:t>
+            </a:r>
+            <a:r>
+              <a:rPr lang="en-US" dirty="0" err="1" smtClean="0"/>
+              <a:t>im</a:t>
+            </a:r>
+            <a:r>
+              <a:rPr lang="en-US" dirty="0" smtClean="0"/>
+              <a:t> Team </a:t>
+            </a:r>
+            <a:r>
+              <a:rPr lang="en-US" dirty="0" err="1" smtClean="0"/>
+              <a:t>verantwortlich</a:t>
+            </a:r>
+            <a:r>
+              <a:rPr lang="en-US" dirty="0" smtClean="0"/>
+              <a:t> und </a:t>
+            </a:r>
+            <a:r>
+              <a:rPr lang="en-US" dirty="0" err="1" smtClean="0"/>
+              <a:t>darum</a:t>
+            </a:r>
+            <a:r>
+              <a:rPr lang="en-US" dirty="0" smtClean="0"/>
+              <a:t>, </a:t>
+            </a:r>
+            <a:r>
+              <a:rPr lang="en-US" dirty="0" err="1" smtClean="0"/>
+              <a:t>dass</a:t>
+            </a:r>
+            <a:r>
+              <a:rPr lang="en-US" dirty="0" smtClean="0"/>
+              <a:t> </a:t>
+            </a:r>
+            <a:r>
+              <a:rPr lang="en-US" dirty="0" err="1" smtClean="0"/>
+              <a:t>jedes</a:t>
+            </a:r>
+            <a:r>
+              <a:rPr lang="en-US" dirty="0" smtClean="0"/>
+              <a:t> </a:t>
+            </a:r>
+            <a:r>
+              <a:rPr lang="en-US" dirty="0" err="1" smtClean="0"/>
+              <a:t>Mitglied</a:t>
+            </a:r>
+            <a:r>
+              <a:rPr lang="en-US" dirty="0" smtClean="0"/>
+              <a:t> am </a:t>
+            </a:r>
+            <a:r>
+              <a:rPr lang="en-US" dirty="0" err="1" smtClean="0"/>
+              <a:t>selben</a:t>
+            </a:r>
+            <a:r>
+              <a:rPr lang="en-US" dirty="0" smtClean="0"/>
+              <a:t> </a:t>
+            </a:r>
+            <a:r>
+              <a:rPr lang="en-US" dirty="0" err="1" smtClean="0"/>
+              <a:t>gemeinsamen</a:t>
+            </a:r>
+            <a:r>
+              <a:rPr lang="en-US" dirty="0" smtClean="0"/>
+              <a:t> </a:t>
+            </a:r>
+            <a:r>
+              <a:rPr lang="en-US" dirty="0" err="1" smtClean="0"/>
+              <a:t>Ziel</a:t>
+            </a:r>
+            <a:r>
+              <a:rPr lang="en-US" dirty="0" smtClean="0"/>
+              <a:t> </a:t>
+            </a:r>
+            <a:r>
+              <a:rPr lang="en-US" dirty="0" err="1" smtClean="0"/>
+              <a:t>arbeitet</a:t>
+            </a:r>
+            <a:r>
+              <a:rPr lang="en-US" dirty="0" smtClean="0"/>
+              <a:t>.</a:t>
+            </a:r>
+          </a:p>
+          <a:p>
+            <a:pPr>
+              <a:spcAft>
+                <a:spcPts val="3000"/>
+              </a:spcAft>
+            </a:pPr>
+            <a:endParaRPr lang="en-US" dirty="0" smtClean="0"/>
+          </a:p>
+          <a:p>
+            <a:pPr>
+              <a:spcAft>
+                <a:spcPts val="3000"/>
+              </a:spcAft>
+            </a:pPr>
+            <a:endParaRPr lang="en-US" dirty="0" smtClean="0"/>
+          </a:p>
+        </p:txBody>
+      </p:sp>
+    </p:spTree>
+    <p:extLst>
+      <p:ext uri="{BB962C8B-B14F-4D97-AF65-F5344CB8AC3E}">
+        <p14:creationId xmlns:p14="http://schemas.microsoft.com/office/powerpoint/2010/main" val="4227832926"/>
+      </p:ext>
+    </p:extLst>
+  </p:cSld>
+  <p:clrMapOvr>
+    <a:masterClrMapping/>
+  </p:clrMapOvr>
+  <p:timing>
+    <p:tnLst>
+      <p:par>
+        <p:cTn id="1" dur="indefinite" restart="never" nodeType="tmRoot"/>
+      </p:par>
+    </p:tnLst>
+  </p:timing>
+</p:sld>
+</file>
+
+<file path=ppt/slides/slide13.xml><?xml version="1.0" encoding="utf-8"?>
+<p:sld xmlns:a="http://schemas.openxmlformats.org/drawingml/2006/main" xmlns:r="http://schemas.openxmlformats.org/officeDocument/2006/relationships" xmlns:p="http://schemas.openxmlformats.org/presentationml/2006/main">
+  <p:cSld>
+    <p:spTree>
+      <p:nvGrpSpPr>
+        <p:cNvPr id="1" name=""/>
+        <p:cNvGrpSpPr/>
+        <p:nvPr/>
+      </p:nvGrpSpPr>
+      <p:grpSpPr>
+        <a:xfrm>
+          <a:off x="0" y="0"/>
+          <a:ext cx="0" cy="0"/>
+          <a:chOff x="0" y="0"/>
+          <a:chExt cx="0" cy="0"/>
+        </a:xfrm>
+      </p:grpSpPr>
+      <p:sp>
+        <p:nvSpPr>
+          <p:cNvPr id="2" name="Title 1"/>
+          <p:cNvSpPr>
+            <a:spLocks noGrp="1"/>
+          </p:cNvSpPr>
+          <p:nvPr>
+            <p:ph type="title"/>
+          </p:nvPr>
+        </p:nvSpPr>
+        <p:spPr/>
+        <p:txBody>
+          <a:bodyPr/>
+          <a:lstStyle/>
+          <a:p>
+            <a:r>
               <a:rPr lang="en-US" dirty="0" err="1" smtClean="0"/>
               <a:t>Entwickler</a:t>
             </a:r>
@@ -5371,7 +5615,7 @@
 </p:sld>
 </file>
 
-<file path=ppt/slides/slide13.xml><?xml version="1.0" encoding="utf-8"?>
+<file path=ppt/slides/slide14.xml><?xml version="1.0" encoding="utf-8"?>
 <p:sld xmlns:a="http://schemas.openxmlformats.org/drawingml/2006/main" xmlns:r="http://schemas.openxmlformats.org/officeDocument/2006/relationships" xmlns:p="http://schemas.openxmlformats.org/presentationml/2006/main">
   <p:cSld>
     <p:spTree>
@@ -5461,7 +5705,7 @@
 </p:sld>
 </file>
 
-<file path=ppt/slides/slide14.xml><?xml version="1.0" encoding="utf-8"?>
+<file path=ppt/slides/slide15.xml><?xml version="1.0" encoding="utf-8"?>
 <p:sld xmlns:a="http://schemas.openxmlformats.org/drawingml/2006/main" xmlns:r="http://schemas.openxmlformats.org/officeDocument/2006/relationships" xmlns:p="http://schemas.openxmlformats.org/presentationml/2006/main">
   <p:cSld>
     <p:spTree>
@@ -5796,7 +6040,7 @@
 </p:sld>
 </file>
 
-<file path=ppt/slides/slide15.xml><?xml version="1.0" encoding="utf-8"?>
+<file path=ppt/slides/slide16.xml><?xml version="1.0" encoding="utf-8"?>
 <p:sld xmlns:a="http://schemas.openxmlformats.org/drawingml/2006/main" xmlns:r="http://schemas.openxmlformats.org/officeDocument/2006/relationships" xmlns:p="http://schemas.openxmlformats.org/presentationml/2006/main">
   <p:cSld>
     <p:spTree>
@@ -6115,7 +6359,7 @@
 </p:sld>
 </file>
 
-<file path=ppt/slides/slide16.xml><?xml version="1.0" encoding="utf-8"?>
+<file path=ppt/slides/slide17.xml><?xml version="1.0" encoding="utf-8"?>
 <p:sld xmlns:a="http://schemas.openxmlformats.org/drawingml/2006/main" xmlns:r="http://schemas.openxmlformats.org/officeDocument/2006/relationships" xmlns:p="http://schemas.openxmlformats.org/presentationml/2006/main">
   <p:cSld>
     <p:spTree>
@@ -6406,7 +6650,7 @@
 </p:sld>
 </file>
 
-<file path=ppt/slides/slide17.xml><?xml version="1.0" encoding="utf-8"?>
+<file path=ppt/slides/slide18.xml><?xml version="1.0" encoding="utf-8"?>
 <p:sld xmlns:a="http://schemas.openxmlformats.org/drawingml/2006/main" xmlns:r="http://schemas.openxmlformats.org/officeDocument/2006/relationships" xmlns:p="http://schemas.openxmlformats.org/presentationml/2006/main">
   <p:cSld>
     <p:spTree>
@@ -6757,7 +7001,7 @@
 </p:sld>
 </file>
 
-<file path=ppt/slides/slide18.xml><?xml version="1.0" encoding="utf-8"?>
+<file path=ppt/slides/slide19.xml><?xml version="1.0" encoding="utf-8"?>
 <p:sld xmlns:a="http://schemas.openxmlformats.org/drawingml/2006/main" xmlns:r="http://schemas.openxmlformats.org/officeDocument/2006/relationships" xmlns:p="http://schemas.openxmlformats.org/presentationml/2006/main">
   <p:cSld>
     <p:spTree>
@@ -6838,366 +7082,6 @@
     <p:extLst>
       <p:ext uri="{BB962C8B-B14F-4D97-AF65-F5344CB8AC3E}">
         <p14:creationId xmlns:p14="http://schemas.microsoft.com/office/powerpoint/2010/main" val="1098008233"/>
-      </p:ext>
-    </p:extLst>
-  </p:cSld>
-  <p:clrMapOvr>
-    <a:masterClrMapping/>
-  </p:clrMapOvr>
-  <p:timing>
-    <p:tnLst>
-      <p:par>
-        <p:cTn id="1" dur="indefinite" restart="never" nodeType="tmRoot"/>
-      </p:par>
-    </p:tnLst>
-  </p:timing>
-</p:sld>
-</file>
-
-<file path=ppt/slides/slide19.xml><?xml version="1.0" encoding="utf-8"?>
-<p:sld xmlns:a="http://schemas.openxmlformats.org/drawingml/2006/main" xmlns:r="http://schemas.openxmlformats.org/officeDocument/2006/relationships" xmlns:p="http://schemas.openxmlformats.org/presentationml/2006/main">
-  <p:cSld>
-    <p:spTree>
-      <p:nvGrpSpPr>
-        <p:cNvPr id="1" name=""/>
-        <p:cNvGrpSpPr/>
-        <p:nvPr/>
-      </p:nvGrpSpPr>
-      <p:grpSpPr>
-        <a:xfrm>
-          <a:off x="0" y="0"/>
-          <a:ext cx="0" cy="0"/>
-          <a:chOff x="0" y="0"/>
-          <a:chExt cx="0" cy="0"/>
-        </a:xfrm>
-      </p:grpSpPr>
-      <p:sp>
-        <p:nvSpPr>
-          <p:cNvPr id="2" name="Title 1"/>
-          <p:cNvSpPr>
-            <a:spLocks noGrp="1"/>
-          </p:cNvSpPr>
-          <p:nvPr>
-            <p:ph type="title"/>
-          </p:nvPr>
-        </p:nvSpPr>
-        <p:spPr/>
-        <p:txBody>
-          <a:bodyPr/>
-          <a:lstStyle/>
-          <a:p>
-            <a:r>
-              <a:rPr lang="en-US" dirty="0" smtClean="0"/>
-              <a:t>Sprints</a:t>
-            </a:r>
-            <a:endParaRPr lang="en-US" dirty="0"/>
-          </a:p>
-        </p:txBody>
-      </p:sp>
-      <p:sp>
-        <p:nvSpPr>
-          <p:cNvPr id="4" name="Content Placeholder 2"/>
-          <p:cNvSpPr>
-            <a:spLocks noGrp="1"/>
-          </p:cNvSpPr>
-          <p:nvPr>
-            <p:ph idx="1"/>
-          </p:nvPr>
-        </p:nvSpPr>
-        <p:spPr>
-          <a:xfrm>
-            <a:off x="457200" y="1746356"/>
-            <a:ext cx="8229600" cy="4379807"/>
-          </a:xfrm>
-        </p:spPr>
-        <p:txBody>
-          <a:bodyPr>
-            <a:normAutofit lnSpcReduction="10000"/>
-          </a:bodyPr>
-          <a:lstStyle/>
-          <a:p>
-            <a:pPr>
-              <a:spcAft>
-                <a:spcPts val="3000"/>
-              </a:spcAft>
-            </a:pPr>
-            <a:r>
-              <a:rPr lang="en-US" dirty="0" err="1" smtClean="0"/>
-              <a:t>Projektfortschritt</a:t>
-            </a:r>
-            <a:r>
-              <a:rPr lang="en-US" dirty="0" smtClean="0"/>
-              <a:t> </a:t>
-            </a:r>
-            <a:r>
-              <a:rPr lang="en-US" dirty="0" err="1" smtClean="0"/>
-              <a:t>durch</a:t>
-            </a:r>
-            <a:r>
-              <a:rPr lang="en-US" dirty="0" smtClean="0"/>
-              <a:t> </a:t>
-            </a:r>
-            <a:r>
-              <a:rPr lang="en-US" dirty="0" err="1" smtClean="0"/>
-              <a:t>eine</a:t>
-            </a:r>
-            <a:r>
-              <a:rPr lang="en-US" dirty="0" smtClean="0"/>
-              <a:t> </a:t>
-            </a:r>
-            <a:r>
-              <a:rPr lang="en-US" dirty="0" err="1" smtClean="0"/>
-              <a:t>Anzahl</a:t>
-            </a:r>
-            <a:r>
-              <a:rPr lang="en-US" dirty="0" smtClean="0"/>
-              <a:t> von “Sprints”.</a:t>
-            </a:r>
-          </a:p>
-          <a:p>
-            <a:pPr>
-              <a:spcAft>
-                <a:spcPts val="3000"/>
-              </a:spcAft>
-            </a:pPr>
-            <a:r>
-              <a:rPr lang="en-US" dirty="0" smtClean="0"/>
-              <a:t> </a:t>
-            </a:r>
-            <a:r>
-              <a:rPr lang="en-US" dirty="0" err="1" smtClean="0"/>
-              <a:t>Ein</a:t>
-            </a:r>
-            <a:r>
-              <a:rPr lang="en-US" dirty="0" smtClean="0"/>
-              <a:t> Sprint </a:t>
-            </a:r>
-            <a:r>
-              <a:rPr lang="en-US" dirty="0" err="1" smtClean="0"/>
-              <a:t>ist</a:t>
-            </a:r>
-            <a:r>
-              <a:rPr lang="en-US" dirty="0" smtClean="0"/>
-              <a:t> </a:t>
-            </a:r>
-            <a:r>
-              <a:rPr lang="en-US" dirty="0" err="1" smtClean="0"/>
-              <a:t>eine</a:t>
-            </a:r>
-            <a:r>
-              <a:rPr lang="en-US" dirty="0" smtClean="0"/>
-              <a:t> </a:t>
-            </a:r>
-            <a:r>
-              <a:rPr lang="en-US" dirty="0" err="1" smtClean="0"/>
-              <a:t>kurze</a:t>
-            </a:r>
-            <a:r>
-              <a:rPr lang="en-US" dirty="0" smtClean="0"/>
-              <a:t> </a:t>
-            </a:r>
-            <a:r>
-              <a:rPr lang="en-US" dirty="0" err="1" smtClean="0"/>
-              <a:t>Entwicklungsperiode</a:t>
-            </a:r>
-            <a:r>
-              <a:rPr lang="en-US" dirty="0" smtClean="0"/>
-              <a:t> (</a:t>
-            </a:r>
-            <a:r>
-              <a:rPr lang="en-US" dirty="0" err="1" smtClean="0"/>
-              <a:t>Dauer</a:t>
-            </a:r>
-            <a:r>
-              <a:rPr lang="en-US" dirty="0" smtClean="0"/>
-              <a:t> ca 2-4 </a:t>
-            </a:r>
-            <a:r>
-              <a:rPr lang="en-US" dirty="0" err="1" smtClean="0"/>
-              <a:t>Wochen</a:t>
-            </a:r>
-            <a:r>
-              <a:rPr lang="en-US" dirty="0" smtClean="0"/>
-              <a:t>), in </a:t>
-            </a:r>
-            <a:r>
-              <a:rPr lang="en-US" dirty="0" err="1" smtClean="0"/>
-              <a:t>welchem</a:t>
-            </a:r>
-            <a:r>
-              <a:rPr lang="en-US" dirty="0" smtClean="0"/>
-              <a:t> </a:t>
-            </a:r>
-            <a:r>
-              <a:rPr lang="en-US" dirty="0" err="1" smtClean="0"/>
-              <a:t>ein</a:t>
-            </a:r>
-            <a:r>
-              <a:rPr lang="en-US" dirty="0" smtClean="0"/>
-              <a:t> Team am Sprint Backlog </a:t>
-            </a:r>
-            <a:r>
-              <a:rPr lang="en-US" dirty="0" err="1" smtClean="0"/>
-              <a:t>arbeitet</a:t>
-            </a:r>
-            <a:r>
-              <a:rPr lang="en-US" dirty="0" smtClean="0"/>
-              <a:t>.</a:t>
-            </a:r>
-          </a:p>
-          <a:p>
-            <a:pPr>
-              <a:spcAft>
-                <a:spcPts val="3000"/>
-              </a:spcAft>
-            </a:pPr>
-            <a:r>
-              <a:rPr lang="en-US" dirty="0" smtClean="0"/>
-              <a:t>Die </a:t>
-            </a:r>
-            <a:r>
-              <a:rPr lang="en-US" dirty="0" err="1" smtClean="0"/>
-              <a:t>kurze</a:t>
-            </a:r>
-            <a:r>
-              <a:rPr lang="en-US" dirty="0" smtClean="0"/>
-              <a:t> </a:t>
-            </a:r>
-            <a:r>
-              <a:rPr lang="en-US" dirty="0" err="1" smtClean="0"/>
-              <a:t>Dauer</a:t>
-            </a:r>
-            <a:r>
-              <a:rPr lang="en-US" dirty="0" smtClean="0"/>
-              <a:t> </a:t>
-            </a:r>
-            <a:r>
-              <a:rPr lang="en-US" dirty="0" err="1" smtClean="0"/>
-              <a:t>soll</a:t>
-            </a:r>
-            <a:r>
-              <a:rPr lang="en-US" dirty="0" smtClean="0"/>
-              <a:t> </a:t>
-            </a:r>
-            <a:r>
-              <a:rPr lang="en-US" dirty="0" err="1" smtClean="0"/>
-              <a:t>sicherstellen</a:t>
-            </a:r>
-            <a:r>
-              <a:rPr lang="en-US" dirty="0" smtClean="0"/>
-              <a:t>, </a:t>
-            </a:r>
-            <a:r>
-              <a:rPr lang="en-US" dirty="0" err="1" smtClean="0"/>
-              <a:t>dass</a:t>
-            </a:r>
-            <a:r>
-              <a:rPr lang="en-US" dirty="0" smtClean="0"/>
-              <a:t> die </a:t>
-            </a:r>
-            <a:r>
-              <a:rPr lang="en-US" dirty="0" err="1" smtClean="0"/>
-              <a:t>Ziele</a:t>
-            </a:r>
-            <a:r>
-              <a:rPr lang="en-US" dirty="0" smtClean="0"/>
-              <a:t> </a:t>
-            </a:r>
-            <a:r>
-              <a:rPr lang="en-US" dirty="0" err="1" smtClean="0"/>
-              <a:t>erreichbar</a:t>
-            </a:r>
-            <a:r>
-              <a:rPr lang="en-US" dirty="0" smtClean="0"/>
-              <a:t> und </a:t>
-            </a:r>
-            <a:r>
-              <a:rPr lang="en-US" dirty="0" err="1" smtClean="0"/>
-              <a:t>realistisch</a:t>
-            </a:r>
-            <a:r>
-              <a:rPr lang="en-US" dirty="0" smtClean="0"/>
-              <a:t> </a:t>
-            </a:r>
-            <a:r>
-              <a:rPr lang="en-US" dirty="0" err="1" smtClean="0"/>
-              <a:t>sind</a:t>
-            </a:r>
-            <a:r>
-              <a:rPr lang="en-US" dirty="0" smtClean="0"/>
-              <a:t>.</a:t>
-            </a:r>
-          </a:p>
-          <a:p>
-            <a:pPr>
-              <a:spcAft>
-                <a:spcPts val="3000"/>
-              </a:spcAft>
-            </a:pPr>
-            <a:r>
-              <a:rPr lang="en-US" dirty="0" err="1" smtClean="0"/>
-              <a:t>Nachdem</a:t>
-            </a:r>
-            <a:r>
-              <a:rPr lang="en-US" dirty="0" smtClean="0"/>
-              <a:t> </a:t>
-            </a:r>
-            <a:r>
-              <a:rPr lang="en-US" dirty="0" err="1" smtClean="0"/>
-              <a:t>ein</a:t>
-            </a:r>
-            <a:r>
-              <a:rPr lang="en-US" dirty="0" smtClean="0"/>
-              <a:t> Sprint </a:t>
-            </a:r>
-            <a:r>
-              <a:rPr lang="en-US" dirty="0" err="1" smtClean="0"/>
-              <a:t>abgeschlossen</a:t>
-            </a:r>
-            <a:r>
-              <a:rPr lang="en-US" dirty="0" smtClean="0"/>
-              <a:t> </a:t>
-            </a:r>
-            <a:r>
-              <a:rPr lang="en-US" dirty="0" err="1" smtClean="0"/>
-              <a:t>ist</a:t>
-            </a:r>
-            <a:r>
-              <a:rPr lang="en-US" dirty="0" smtClean="0"/>
-              <a:t>, </a:t>
-            </a:r>
-            <a:r>
-              <a:rPr lang="en-US" dirty="0" err="1" smtClean="0"/>
-              <a:t>beginnt</a:t>
-            </a:r>
-            <a:r>
-              <a:rPr lang="en-US" dirty="0" smtClean="0"/>
-              <a:t> der </a:t>
-            </a:r>
-            <a:r>
-              <a:rPr lang="en-US" dirty="0" err="1" smtClean="0"/>
-              <a:t>nächste</a:t>
-            </a:r>
-            <a:r>
-              <a:rPr lang="en-US" dirty="0" smtClean="0"/>
-              <a:t> </a:t>
-            </a:r>
-            <a:r>
-              <a:rPr lang="en-US" dirty="0" err="1" smtClean="0"/>
-              <a:t>sofort</a:t>
-            </a:r>
-            <a:r>
-              <a:rPr lang="en-US" dirty="0" smtClean="0"/>
-              <a:t>.</a:t>
-            </a:r>
-            <a:endParaRPr lang="en-US" dirty="0"/>
-          </a:p>
-        </p:txBody>
-      </p:sp>
-    </p:spTree>
-    <p:extLst>
-      <p:ext uri="{BB962C8B-B14F-4D97-AF65-F5344CB8AC3E}">
-        <p14:creationId xmlns:p14="http://schemas.microsoft.com/office/powerpoint/2010/main" val="5475529"/>
       </p:ext>
     </p:extLst>
   </p:cSld>
@@ -7352,6 +7236,366 @@
       </p:grpSpPr>
       <p:sp>
         <p:nvSpPr>
+          <p:cNvPr id="2" name="Title 1"/>
+          <p:cNvSpPr>
+            <a:spLocks noGrp="1"/>
+          </p:cNvSpPr>
+          <p:nvPr>
+            <p:ph type="title"/>
+          </p:nvPr>
+        </p:nvSpPr>
+        <p:spPr/>
+        <p:txBody>
+          <a:bodyPr/>
+          <a:lstStyle/>
+          <a:p>
+            <a:r>
+              <a:rPr lang="en-US" dirty="0" smtClean="0"/>
+              <a:t>Sprints</a:t>
+            </a:r>
+            <a:endParaRPr lang="en-US" dirty="0"/>
+          </a:p>
+        </p:txBody>
+      </p:sp>
+      <p:sp>
+        <p:nvSpPr>
+          <p:cNvPr id="4" name="Content Placeholder 2"/>
+          <p:cNvSpPr>
+            <a:spLocks noGrp="1"/>
+          </p:cNvSpPr>
+          <p:nvPr>
+            <p:ph idx="1"/>
+          </p:nvPr>
+        </p:nvSpPr>
+        <p:spPr>
+          <a:xfrm>
+            <a:off x="457200" y="1746356"/>
+            <a:ext cx="8229600" cy="4379807"/>
+          </a:xfrm>
+        </p:spPr>
+        <p:txBody>
+          <a:bodyPr>
+            <a:normAutofit lnSpcReduction="10000"/>
+          </a:bodyPr>
+          <a:lstStyle/>
+          <a:p>
+            <a:pPr>
+              <a:spcAft>
+                <a:spcPts val="3000"/>
+              </a:spcAft>
+            </a:pPr>
+            <a:r>
+              <a:rPr lang="en-US" dirty="0" err="1" smtClean="0"/>
+              <a:t>Projektfortschritt</a:t>
+            </a:r>
+            <a:r>
+              <a:rPr lang="en-US" dirty="0" smtClean="0"/>
+              <a:t> </a:t>
+            </a:r>
+            <a:r>
+              <a:rPr lang="en-US" dirty="0" err="1" smtClean="0"/>
+              <a:t>durch</a:t>
+            </a:r>
+            <a:r>
+              <a:rPr lang="en-US" dirty="0" smtClean="0"/>
+              <a:t> </a:t>
+            </a:r>
+            <a:r>
+              <a:rPr lang="en-US" dirty="0" err="1" smtClean="0"/>
+              <a:t>eine</a:t>
+            </a:r>
+            <a:r>
+              <a:rPr lang="en-US" dirty="0" smtClean="0"/>
+              <a:t> </a:t>
+            </a:r>
+            <a:r>
+              <a:rPr lang="en-US" dirty="0" err="1" smtClean="0"/>
+              <a:t>Anzahl</a:t>
+            </a:r>
+            <a:r>
+              <a:rPr lang="en-US" dirty="0" smtClean="0"/>
+              <a:t> von “Sprints”.</a:t>
+            </a:r>
+          </a:p>
+          <a:p>
+            <a:pPr>
+              <a:spcAft>
+                <a:spcPts val="3000"/>
+              </a:spcAft>
+            </a:pPr>
+            <a:r>
+              <a:rPr lang="en-US" dirty="0" smtClean="0"/>
+              <a:t> </a:t>
+            </a:r>
+            <a:r>
+              <a:rPr lang="en-US" dirty="0" err="1" smtClean="0"/>
+              <a:t>Ein</a:t>
+            </a:r>
+            <a:r>
+              <a:rPr lang="en-US" dirty="0" smtClean="0"/>
+              <a:t> Sprint </a:t>
+            </a:r>
+            <a:r>
+              <a:rPr lang="en-US" dirty="0" err="1" smtClean="0"/>
+              <a:t>ist</a:t>
+            </a:r>
+            <a:r>
+              <a:rPr lang="en-US" dirty="0" smtClean="0"/>
+              <a:t> </a:t>
+            </a:r>
+            <a:r>
+              <a:rPr lang="en-US" dirty="0" err="1" smtClean="0"/>
+              <a:t>eine</a:t>
+            </a:r>
+            <a:r>
+              <a:rPr lang="en-US" dirty="0" smtClean="0"/>
+              <a:t> </a:t>
+            </a:r>
+            <a:r>
+              <a:rPr lang="en-US" dirty="0" err="1" smtClean="0"/>
+              <a:t>kurze</a:t>
+            </a:r>
+            <a:r>
+              <a:rPr lang="en-US" dirty="0" smtClean="0"/>
+              <a:t> </a:t>
+            </a:r>
+            <a:r>
+              <a:rPr lang="en-US" dirty="0" err="1" smtClean="0"/>
+              <a:t>Entwicklungsperiode</a:t>
+            </a:r>
+            <a:r>
+              <a:rPr lang="en-US" dirty="0" smtClean="0"/>
+              <a:t> (</a:t>
+            </a:r>
+            <a:r>
+              <a:rPr lang="en-US" dirty="0" err="1" smtClean="0"/>
+              <a:t>Dauer</a:t>
+            </a:r>
+            <a:r>
+              <a:rPr lang="en-US" dirty="0" smtClean="0"/>
+              <a:t> ca 2-4 </a:t>
+            </a:r>
+            <a:r>
+              <a:rPr lang="en-US" dirty="0" err="1" smtClean="0"/>
+              <a:t>Wochen</a:t>
+            </a:r>
+            <a:r>
+              <a:rPr lang="en-US" dirty="0" smtClean="0"/>
+              <a:t>), in </a:t>
+            </a:r>
+            <a:r>
+              <a:rPr lang="en-US" dirty="0" err="1" smtClean="0"/>
+              <a:t>welchem</a:t>
+            </a:r>
+            <a:r>
+              <a:rPr lang="en-US" dirty="0" smtClean="0"/>
+              <a:t> </a:t>
+            </a:r>
+            <a:r>
+              <a:rPr lang="en-US" dirty="0" err="1" smtClean="0"/>
+              <a:t>ein</a:t>
+            </a:r>
+            <a:r>
+              <a:rPr lang="en-US" dirty="0" smtClean="0"/>
+              <a:t> Team am Sprint Backlog </a:t>
+            </a:r>
+            <a:r>
+              <a:rPr lang="en-US" dirty="0" err="1" smtClean="0"/>
+              <a:t>arbeitet</a:t>
+            </a:r>
+            <a:r>
+              <a:rPr lang="en-US" dirty="0" smtClean="0"/>
+              <a:t>.</a:t>
+            </a:r>
+          </a:p>
+          <a:p>
+            <a:pPr>
+              <a:spcAft>
+                <a:spcPts val="3000"/>
+              </a:spcAft>
+            </a:pPr>
+            <a:r>
+              <a:rPr lang="en-US" dirty="0" smtClean="0"/>
+              <a:t>Die </a:t>
+            </a:r>
+            <a:r>
+              <a:rPr lang="en-US" dirty="0" err="1" smtClean="0"/>
+              <a:t>kurze</a:t>
+            </a:r>
+            <a:r>
+              <a:rPr lang="en-US" dirty="0" smtClean="0"/>
+              <a:t> </a:t>
+            </a:r>
+            <a:r>
+              <a:rPr lang="en-US" dirty="0" err="1" smtClean="0"/>
+              <a:t>Dauer</a:t>
+            </a:r>
+            <a:r>
+              <a:rPr lang="en-US" dirty="0" smtClean="0"/>
+              <a:t> </a:t>
+            </a:r>
+            <a:r>
+              <a:rPr lang="en-US" dirty="0" err="1" smtClean="0"/>
+              <a:t>soll</a:t>
+            </a:r>
+            <a:r>
+              <a:rPr lang="en-US" dirty="0" smtClean="0"/>
+              <a:t> </a:t>
+            </a:r>
+            <a:r>
+              <a:rPr lang="en-US" dirty="0" err="1" smtClean="0"/>
+              <a:t>sicherstellen</a:t>
+            </a:r>
+            <a:r>
+              <a:rPr lang="en-US" dirty="0" smtClean="0"/>
+              <a:t>, </a:t>
+            </a:r>
+            <a:r>
+              <a:rPr lang="en-US" dirty="0" err="1" smtClean="0"/>
+              <a:t>dass</a:t>
+            </a:r>
+            <a:r>
+              <a:rPr lang="en-US" dirty="0" smtClean="0"/>
+              <a:t> die </a:t>
+            </a:r>
+            <a:r>
+              <a:rPr lang="en-US" dirty="0" err="1" smtClean="0"/>
+              <a:t>Ziele</a:t>
+            </a:r>
+            <a:r>
+              <a:rPr lang="en-US" dirty="0" smtClean="0"/>
+              <a:t> </a:t>
+            </a:r>
+            <a:r>
+              <a:rPr lang="en-US" dirty="0" err="1" smtClean="0"/>
+              <a:t>erreichbar</a:t>
+            </a:r>
+            <a:r>
+              <a:rPr lang="en-US" dirty="0" smtClean="0"/>
+              <a:t> und </a:t>
+            </a:r>
+            <a:r>
+              <a:rPr lang="en-US" dirty="0" err="1" smtClean="0"/>
+              <a:t>realistisch</a:t>
+            </a:r>
+            <a:r>
+              <a:rPr lang="en-US" dirty="0" smtClean="0"/>
+              <a:t> </a:t>
+            </a:r>
+            <a:r>
+              <a:rPr lang="en-US" dirty="0" err="1" smtClean="0"/>
+              <a:t>sind</a:t>
+            </a:r>
+            <a:r>
+              <a:rPr lang="en-US" dirty="0" smtClean="0"/>
+              <a:t>.</a:t>
+            </a:r>
+          </a:p>
+          <a:p>
+            <a:pPr>
+              <a:spcAft>
+                <a:spcPts val="3000"/>
+              </a:spcAft>
+            </a:pPr>
+            <a:r>
+              <a:rPr lang="en-US" dirty="0" err="1" smtClean="0"/>
+              <a:t>Nachdem</a:t>
+            </a:r>
+            <a:r>
+              <a:rPr lang="en-US" dirty="0" smtClean="0"/>
+              <a:t> </a:t>
+            </a:r>
+            <a:r>
+              <a:rPr lang="en-US" dirty="0" err="1" smtClean="0"/>
+              <a:t>ein</a:t>
+            </a:r>
+            <a:r>
+              <a:rPr lang="en-US" dirty="0" smtClean="0"/>
+              <a:t> Sprint </a:t>
+            </a:r>
+            <a:r>
+              <a:rPr lang="en-US" dirty="0" err="1" smtClean="0"/>
+              <a:t>abgeschlossen</a:t>
+            </a:r>
+            <a:r>
+              <a:rPr lang="en-US" dirty="0" smtClean="0"/>
+              <a:t> </a:t>
+            </a:r>
+            <a:r>
+              <a:rPr lang="en-US" dirty="0" err="1" smtClean="0"/>
+              <a:t>ist</a:t>
+            </a:r>
+            <a:r>
+              <a:rPr lang="en-US" dirty="0" smtClean="0"/>
+              <a:t>, </a:t>
+            </a:r>
+            <a:r>
+              <a:rPr lang="en-US" dirty="0" err="1" smtClean="0"/>
+              <a:t>beginnt</a:t>
+            </a:r>
+            <a:r>
+              <a:rPr lang="en-US" dirty="0" smtClean="0"/>
+              <a:t> der </a:t>
+            </a:r>
+            <a:r>
+              <a:rPr lang="en-US" dirty="0" err="1" smtClean="0"/>
+              <a:t>nächste</a:t>
+            </a:r>
+            <a:r>
+              <a:rPr lang="en-US" dirty="0" smtClean="0"/>
+              <a:t> </a:t>
+            </a:r>
+            <a:r>
+              <a:rPr lang="en-US" dirty="0" err="1" smtClean="0"/>
+              <a:t>sofort</a:t>
+            </a:r>
+            <a:r>
+              <a:rPr lang="en-US" dirty="0" smtClean="0"/>
+              <a:t>.</a:t>
+            </a:r>
+            <a:endParaRPr lang="en-US" dirty="0"/>
+          </a:p>
+        </p:txBody>
+      </p:sp>
+    </p:spTree>
+    <p:extLst>
+      <p:ext uri="{BB962C8B-B14F-4D97-AF65-F5344CB8AC3E}">
+        <p14:creationId xmlns:p14="http://schemas.microsoft.com/office/powerpoint/2010/main" val="5475529"/>
+      </p:ext>
+    </p:extLst>
+  </p:cSld>
+  <p:clrMapOvr>
+    <a:masterClrMapping/>
+  </p:clrMapOvr>
+  <p:timing>
+    <p:tnLst>
+      <p:par>
+        <p:cTn id="1" dur="indefinite" restart="never" nodeType="tmRoot"/>
+      </p:par>
+    </p:tnLst>
+  </p:timing>
+</p:sld>
+</file>
+
+<file path=ppt/slides/slide21.xml><?xml version="1.0" encoding="utf-8"?>
+<p:sld xmlns:a="http://schemas.openxmlformats.org/drawingml/2006/main" xmlns:r="http://schemas.openxmlformats.org/officeDocument/2006/relationships" xmlns:p="http://schemas.openxmlformats.org/presentationml/2006/main">
+  <p:cSld>
+    <p:spTree>
+      <p:nvGrpSpPr>
+        <p:cNvPr id="1" name=""/>
+        <p:cNvGrpSpPr/>
+        <p:nvPr/>
+      </p:nvGrpSpPr>
+      <p:grpSpPr>
+        <a:xfrm>
+          <a:off x="0" y="0"/>
+          <a:ext cx="0" cy="0"/>
+          <a:chOff x="0" y="0"/>
+          <a:chExt cx="0" cy="0"/>
+        </a:xfrm>
+      </p:grpSpPr>
+      <p:sp>
+        <p:nvSpPr>
           <p:cNvPr id="2" name="Titel 1"/>
           <p:cNvSpPr>
             <a:spLocks noGrp="1"/>
@@ -7492,7 +7736,7 @@
 </p:sld>
 </file>
 
-<file path=ppt/slides/slide21.xml><?xml version="1.0" encoding="utf-8"?>
+<file path=ppt/slides/slide22.xml><?xml version="1.0" encoding="utf-8"?>
 <p:sld xmlns:a="http://schemas.openxmlformats.org/drawingml/2006/main" xmlns:r="http://schemas.openxmlformats.org/officeDocument/2006/relationships" xmlns:p="http://schemas.openxmlformats.org/presentationml/2006/main">
   <p:cSld>
     <p:spTree>
@@ -7691,7 +7935,7 @@
 </p:sld>
 </file>
 
-<file path=ppt/slides/slide22.xml><?xml version="1.0" encoding="utf-8"?>
+<file path=ppt/slides/slide23.xml><?xml version="1.0" encoding="utf-8"?>
 <p:sld xmlns:a="http://schemas.openxmlformats.org/drawingml/2006/main" xmlns:r="http://schemas.openxmlformats.org/officeDocument/2006/relationships" xmlns:p="http://schemas.openxmlformats.org/presentationml/2006/main">
   <p:cSld>
     <p:spTree>
@@ -7930,7 +8174,7 @@
 </p:sld>
 </file>
 
-<file path=ppt/slides/slide23.xml><?xml version="1.0" encoding="utf-8"?>
+<file path=ppt/slides/slide24.xml><?xml version="1.0" encoding="utf-8"?>
 <p:sld xmlns:a="http://schemas.openxmlformats.org/drawingml/2006/main" xmlns:r="http://schemas.openxmlformats.org/officeDocument/2006/relationships" xmlns:p="http://schemas.openxmlformats.org/presentationml/2006/main">
   <p:cSld>
     <p:spTree>
@@ -8209,385 +8453,6 @@
 </p:sld>
 </file>
 
-<file path=ppt/slides/slide24.xml><?xml version="1.0" encoding="utf-8"?>
-<p:sld xmlns:a="http://schemas.openxmlformats.org/drawingml/2006/main" xmlns:r="http://schemas.openxmlformats.org/officeDocument/2006/relationships" xmlns:p="http://schemas.openxmlformats.org/presentationml/2006/main">
-  <p:cSld>
-    <p:spTree>
-      <p:nvGrpSpPr>
-        <p:cNvPr id="1" name=""/>
-        <p:cNvGrpSpPr/>
-        <p:nvPr/>
-      </p:nvGrpSpPr>
-      <p:grpSpPr>
-        <a:xfrm>
-          <a:off x="0" y="0"/>
-          <a:ext cx="0" cy="0"/>
-          <a:chOff x="0" y="0"/>
-          <a:chExt cx="0" cy="0"/>
-        </a:xfrm>
-      </p:grpSpPr>
-      <p:sp>
-        <p:nvSpPr>
-          <p:cNvPr id="2" name="Title 1"/>
-          <p:cNvSpPr>
-            <a:spLocks noGrp="1"/>
-          </p:cNvSpPr>
-          <p:nvPr>
-            <p:ph type="title"/>
-          </p:nvPr>
-        </p:nvSpPr>
-        <p:spPr/>
-        <p:txBody>
-          <a:bodyPr/>
-          <a:lstStyle/>
-          <a:p>
-            <a:r>
-              <a:rPr lang="en-US" dirty="0" smtClean="0"/>
-              <a:t>Sprint Review</a:t>
-            </a:r>
-            <a:endParaRPr lang="en-US" sz="3600" dirty="0"/>
-          </a:p>
-        </p:txBody>
-      </p:sp>
-      <p:sp>
-        <p:nvSpPr>
-          <p:cNvPr id="4" name="Content Placeholder 2"/>
-          <p:cNvSpPr>
-            <a:spLocks noGrp="1"/>
-          </p:cNvSpPr>
-          <p:nvPr>
-            <p:ph idx="1"/>
-          </p:nvPr>
-        </p:nvSpPr>
-        <p:spPr>
-          <a:xfrm>
-            <a:off x="457200" y="1746356"/>
-            <a:ext cx="8229600" cy="4379807"/>
-          </a:xfrm>
-        </p:spPr>
-        <p:txBody>
-          <a:bodyPr>
-            <a:normAutofit fontScale="92500" lnSpcReduction="10000"/>
-          </a:bodyPr>
-          <a:lstStyle/>
-          <a:p>
-            <a:pPr>
-              <a:spcAft>
-                <a:spcPts val="3000"/>
-              </a:spcAft>
-            </a:pPr>
-            <a:r>
-              <a:rPr lang="en-US" dirty="0" smtClean="0"/>
-              <a:t>Das Team </a:t>
-            </a:r>
-            <a:r>
-              <a:rPr lang="en-US" dirty="0" err="1" smtClean="0"/>
-              <a:t>überprüft</a:t>
-            </a:r>
-            <a:r>
-              <a:rPr lang="en-US" dirty="0" smtClean="0"/>
-              <a:t> das </a:t>
-            </a:r>
-            <a:r>
-              <a:rPr lang="en-US" dirty="0" err="1" smtClean="0"/>
-              <a:t>Inkrement</a:t>
-            </a:r>
-            <a:r>
-              <a:rPr lang="en-US" dirty="0" smtClean="0"/>
-              <a:t>, um das Product-Backlog </a:t>
-            </a:r>
-            <a:r>
-              <a:rPr lang="en-US" dirty="0" err="1" smtClean="0"/>
-              <a:t>bei</a:t>
-            </a:r>
-            <a:r>
-              <a:rPr lang="en-US" dirty="0" smtClean="0"/>
-              <a:t> </a:t>
-            </a:r>
-            <a:r>
-              <a:rPr lang="en-US" dirty="0" err="1" smtClean="0"/>
-              <a:t>Bedarf</a:t>
-            </a:r>
-            <a:r>
-              <a:rPr lang="en-US" dirty="0" smtClean="0"/>
-              <a:t> </a:t>
-            </a:r>
-            <a:r>
-              <a:rPr lang="en-US" dirty="0" err="1" smtClean="0"/>
-              <a:t>anzupassen</a:t>
-            </a:r>
-            <a:endParaRPr lang="en-US" dirty="0" smtClean="0"/>
-          </a:p>
-          <a:p>
-            <a:pPr>
-              <a:spcAft>
-                <a:spcPts val="3000"/>
-              </a:spcAft>
-            </a:pPr>
-            <a:r>
-              <a:rPr lang="en-US" dirty="0" err="1" smtClean="0"/>
-              <a:t>Kunden</a:t>
-            </a:r>
-            <a:r>
-              <a:rPr lang="en-US" dirty="0" smtClean="0"/>
-              <a:t> </a:t>
-            </a:r>
-            <a:r>
-              <a:rPr lang="en-US" dirty="0" err="1" smtClean="0"/>
-              <a:t>sollten</a:t>
-            </a:r>
-            <a:r>
-              <a:rPr lang="en-US" dirty="0" smtClean="0"/>
-              <a:t> </a:t>
-            </a:r>
-            <a:r>
-              <a:rPr lang="en-US" dirty="0" err="1" smtClean="0"/>
-              <a:t>sich</a:t>
-            </a:r>
-            <a:r>
-              <a:rPr lang="en-US" dirty="0" smtClean="0"/>
-              <a:t> </a:t>
-            </a:r>
-            <a:r>
-              <a:rPr lang="en-US" dirty="0" err="1" smtClean="0"/>
-              <a:t>beteiligen</a:t>
-            </a:r>
-            <a:r>
-              <a:rPr lang="en-US" dirty="0" smtClean="0"/>
-              <a:t> und die </a:t>
-            </a:r>
-            <a:r>
-              <a:rPr lang="en-US" dirty="0" err="1" smtClean="0"/>
-              <a:t>fertige</a:t>
-            </a:r>
-            <a:r>
-              <a:rPr lang="en-US" dirty="0" smtClean="0"/>
-              <a:t> </a:t>
-            </a:r>
-            <a:r>
-              <a:rPr lang="en-US" dirty="0" err="1" smtClean="0"/>
-              <a:t>Funktionalität</a:t>
-            </a:r>
-            <a:r>
-              <a:rPr lang="en-US" dirty="0" smtClean="0"/>
-              <a:t> des </a:t>
-            </a:r>
-            <a:r>
-              <a:rPr lang="en-US" dirty="0" err="1" smtClean="0"/>
-              <a:t>Inkrements</a:t>
-            </a:r>
-            <a:r>
-              <a:rPr lang="en-US" dirty="0" smtClean="0"/>
-              <a:t> </a:t>
-            </a:r>
-            <a:r>
-              <a:rPr lang="en-US" dirty="0" err="1" smtClean="0"/>
-              <a:t>zu</a:t>
-            </a:r>
-            <a:r>
-              <a:rPr lang="en-US" dirty="0" smtClean="0"/>
-              <a:t> </a:t>
-            </a:r>
-            <a:r>
-              <a:rPr lang="en-US" dirty="0" err="1" smtClean="0"/>
-              <a:t>benutzen</a:t>
-            </a:r>
-            <a:r>
-              <a:rPr lang="en-US" dirty="0" smtClean="0"/>
-              <a:t> und </a:t>
-            </a:r>
-            <a:r>
-              <a:rPr lang="en-US" dirty="0" err="1" smtClean="0"/>
-              <a:t>zu</a:t>
-            </a:r>
-            <a:r>
-              <a:rPr lang="en-US" dirty="0" smtClean="0"/>
-              <a:t> </a:t>
-            </a:r>
-            <a:r>
-              <a:rPr lang="en-US" dirty="0" err="1" smtClean="0"/>
-              <a:t>validieren</a:t>
-            </a:r>
-            <a:endParaRPr lang="en-US" dirty="0" smtClean="0"/>
-          </a:p>
-          <a:p>
-            <a:pPr>
-              <a:spcAft>
-                <a:spcPts val="3000"/>
-              </a:spcAft>
-            </a:pPr>
-            <a:r>
-              <a:rPr lang="en-US" dirty="0" smtClean="0"/>
-              <a:t>Der Product-Owner </a:t>
-            </a:r>
-            <a:r>
-              <a:rPr lang="en-US" dirty="0" err="1" smtClean="0"/>
-              <a:t>entscheided</a:t>
-            </a:r>
-            <a:r>
-              <a:rPr lang="en-US" dirty="0" smtClean="0"/>
-              <a:t>, </a:t>
-            </a:r>
-            <a:r>
-              <a:rPr lang="en-US" dirty="0" err="1" smtClean="0"/>
-              <a:t>ob</a:t>
-            </a:r>
-            <a:r>
-              <a:rPr lang="en-US" dirty="0" smtClean="0"/>
-              <a:t> die </a:t>
-            </a:r>
-            <a:r>
-              <a:rPr lang="en-US" dirty="0" err="1" smtClean="0"/>
-              <a:t>Funktionalitäten</a:t>
-            </a:r>
-            <a:r>
-              <a:rPr lang="en-US" dirty="0" smtClean="0"/>
-              <a:t> </a:t>
-            </a:r>
-            <a:r>
-              <a:rPr lang="en-US" dirty="0" err="1" smtClean="0"/>
-              <a:t>abgenommen</a:t>
-            </a:r>
-            <a:r>
-              <a:rPr lang="en-US" dirty="0" smtClean="0"/>
-              <a:t> </a:t>
-            </a:r>
-            <a:r>
-              <a:rPr lang="en-US" dirty="0" err="1" smtClean="0"/>
-              <a:t>werden</a:t>
-            </a:r>
-            <a:r>
-              <a:rPr lang="en-US" dirty="0" smtClean="0"/>
-              <a:t> </a:t>
-            </a:r>
-            <a:r>
-              <a:rPr lang="en-US" dirty="0" err="1" smtClean="0"/>
-              <a:t>können</a:t>
-            </a:r>
-            <a:r>
-              <a:rPr lang="en-US" dirty="0" smtClean="0"/>
-              <a:t> </a:t>
-            </a:r>
-            <a:r>
-              <a:rPr lang="en-US" dirty="0" err="1" smtClean="0"/>
-              <a:t>oder</a:t>
-            </a:r>
-            <a:r>
-              <a:rPr lang="en-US" dirty="0" smtClean="0"/>
-              <a:t> </a:t>
-            </a:r>
-            <a:r>
-              <a:rPr lang="en-US" dirty="0" err="1" smtClean="0"/>
-              <a:t>nicht</a:t>
-            </a:r>
-            <a:r>
-              <a:rPr lang="en-US" dirty="0" smtClean="0"/>
-              <a:t>. </a:t>
-            </a:r>
-            <a:r>
-              <a:rPr lang="en-US" dirty="0" err="1" smtClean="0"/>
-              <a:t>Dabei</a:t>
-            </a:r>
-            <a:r>
-              <a:rPr lang="en-US" dirty="0" smtClean="0"/>
-              <a:t> </a:t>
-            </a:r>
-            <a:r>
-              <a:rPr lang="en-US" dirty="0" err="1" smtClean="0"/>
-              <a:t>sollen</a:t>
-            </a:r>
-            <a:r>
-              <a:rPr lang="en-US" dirty="0" smtClean="0"/>
-              <a:t> </a:t>
-            </a:r>
-            <a:r>
-              <a:rPr lang="en-US" dirty="0" err="1" smtClean="0"/>
-              <a:t>keine</a:t>
-            </a:r>
-            <a:r>
-              <a:rPr lang="en-US" dirty="0" smtClean="0"/>
-              <a:t> </a:t>
-            </a:r>
-            <a:r>
-              <a:rPr lang="en-US" dirty="0" err="1" smtClean="0"/>
-              <a:t>Kompromisse</a:t>
-            </a:r>
-            <a:r>
-              <a:rPr lang="en-US" dirty="0" smtClean="0"/>
-              <a:t> </a:t>
-            </a:r>
-            <a:r>
-              <a:rPr lang="en-US" dirty="0" err="1" smtClean="0"/>
-              <a:t>eingegangen</a:t>
-            </a:r>
-            <a:r>
-              <a:rPr lang="en-US" dirty="0" smtClean="0"/>
-              <a:t> </a:t>
-            </a:r>
-            <a:r>
-              <a:rPr lang="en-US" dirty="0" err="1" smtClean="0"/>
-              <a:t>werden</a:t>
-            </a:r>
-            <a:endParaRPr lang="en-US" dirty="0" smtClean="0"/>
-          </a:p>
-          <a:p>
-            <a:pPr>
-              <a:spcAft>
-                <a:spcPts val="3000"/>
-              </a:spcAft>
-            </a:pPr>
-            <a:r>
-              <a:rPr lang="en-US" dirty="0" err="1" smtClean="0"/>
-              <a:t>Dauer</a:t>
-            </a:r>
-            <a:r>
-              <a:rPr lang="en-US" dirty="0" smtClean="0"/>
-              <a:t>: maximal 1 </a:t>
-            </a:r>
-            <a:r>
-              <a:rPr lang="en-US" dirty="0" err="1" smtClean="0"/>
-              <a:t>Stunde</a:t>
-            </a:r>
-            <a:r>
-              <a:rPr lang="en-US" dirty="0" smtClean="0"/>
-              <a:t> x </a:t>
-            </a:r>
-            <a:r>
-              <a:rPr lang="en-US" dirty="0" err="1" smtClean="0"/>
-              <a:t>Anzahl</a:t>
-            </a:r>
-            <a:r>
-              <a:rPr lang="en-US" dirty="0" smtClean="0"/>
-              <a:t> der </a:t>
-            </a:r>
-            <a:r>
-              <a:rPr lang="en-US" dirty="0" err="1" smtClean="0"/>
-              <a:t>Sprintwochen</a:t>
-            </a:r>
-            <a:endParaRPr lang="en-US" dirty="0" smtClean="0"/>
-          </a:p>
-        </p:txBody>
-      </p:sp>
-    </p:spTree>
-    <p:extLst>
-      <p:ext uri="{BB962C8B-B14F-4D97-AF65-F5344CB8AC3E}">
-        <p14:creationId xmlns:p14="http://schemas.microsoft.com/office/powerpoint/2010/main" val="2418957810"/>
-      </p:ext>
-    </p:extLst>
-  </p:cSld>
-  <p:clrMapOvr>
-    <a:masterClrMapping/>
-  </p:clrMapOvr>
-  <p:timing>
-    <p:tnLst>
-      <p:par>
-        <p:cTn id="1" dur="indefinite" restart="never" nodeType="tmRoot"/>
-      </p:par>
-    </p:tnLst>
-  </p:timing>
-</p:sld>
-</file>
-
 <file path=ppt/slides/slide25.xml><?xml version="1.0" encoding="utf-8"?>
 <p:sld xmlns:a="http://schemas.openxmlformats.org/drawingml/2006/main" xmlns:r="http://schemas.openxmlformats.org/officeDocument/2006/relationships" xmlns:p="http://schemas.openxmlformats.org/presentationml/2006/main">
   <p:cSld>
@@ -8621,8 +8486,8 @@
           <a:lstStyle/>
           <a:p>
             <a:r>
-              <a:rPr lang="en-US" dirty="0" err="1" smtClean="0"/>
-              <a:t>Retrospektive</a:t>
+              <a:rPr lang="en-US" dirty="0" smtClean="0"/>
+              <a:t>Sprint Review</a:t>
             </a:r>
             <a:endParaRPr lang="en-US" sz="3600" dirty="0"/>
           </a:p>
@@ -8656,32 +8521,44 @@
               </a:spcAft>
             </a:pPr>
             <a:r>
-              <a:rPr lang="en-US" dirty="0" err="1" smtClean="0"/>
-              <a:t>Schaffung</a:t>
-            </a:r>
-            <a:r>
-              <a:rPr lang="en-US" dirty="0" smtClean="0"/>
-              <a:t> </a:t>
-            </a:r>
-            <a:r>
-              <a:rPr lang="en-US" dirty="0" err="1" smtClean="0"/>
-              <a:t>einer</a:t>
-            </a:r>
-            <a:r>
-              <a:rPr lang="en-US" dirty="0" smtClean="0"/>
-              <a:t> </a:t>
-            </a:r>
-            <a:r>
-              <a:rPr lang="en-US" dirty="0" err="1" smtClean="0"/>
-              <a:t>offenen</a:t>
-            </a:r>
-            <a:r>
-              <a:rPr lang="en-US" dirty="0" smtClean="0"/>
-              <a:t> </a:t>
-            </a:r>
-            <a:r>
-              <a:rPr lang="en-US" dirty="0" err="1" smtClean="0"/>
-              <a:t>Atmosphäre</a:t>
+              <a:rPr lang="en-US" dirty="0" smtClean="0"/>
+              <a:t>Das Team </a:t>
+            </a:r>
+            <a:r>
+              <a:rPr lang="en-US" dirty="0" err="1" smtClean="0"/>
+              <a:t>überprüft</a:t>
+            </a:r>
+            <a:r>
+              <a:rPr lang="en-US" dirty="0" smtClean="0"/>
+              <a:t> das </a:t>
+            </a:r>
+            <a:r>
+              <a:rPr lang="en-US" dirty="0" err="1" smtClean="0"/>
+              <a:t>Inkrement</a:t>
+            </a:r>
+            <a:r>
+              <a:rPr lang="en-US" dirty="0" smtClean="0"/>
+              <a:t>, um das Product-Backlog </a:t>
+            </a:r>
+            <a:r>
+              <a:rPr lang="en-US" dirty="0" err="1" smtClean="0"/>
+              <a:t>bei</a:t>
+            </a:r>
+            <a:r>
+              <a:rPr lang="en-US" dirty="0" smtClean="0"/>
+              <a:t> </a:t>
+            </a:r>
+            <a:r>
+              <a:rPr lang="en-US" dirty="0" err="1" smtClean="0"/>
+              <a:t>Bedarf</a:t>
+            </a:r>
+            <a:r>
+              <a:rPr lang="en-US" dirty="0" smtClean="0"/>
+              <a:t> </a:t>
+            </a:r>
+            <a:r>
+              <a:rPr lang="en-US" dirty="0" err="1" smtClean="0"/>
+              <a:t>anzupassen</a:t>
             </a:r>
             <a:endParaRPr lang="en-US" dirty="0" smtClean="0"/>
           </a:p>
@@ -8693,27 +8570,87 @@
             </a:pPr>
             <a:r>
               <a:rPr lang="en-US" dirty="0" err="1" smtClean="0"/>
-              <a:t>Sammeln</a:t>
-            </a:r>
-            <a:r>
-              <a:rPr lang="en-US" dirty="0" smtClean="0"/>
-              <a:t> von </a:t>
-            </a:r>
-            <a:r>
-              <a:rPr lang="en-US" dirty="0" err="1" smtClean="0"/>
-              <a:t>Informationen</a:t>
-            </a:r>
-            <a:r>
-              <a:rPr lang="en-US" dirty="0" smtClean="0"/>
-              <a:t> (Was war gut? Was war </a:t>
-            </a:r>
-            <a:r>
-              <a:rPr lang="en-US" dirty="0" err="1" smtClean="0"/>
-              <a:t>schlecht</a:t>
-            </a:r>
-            <a:r>
-              <a:rPr lang="en-US" dirty="0" smtClean="0"/>
-              <a:t>?)</a:t>
+              <a:t>Kunden</a:t>
+            </a:r>
+            <a:r>
+              <a:rPr lang="en-US" dirty="0" smtClean="0"/>
+              <a:t> </a:t>
+            </a:r>
+            <a:r>
+              <a:rPr lang="en-US" dirty="0" err="1" smtClean="0"/>
+              <a:t>sollten</a:t>
+            </a:r>
+            <a:r>
+              <a:rPr lang="en-US" dirty="0" smtClean="0"/>
+              <a:t> </a:t>
+            </a:r>
+            <a:r>
+              <a:rPr lang="en-US" dirty="0" err="1" smtClean="0"/>
+              <a:t>sich</a:t>
+            </a:r>
+            <a:r>
+              <a:rPr lang="en-US" dirty="0" smtClean="0"/>
+              <a:t> </a:t>
+            </a:r>
+            <a:r>
+              <a:rPr lang="en-US" dirty="0" err="1" smtClean="0"/>
+              <a:t>beteiligen</a:t>
+            </a:r>
+            <a:r>
+              <a:rPr lang="en-US" dirty="0" smtClean="0"/>
+              <a:t> und die </a:t>
+            </a:r>
+            <a:r>
+              <a:rPr lang="en-US" dirty="0" err="1" smtClean="0"/>
+              <a:t>fertige</a:t>
+            </a:r>
+            <a:r>
+              <a:rPr lang="en-US" dirty="0" smtClean="0"/>
+              <a:t> </a:t>
+            </a:r>
+            <a:r>
+              <a:rPr lang="en-US" dirty="0" err="1" smtClean="0"/>
+              <a:t>Funktionalität</a:t>
+            </a:r>
+            <a:r>
+              <a:rPr lang="en-US" dirty="0" smtClean="0"/>
+              <a:t> des </a:t>
+            </a:r>
+            <a:r>
+              <a:rPr lang="en-US" dirty="0" err="1" smtClean="0"/>
+              <a:t>Inkrements</a:t>
+            </a:r>
+            <a:r>
+              <a:rPr lang="en-US" dirty="0" smtClean="0"/>
+              <a:t> </a:t>
+            </a:r>
+            <a:r>
+              <a:rPr lang="en-US" dirty="0" err="1" smtClean="0"/>
+              <a:t>zu</a:t>
+            </a:r>
+            <a:r>
+              <a:rPr lang="en-US" dirty="0" smtClean="0"/>
+              <a:t> </a:t>
+            </a:r>
+            <a:r>
+              <a:rPr lang="en-US" dirty="0" err="1" smtClean="0"/>
+              <a:t>benutzen</a:t>
+            </a:r>
+            <a:r>
+              <a:rPr lang="en-US" dirty="0" smtClean="0"/>
+              <a:t> und </a:t>
+            </a:r>
+            <a:r>
+              <a:rPr lang="en-US" dirty="0" err="1" smtClean="0"/>
+              <a:t>zu</a:t>
+            </a:r>
+            <a:r>
+              <a:rPr lang="en-US" dirty="0" smtClean="0"/>
+              <a:t> </a:t>
+            </a:r>
+            <a:r>
+              <a:rPr lang="en-US" dirty="0" err="1" smtClean="0"/>
+              <a:t>validieren</a:t>
             </a:r>
             <a:endParaRPr lang="en-US" dirty="0" smtClean="0"/>
           </a:p>
@@ -8724,48 +8661,12 @@
               </a:spcAft>
             </a:pPr>
             <a:r>
-              <a:rPr lang="en-US" dirty="0" err="1" smtClean="0"/>
-              <a:t>Erkenntnisgewinn</a:t>
-            </a:r>
-            <a:r>
-              <a:rPr lang="en-US" dirty="0" smtClean="0"/>
-              <a:t>: </a:t>
-            </a:r>
-            <a:r>
-              <a:rPr lang="en-US" dirty="0" err="1" smtClean="0"/>
-              <a:t>Warum</a:t>
-            </a:r>
-            <a:r>
-              <a:rPr lang="en-US" dirty="0" smtClean="0"/>
-              <a:t> </a:t>
-            </a:r>
-            <a:r>
-              <a:rPr lang="en-US" dirty="0" err="1" smtClean="0"/>
-              <a:t>sind</a:t>
-            </a:r>
-            <a:r>
-              <a:rPr lang="en-US" dirty="0" smtClean="0"/>
-              <a:t> Dinge </a:t>
-            </a:r>
-            <a:r>
-              <a:rPr lang="en-US" dirty="0" err="1" smtClean="0"/>
-              <a:t>geschehen</a:t>
-            </a:r>
-            <a:r>
-              <a:rPr lang="en-US" dirty="0" smtClean="0"/>
-              <a:t>? </a:t>
-            </a:r>
-            <a:r>
-              <a:rPr lang="en-US" dirty="0" err="1" smtClean="0"/>
-              <a:t>Kurieren</a:t>
-            </a:r>
-            <a:r>
-              <a:rPr lang="en-US" dirty="0" smtClean="0"/>
-              <a:t> der </a:t>
-            </a:r>
-            <a:r>
-              <a:rPr lang="en-US" dirty="0" err="1" smtClean="0"/>
-              <a:t>Ursachen</a:t>
+              <a:rPr lang="en-US" dirty="0" smtClean="0"/>
+              <a:t>Der Product-Owner </a:t>
+            </a:r>
+            <a:r>
+              <a:rPr lang="en-US" dirty="0" err="1" smtClean="0"/>
+              <a:t>entscheided</a:t>
             </a:r>
             <a:r>
               <a:rPr lang="en-US" dirty="0" smtClean="0"/>
@@ -8773,15 +8674,103 @@
             </a:r>
             <a:r>
               <a:rPr lang="en-US" dirty="0" err="1" smtClean="0"/>
+              <a:t>ob</a:t>
+            </a:r>
+            <a:r>
+              <a:rPr lang="en-US" dirty="0" smtClean="0"/>
+              <a:t> die </a:t>
+            </a:r>
+            <a:r>
+              <a:rPr lang="en-US" dirty="0" err="1" smtClean="0"/>
+              <a:t>Funktionalitäten</a:t>
+            </a:r>
+            <a:r>
+              <a:rPr lang="en-US" dirty="0" smtClean="0"/>
+              <a:t> </a:t>
+            </a:r>
+            <a:r>
+              <a:rPr lang="en-US" dirty="0" err="1" smtClean="0"/>
+              <a:t>abgenommen</a:t>
+            </a:r>
+            <a:r>
+              <a:rPr lang="en-US" dirty="0" smtClean="0"/>
+              <a:t> </a:t>
+            </a:r>
+            <a:r>
+              <a:rPr lang="en-US" dirty="0" err="1" smtClean="0"/>
+              <a:t>werden</a:t>
+            </a:r>
+            <a:r>
+              <a:rPr lang="en-US" dirty="0" smtClean="0"/>
+              <a:t> </a:t>
+            </a:r>
+            <a:r>
+              <a:rPr lang="en-US" dirty="0" err="1" smtClean="0"/>
+              <a:t>können</a:t>
+            </a:r>
+            <a:r>
+              <a:rPr lang="en-US" dirty="0" smtClean="0"/>
+              <a:t> </a:t>
+            </a:r>
+            <a:r>
+              <a:rPr lang="en-US" dirty="0" err="1" smtClean="0"/>
+              <a:t>oder</a:t>
+            </a:r>
+            <a:r>
+              <a:rPr lang="en-US" dirty="0" smtClean="0"/>
+              <a:t> </a:t>
+            </a:r>
+            <a:r>
+              <a:rPr lang="en-US" dirty="0" err="1" smtClean="0"/>
               <a:t>nicht</a:t>
             </a:r>
             <a:r>
               <a:rPr lang="en-US" dirty="0" smtClean="0"/>
-              <a:t> der </a:t>
-            </a:r>
-            <a:r>
-              <a:rPr lang="en-US" dirty="0" err="1" smtClean="0"/>
-              <a:t>Symptome</a:t>
+              <a:t>. </a:t>
+            </a:r>
+            <a:r>
+              <a:rPr lang="en-US" dirty="0" err="1" smtClean="0"/>
+              <a:t>Dabei</a:t>
+            </a:r>
+            <a:r>
+              <a:rPr lang="en-US" dirty="0" smtClean="0"/>
+              <a:t> </a:t>
+            </a:r>
+            <a:r>
+              <a:rPr lang="en-US" dirty="0" err="1" smtClean="0"/>
+              <a:t>sollen</a:t>
+            </a:r>
+            <a:r>
+              <a:rPr lang="en-US" dirty="0" smtClean="0"/>
+              <a:t> </a:t>
+            </a:r>
+            <a:r>
+              <a:rPr lang="en-US" dirty="0" err="1" smtClean="0"/>
+              <a:t>keine</a:t>
+            </a:r>
+            <a:r>
+              <a:rPr lang="en-US" dirty="0" smtClean="0"/>
+              <a:t> </a:t>
+            </a:r>
+            <a:r>
+              <a:rPr lang="en-US" dirty="0" err="1" smtClean="0"/>
+              <a:t>Kompromisse</a:t>
+            </a:r>
+            <a:r>
+              <a:rPr lang="en-US" dirty="0" smtClean="0"/>
+              <a:t> </a:t>
+            </a:r>
+            <a:r>
+              <a:rPr lang="en-US" dirty="0" err="1" smtClean="0"/>
+              <a:t>eingegangen</a:t>
+            </a:r>
+            <a:r>
+              <a:rPr lang="en-US" dirty="0" smtClean="0"/>
+              <a:t> </a:t>
+            </a:r>
+            <a:r>
+              <a:rPr lang="en-US" dirty="0" err="1" smtClean="0"/>
+              <a:t>werden</a:t>
             </a:r>
             <a:endParaRPr lang="en-US" dirty="0" smtClean="0"/>
           </a:p>
@@ -8792,91 +8781,24 @@
               </a:spcAft>
             </a:pPr>
             <a:r>
-              <a:rPr lang="en-US" dirty="0" smtClean="0"/>
-              <a:t>Was </a:t>
-            </a:r>
-            <a:r>
-              <a:rPr lang="en-US" dirty="0" err="1" smtClean="0"/>
-              <a:t>ist</a:t>
-            </a:r>
-            <a:r>
-              <a:rPr lang="en-US" dirty="0" smtClean="0"/>
-              <a:t> </a:t>
-            </a:r>
-            <a:r>
-              <a:rPr lang="en-US" dirty="0" err="1" smtClean="0"/>
-              <a:t>zu</a:t>
-            </a:r>
-            <a:r>
-              <a:rPr lang="en-US" dirty="0" smtClean="0"/>
-              <a:t> </a:t>
-            </a:r>
-            <a:r>
-              <a:rPr lang="en-US" dirty="0" err="1" smtClean="0"/>
-              <a:t>tun</a:t>
-            </a:r>
-            <a:r>
-              <a:rPr lang="en-US" dirty="0" smtClean="0"/>
-              <a:t>? </a:t>
-            </a:r>
-            <a:r>
-              <a:rPr lang="en-US" dirty="0" err="1" smtClean="0"/>
-              <a:t>Vereinbarung</a:t>
-            </a:r>
-            <a:r>
-              <a:rPr lang="en-US" dirty="0" smtClean="0"/>
-              <a:t> von </a:t>
-            </a:r>
-            <a:r>
-              <a:rPr lang="en-US" dirty="0" err="1" smtClean="0"/>
-              <a:t>sinnvollen</a:t>
-            </a:r>
-            <a:r>
-              <a:rPr lang="en-US" dirty="0" smtClean="0"/>
-              <a:t> und </a:t>
-            </a:r>
-            <a:r>
-              <a:rPr lang="en-US" dirty="0" err="1" smtClean="0"/>
-              <a:t>realistischen</a:t>
-            </a:r>
-            <a:r>
-              <a:rPr lang="en-US" dirty="0" smtClean="0"/>
-              <a:t> </a:t>
-            </a:r>
-            <a:r>
-              <a:rPr lang="en-US" dirty="0" err="1" smtClean="0"/>
-              <a:t>Schritten</a:t>
-            </a:r>
-            <a:r>
-              <a:rPr lang="en-US" dirty="0" smtClean="0"/>
-              <a:t> </a:t>
-            </a:r>
-            <a:r>
-              <a:rPr lang="en-US" dirty="0" err="1" smtClean="0"/>
-              <a:t>im</a:t>
-            </a:r>
-            <a:r>
-              <a:rPr lang="en-US" dirty="0" smtClean="0"/>
-              <a:t> </a:t>
-            </a:r>
-            <a:r>
-              <a:rPr lang="en-US" dirty="0" err="1" smtClean="0"/>
-              <a:t>nächsten</a:t>
-            </a:r>
-            <a:r>
-              <a:rPr lang="en-US" dirty="0" smtClean="0"/>
-              <a:t> Sprint</a:t>
-            </a:r>
-          </a:p>
-          <a:p>
-            <a:pPr>
-              <a:spcAft>
-                <a:spcPts val="3000"/>
-              </a:spcAft>
-            </a:pPr>
-            <a:r>
-              <a:rPr lang="en-US" dirty="0" err="1" smtClean="0"/>
-              <a:t>Abschluss</a:t>
+              <a:rPr lang="en-US" dirty="0" err="1" smtClean="0"/>
+              <a:t>Dauer</a:t>
+            </a:r>
+            <a:r>
+              <a:rPr lang="en-US" dirty="0" smtClean="0"/>
+              <a:t>: maximal 1 </a:t>
+            </a:r>
+            <a:r>
+              <a:rPr lang="en-US" dirty="0" err="1" smtClean="0"/>
+              <a:t>Stunde</a:t>
+            </a:r>
+            <a:r>
+              <a:rPr lang="en-US" dirty="0" smtClean="0"/>
+              <a:t> x </a:t>
+            </a:r>
+            <a:r>
+              <a:rPr lang="en-US" dirty="0" err="1" smtClean="0"/>
+              <a:t>Anzahl</a:t>
             </a:r>
             <a:r>
               <a:rPr lang="en-US" dirty="0" smtClean="0"/>
@@ -8884,7 +8806,7 @@
             </a:r>
             <a:r>
               <a:rPr lang="en-US" dirty="0" err="1" smtClean="0"/>
-              <a:t>Retrospektive</a:t>
+              <a:t>Sprintwochen</a:t>
             </a:r>
             <a:endParaRPr lang="en-US" dirty="0" smtClean="0"/>
           </a:p>
@@ -8893,7 +8815,7 @@
     </p:spTree>
     <p:extLst>
       <p:ext uri="{BB962C8B-B14F-4D97-AF65-F5344CB8AC3E}">
-        <p14:creationId xmlns:p14="http://schemas.microsoft.com/office/powerpoint/2010/main" val="1414200244"/>
+        <p14:creationId xmlns:p14="http://schemas.microsoft.com/office/powerpoint/2010/main" val="2418957810"/>
       </p:ext>
     </p:extLst>
   </p:cSld>
@@ -8943,8 +8865,8 @@
           <a:lstStyle/>
           <a:p>
             <a:r>
-              <a:rPr lang="en-US" dirty="0" smtClean="0"/>
-              <a:t>Stand-ups</a:t>
+              <a:rPr lang="en-US" dirty="0" err="1" smtClean="0"/>
+              <a:t>Retrospektive</a:t>
             </a:r>
             <a:endParaRPr lang="en-US" sz="3600" dirty="0"/>
           </a:p>
@@ -8968,7 +8890,7 @@
         </p:spPr>
         <p:txBody>
           <a:bodyPr>
-            <a:normAutofit/>
+            <a:normAutofit fontScale="92500" lnSpcReduction="10000"/>
           </a:bodyPr>
           <a:lstStyle/>
           <a:p>
@@ -8979,44 +8901,33 @@
             </a:pPr>
             <a:r>
               <a:rPr lang="en-US" dirty="0" err="1" smtClean="0"/>
-              <a:t>Fortschritt</a:t>
-            </a:r>
-            <a:r>
-              <a:rPr lang="en-US" dirty="0" smtClean="0"/>
-              <a:t> </a:t>
-            </a:r>
-            <a:r>
-              <a:rPr lang="en-US" dirty="0" err="1" smtClean="0"/>
-              <a:t>wird</a:t>
-            </a:r>
-            <a:r>
-              <a:rPr lang="en-US" dirty="0" smtClean="0"/>
-              <a:t> </a:t>
-            </a:r>
-            <a:r>
-              <a:rPr lang="en-US" dirty="0" err="1" smtClean="0"/>
-              <a:t>ermittelt</a:t>
-            </a:r>
-            <a:r>
-              <a:rPr lang="en-US" dirty="0" smtClean="0"/>
-              <a:t> in </a:t>
-            </a:r>
-            <a:r>
-              <a:rPr lang="en-US" dirty="0" err="1" smtClean="0"/>
-              <a:t>Dailys</a:t>
-            </a:r>
-            <a:r>
-              <a:rPr lang="en-US" dirty="0" smtClean="0"/>
-              <a:t> </a:t>
-            </a:r>
-            <a:r>
-              <a:rPr lang="en-US" dirty="0" err="1" smtClean="0"/>
-              <a:t>oder</a:t>
-            </a:r>
-            <a:r>
-              <a:rPr lang="en-US" dirty="0" smtClean="0"/>
-              <a:t> Stand-Ups.</a:t>
-            </a:r>
+              <a:t>Schaffung</a:t>
+            </a:r>
+            <a:r>
+              <a:rPr lang="en-US" dirty="0" smtClean="0"/>
+              <a:t> </a:t>
+            </a:r>
+            <a:r>
+              <a:rPr lang="en-US" dirty="0" err="1" smtClean="0"/>
+              <a:t>einer</a:t>
+            </a:r>
+            <a:r>
+              <a:rPr lang="en-US" dirty="0" smtClean="0"/>
+              <a:t> </a:t>
+            </a:r>
+            <a:r>
+              <a:rPr lang="en-US" dirty="0" err="1" smtClean="0"/>
+              <a:t>offenen</a:t>
+            </a:r>
+            <a:r>
+              <a:rPr lang="en-US" dirty="0" smtClean="0"/>
+              <a:t> </a:t>
+            </a:r>
+            <a:r>
+              <a:rPr lang="en-US" dirty="0" err="1" smtClean="0"/>
+              <a:t>Atmosphäre</a:t>
+            </a:r>
+            <a:endParaRPr lang="en-US" dirty="0" smtClean="0"/>
           </a:p>
           <a:p>
             <a:pPr>
@@ -9025,40 +8936,28 @@
               </a:spcAft>
             </a:pPr>
             <a:r>
-              <a:rPr lang="en-US" dirty="0" smtClean="0"/>
-              <a:t>In </a:t>
-            </a:r>
-            <a:r>
-              <a:rPr lang="en-US" dirty="0" err="1" smtClean="0"/>
-              <a:t>diesen</a:t>
-            </a:r>
-            <a:r>
-              <a:rPr lang="en-US" dirty="0" smtClean="0"/>
-              <a:t> Stand-Ups </a:t>
-            </a:r>
-            <a:r>
-              <a:rPr lang="en-US" dirty="0" err="1" smtClean="0"/>
-              <a:t>kommen</a:t>
-            </a:r>
-            <a:r>
-              <a:rPr lang="en-US" dirty="0" smtClean="0"/>
-              <a:t> der Scrum-Master und das </a:t>
-            </a:r>
-            <a:r>
-              <a:rPr lang="en-US" dirty="0" err="1" smtClean="0"/>
-              <a:t>Entwicklerteam</a:t>
-            </a:r>
-            <a:r>
-              <a:rPr lang="en-US" dirty="0" smtClean="0"/>
-              <a:t> </a:t>
-            </a:r>
-            <a:r>
-              <a:rPr lang="en-US" dirty="0" err="1" smtClean="0"/>
-              <a:t>zusammen</a:t>
-            </a:r>
-            <a:r>
-              <a:rPr lang="en-US" dirty="0" smtClean="0"/>
-              <a:t>.</a:t>
+              <a:rPr lang="en-US" dirty="0" err="1" smtClean="0"/>
+              <a:t>Sammeln</a:t>
+            </a:r>
+            <a:r>
+              <a:rPr lang="en-US" dirty="0" smtClean="0"/>
+              <a:t> von </a:t>
+            </a:r>
+            <a:r>
+              <a:rPr lang="en-US" dirty="0" err="1" smtClean="0"/>
+              <a:t>Informationen</a:t>
+            </a:r>
+            <a:r>
+              <a:rPr lang="en-US" dirty="0" smtClean="0"/>
+              <a:t> (Was war gut? Was war </a:t>
+            </a:r>
+            <a:r>
+              <a:rPr lang="en-US" dirty="0" err="1" smtClean="0"/>
+              <a:t>schlecht</a:t>
+            </a:r>
+            <a:r>
+              <a:rPr lang="en-US" dirty="0" smtClean="0"/>
+              <a:t>?)</a:t>
             </a:r>
           </a:p>
           <a:p>
@@ -9069,84 +8968,65 @@
             </a:pPr>
             <a:r>
               <a:rPr lang="en-US" dirty="0" err="1" smtClean="0"/>
-              <a:t>Soll-Dauer</a:t>
-            </a:r>
-            <a:r>
-              <a:rPr lang="en-US" dirty="0" smtClean="0"/>
-              <a:t> </a:t>
-            </a:r>
-            <a:r>
-              <a:rPr lang="en-US" dirty="0" err="1" smtClean="0"/>
-              <a:t>beträgt</a:t>
-            </a:r>
-            <a:r>
-              <a:rPr lang="en-US" dirty="0" smtClean="0"/>
-              <a:t> 15 </a:t>
-            </a:r>
-            <a:r>
-              <a:rPr lang="en-US" dirty="0" err="1" smtClean="0"/>
-              <a:t>Minuten</a:t>
-            </a:r>
-            <a:r>
-              <a:rPr lang="en-US" dirty="0" smtClean="0"/>
-              <a:t> und </a:t>
-            </a:r>
-            <a:r>
-              <a:rPr lang="en-US" dirty="0" err="1" smtClean="0"/>
-              <a:t>findet</a:t>
-            </a:r>
-            <a:r>
-              <a:rPr lang="en-US" dirty="0" smtClean="0"/>
-              <a:t> </a:t>
-            </a:r>
-            <a:r>
-              <a:rPr lang="en-US" dirty="0" err="1" smtClean="0"/>
-              <a:t>jeden</a:t>
-            </a:r>
-            <a:r>
-              <a:rPr lang="en-US" dirty="0" smtClean="0"/>
-              <a:t> tag </a:t>
-            </a:r>
-            <a:r>
-              <a:rPr lang="en-US" dirty="0" err="1" smtClean="0"/>
-              <a:t>zur</a:t>
-            </a:r>
-            <a:r>
-              <a:rPr lang="en-US" dirty="0" smtClean="0"/>
-              <a:t> </a:t>
-            </a:r>
-            <a:r>
-              <a:rPr lang="en-US" dirty="0" err="1" smtClean="0"/>
-              <a:t>selben</a:t>
-            </a:r>
-            <a:r>
-              <a:rPr lang="en-US" dirty="0" smtClean="0"/>
-              <a:t> </a:t>
-            </a:r>
-            <a:r>
-              <a:rPr lang="en-US" dirty="0" err="1" smtClean="0"/>
-              <a:t>Zeit</a:t>
-            </a:r>
-            <a:r>
-              <a:rPr lang="en-US" dirty="0" smtClean="0"/>
-              <a:t> am </a:t>
-            </a:r>
-            <a:r>
-              <a:rPr lang="en-US" dirty="0" err="1" smtClean="0"/>
-              <a:t>selben</a:t>
-            </a:r>
-            <a:r>
-              <a:rPr lang="en-US" dirty="0" smtClean="0"/>
-              <a:t> Ort </a:t>
-            </a:r>
-            <a:r>
-              <a:rPr lang="en-US" dirty="0" err="1" smtClean="0"/>
-              <a:t>statt</a:t>
-            </a:r>
-            <a:r>
-              <a:rPr lang="en-US" dirty="0" smtClean="0"/>
-              <a:t>.</a:t>
-            </a:r>
+              <a:t>Erkenntnisgewinn</a:t>
+            </a:r>
+            <a:r>
+              <a:rPr lang="en-US" dirty="0" smtClean="0"/>
+              <a:t>: </a:t>
+            </a:r>
+            <a:r>
+              <a:rPr lang="en-US" dirty="0" err="1" smtClean="0"/>
+              <a:t>Warum</a:t>
+            </a:r>
+            <a:r>
+              <a:rPr lang="en-US" dirty="0" smtClean="0"/>
+              <a:t> </a:t>
+            </a:r>
+            <a:r>
+              <a:rPr lang="en-US" dirty="0" err="1" smtClean="0"/>
+              <a:t>sind</a:t>
+            </a:r>
+            <a:r>
+              <a:rPr lang="en-US" dirty="0" smtClean="0"/>
+              <a:t> Dinge </a:t>
+            </a:r>
+            <a:r>
+              <a:rPr lang="en-US" dirty="0" err="1" smtClean="0"/>
+              <a:t>geschehen</a:t>
+            </a:r>
+            <a:r>
+              <a:rPr lang="en-US" dirty="0" smtClean="0"/>
+              <a:t>? </a:t>
+            </a:r>
+            <a:r>
+              <a:rPr lang="en-US" dirty="0" err="1" smtClean="0"/>
+              <a:t>Kurieren</a:t>
+            </a:r>
+            <a:r>
+              <a:rPr lang="en-US" dirty="0" smtClean="0"/>
+              <a:t> der </a:t>
+            </a:r>
+            <a:r>
+              <a:rPr lang="en-US" dirty="0" err="1" smtClean="0"/>
+              <a:t>Ursachen</a:t>
+            </a:r>
+            <a:r>
+              <a:rPr lang="en-US" dirty="0" smtClean="0"/>
+              <a:t>, </a:t>
+            </a:r>
+            <a:r>
+              <a:rPr lang="en-US" dirty="0" err="1" smtClean="0"/>
+              <a:t>nicht</a:t>
+            </a:r>
+            <a:r>
+              <a:rPr lang="en-US" dirty="0" smtClean="0"/>
+              <a:t> der </a:t>
+            </a:r>
+            <a:r>
+              <a:rPr lang="en-US" dirty="0" err="1" smtClean="0"/>
+              <a:t>Symptome</a:t>
+            </a:r>
+            <a:endParaRPr lang="en-US" dirty="0" smtClean="0"/>
           </a:p>
           <a:p>
             <a:pPr>
@@ -9156,19 +9036,43 @@
             </a:pPr>
             <a:r>
               <a:rPr lang="en-US" dirty="0" smtClean="0"/>
-              <a:t>Die </a:t>
-            </a:r>
-            <a:r>
-              <a:rPr lang="en-US" dirty="0" err="1" smtClean="0"/>
-              <a:t>Teammitglieder</a:t>
-            </a:r>
-            <a:r>
-              <a:rPr lang="en-US" dirty="0" smtClean="0"/>
-              <a:t> </a:t>
-            </a:r>
-            <a:r>
-              <a:rPr lang="en-US" dirty="0" err="1" smtClean="0"/>
-              <a:t>geben</a:t>
+              <a:t>Was </a:t>
+            </a:r>
+            <a:r>
+              <a:rPr lang="en-US" dirty="0" err="1" smtClean="0"/>
+              <a:t>ist</a:t>
+            </a:r>
+            <a:r>
+              <a:rPr lang="en-US" dirty="0" smtClean="0"/>
+              <a:t> </a:t>
+            </a:r>
+            <a:r>
+              <a:rPr lang="en-US" dirty="0" err="1" smtClean="0"/>
+              <a:t>zu</a:t>
+            </a:r>
+            <a:r>
+              <a:rPr lang="en-US" dirty="0" smtClean="0"/>
+              <a:t> </a:t>
+            </a:r>
+            <a:r>
+              <a:rPr lang="en-US" dirty="0" err="1" smtClean="0"/>
+              <a:t>tun</a:t>
+            </a:r>
+            <a:r>
+              <a:rPr lang="en-US" dirty="0" smtClean="0"/>
+              <a:t>? </a:t>
+            </a:r>
+            <a:r>
+              <a:rPr lang="en-US" dirty="0" err="1" smtClean="0"/>
+              <a:t>Vereinbarung</a:t>
+            </a:r>
+            <a:r>
+              <a:rPr lang="en-US" dirty="0" smtClean="0"/>
+              <a:t> von </a:t>
+            </a:r>
+            <a:r>
+              <a:rPr lang="en-US" dirty="0" err="1" smtClean="0"/>
+              <a:t>sinnvollen</a:t>
             </a:r>
             <a:r>
               <a:rPr lang="en-US" dirty="0" smtClean="0"/>
@@ -9176,52 +9080,63 @@
             </a:r>
             <a:r>
               <a:rPr lang="en-US" dirty="0" err="1" smtClean="0"/>
-              <a:t>bekommen</a:t>
-            </a:r>
-            <a:r>
-              <a:rPr lang="en-US" dirty="0" smtClean="0"/>
-              <a:t> </a:t>
-            </a:r>
-            <a:r>
-              <a:rPr lang="en-US" dirty="0" err="1" smtClean="0"/>
-              <a:t>eine</a:t>
-            </a:r>
-            <a:r>
-              <a:rPr lang="en-US" dirty="0" smtClean="0"/>
-              <a:t> </a:t>
-            </a:r>
-            <a:r>
-              <a:rPr lang="en-US" dirty="0" err="1" smtClean="0"/>
-              <a:t>Übersicht</a:t>
-            </a:r>
-            <a:r>
-              <a:rPr lang="en-US" dirty="0" smtClean="0"/>
-              <a:t> </a:t>
-            </a:r>
-            <a:r>
-              <a:rPr lang="en-US" dirty="0" err="1" smtClean="0"/>
-              <a:t>über</a:t>
-            </a:r>
-            <a:r>
-              <a:rPr lang="en-US" dirty="0" smtClean="0"/>
-              <a:t> den </a:t>
-            </a:r>
-            <a:r>
-              <a:rPr lang="en-US" dirty="0" err="1" smtClean="0"/>
-              <a:t>Fortschritt</a:t>
-            </a:r>
-            <a:r>
-              <a:rPr lang="en-US" dirty="0" smtClean="0"/>
-              <a:t> des Sprints.</a:t>
-            </a:r>
-            <a:endParaRPr lang="en-US" dirty="0"/>
+              <a:t>realistischen</a:t>
+            </a:r>
+            <a:r>
+              <a:rPr lang="en-US" dirty="0" smtClean="0"/>
+              <a:t> </a:t>
+            </a:r>
+            <a:r>
+              <a:rPr lang="en-US" dirty="0" err="1" smtClean="0"/>
+              <a:t>Schritten</a:t>
+            </a:r>
+            <a:r>
+              <a:rPr lang="en-US" dirty="0" smtClean="0"/>
+              <a:t> </a:t>
+            </a:r>
+            <a:r>
+              <a:rPr lang="en-US" dirty="0" err="1" smtClean="0"/>
+              <a:t>im</a:t>
+            </a:r>
+            <a:r>
+              <a:rPr lang="en-US" dirty="0" smtClean="0"/>
+              <a:t> </a:t>
+            </a:r>
+            <a:r>
+              <a:rPr lang="en-US" dirty="0" err="1" smtClean="0"/>
+              <a:t>nächsten</a:t>
+            </a:r>
+            <a:r>
+              <a:rPr lang="en-US" dirty="0" smtClean="0"/>
+              <a:t> Sprint</a:t>
+            </a:r>
+          </a:p>
+          <a:p>
+            <a:pPr>
+              <a:spcAft>
+                <a:spcPts val="3000"/>
+              </a:spcAft>
+            </a:pPr>
+            <a:r>
+              <a:rPr lang="en-US" dirty="0" err="1" smtClean="0"/>
+              <a:t>Abschluss</a:t>
+            </a:r>
+            <a:r>
+              <a:rPr lang="en-US" dirty="0" smtClean="0"/>
+              <a:t> der </a:t>
+            </a:r>
+            <a:r>
+              <a:rPr lang="en-US" dirty="0" err="1" smtClean="0"/>
+              <a:t>Retrospektive</a:t>
+            </a:r>
+            <a:endParaRPr lang="en-US" dirty="0" smtClean="0"/>
           </a:p>
         </p:txBody>
       </p:sp>
     </p:spTree>
     <p:extLst>
       <p:ext uri="{BB962C8B-B14F-4D97-AF65-F5344CB8AC3E}">
-        <p14:creationId xmlns:p14="http://schemas.microsoft.com/office/powerpoint/2010/main" val="2645044899"/>
+        <p14:creationId xmlns:p14="http://schemas.microsoft.com/office/powerpoint/2010/main" val="1414200244"/>
       </p:ext>
     </p:extLst>
   </p:cSld>
@@ -9307,58 +9222,82 @@
             </a:pPr>
             <a:r>
               <a:rPr lang="en-US" dirty="0" err="1" smtClean="0"/>
-              <a:t>Jedes</a:t>
-            </a:r>
-            <a:r>
-              <a:rPr lang="en-US" dirty="0" smtClean="0"/>
-              <a:t> </a:t>
-            </a:r>
-            <a:r>
-              <a:rPr lang="en-US" dirty="0" err="1" smtClean="0"/>
-              <a:t>Mitglied</a:t>
-            </a:r>
-            <a:r>
-              <a:rPr lang="en-US" dirty="0" smtClean="0"/>
-              <a:t> </a:t>
-            </a:r>
-            <a:r>
-              <a:rPr lang="en-US" dirty="0" err="1" smtClean="0"/>
-              <a:t>erzählt</a:t>
-            </a:r>
-            <a:r>
-              <a:rPr lang="en-US" dirty="0" smtClean="0"/>
-              <a:t>:</a:t>
-            </a:r>
-          </a:p>
-          <a:p>
-            <a:pPr lvl="1">
+              <a:t>Fortschritt</a:t>
+            </a:r>
+            <a:r>
+              <a:rPr lang="en-US" dirty="0" smtClean="0"/>
+              <a:t> </a:t>
+            </a:r>
+            <a:r>
+              <a:rPr lang="en-US" dirty="0" err="1" smtClean="0"/>
+              <a:t>wird</a:t>
+            </a:r>
+            <a:r>
+              <a:rPr lang="en-US" dirty="0" smtClean="0"/>
+              <a:t> </a:t>
+            </a:r>
+            <a:r>
+              <a:rPr lang="en-US" dirty="0" err="1" smtClean="0"/>
+              <a:t>ermittelt</a:t>
+            </a:r>
+            <a:r>
+              <a:rPr lang="en-US" dirty="0" smtClean="0"/>
+              <a:t> in </a:t>
+            </a:r>
+            <a:r>
+              <a:rPr lang="en-US" dirty="0" err="1" smtClean="0"/>
+              <a:t>Dailys</a:t>
+            </a:r>
+            <a:r>
+              <a:rPr lang="en-US" dirty="0" smtClean="0"/>
+              <a:t> </a:t>
+            </a:r>
+            <a:r>
+              <a:rPr lang="en-US" dirty="0" err="1" smtClean="0"/>
+              <a:t>oder</a:t>
+            </a:r>
+            <a:r>
+              <a:rPr lang="en-US" dirty="0" smtClean="0"/>
+              <a:t> Stand-Ups.</a:t>
+            </a:r>
+          </a:p>
+          <a:p>
+            <a:pPr>
               <a:spcAft>
                 <a:spcPts val="3000"/>
               </a:spcAft>
             </a:pPr>
             <a:r>
               <a:rPr lang="en-US" dirty="0" smtClean="0"/>
-              <a:t>Was </a:t>
-            </a:r>
-            <a:r>
-              <a:rPr lang="en-US" dirty="0" err="1" smtClean="0"/>
-              <a:t>machte</a:t>
-            </a:r>
-            <a:r>
-              <a:rPr lang="en-US" dirty="0" smtClean="0"/>
-              <a:t> </a:t>
-            </a:r>
-            <a:r>
-              <a:rPr lang="en-US" dirty="0" err="1" smtClean="0"/>
-              <a:t>er</a:t>
-            </a:r>
-            <a:r>
-              <a:rPr lang="en-US" dirty="0" smtClean="0"/>
-              <a:t> </a:t>
-            </a:r>
-            <a:r>
-              <a:rPr lang="en-US" dirty="0" err="1" smtClean="0"/>
-              <a:t>gestern</a:t>
+              <a:t>In </a:t>
+            </a:r>
+            <a:r>
+              <a:rPr lang="en-US" dirty="0" err="1" smtClean="0"/>
+              <a:t>diesen</a:t>
+            </a:r>
+            <a:r>
+              <a:rPr lang="en-US" dirty="0" smtClean="0"/>
+              <a:t> Stand-Ups </a:t>
+            </a:r>
+            <a:r>
+              <a:rPr lang="en-US" dirty="0" err="1" smtClean="0"/>
+              <a:t>kommen</a:t>
+            </a:r>
+            <a:r>
+              <a:rPr lang="en-US" dirty="0" smtClean="0"/>
+              <a:t> der Scrum-Master und das </a:t>
+            </a:r>
+            <a:r>
+              <a:rPr lang="en-US" dirty="0" err="1" smtClean="0"/>
+              <a:t>Entwicklerteam</a:t>
+            </a:r>
+            <a:r>
+              <a:rPr lang="en-US" dirty="0" smtClean="0"/>
+              <a:t> </a:t>
+            </a:r>
+            <a:r>
+              <a:rPr lang="en-US" dirty="0" err="1" smtClean="0"/>
+              <a:t>zusammen</a:t>
             </a:r>
             <a:r>
               <a:rPr lang="en-US" dirty="0" smtClean="0"/>
@@ -9366,57 +9305,145 @@
             </a:r>
           </a:p>
           <a:p>
-            <a:pPr lvl="1">
+            <a:pPr>
               <a:spcAft>
                 <a:spcPts val="3000"/>
               </a:spcAft>
             </a:pPr>
             <a:r>
-              <a:rPr lang="en-US" dirty="0" smtClean="0"/>
-              <a:t>Was </a:t>
-            </a:r>
-            <a:r>
-              <a:rPr lang="en-US" dirty="0" err="1" smtClean="0"/>
-              <a:t>macht</a:t>
-            </a:r>
-            <a:r>
-              <a:rPr lang="en-US" dirty="0" smtClean="0"/>
-              <a:t> </a:t>
-            </a:r>
-            <a:r>
-              <a:rPr lang="en-US" dirty="0" err="1" smtClean="0"/>
-              <a:t>er</a:t>
-            </a:r>
-            <a:r>
-              <a:rPr lang="en-US" dirty="0" smtClean="0"/>
-              <a:t> morgen.</a:t>
-            </a:r>
-          </a:p>
-          <a:p>
-            <a:pPr lvl="1">
+              <a:rPr lang="en-US" dirty="0" err="1" smtClean="0"/>
+              <a:t>Soll-Dauer</a:t>
+            </a:r>
+            <a:r>
+              <a:rPr lang="en-US" dirty="0" smtClean="0"/>
+              <a:t> </a:t>
+            </a:r>
+            <a:r>
+              <a:rPr lang="en-US" dirty="0" err="1" smtClean="0"/>
+              <a:t>beträgt</a:t>
+            </a:r>
+            <a:r>
+              <a:rPr lang="en-US" dirty="0" smtClean="0"/>
+              <a:t> 15 </a:t>
+            </a:r>
+            <a:r>
+              <a:rPr lang="en-US" dirty="0" err="1" smtClean="0"/>
+              <a:t>Minuten</a:t>
+            </a:r>
+            <a:r>
+              <a:rPr lang="en-US" dirty="0" smtClean="0"/>
+              <a:t> und </a:t>
+            </a:r>
+            <a:r>
+              <a:rPr lang="en-US" dirty="0" err="1" smtClean="0"/>
+              <a:t>findet</a:t>
+            </a:r>
+            <a:r>
+              <a:rPr lang="en-US" dirty="0" smtClean="0"/>
+              <a:t> </a:t>
+            </a:r>
+            <a:r>
+              <a:rPr lang="en-US" dirty="0" err="1" smtClean="0"/>
+              <a:t>jeden</a:t>
+            </a:r>
+            <a:r>
+              <a:rPr lang="en-US" dirty="0" smtClean="0"/>
+              <a:t> tag </a:t>
+            </a:r>
+            <a:r>
+              <a:rPr lang="en-US" dirty="0" err="1" smtClean="0"/>
+              <a:t>zur</a:t>
+            </a:r>
+            <a:r>
+              <a:rPr lang="en-US" dirty="0" smtClean="0"/>
+              <a:t> </a:t>
+            </a:r>
+            <a:r>
+              <a:rPr lang="en-US" dirty="0" err="1" smtClean="0"/>
+              <a:t>selben</a:t>
+            </a:r>
+            <a:r>
+              <a:rPr lang="en-US" dirty="0" smtClean="0"/>
+              <a:t> </a:t>
+            </a:r>
+            <a:r>
+              <a:rPr lang="en-US" dirty="0" err="1" smtClean="0"/>
+              <a:t>Zeit</a:t>
+            </a:r>
+            <a:r>
+              <a:rPr lang="en-US" dirty="0" smtClean="0"/>
+              <a:t> am </a:t>
+            </a:r>
+            <a:r>
+              <a:rPr lang="en-US" dirty="0" err="1" smtClean="0"/>
+              <a:t>selben</a:t>
+            </a:r>
+            <a:r>
+              <a:rPr lang="en-US" dirty="0" smtClean="0"/>
+              <a:t> Ort </a:t>
+            </a:r>
+            <a:r>
+              <a:rPr lang="en-US" dirty="0" err="1" smtClean="0"/>
+              <a:t>statt</a:t>
+            </a:r>
+            <a:r>
+              <a:rPr lang="en-US" dirty="0" smtClean="0"/>
+              <a:t>.</a:t>
+            </a:r>
+          </a:p>
+          <a:p>
+            <a:pPr>
               <a:spcAft>
                 <a:spcPts val="3000"/>
               </a:spcAft>
             </a:pPr>
             <a:r>
-              <a:rPr lang="en-US" dirty="0" err="1" smtClean="0"/>
-              <a:t>Welche</a:t>
-            </a:r>
-            <a:r>
-              <a:rPr lang="en-US" dirty="0" smtClean="0"/>
-              <a:t> </a:t>
-            </a:r>
-            <a:r>
-              <a:rPr lang="en-US" dirty="0" err="1" smtClean="0"/>
-              <a:t>Hindernisse</a:t>
-            </a:r>
-            <a:r>
-              <a:rPr lang="en-US" dirty="0" smtClean="0"/>
-              <a:t> </a:t>
-            </a:r>
-            <a:r>
-              <a:rPr lang="en-US" dirty="0" err="1" smtClean="0"/>
-              <a:t>stören</a:t>
+              <a:rPr lang="en-US" dirty="0" smtClean="0"/>
+              <a:t>Die </a:t>
+            </a:r>
+            <a:r>
+              <a:rPr lang="en-US" dirty="0" err="1" smtClean="0"/>
+              <a:t>Teammitglieder</a:t>
+            </a:r>
+            <a:r>
+              <a:rPr lang="en-US" dirty="0" smtClean="0"/>
+              <a:t> </a:t>
+            </a:r>
+            <a:r>
+              <a:rPr lang="en-US" dirty="0" err="1" smtClean="0"/>
+              <a:t>geben</a:t>
+            </a:r>
+            <a:r>
+              <a:rPr lang="en-US" dirty="0" smtClean="0"/>
+              <a:t> und </a:t>
+            </a:r>
+            <a:r>
+              <a:rPr lang="en-US" dirty="0" err="1" smtClean="0"/>
+              <a:t>bekommen</a:t>
+            </a:r>
+            <a:r>
+              <a:rPr lang="en-US" dirty="0" smtClean="0"/>
+              <a:t> </a:t>
+            </a:r>
+            <a:r>
+              <a:rPr lang="en-US" dirty="0" err="1" smtClean="0"/>
+              <a:t>eine</a:t>
+            </a:r>
+            <a:r>
+              <a:rPr lang="en-US" dirty="0" smtClean="0"/>
+              <a:t> </a:t>
+            </a:r>
+            <a:r>
+              <a:rPr lang="en-US" dirty="0" err="1" smtClean="0"/>
+              <a:t>Übersicht</a:t>
+            </a:r>
+            <a:r>
+              <a:rPr lang="en-US" dirty="0" smtClean="0"/>
+              <a:t> </a:t>
+            </a:r>
+            <a:r>
+              <a:rPr lang="en-US" dirty="0" err="1" smtClean="0"/>
+              <a:t>über</a:t>
             </a:r>
             <a:r>
               <a:rPr lang="en-US" dirty="0" smtClean="0"/>
@@ -9426,32 +9453,10 @@
               <a:rPr lang="en-US" dirty="0" err="1" smtClean="0"/>
               <a:t>Fortschritt</a:t>
             </a:r>
-            <a:endParaRPr lang="en-US" dirty="0" smtClean="0"/>
-          </a:p>
-          <a:p>
-            <a:pPr marL="0" indent="0">
-              <a:spcAft>
-                <a:spcPts val="3000"/>
-              </a:spcAft>
-              <a:buNone/>
-            </a:pPr>
-            <a:endParaRPr lang="en-US" dirty="0"/>
-          </a:p>
-          <a:p>
-            <a:pPr lvl="1">
-              <a:spcAft>
-                <a:spcPts val="3000"/>
-              </a:spcAft>
-            </a:pPr>
-            <a:endParaRPr lang="en-US" dirty="0" smtClean="0"/>
-          </a:p>
-          <a:p>
-            <a:pPr marL="457200" lvl="1" indent="0">
-              <a:spcAft>
-                <a:spcPts val="3000"/>
-              </a:spcAft>
-              <a:buNone/>
-            </a:pPr>
+            <a:r>
+              <a:rPr lang="en-US" dirty="0" smtClean="0"/>
+              <a:t> des Sprints.</a:t>
+            </a:r>
             <a:endParaRPr lang="en-US" dirty="0"/>
           </a:p>
         </p:txBody>
@@ -9459,7 +9464,7 @@
     </p:spTree>
     <p:extLst>
       <p:ext uri="{BB962C8B-B14F-4D97-AF65-F5344CB8AC3E}">
-        <p14:creationId xmlns:p14="http://schemas.microsoft.com/office/powerpoint/2010/main" val="1824563642"/>
+        <p14:creationId xmlns:p14="http://schemas.microsoft.com/office/powerpoint/2010/main" val="2645044899"/>
       </p:ext>
     </p:extLst>
   </p:cSld>
@@ -9509,8 +9514,8 @@
           <a:lstStyle/>
           <a:p>
             <a:r>
-              <a:rPr lang="en-US" dirty="0" err="1" smtClean="0"/>
-              <a:t>Vorteile</a:t>
+              <a:rPr lang="en-US" dirty="0" smtClean="0"/>
+              <a:t>Stand-ups</a:t>
             </a:r>
             <a:endParaRPr lang="en-US" sz="3600" dirty="0"/>
           </a:p>
@@ -9544,259 +9549,160 @@
               </a:spcAft>
             </a:pPr>
             <a:r>
-              <a:rPr lang="en-US" dirty="0" smtClean="0"/>
-              <a:t>Die </a:t>
-            </a:r>
-            <a:r>
-              <a:rPr lang="en-US" dirty="0" err="1" smtClean="0"/>
-              <a:t>inkrementelle</a:t>
-            </a:r>
-            <a:r>
-              <a:rPr lang="en-US" dirty="0" smtClean="0"/>
-              <a:t> </a:t>
-            </a:r>
-            <a:r>
-              <a:rPr lang="en-US" dirty="0" err="1" smtClean="0"/>
-              <a:t>Natur</a:t>
-            </a:r>
-            <a:r>
-              <a:rPr lang="en-US" dirty="0" smtClean="0"/>
-              <a:t> von Scrum </a:t>
-            </a:r>
-            <a:r>
-              <a:rPr lang="en-US" dirty="0" err="1" smtClean="0"/>
-              <a:t>bedeutet</a:t>
-            </a:r>
-            <a:r>
-              <a:rPr lang="en-US" dirty="0" smtClean="0"/>
-              <a:t>, </a:t>
-            </a:r>
-            <a:r>
-              <a:rPr lang="en-US" dirty="0" err="1" smtClean="0"/>
-              <a:t>dass</a:t>
-            </a:r>
-            <a:r>
-              <a:rPr lang="en-US" dirty="0" smtClean="0"/>
-              <a:t> das  </a:t>
-            </a:r>
-            <a:r>
-              <a:rPr lang="en-US" dirty="0" err="1" smtClean="0"/>
-              <a:t>Produkt</a:t>
-            </a:r>
-            <a:r>
-              <a:rPr lang="en-US" dirty="0" smtClean="0"/>
-              <a:t> </a:t>
-            </a:r>
-            <a:r>
-              <a:rPr lang="en-US" dirty="0" err="1" smtClean="0"/>
-              <a:t>verkauft</a:t>
-            </a:r>
-            <a:r>
-              <a:rPr lang="en-US" dirty="0" smtClean="0"/>
-              <a:t>/</a:t>
-            </a:r>
-            <a:r>
-              <a:rPr lang="en-US" dirty="0" err="1" smtClean="0"/>
-              <a:t>geliefert</a:t>
-            </a:r>
-            <a:r>
-              <a:rPr lang="en-US" dirty="0" smtClean="0"/>
-              <a:t> </a:t>
-            </a:r>
-            <a:r>
-              <a:rPr lang="en-US" dirty="0" err="1" smtClean="0"/>
-              <a:t>werden</a:t>
-            </a:r>
-            <a:r>
-              <a:rPr lang="en-US" dirty="0" smtClean="0"/>
-              <a:t> </a:t>
-            </a:r>
-            <a:r>
-              <a:rPr lang="en-US" dirty="0" err="1" smtClean="0"/>
-              <a:t>kann</a:t>
-            </a:r>
-            <a:r>
-              <a:rPr lang="en-US" dirty="0" smtClean="0"/>
-              <a:t>, </a:t>
-            </a:r>
-            <a:r>
-              <a:rPr lang="en-US" dirty="0" err="1" smtClean="0"/>
-              <a:t>während</a:t>
-            </a:r>
-            <a:r>
-              <a:rPr lang="en-US" dirty="0" smtClean="0"/>
-              <a:t> der </a:t>
-            </a:r>
-            <a:r>
-              <a:rPr lang="en-US" dirty="0" err="1" smtClean="0"/>
-              <a:t>Entwicklungsprozess</a:t>
-            </a:r>
-            <a:r>
-              <a:rPr lang="en-US" dirty="0" smtClean="0"/>
-              <a:t> </a:t>
-            </a:r>
-            <a:r>
-              <a:rPr lang="en-US" dirty="0" err="1" smtClean="0"/>
-              <a:t>voranschreitet</a:t>
-            </a:r>
-            <a:r>
-              <a:rPr lang="en-US" dirty="0" smtClean="0"/>
-              <a:t>.</a:t>
-            </a:r>
-          </a:p>
-          <a:p>
-            <a:pPr>
+              <a:rPr lang="en-US" dirty="0" err="1" smtClean="0"/>
+              <a:t>Jedes</a:t>
+            </a:r>
+            <a:r>
+              <a:rPr lang="en-US" dirty="0" smtClean="0"/>
+              <a:t> </a:t>
+            </a:r>
+            <a:r>
+              <a:rPr lang="en-US" dirty="0" err="1" smtClean="0"/>
+              <a:t>Mitglied</a:t>
+            </a:r>
+            <a:r>
+              <a:rPr lang="en-US" dirty="0" smtClean="0"/>
+              <a:t> </a:t>
+            </a:r>
+            <a:r>
+              <a:rPr lang="en-US" dirty="0" err="1" smtClean="0"/>
+              <a:t>erzählt</a:t>
+            </a:r>
+            <a:r>
+              <a:rPr lang="en-US" dirty="0" smtClean="0"/>
+              <a:t>:</a:t>
+            </a:r>
+          </a:p>
+          <a:p>
+            <a:pPr lvl="1">
               <a:spcAft>
                 <a:spcPts val="3000"/>
               </a:spcAft>
             </a:pPr>
             <a:r>
-              <a:rPr lang="en-US" dirty="0" err="1" smtClean="0"/>
-              <a:t>Es</a:t>
-            </a:r>
-            <a:r>
-              <a:rPr lang="en-US" dirty="0" smtClean="0"/>
-              <a:t> </a:t>
-            </a:r>
-            <a:r>
-              <a:rPr lang="en-US" dirty="0" err="1" smtClean="0"/>
-              <a:t>wird</a:t>
-            </a:r>
-            <a:r>
-              <a:rPr lang="en-US" dirty="0" smtClean="0"/>
-              <a:t> </a:t>
-            </a:r>
-            <a:r>
-              <a:rPr lang="en-US" dirty="0" err="1" smtClean="0"/>
-              <a:t>nach</a:t>
-            </a:r>
-            <a:r>
-              <a:rPr lang="en-US" dirty="0" smtClean="0"/>
-              <a:t> </a:t>
-            </a:r>
-            <a:r>
-              <a:rPr lang="en-US" dirty="0" err="1" smtClean="0"/>
-              <a:t>jeder</a:t>
-            </a:r>
-            <a:r>
-              <a:rPr lang="en-US" dirty="0" smtClean="0"/>
-              <a:t> Iteration </a:t>
-            </a:r>
-            <a:r>
-              <a:rPr lang="en-US" dirty="0" err="1" smtClean="0"/>
-              <a:t>getestet</a:t>
-            </a:r>
-            <a:r>
-              <a:rPr lang="en-US" dirty="0" smtClean="0"/>
-              <a:t> und </a:t>
-            </a:r>
-            <a:r>
-              <a:rPr lang="en-US" dirty="0" err="1" smtClean="0"/>
-              <a:t>nicht</a:t>
-            </a:r>
-            <a:r>
-              <a:rPr lang="en-US" dirty="0"/>
-              <a:t> </a:t>
-            </a:r>
-            <a:r>
-              <a:rPr lang="en-US" dirty="0" err="1" smtClean="0"/>
-              <a:t>erst</a:t>
-            </a:r>
-            <a:r>
-              <a:rPr lang="en-US" dirty="0"/>
-              <a:t> </a:t>
-            </a:r>
-            <a:r>
-              <a:rPr lang="en-US" dirty="0" smtClean="0"/>
-              <a:t>am </a:t>
-            </a:r>
-            <a:r>
-              <a:rPr lang="en-US" dirty="0" err="1" smtClean="0"/>
-              <a:t>Ende</a:t>
-            </a:r>
-            <a:r>
-              <a:rPr lang="en-US" dirty="0" smtClean="0"/>
-              <a:t> der </a:t>
-            </a:r>
-            <a:r>
-              <a:rPr lang="en-US" dirty="0" err="1" smtClean="0"/>
-              <a:t>Projektentwicklung</a:t>
+              <a:rPr lang="en-US" dirty="0" smtClean="0"/>
+              <a:t>Was </a:t>
+            </a:r>
+            <a:r>
+              <a:rPr lang="en-US" dirty="0" err="1" smtClean="0"/>
+              <a:t>machte</a:t>
+            </a:r>
+            <a:r>
+              <a:rPr lang="en-US" dirty="0" smtClean="0"/>
+              <a:t> </a:t>
+            </a:r>
+            <a:r>
+              <a:rPr lang="en-US" dirty="0" err="1" smtClean="0"/>
+              <a:t>er</a:t>
+            </a:r>
+            <a:r>
+              <a:rPr lang="en-US" dirty="0" smtClean="0"/>
+              <a:t> </a:t>
+            </a:r>
+            <a:r>
+              <a:rPr lang="en-US" dirty="0" err="1" smtClean="0"/>
+              <a:t>gestern</a:t>
             </a:r>
             <a:r>
               <a:rPr lang="en-US" dirty="0" smtClean="0"/>
               <a:t>.</a:t>
             </a:r>
-            <a:endParaRPr lang="en-US" dirty="0"/>
-          </a:p>
-          <a:p>
-            <a:pPr>
+          </a:p>
+          <a:p>
+            <a:pPr lvl="1">
               <a:spcAft>
                 <a:spcPts val="3000"/>
               </a:spcAft>
             </a:pPr>
             <a:r>
-              <a:rPr lang="en-US" dirty="0" err="1" smtClean="0"/>
-              <a:t>Zieländerungen</a:t>
-            </a:r>
-            <a:r>
-              <a:rPr lang="en-US" dirty="0" smtClean="0"/>
-              <a:t> </a:t>
-            </a:r>
-            <a:r>
-              <a:rPr lang="en-US" dirty="0" err="1" smtClean="0"/>
-              <a:t>während</a:t>
-            </a:r>
-            <a:r>
-              <a:rPr lang="en-US" dirty="0" smtClean="0"/>
-              <a:t> der </a:t>
-            </a:r>
-            <a:r>
-              <a:rPr lang="en-US" dirty="0" err="1" smtClean="0"/>
-              <a:t>Entwicklung</a:t>
-            </a:r>
-            <a:r>
-              <a:rPr lang="en-US" dirty="0" smtClean="0"/>
-              <a:t> </a:t>
-            </a:r>
-            <a:r>
-              <a:rPr lang="en-US" dirty="0" err="1" smtClean="0"/>
-              <a:t>können</a:t>
-            </a:r>
-            <a:r>
-              <a:rPr lang="en-US" dirty="0" smtClean="0"/>
-              <a:t> </a:t>
-            </a:r>
-            <a:r>
-              <a:rPr lang="en-US" dirty="0" err="1" smtClean="0"/>
-              <a:t>jederzeit</a:t>
-            </a:r>
-            <a:r>
-              <a:rPr lang="en-US" dirty="0" smtClean="0"/>
-              <a:t> </a:t>
-            </a:r>
-            <a:r>
-              <a:rPr lang="en-US" dirty="0" err="1" smtClean="0"/>
-              <a:t>berücksichtigt</a:t>
-            </a:r>
-            <a:r>
-              <a:rPr lang="en-US" dirty="0" smtClean="0"/>
-              <a:t> </a:t>
-            </a:r>
-            <a:r>
-              <a:rPr lang="en-US" dirty="0" err="1" smtClean="0"/>
-              <a:t>werden</a:t>
-            </a:r>
-            <a:r>
-              <a:rPr lang="en-US" dirty="0" smtClean="0"/>
-              <a:t>.</a:t>
-            </a:r>
+              <a:rPr lang="en-US" dirty="0" smtClean="0"/>
+              <a:t>Was </a:t>
+            </a:r>
+            <a:r>
+              <a:rPr lang="en-US" dirty="0" err="1" smtClean="0"/>
+              <a:t>macht</a:t>
+            </a:r>
+            <a:r>
+              <a:rPr lang="en-US" dirty="0" smtClean="0"/>
+              <a:t> </a:t>
+            </a:r>
+            <a:r>
+              <a:rPr lang="en-US" dirty="0" err="1" smtClean="0"/>
+              <a:t>er</a:t>
+            </a:r>
+            <a:r>
+              <a:rPr lang="en-US" dirty="0" smtClean="0"/>
+              <a:t> morgen.</a:t>
+            </a:r>
+          </a:p>
+          <a:p>
+            <a:pPr lvl="1">
+              <a:spcAft>
+                <a:spcPts val="3000"/>
+              </a:spcAft>
+            </a:pPr>
+            <a:r>
+              <a:rPr lang="en-US" dirty="0" err="1" smtClean="0"/>
+              <a:t>Welche</a:t>
+            </a:r>
+            <a:r>
+              <a:rPr lang="en-US" dirty="0" smtClean="0"/>
+              <a:t> </a:t>
+            </a:r>
+            <a:r>
+              <a:rPr lang="en-US" dirty="0" err="1" smtClean="0"/>
+              <a:t>Hindernisse</a:t>
+            </a:r>
+            <a:r>
+              <a:rPr lang="en-US" dirty="0" smtClean="0"/>
+              <a:t> </a:t>
+            </a:r>
+            <a:r>
+              <a:rPr lang="en-US" dirty="0" err="1" smtClean="0"/>
+              <a:t>stören</a:t>
+            </a:r>
+            <a:r>
+              <a:rPr lang="en-US" dirty="0" smtClean="0"/>
+              <a:t> den </a:t>
+            </a:r>
+            <a:r>
+              <a:rPr lang="en-US" dirty="0" err="1" smtClean="0"/>
+              <a:t>Fortschritt</a:t>
+            </a:r>
+            <a:endParaRPr lang="en-US" dirty="0" smtClean="0"/>
+          </a:p>
+          <a:p>
+            <a:pPr marL="0" indent="0">
+              <a:spcAft>
+                <a:spcPts val="3000"/>
+              </a:spcAft>
+              <a:buNone/>
+            </a:pPr>
+            <a:endParaRPr lang="en-US" dirty="0"/>
+          </a:p>
+          <a:p>
+            <a:pPr lvl="1">
+              <a:spcAft>
+                <a:spcPts val="3000"/>
+              </a:spcAft>
+            </a:pPr>
+            <a:endParaRPr lang="en-US" dirty="0" smtClean="0"/>
+          </a:p>
+          <a:p>
+            <a:pPr marL="457200" lvl="1" indent="0">
+              <a:spcAft>
+                <a:spcPts val="3000"/>
+              </a:spcAft>
+              <a:buNone/>
+            </a:pPr>
+            <a:endParaRPr lang="en-US" dirty="0"/>
           </a:p>
         </p:txBody>
       </p:sp>
     </p:spTree>
     <p:extLst>
       <p:ext uri="{BB962C8B-B14F-4D97-AF65-F5344CB8AC3E}">
-        <p14:creationId xmlns:p14="http://schemas.microsoft.com/office/powerpoint/2010/main" val="779418708"/>
+        <p14:creationId xmlns:p14="http://schemas.microsoft.com/office/powerpoint/2010/main" val="1824563642"/>
       </p:ext>
     </p:extLst>
   </p:cSld>
@@ -9847,7 +9753,7 @@
           <a:p>
             <a:r>
               <a:rPr lang="en-US" dirty="0" err="1" smtClean="0"/>
-              <a:t>Nachteile</a:t>
+              <a:t>Vorteile</a:t>
             </a:r>
             <a:endParaRPr lang="en-US" sz="3600" dirty="0"/>
           </a:p>
@@ -9882,7 +9788,39 @@
             </a:pPr>
             <a:r>
               <a:rPr lang="en-US" dirty="0" smtClean="0"/>
-              <a:t>Das </a:t>
+              <a:t>Die </a:t>
+            </a:r>
+            <a:r>
+              <a:rPr lang="en-US" dirty="0" err="1" smtClean="0"/>
+              <a:t>inkrementelle</a:t>
+            </a:r>
+            <a:r>
+              <a:rPr lang="en-US" dirty="0" smtClean="0"/>
+              <a:t> </a:t>
+            </a:r>
+            <a:r>
+              <a:rPr lang="en-US" dirty="0" err="1" smtClean="0"/>
+              <a:t>Natur</a:t>
+            </a:r>
+            <a:r>
+              <a:rPr lang="en-US" dirty="0" smtClean="0"/>
+              <a:t> von Scrum </a:t>
+            </a:r>
+            <a:r>
+              <a:rPr lang="en-US" dirty="0" err="1" smtClean="0"/>
+              <a:t>bedeutet</a:t>
+            </a:r>
+            <a:r>
+              <a:rPr lang="en-US" dirty="0" smtClean="0"/>
+              <a:t>, </a:t>
+            </a:r>
+            <a:r>
+              <a:rPr lang="en-US" dirty="0" err="1" smtClean="0"/>
+              <a:t>dass</a:t>
+            </a:r>
+            <a:r>
+              <a:rPr lang="en-US" dirty="0" smtClean="0"/>
+              <a:t> das  </a:t>
             </a:r>
             <a:r>
               <a:rPr lang="en-US" dirty="0" err="1" smtClean="0"/>
@@ -9890,51 +9828,19 @@
             </a:r>
             <a:r>
               <a:rPr lang="en-US" dirty="0" smtClean="0"/>
-              <a:t> muss von </a:t>
-            </a:r>
-            <a:r>
-              <a:rPr lang="en-US" dirty="0" err="1" smtClean="0"/>
-              <a:t>Anfang</a:t>
-            </a:r>
-            <a:r>
-              <a:rPr lang="en-US" dirty="0" smtClean="0"/>
-              <a:t> an </a:t>
-            </a:r>
-            <a:r>
-              <a:rPr lang="en-US" dirty="0" err="1" smtClean="0"/>
-              <a:t>funktionieren</a:t>
-            </a:r>
-            <a:r>
-              <a:rPr lang="en-US" dirty="0" smtClean="0"/>
-              <a:t> und so </a:t>
-            </a:r>
-            <a:r>
-              <a:rPr lang="en-US" dirty="0" err="1" smtClean="0"/>
-              <a:t>gebaut</a:t>
-            </a:r>
-            <a:r>
-              <a:rPr lang="en-US" dirty="0" smtClean="0"/>
-              <a:t> sein, </a:t>
-            </a:r>
-            <a:r>
-              <a:rPr lang="en-US" dirty="0" err="1" smtClean="0"/>
-              <a:t>dass</a:t>
-            </a:r>
-            <a:r>
-              <a:rPr lang="en-US" dirty="0" smtClean="0"/>
-              <a:t> </a:t>
-            </a:r>
-            <a:r>
-              <a:rPr lang="en-US" dirty="0" err="1" smtClean="0"/>
-              <a:t>es</a:t>
-            </a:r>
-            <a:r>
-              <a:rPr lang="en-US" dirty="0" smtClean="0"/>
-              <a:t> </a:t>
-            </a:r>
-            <a:r>
-              <a:rPr lang="en-US" dirty="0" err="1" smtClean="0"/>
-              <a:t>erweitert</a:t>
+              <a:t> </a:t>
+            </a:r>
+            <a:r>
+              <a:rPr lang="en-US" dirty="0" err="1" smtClean="0"/>
+              <a:t>verkauft</a:t>
+            </a:r>
+            <a:r>
+              <a:rPr lang="en-US" dirty="0" smtClean="0"/>
+              <a:t>/</a:t>
+            </a:r>
+            <a:r>
+              <a:rPr lang="en-US" dirty="0" err="1" smtClean="0"/>
+              <a:t>geliefert</a:t>
             </a:r>
             <a:r>
               <a:rPr lang="en-US" dirty="0" smtClean="0"/>
@@ -9954,27 +9860,11 @@
             </a:r>
             <a:r>
               <a:rPr lang="en-US" dirty="0" smtClean="0"/>
-              <a:t>, was </a:t>
-            </a:r>
-            <a:r>
-              <a:rPr lang="en-US" dirty="0" err="1" smtClean="0"/>
-              <a:t>ein</a:t>
-            </a:r>
-            <a:r>
-              <a:rPr lang="en-US" dirty="0" smtClean="0"/>
-              <a:t> </a:t>
-            </a:r>
-            <a:r>
-              <a:rPr lang="en-US" dirty="0" err="1" smtClean="0"/>
-              <a:t>hohes</a:t>
-            </a:r>
-            <a:r>
-              <a:rPr lang="en-US" dirty="0" smtClean="0"/>
-              <a:t> </a:t>
-            </a:r>
-            <a:r>
-              <a:rPr lang="en-US" dirty="0" err="1" smtClean="0"/>
-              <a:t>Niveau</a:t>
+              <a:t>, </a:t>
+            </a:r>
+            <a:r>
+              <a:rPr lang="en-US" dirty="0" err="1" smtClean="0"/>
+              <a:t>während</a:t>
             </a:r>
             <a:r>
               <a:rPr lang="en-US" dirty="0" smtClean="0"/>
@@ -9982,15 +9872,15 @@
             </a:r>
             <a:r>
               <a:rPr lang="en-US" dirty="0" err="1" smtClean="0"/>
-              <a:t>Entwickler</a:t>
-            </a:r>
-            <a:r>
-              <a:rPr lang="en-US" dirty="0" smtClean="0"/>
-              <a:t> </a:t>
-            </a:r>
-            <a:r>
-              <a:rPr lang="en-US" dirty="0" err="1" smtClean="0"/>
-              <a:t>erfordert</a:t>
+              <a:t>Entwicklungsprozess</a:t>
+            </a:r>
+            <a:r>
+              <a:rPr lang="en-US" dirty="0" smtClean="0"/>
+              <a:t> </a:t>
+            </a:r>
+            <a:r>
+              <a:rPr lang="en-US" dirty="0" err="1" smtClean="0"/>
+              <a:t>voranschreitet</a:t>
             </a:r>
             <a:r>
               <a:rPr lang="en-US" dirty="0" smtClean="0"/>
@@ -10005,100 +9895,81 @@
             </a:pPr>
             <a:r>
               <a:rPr lang="en-US" dirty="0" err="1" smtClean="0"/>
-              <a:t>Fehlende</a:t>
-            </a:r>
-            <a:r>
-              <a:rPr lang="en-US" dirty="0" smtClean="0"/>
-              <a:t> </a:t>
-            </a:r>
-            <a:r>
-              <a:rPr lang="en-US" dirty="0" err="1" smtClean="0"/>
-              <a:t>oder</a:t>
-            </a:r>
-            <a:r>
-              <a:rPr lang="en-US" dirty="0" smtClean="0"/>
-              <a:t> </a:t>
-            </a:r>
-            <a:r>
-              <a:rPr lang="en-US" dirty="0" err="1" smtClean="0"/>
-              <a:t>schlechte</a:t>
-            </a:r>
-            <a:r>
-              <a:rPr lang="en-US" dirty="0" smtClean="0"/>
-              <a:t> </a:t>
-            </a:r>
-            <a:r>
-              <a:rPr lang="en-US" dirty="0" err="1" smtClean="0"/>
-              <a:t>Kommunikation</a:t>
-            </a:r>
-            <a:r>
-              <a:rPr lang="en-US" dirty="0" smtClean="0"/>
-              <a:t> </a:t>
-            </a:r>
-            <a:r>
-              <a:rPr lang="en-US" dirty="0" err="1" smtClean="0"/>
-              <a:t>oder</a:t>
-            </a:r>
-            <a:r>
-              <a:rPr lang="en-US" dirty="0" smtClean="0"/>
-              <a:t> </a:t>
-            </a:r>
-            <a:r>
-              <a:rPr lang="en-US" dirty="0" err="1" smtClean="0"/>
-              <a:t>ein</a:t>
-            </a:r>
-            <a:r>
-              <a:rPr lang="en-US" dirty="0" smtClean="0"/>
-              <a:t> </a:t>
+              <a:t>Es</a:t>
+            </a:r>
+            <a:r>
+              <a:rPr lang="en-US" dirty="0" smtClean="0"/>
+              <a:t> </a:t>
+            </a:r>
+            <a:r>
+              <a:rPr lang="en-US" dirty="0" err="1" smtClean="0"/>
+              <a:t>wird</a:t>
+            </a:r>
+            <a:r>
+              <a:rPr lang="en-US" dirty="0" smtClean="0"/>
+              <a:t> </a:t>
+            </a:r>
+            <a:r>
+              <a:rPr lang="en-US" dirty="0" err="1" smtClean="0"/>
+              <a:t>nach</a:t>
+            </a:r>
+            <a:r>
+              <a:rPr lang="en-US" dirty="0" smtClean="0"/>
+              <a:t> </a:t>
+            </a:r>
+            <a:r>
+              <a:rPr lang="en-US" dirty="0" err="1" smtClean="0"/>
+              <a:t>jeder</a:t>
+            </a:r>
+            <a:r>
+              <a:rPr lang="en-US" dirty="0" smtClean="0"/>
+              <a:t> Iteration </a:t>
+            </a:r>
+            <a:r>
+              <a:rPr lang="en-US" dirty="0" err="1" smtClean="0"/>
+              <a:t>getestet</a:t>
+            </a:r>
+            <a:r>
+              <a:rPr lang="en-US" dirty="0" smtClean="0"/>
+              <a:t> und </a:t>
             </a:r>
             <a:r>
               <a:rPr lang="en-US" dirty="0" err="1" smtClean="0"/>
               <a:t>nicht</a:t>
             </a:r>
             <a:r>
-              <a:rPr lang="en-US" dirty="0" smtClean="0"/>
-              <a:t> </a:t>
-            </a:r>
-            <a:r>
-              <a:rPr lang="en-US" dirty="0" err="1" smtClean="0"/>
-              <a:t>harmonisierendes</a:t>
-            </a:r>
-            <a:r>
-              <a:rPr lang="en-US" dirty="0" smtClean="0"/>
-              <a:t> Team </a:t>
-            </a:r>
-            <a:r>
-              <a:rPr lang="en-US" dirty="0" err="1" smtClean="0"/>
-              <a:t>können</a:t>
-            </a:r>
-            <a:r>
-              <a:rPr lang="en-US" dirty="0" smtClean="0"/>
-              <a:t> den </a:t>
-            </a:r>
-            <a:r>
-              <a:rPr lang="en-US" dirty="0" err="1" smtClean="0"/>
-              <a:t>Erfolg</a:t>
-            </a:r>
-            <a:r>
-              <a:rPr lang="en-US" dirty="0" smtClean="0"/>
-              <a:t> des </a:t>
-            </a:r>
-            <a:r>
-              <a:rPr lang="en-US" dirty="0" err="1" smtClean="0"/>
-              <a:t>Projektes</a:t>
-            </a:r>
-            <a:r>
-              <a:rPr lang="en-US" dirty="0" smtClean="0"/>
-              <a:t> </a:t>
-            </a:r>
-            <a:r>
-              <a:rPr lang="en-US" dirty="0" err="1" smtClean="0"/>
-              <a:t>gefährden</a:t>
+              <a:rPr lang="en-US" dirty="0"/>
+              <a:t> </a:t>
+            </a:r>
+            <a:r>
+              <a:rPr lang="en-US" dirty="0" err="1" smtClean="0"/>
+              <a:t>erst</a:t>
+            </a:r>
+            <a:r>
+              <a:rPr lang="en-US" dirty="0"/>
+              <a:t> </a:t>
+            </a:r>
+            <a:r>
+              <a:rPr lang="en-US" dirty="0" smtClean="0"/>
+              <a:t>am </a:t>
+            </a:r>
+            <a:r>
+              <a:rPr lang="en-US" dirty="0" err="1" smtClean="0"/>
+              <a:t>Ende</a:t>
+            </a:r>
+            <a:r>
+              <a:rPr lang="en-US" dirty="0" smtClean="0"/>
+              <a:t> der </a:t>
+            </a:r>
+            <a:r>
+              <a:rPr lang="en-US" dirty="0" err="1" smtClean="0"/>
+              <a:t>Projektentwicklung</a:t>
             </a:r>
             <a:r>
               <a:rPr lang="en-US" dirty="0" smtClean="0"/>
               <a:t>.</a:t>
             </a:r>
+            <a:endParaRPr lang="en-US" dirty="0"/>
           </a:p>
           <a:p>
             <a:pPr>
@@ -10108,77 +9979,67 @@
             </a:pPr>
             <a:r>
               <a:rPr lang="en-US" dirty="0" err="1" smtClean="0"/>
-              <a:t>Rollenkonflikte</a:t>
-            </a:r>
-            <a:r>
-              <a:rPr lang="en-US" dirty="0" smtClean="0"/>
-              <a:t>. </a:t>
-            </a:r>
-            <a:r>
-              <a:rPr lang="en-US" dirty="0" err="1" smtClean="0"/>
-              <a:t>Selbstorganisation</a:t>
-            </a:r>
-            <a:r>
-              <a:rPr lang="en-US" dirty="0" smtClean="0"/>
-              <a:t> </a:t>
-            </a:r>
-            <a:r>
-              <a:rPr lang="en-US" dirty="0" err="1" smtClean="0"/>
-              <a:t>bedeutet</a:t>
-            </a:r>
-            <a:r>
-              <a:rPr lang="en-US" dirty="0" smtClean="0"/>
-              <a:t>, </a:t>
-            </a:r>
-            <a:r>
-              <a:rPr lang="en-US" dirty="0" err="1" smtClean="0"/>
-              <a:t>dass</a:t>
-            </a:r>
-            <a:r>
-              <a:rPr lang="en-US" dirty="0" smtClean="0"/>
-              <a:t> </a:t>
-            </a:r>
-            <a:r>
-              <a:rPr lang="en-US" dirty="0" err="1" smtClean="0"/>
-              <a:t>Hierarchien</a:t>
-            </a:r>
-            <a:r>
-              <a:rPr lang="en-US" dirty="0" smtClean="0"/>
-              <a:t> in </a:t>
-            </a:r>
-            <a:r>
-              <a:rPr lang="en-US" dirty="0" err="1" smtClean="0"/>
-              <a:t>Fragen</a:t>
-            </a:r>
-            <a:r>
-              <a:rPr lang="en-US" dirty="0" smtClean="0"/>
-              <a:t> </a:t>
-            </a:r>
-            <a:r>
-              <a:rPr lang="en-US" dirty="0" err="1" smtClean="0"/>
-              <a:t>gestellt</a:t>
-            </a:r>
-            <a:r>
-              <a:rPr lang="en-US" dirty="0" smtClean="0"/>
-              <a:t> warden.</a:t>
-            </a:r>
-            <a:endParaRPr lang="en-US" dirty="0"/>
-          </a:p>
-          <a:p>
-            <a:pPr marL="0" indent="0">
-              <a:spcAft>
-                <a:spcPts val="3000"/>
-              </a:spcAft>
-              <a:buNone/>
-            </a:pPr>
-            <a:endParaRPr lang="en-US" dirty="0"/>
+              <a:t>Zieländerungen</a:t>
+            </a:r>
+            <a:r>
+              <a:rPr lang="en-US" dirty="0" smtClean="0"/>
+              <a:t> </a:t>
+            </a:r>
+            <a:r>
+              <a:rPr lang="en-US" dirty="0" err="1" smtClean="0"/>
+              <a:t>während</a:t>
+            </a:r>
+            <a:r>
+              <a:rPr lang="en-US" dirty="0" smtClean="0"/>
+              <a:t> der </a:t>
+            </a:r>
+            <a:r>
+              <a:rPr lang="en-US" dirty="0" err="1" smtClean="0"/>
+              <a:t>Entwicklung</a:t>
+            </a:r>
+            <a:r>
+              <a:rPr lang="en-US" dirty="0" smtClean="0"/>
+              <a:t> </a:t>
+            </a:r>
+            <a:r>
+              <a:rPr lang="en-US" dirty="0" err="1" smtClean="0"/>
+              <a:t>können</a:t>
+            </a:r>
+            <a:r>
+              <a:rPr lang="en-US" dirty="0" smtClean="0"/>
+              <a:t> </a:t>
+            </a:r>
+            <a:r>
+              <a:rPr lang="en-US" dirty="0" err="1" smtClean="0"/>
+              <a:t>jederzeit</a:t>
+            </a:r>
+            <a:r>
+              <a:rPr lang="en-US" dirty="0" smtClean="0"/>
+              <a:t> </a:t>
+            </a:r>
+            <a:r>
+              <a:rPr lang="en-US" dirty="0" err="1" smtClean="0"/>
+              <a:t>berücksichtigt</a:t>
+            </a:r>
+            <a:r>
+              <a:rPr lang="en-US" dirty="0" smtClean="0"/>
+              <a:t> </a:t>
+            </a:r>
+            <a:r>
+              <a:rPr lang="en-US" dirty="0" err="1" smtClean="0"/>
+              <a:t>werden</a:t>
+            </a:r>
+            <a:r>
+              <a:rPr lang="en-US" dirty="0" smtClean="0"/>
+              <a:t>.</a:t>
+            </a:r>
           </a:p>
         </p:txBody>
       </p:sp>
     </p:spTree>
     <p:extLst>
       <p:ext uri="{BB962C8B-B14F-4D97-AF65-F5344CB8AC3E}">
-        <p14:creationId xmlns:p14="http://schemas.microsoft.com/office/powerpoint/2010/main" val="197314086"/>
+        <p14:creationId xmlns:p14="http://schemas.microsoft.com/office/powerpoint/2010/main" val="779418708"/>
       </p:ext>
     </p:extLst>
   </p:cSld>
@@ -10341,6 +10202,388 @@
             <p:ph type="title"/>
           </p:nvPr>
         </p:nvSpPr>
+        <p:spPr/>
+        <p:txBody>
+          <a:bodyPr/>
+          <a:lstStyle/>
+          <a:p>
+            <a:r>
+              <a:rPr lang="en-US" dirty="0" err="1" smtClean="0"/>
+              <a:t>Nachteile</a:t>
+            </a:r>
+            <a:endParaRPr lang="en-US" sz="3600" dirty="0"/>
+          </a:p>
+        </p:txBody>
+      </p:sp>
+      <p:sp>
+        <p:nvSpPr>
+          <p:cNvPr id="4" name="Content Placeholder 2"/>
+          <p:cNvSpPr>
+            <a:spLocks noGrp="1"/>
+          </p:cNvSpPr>
+          <p:nvPr>
+            <p:ph idx="1"/>
+          </p:nvPr>
+        </p:nvSpPr>
+        <p:spPr>
+          <a:xfrm>
+            <a:off x="457200" y="1746356"/>
+            <a:ext cx="8229600" cy="4379807"/>
+          </a:xfrm>
+        </p:spPr>
+        <p:txBody>
+          <a:bodyPr>
+            <a:normAutofit/>
+          </a:bodyPr>
+          <a:lstStyle/>
+          <a:p>
+            <a:pPr>
+              <a:spcAft>
+                <a:spcPts val="3000"/>
+              </a:spcAft>
+            </a:pPr>
+            <a:r>
+              <a:rPr lang="en-US" dirty="0" smtClean="0"/>
+              <a:t>Das </a:t>
+            </a:r>
+            <a:r>
+              <a:rPr lang="en-US" dirty="0" err="1" smtClean="0"/>
+              <a:t>Produkt</a:t>
+            </a:r>
+            <a:r>
+              <a:rPr lang="en-US" dirty="0" smtClean="0"/>
+              <a:t> muss von </a:t>
+            </a:r>
+            <a:r>
+              <a:rPr lang="en-US" dirty="0" err="1" smtClean="0"/>
+              <a:t>Anfang</a:t>
+            </a:r>
+            <a:r>
+              <a:rPr lang="en-US" dirty="0" smtClean="0"/>
+              <a:t> an </a:t>
+            </a:r>
+            <a:r>
+              <a:rPr lang="en-US" dirty="0" err="1" smtClean="0"/>
+              <a:t>funktionieren</a:t>
+            </a:r>
+            <a:r>
+              <a:rPr lang="en-US" dirty="0" smtClean="0"/>
+              <a:t> und so </a:t>
+            </a:r>
+            <a:r>
+              <a:rPr lang="en-US" dirty="0" err="1" smtClean="0"/>
+              <a:t>gebaut</a:t>
+            </a:r>
+            <a:r>
+              <a:rPr lang="en-US" dirty="0" smtClean="0"/>
+              <a:t> sein, </a:t>
+            </a:r>
+            <a:r>
+              <a:rPr lang="en-US" dirty="0" err="1" smtClean="0"/>
+              <a:t>dass</a:t>
+            </a:r>
+            <a:r>
+              <a:rPr lang="en-US" dirty="0" smtClean="0"/>
+              <a:t> </a:t>
+            </a:r>
+            <a:r>
+              <a:rPr lang="en-US" dirty="0" err="1" smtClean="0"/>
+              <a:t>es</a:t>
+            </a:r>
+            <a:r>
+              <a:rPr lang="en-US" dirty="0" smtClean="0"/>
+              <a:t> </a:t>
+            </a:r>
+            <a:r>
+              <a:rPr lang="en-US" dirty="0" err="1" smtClean="0"/>
+              <a:t>erweitert</a:t>
+            </a:r>
+            <a:r>
+              <a:rPr lang="en-US" dirty="0" smtClean="0"/>
+              <a:t> </a:t>
+            </a:r>
+            <a:r>
+              <a:rPr lang="en-US" dirty="0" err="1" smtClean="0"/>
+              <a:t>werden</a:t>
+            </a:r>
+            <a:r>
+              <a:rPr lang="en-US" dirty="0" smtClean="0"/>
+              <a:t> </a:t>
+            </a:r>
+            <a:r>
+              <a:rPr lang="en-US" dirty="0" err="1" smtClean="0"/>
+              <a:t>kann</a:t>
+            </a:r>
+            <a:r>
+              <a:rPr lang="en-US" dirty="0" smtClean="0"/>
+              <a:t>, was </a:t>
+            </a:r>
+            <a:r>
+              <a:rPr lang="en-US" dirty="0" err="1" smtClean="0"/>
+              <a:t>ein</a:t>
+            </a:r>
+            <a:r>
+              <a:rPr lang="en-US" dirty="0" smtClean="0"/>
+              <a:t> </a:t>
+            </a:r>
+            <a:r>
+              <a:rPr lang="en-US" dirty="0" err="1" smtClean="0"/>
+              <a:t>hohes</a:t>
+            </a:r>
+            <a:r>
+              <a:rPr lang="en-US" dirty="0" smtClean="0"/>
+              <a:t> </a:t>
+            </a:r>
+            <a:r>
+              <a:rPr lang="en-US" dirty="0" err="1" smtClean="0"/>
+              <a:t>Niveau</a:t>
+            </a:r>
+            <a:r>
+              <a:rPr lang="en-US" dirty="0" smtClean="0"/>
+              <a:t> der </a:t>
+            </a:r>
+            <a:r>
+              <a:rPr lang="en-US" dirty="0" err="1" smtClean="0"/>
+              <a:t>Entwickler</a:t>
+            </a:r>
+            <a:r>
+              <a:rPr lang="en-US" dirty="0" smtClean="0"/>
+              <a:t> </a:t>
+            </a:r>
+            <a:r>
+              <a:rPr lang="en-US" dirty="0" err="1" smtClean="0"/>
+              <a:t>erfordert</a:t>
+            </a:r>
+            <a:r>
+              <a:rPr lang="en-US" dirty="0" smtClean="0"/>
+              <a:t>.</a:t>
+            </a:r>
+          </a:p>
+          <a:p>
+            <a:pPr>
+              <a:spcAft>
+                <a:spcPts val="3000"/>
+              </a:spcAft>
+            </a:pPr>
+            <a:r>
+              <a:rPr lang="en-US" dirty="0" err="1" smtClean="0"/>
+              <a:t>Fehlende</a:t>
+            </a:r>
+            <a:r>
+              <a:rPr lang="en-US" dirty="0" smtClean="0"/>
+              <a:t> </a:t>
+            </a:r>
+            <a:r>
+              <a:rPr lang="en-US" dirty="0" err="1" smtClean="0"/>
+              <a:t>oder</a:t>
+            </a:r>
+            <a:r>
+              <a:rPr lang="en-US" dirty="0" smtClean="0"/>
+              <a:t> </a:t>
+            </a:r>
+            <a:r>
+              <a:rPr lang="en-US" dirty="0" err="1" smtClean="0"/>
+              <a:t>schlechte</a:t>
+            </a:r>
+            <a:r>
+              <a:rPr lang="en-US" dirty="0" smtClean="0"/>
+              <a:t> </a:t>
+            </a:r>
+            <a:r>
+              <a:rPr lang="en-US" dirty="0" err="1" smtClean="0"/>
+              <a:t>Kommunikation</a:t>
+            </a:r>
+            <a:r>
+              <a:rPr lang="en-US" dirty="0" smtClean="0"/>
+              <a:t> </a:t>
+            </a:r>
+            <a:r>
+              <a:rPr lang="en-US" dirty="0" err="1" smtClean="0"/>
+              <a:t>oder</a:t>
+            </a:r>
+            <a:r>
+              <a:rPr lang="en-US" dirty="0" smtClean="0"/>
+              <a:t> </a:t>
+            </a:r>
+            <a:r>
+              <a:rPr lang="en-US" dirty="0" err="1" smtClean="0"/>
+              <a:t>ein</a:t>
+            </a:r>
+            <a:r>
+              <a:rPr lang="en-US" dirty="0" smtClean="0"/>
+              <a:t> </a:t>
+            </a:r>
+            <a:r>
+              <a:rPr lang="en-US" dirty="0" err="1" smtClean="0"/>
+              <a:t>nicht</a:t>
+            </a:r>
+            <a:r>
+              <a:rPr lang="en-US" dirty="0" smtClean="0"/>
+              <a:t> </a:t>
+            </a:r>
+            <a:r>
+              <a:rPr lang="en-US" dirty="0" err="1" smtClean="0"/>
+              <a:t>harmonisierendes</a:t>
+            </a:r>
+            <a:r>
+              <a:rPr lang="en-US" dirty="0" smtClean="0"/>
+              <a:t> Team </a:t>
+            </a:r>
+            <a:r>
+              <a:rPr lang="en-US" dirty="0" err="1" smtClean="0"/>
+              <a:t>können</a:t>
+            </a:r>
+            <a:r>
+              <a:rPr lang="en-US" dirty="0" smtClean="0"/>
+              <a:t> den </a:t>
+            </a:r>
+            <a:r>
+              <a:rPr lang="en-US" dirty="0" err="1" smtClean="0"/>
+              <a:t>Erfolg</a:t>
+            </a:r>
+            <a:r>
+              <a:rPr lang="en-US" dirty="0" smtClean="0"/>
+              <a:t> des </a:t>
+            </a:r>
+            <a:r>
+              <a:rPr lang="en-US" dirty="0" err="1" smtClean="0"/>
+              <a:t>Projektes</a:t>
+            </a:r>
+            <a:r>
+              <a:rPr lang="en-US" dirty="0" smtClean="0"/>
+              <a:t> </a:t>
+            </a:r>
+            <a:r>
+              <a:rPr lang="en-US" dirty="0" err="1" smtClean="0"/>
+              <a:t>gefährden</a:t>
+            </a:r>
+            <a:r>
+              <a:rPr lang="en-US" dirty="0" smtClean="0"/>
+              <a:t>.</a:t>
+            </a:r>
+          </a:p>
+          <a:p>
+            <a:pPr>
+              <a:spcAft>
+                <a:spcPts val="3000"/>
+              </a:spcAft>
+            </a:pPr>
+            <a:r>
+              <a:rPr lang="en-US" dirty="0" err="1" smtClean="0"/>
+              <a:t>Rollenkonflikte</a:t>
+            </a:r>
+            <a:r>
+              <a:rPr lang="en-US" dirty="0" smtClean="0"/>
+              <a:t>. </a:t>
+            </a:r>
+            <a:r>
+              <a:rPr lang="en-US" dirty="0" err="1" smtClean="0"/>
+              <a:t>Selbstorganisation</a:t>
+            </a:r>
+            <a:r>
+              <a:rPr lang="en-US" dirty="0" smtClean="0"/>
+              <a:t> </a:t>
+            </a:r>
+            <a:r>
+              <a:rPr lang="en-US" dirty="0" err="1" smtClean="0"/>
+              <a:t>bedeutet</a:t>
+            </a:r>
+            <a:r>
+              <a:rPr lang="en-US" dirty="0" smtClean="0"/>
+              <a:t>, </a:t>
+            </a:r>
+            <a:r>
+              <a:rPr lang="en-US" dirty="0" err="1" smtClean="0"/>
+              <a:t>dass</a:t>
+            </a:r>
+            <a:r>
+              <a:rPr lang="en-US" dirty="0" smtClean="0"/>
+              <a:t> </a:t>
+            </a:r>
+            <a:r>
+              <a:rPr lang="en-US" dirty="0" err="1" smtClean="0"/>
+              <a:t>Hierarchien</a:t>
+            </a:r>
+            <a:r>
+              <a:rPr lang="en-US" dirty="0" smtClean="0"/>
+              <a:t> in </a:t>
+            </a:r>
+            <a:r>
+              <a:rPr lang="en-US" dirty="0" err="1" smtClean="0"/>
+              <a:t>Fragen</a:t>
+            </a:r>
+            <a:r>
+              <a:rPr lang="en-US" dirty="0" smtClean="0"/>
+              <a:t> </a:t>
+            </a:r>
+            <a:r>
+              <a:rPr lang="en-US" dirty="0" err="1" smtClean="0"/>
+              <a:t>gestellt</a:t>
+            </a:r>
+            <a:r>
+              <a:rPr lang="en-US" dirty="0" smtClean="0"/>
+              <a:t> warden.</a:t>
+            </a:r>
+            <a:endParaRPr lang="en-US" dirty="0"/>
+          </a:p>
+          <a:p>
+            <a:pPr marL="0" indent="0">
+              <a:spcAft>
+                <a:spcPts val="3000"/>
+              </a:spcAft>
+              <a:buNone/>
+            </a:pPr>
+            <a:endParaRPr lang="en-US" dirty="0"/>
+          </a:p>
+        </p:txBody>
+      </p:sp>
+    </p:spTree>
+    <p:extLst>
+      <p:ext uri="{BB962C8B-B14F-4D97-AF65-F5344CB8AC3E}">
+        <p14:creationId xmlns:p14="http://schemas.microsoft.com/office/powerpoint/2010/main" val="197314086"/>
+      </p:ext>
+    </p:extLst>
+  </p:cSld>
+  <p:clrMapOvr>
+    <a:masterClrMapping/>
+  </p:clrMapOvr>
+  <p:timing>
+    <p:tnLst>
+      <p:par>
+        <p:cTn id="1" dur="indefinite" restart="never" nodeType="tmRoot"/>
+      </p:par>
+    </p:tnLst>
+  </p:timing>
+</p:sld>
+</file>
+
+<file path=ppt/slides/slide31.xml><?xml version="1.0" encoding="utf-8"?>
+<p:sld xmlns:a="http://schemas.openxmlformats.org/drawingml/2006/main" xmlns:r="http://schemas.openxmlformats.org/officeDocument/2006/relationships" xmlns:p="http://schemas.openxmlformats.org/presentationml/2006/main">
+  <p:cSld>
+    <p:spTree>
+      <p:nvGrpSpPr>
+        <p:cNvPr id="1" name=""/>
+        <p:cNvGrpSpPr/>
+        <p:nvPr/>
+      </p:nvGrpSpPr>
+      <p:grpSpPr>
+        <a:xfrm>
+          <a:off x="0" y="0"/>
+          <a:ext cx="0" cy="0"/>
+          <a:chOff x="0" y="0"/>
+          <a:chExt cx="0" cy="0"/>
+        </a:xfrm>
+      </p:grpSpPr>
+      <p:sp>
+        <p:nvSpPr>
+          <p:cNvPr id="2" name="Title 1"/>
+          <p:cNvSpPr>
+            <a:spLocks noGrp="1"/>
+          </p:cNvSpPr>
+          <p:nvPr>
+            <p:ph type="title"/>
+          </p:nvPr>
+        </p:nvSpPr>
         <p:spPr>
           <a:xfrm>
             <a:off x="539671" y="2045133"/>
@@ -11698,7 +11941,31 @@
           <a:p>
             <a:r>
               <a:rPr lang="en-US" dirty="0" err="1" smtClean="0"/>
-              <a:t>Rollenverteilung</a:t>
+              <a:t>Empirische</a:t>
+            </a:r>
+            <a:r>
+              <a:rPr lang="en-US" dirty="0" smtClean="0"/>
+              <a:t> </a:t>
+            </a:r>
+            <a:r>
+              <a:rPr lang="en-US" dirty="0" err="1" smtClean="0"/>
+              <a:t>Verbesserung</a:t>
+            </a:r>
+            <a:r>
+              <a:rPr lang="en-US" dirty="0" smtClean="0"/>
+              <a:t> </a:t>
+            </a:r>
+            <a:r>
+              <a:rPr lang="en-US" dirty="0" err="1" smtClean="0"/>
+              <a:t>fußt</a:t>
+            </a:r>
+            <a:r>
+              <a:rPr lang="en-US" dirty="0" smtClean="0"/>
+              <a:t> auf 3 </a:t>
+            </a:r>
+            <a:r>
+              <a:rPr lang="en-US" dirty="0" err="1" smtClean="0"/>
+              <a:t>Säulen</a:t>
             </a:r>
             <a:endParaRPr lang="en-US" dirty="0"/>
           </a:p>
@@ -11722,74 +11989,79 @@
         </p:spPr>
         <p:txBody>
           <a:bodyPr>
-            <a:normAutofit/>
+            <a:normAutofit fontScale="92500" lnSpcReduction="10000"/>
           </a:bodyPr>
           <a:lstStyle/>
           <a:p>
-            <a:pPr>
-              <a:lnSpc>
-                <a:spcPct val="200000"/>
-              </a:lnSpc>
-              <a:spcAft>
-                <a:spcPts val="3000"/>
-              </a:spcAft>
-            </a:pPr>
-            <a:r>
-              <a:rPr lang="en-US" sz="2800" i="1" dirty="0" err="1" smtClean="0"/>
-              <a:t>Ein</a:t>
-            </a:r>
-            <a:r>
-              <a:rPr lang="en-US" sz="2800" dirty="0" smtClean="0"/>
-              <a:t> Product Owner</a:t>
-            </a:r>
-          </a:p>
-          <a:p>
-            <a:pPr>
-              <a:lnSpc>
-                <a:spcPct val="200000"/>
-              </a:lnSpc>
-              <a:spcAft>
-                <a:spcPts val="3000"/>
-              </a:spcAft>
-            </a:pPr>
-            <a:r>
-              <a:rPr lang="en-US" sz="2800" i="1" dirty="0" err="1" smtClean="0"/>
-              <a:t>Ein</a:t>
-            </a:r>
-            <a:r>
-              <a:rPr lang="en-US" sz="2800" dirty="0" smtClean="0"/>
-              <a:t> Scrum Manager</a:t>
-            </a:r>
-          </a:p>
-          <a:p>
-            <a:pPr>
-              <a:lnSpc>
-                <a:spcPct val="200000"/>
-              </a:lnSpc>
-              <a:spcAft>
-                <a:spcPts val="3000"/>
-              </a:spcAft>
-            </a:pPr>
-            <a:r>
-              <a:rPr lang="en-US" sz="2800" dirty="0" err="1" smtClean="0"/>
-              <a:t>Ein</a:t>
-            </a:r>
-            <a:r>
-              <a:rPr lang="en-US" sz="2800" dirty="0" smtClean="0"/>
-              <a:t> </a:t>
-            </a:r>
-            <a:r>
-              <a:rPr lang="en-US" sz="2800" dirty="0" err="1" smtClean="0"/>
-              <a:t>Entwicklerteam</a:t>
-            </a:r>
-            <a:endParaRPr lang="en-US" sz="2800" dirty="0"/>
+            <a:r>
+              <a:rPr lang="de-DE" b="1" dirty="0"/>
+              <a:t>Transparenz</a:t>
+            </a:r>
+            <a:r>
+              <a:rPr lang="de-DE" dirty="0"/>
+              <a:t>: Fortschritt und Hindernisse eines Projektes werden regelmäßig und für alle sichtbar festgehalten</a:t>
+            </a:r>
+            <a:r>
+              <a:rPr lang="de-DE" dirty="0" smtClean="0"/>
+              <a:t>.</a:t>
+            </a:r>
+          </a:p>
+          <a:p>
+            <a:endParaRPr lang="de-DE" dirty="0"/>
+          </a:p>
+          <a:p>
+            <a:r>
+              <a:rPr lang="de-DE" b="1" dirty="0"/>
+              <a:t>Überprüfung</a:t>
+            </a:r>
+            <a:r>
+              <a:rPr lang="de-DE" dirty="0"/>
+              <a:t>: Projektergebnisse und Funktionalitäten werden regelmäßig abgeliefert und bewertet.</a:t>
+            </a:r>
+          </a:p>
+          <a:p>
+            <a:endParaRPr lang="de-DE" dirty="0"/>
+          </a:p>
+          <a:p>
+            <a:r>
+              <a:rPr lang="de-DE" b="1" dirty="0"/>
+              <a:t>Anpassung</a:t>
+            </a:r>
+            <a:r>
+              <a:rPr lang="de-DE" dirty="0"/>
+              <a:t>: </a:t>
+            </a:r>
+            <a:r>
+              <a:rPr lang="de-DE" dirty="0" smtClean="0"/>
+              <a:t>Anforderungen</a:t>
+            </a:r>
+            <a:r>
+              <a:rPr lang="de-DE" dirty="0"/>
+              <a:t> an das Produkt, Pläne und Vorgehen werden nicht ein für alle Mal festgelegt, sondern kontinuierlich und detailliert angepasst. </a:t>
+            </a:r>
+            <a:r>
+              <a:rPr lang="de-DE" dirty="0" err="1"/>
+              <a:t>Scrum</a:t>
+            </a:r>
+            <a:r>
+              <a:rPr lang="de-DE" dirty="0"/>
+              <a:t> reduziert die Komplexität der Aufgabe nicht, strukturiert sie aber in kleinere und weniger komplexe Bestandteile, die </a:t>
+            </a:r>
+            <a:r>
+              <a:rPr lang="de-DE" dirty="0" smtClean="0"/>
+              <a:t>Inkremente.</a:t>
+            </a:r>
+            <a:endParaRPr lang="de-DE" dirty="0"/>
+          </a:p>
+          <a:p>
+            <a:endParaRPr lang="de-DE" dirty="0"/>
           </a:p>
         </p:txBody>
       </p:sp>
     </p:spTree>
     <p:extLst>
       <p:ext uri="{BB962C8B-B14F-4D97-AF65-F5344CB8AC3E}">
-        <p14:creationId xmlns:p14="http://schemas.microsoft.com/office/powerpoint/2010/main" val="1537407880"/>
+        <p14:creationId xmlns:p14="http://schemas.microsoft.com/office/powerpoint/2010/main" val="3037469954"/>
       </p:ext>
     </p:extLst>
   </p:cSld>
